--- a/Capstone1/Capstone1_Reports/Capstone1_Presentation.pptx
+++ b/Capstone1/Capstone1_Reports/Capstone1_Presentation.pptx
@@ -5,10 +5,10 @@
     <p:sldMasterId id="2147483648" r:id="rId4"/>
   </p:sldMasterIdLst>
   <p:notesMasterIdLst>
-    <p:notesMasterId r:id="rId20"/>
+    <p:notesMasterId r:id="rId21"/>
   </p:notesMasterIdLst>
   <p:handoutMasterIdLst>
-    <p:handoutMasterId r:id="rId21"/>
+    <p:handoutMasterId r:id="rId22"/>
   </p:handoutMasterIdLst>
   <p:sldIdLst>
     <p:sldId id="256" r:id="rId5"/>
@@ -22,10 +22,11 @@
     <p:sldId id="275" r:id="rId13"/>
     <p:sldId id="276" r:id="rId14"/>
     <p:sldId id="278" r:id="rId15"/>
-    <p:sldId id="277" r:id="rId16"/>
-    <p:sldId id="281" r:id="rId17"/>
-    <p:sldId id="279" r:id="rId18"/>
-    <p:sldId id="282" r:id="rId19"/>
+    <p:sldId id="282" r:id="rId16"/>
+    <p:sldId id="283" r:id="rId17"/>
+    <p:sldId id="284" r:id="rId18"/>
+    <p:sldId id="285" r:id="rId19"/>
+    <p:sldId id="286" r:id="rId20"/>
   </p:sldIdLst>
   <p:sldSz cx="12192000" cy="6858000"/>
   <p:notesSz cx="6858000" cy="9144000"/>
@@ -245,7 +246,7 @@
           <a:p>
             <a:fld id="{872BFC85-49E4-447A-A7E3-16153CB2FE2A}" type="datetimeFigureOut">
               <a:rPr lang="en-US" smtClean="0"/>
-              <a:t>5/12/19</a:t>
+              <a:t>6/25/19</a:t>
             </a:fld>
             <a:endParaRPr lang="en-US" dirty="0"/>
           </a:p>
@@ -422,7 +423,7 @@
           <a:p>
             <a:fld id="{1071B50E-4C60-4F9E-B773-52059170945B}" type="datetimeFigureOut">
               <a:rPr lang="en-US" noProof="0" smtClean="0"/>
-              <a:t>5/12/19</a:t>
+              <a:t>6/25/19</a:t>
             </a:fld>
             <a:endParaRPr lang="en-US" noProof="0" dirty="0"/>
           </a:p>
@@ -1131,7 +1132,7 @@
   <p:clrMapOvr>
     <a:masterClrMapping/>
   </p:clrMapOvr>
-  <p:extLst mod="1">
+  <p:extLst>
     <p:ext uri="{DCECCB84-F9BA-43D5-87BE-67443E8EF086}">
       <p15:sldGuideLst xmlns:p15="http://schemas.microsoft.com/office/powerpoint/2012/main">
         <p15:guide id="1" orient="horz" pos="2160">
@@ -1510,7 +1511,7 @@
   <p:clrMapOvr>
     <a:masterClrMapping/>
   </p:clrMapOvr>
-  <p:extLst mod="1">
+  <p:extLst>
     <p:ext uri="{DCECCB84-F9BA-43D5-87BE-67443E8EF086}">
       <p15:sldGuideLst xmlns:p15="http://schemas.microsoft.com/office/powerpoint/2012/main">
         <p15:guide id="1" orient="horz" pos="2160">
@@ -2154,7 +2155,7 @@
   <p:clrMapOvr>
     <a:masterClrMapping/>
   </p:clrMapOvr>
-  <p:extLst mod="1">
+  <p:extLst>
     <p:ext uri="{DCECCB84-F9BA-43D5-87BE-67443E8EF086}">
       <p15:sldGuideLst xmlns:p15="http://schemas.microsoft.com/office/powerpoint/2012/main">
         <p15:guide id="1" orient="horz" pos="2183">
@@ -2723,7 +2724,7 @@
   <p:clrMapOvr>
     <a:masterClrMapping/>
   </p:clrMapOvr>
-  <p:extLst mod="1">
+  <p:extLst>
     <p:ext uri="{DCECCB84-F9BA-43D5-87BE-67443E8EF086}">
       <p15:sldGuideLst xmlns:p15="http://schemas.microsoft.com/office/powerpoint/2012/main">
         <p15:guide id="1" orient="horz" pos="2160">
@@ -3403,7 +3404,7 @@
   <p:clrMapOvr>
     <a:masterClrMapping/>
   </p:clrMapOvr>
-  <p:extLst mod="1">
+  <p:extLst>
     <p:ext uri="{DCECCB84-F9BA-43D5-87BE-67443E8EF086}">
       <p15:sldGuideLst xmlns:p15="http://schemas.microsoft.com/office/powerpoint/2012/main">
         <p15:guide id="1" orient="horz" pos="2160">
@@ -4207,7 +4208,7 @@
   <p:clrMapOvr>
     <a:masterClrMapping/>
   </p:clrMapOvr>
-  <p:extLst mod="1">
+  <p:extLst>
     <p:ext uri="{DCECCB84-F9BA-43D5-87BE-67443E8EF086}">
       <p15:sldGuideLst xmlns:p15="http://schemas.microsoft.com/office/powerpoint/2012/main">
         <p15:guide id="1" orient="horz" pos="2160">
@@ -4686,7 +4687,7 @@
   <p:clrMapOvr>
     <a:masterClrMapping/>
   </p:clrMapOvr>
-  <p:extLst mod="1">
+  <p:extLst>
     <p:ext uri="{DCECCB84-F9BA-43D5-87BE-67443E8EF086}">
       <p15:sldGuideLst xmlns:p15="http://schemas.microsoft.com/office/powerpoint/2012/main">
         <p15:guide id="1" orient="horz" pos="2160">
@@ -5141,7 +5142,7 @@
   <p:clrMapOvr>
     <a:masterClrMapping/>
   </p:clrMapOvr>
-  <p:extLst mod="1">
+  <p:extLst>
     <p:ext uri="{DCECCB84-F9BA-43D5-87BE-67443E8EF086}">
       <p15:sldGuideLst xmlns:p15="http://schemas.microsoft.com/office/powerpoint/2012/main">
         <p15:guide id="1" orient="horz" pos="2160">
@@ -5546,7 +5547,7 @@
   <p:clrMapOvr>
     <a:masterClrMapping/>
   </p:clrMapOvr>
-  <p:extLst mod="1">
+  <p:extLst>
     <p:ext uri="{DCECCB84-F9BA-43D5-87BE-67443E8EF086}">
       <p15:sldGuideLst xmlns:p15="http://schemas.microsoft.com/office/powerpoint/2012/main">
         <p15:guide id="1" orient="horz" pos="142">
@@ -5937,7 +5938,7 @@
   <p:clrMapOvr>
     <a:masterClrMapping/>
   </p:clrMapOvr>
-  <p:extLst mod="1">
+  <p:extLst>
     <p:ext uri="{DCECCB84-F9BA-43D5-87BE-67443E8EF086}">
       <p15:sldGuideLst xmlns:p15="http://schemas.microsoft.com/office/powerpoint/2012/main">
         <p15:guide id="1" orient="horz" pos="142">
@@ -6729,7 +6730,7 @@
   <p:clrMapOvr>
     <a:masterClrMapping/>
   </p:clrMapOvr>
-  <p:extLst mod="1">
+  <p:extLst>
     <p:ext uri="{DCECCB84-F9BA-43D5-87BE-67443E8EF086}">
       <p15:sldGuideLst xmlns:p15="http://schemas.microsoft.com/office/powerpoint/2012/main">
         <p15:guide id="1" orient="horz" pos="2183">
@@ -7422,7 +7423,7 @@
   <p:clrMapOvr>
     <a:masterClrMapping/>
   </p:clrMapOvr>
-  <p:extLst mod="1">
+  <p:extLst>
     <p:ext uri="{DCECCB84-F9BA-43D5-87BE-67443E8EF086}">
       <p15:sldGuideLst xmlns:p15="http://schemas.microsoft.com/office/powerpoint/2012/main">
         <p15:guide id="1" orient="horz" pos="142">
@@ -7993,7 +7994,7 @@
   <p:clrMapOvr>
     <a:masterClrMapping/>
   </p:clrMapOvr>
-  <p:extLst mod="1">
+  <p:extLst>
     <p:ext uri="{DCECCB84-F9BA-43D5-87BE-67443E8EF086}">
       <p15:sldGuideLst xmlns:p15="http://schemas.microsoft.com/office/powerpoint/2012/main">
         <p15:guide id="1" orient="horz" pos="142">
@@ -8896,7 +8897,7 @@
   <p:clrMapOvr>
     <a:masterClrMapping/>
   </p:clrMapOvr>
-  <p:extLst mod="1">
+  <p:extLst>
     <p:ext uri="{DCECCB84-F9BA-43D5-87BE-67443E8EF086}">
       <p15:sldGuideLst xmlns:p15="http://schemas.microsoft.com/office/powerpoint/2012/main">
         <p15:guide id="1" orient="horz" pos="2160">
@@ -9476,7 +9477,7 @@
   <p:clrMapOvr>
     <a:masterClrMapping/>
   </p:clrMapOvr>
-  <p:extLst mod="1">
+  <p:extLst>
     <p:ext uri="{DCECCB84-F9BA-43D5-87BE-67443E8EF086}">
       <p15:sldGuideLst xmlns:p15="http://schemas.microsoft.com/office/powerpoint/2012/main">
         <p15:guide id="1" orient="horz" pos="142">
@@ -9967,7 +9968,7 @@
   <p:clrMapOvr>
     <a:masterClrMapping/>
   </p:clrMapOvr>
-  <p:extLst mod="1">
+  <p:extLst>
     <p:ext uri="{DCECCB84-F9BA-43D5-87BE-67443E8EF086}">
       <p15:sldGuideLst xmlns:p15="http://schemas.microsoft.com/office/powerpoint/2012/main">
         <p15:guide id="1" orient="horz" pos="142">
@@ -10215,7 +10216,7 @@
   <p:clrMapOvr>
     <a:masterClrMapping/>
   </p:clrMapOvr>
-  <p:extLst mod="1">
+  <p:extLst>
     <p:ext uri="{DCECCB84-F9BA-43D5-87BE-67443E8EF086}">
       <p15:sldGuideLst xmlns:p15="http://schemas.microsoft.com/office/powerpoint/2012/main">
         <p15:guide id="1" orient="horz" pos="2160">
@@ -12103,7 +12104,7 @@
   <p:clrMapOvr>
     <a:masterClrMapping/>
   </p:clrMapOvr>
-  <p:extLst mod="1">
+  <p:extLst>
     <p:ext uri="{DCECCB84-F9BA-43D5-87BE-67443E8EF086}">
       <p15:sldGuideLst xmlns:p15="http://schemas.microsoft.com/office/powerpoint/2012/main">
         <p15:guide id="1" orient="horz" pos="2160">
@@ -13294,14 +13295,11 @@
           <a:p>
             <a:r>
               <a:rPr lang="en-US" dirty="0"/>
-              <a:t>Statistical </a:t>
+              <a:t>Results</a:t>
             </a:r>
-            <a:r>
-              <a:rPr lang="en-US" b="0" dirty="0">
-                <a:latin typeface="Calibri Light" panose="020F0302020204030204" pitchFamily="34" charset="0"/>
-              </a:rPr>
-              <a:t>Inference</a:t>
-            </a:r>
+            <a:endParaRPr lang="en-US" b="0" dirty="0">
+              <a:latin typeface="Calibri Light" panose="020F0302020204030204" pitchFamily="34" charset="0"/>
+            </a:endParaRPr>
           </a:p>
         </p:txBody>
       </p:sp>
@@ -13388,14 +13386,14 @@
           <a:p>
             <a:r>
               <a:rPr lang="en-US" dirty="0"/>
-              <a:t>Statistical </a:t>
+              <a:t>Results </a:t>
             </a:r>
             <a:r>
-              <a:rPr lang="en-US" b="0" dirty="0"/>
-              <a:t>Inference </a:t>
-            </a:r>
-            <a:r>
-              <a:rPr lang="en-US" sz="1800" b="0" dirty="0"/>
+              <a:rPr lang="en-US" sz="1800" b="0" dirty="0">
+                <a:solidFill>
+                  <a:srgbClr val="0F6FC6"/>
+                </a:solidFill>
+              </a:rPr>
               <a:t>(1 of 4)</a:t>
             </a:r>
             <a:endParaRPr lang="en-US" b="0" dirty="0"/>
@@ -13420,51 +13418,24 @@
         </p:nvSpPr>
         <p:spPr>
           <a:xfrm>
-            <a:off x="5980820" y="3182141"/>
-            <a:ext cx="5744313" cy="2690021"/>
+            <a:off x="466867" y="1395004"/>
+            <a:ext cx="8954224" cy="1462496"/>
           </a:xfrm>
         </p:spPr>
         <p:txBody>
           <a:bodyPr/>
           <a:lstStyle/>
           <a:p>
-            <a:pPr marL="285750" indent="-285750">
+            <a:pPr>
               <a:buClr>
                 <a:schemeClr val="accent2"/>
               </a:buClr>
-              <a:buFont typeface="Arial" panose="020B0604020202020204" pitchFamily="34" charset="0"/>
-              <a:buChar char="•"/>
             </a:pPr>
             <a:r>
-              <a:rPr lang="en-US" sz="1800" dirty="0"/>
-              <a:t>Total square feet of a household and total energy consumption two variables have a pairwise Pearson correlation coefficient of .64.</a:t>
+              <a:rPr lang="en-US" sz="2000" dirty="0"/>
+              <a:t>Several classes of models were experimented with including linear regression models, random forest models, and ensemble models. Linear models gave yielded the best combination of speed, performance, and interpretability</a:t>
             </a:r>
-          </a:p>
-          <a:p>
-            <a:pPr marL="285750" indent="-285750">
-              <a:buClr>
-                <a:schemeClr val="accent2"/>
-              </a:buClr>
-              <a:buFont typeface="Arial" panose="020B0604020202020204" pitchFamily="34" charset="0"/>
-              <a:buChar char="•"/>
-            </a:pPr>
-            <a:r>
-              <a:rPr lang="en-US" sz="1800" dirty="0"/>
-              <a:t>The correlation between total square feet and total heated square feet is the highest correlation to total energy consumption of any numeric household characteristic</a:t>
-            </a:r>
-          </a:p>
-          <a:p>
-            <a:pPr marL="285750" indent="-285750">
-              <a:buClr>
-                <a:schemeClr val="accent2"/>
-              </a:buClr>
-              <a:buFont typeface="Arial" panose="020B0604020202020204" pitchFamily="34" charset="0"/>
-              <a:buChar char="•"/>
-            </a:pPr>
-            <a:r>
-              <a:rPr lang="en-US" sz="1800" dirty="0"/>
-              <a:t>This correlation between these variables should be evaluated for significance and and dependence on other household characteristics</a:t>
-            </a:r>
+            <a:endParaRPr lang="en-US" sz="1600" dirty="0"/>
           </a:p>
         </p:txBody>
       </p:sp>
@@ -13526,40 +13497,2376 @@
           </a:p>
         </p:txBody>
       </p:sp>
-      <p:pic>
-        <p:nvPicPr>
-          <p:cNvPr id="5" name="Picture 4" descr="A close up of a map&#10;&#10;Description automatically generated">
+      <p:sp>
+        <p:nvSpPr>
+          <p:cNvPr id="7" name="TextBox 6">
             <a:extLst>
               <a:ext uri="{FF2B5EF4-FFF2-40B4-BE49-F238E27FC236}">
-                <a16:creationId xmlns:a16="http://schemas.microsoft.com/office/drawing/2014/main" id="{A6B2F054-BEBA-3647-B024-652561E02D77}"/>
+                <a16:creationId xmlns:a16="http://schemas.microsoft.com/office/drawing/2014/main" id="{FCF77066-EB93-E743-A687-61F9281C51B1}"/>
               </a:ext>
             </a:extLst>
           </p:cNvPr>
-          <p:cNvPicPr>
-            <a:picLocks noChangeAspect="1"/>
-          </p:cNvPicPr>
+          <p:cNvSpPr txBox="1"/>
           <p:nvPr/>
-        </p:nvPicPr>
-        <p:blipFill>
-          <a:blip r:embed="rId2"/>
-          <a:stretch>
-            <a:fillRect/>
-          </a:stretch>
-        </p:blipFill>
+        </p:nvSpPr>
         <p:spPr>
           <a:xfrm>
-            <a:off x="304802" y="933450"/>
-            <a:ext cx="5575300" cy="5422900"/>
+            <a:off x="466867" y="5467446"/>
+            <a:ext cx="11048858" cy="923330"/>
           </a:xfrm>
           <a:prstGeom prst="rect">
             <a:avLst/>
           </a:prstGeom>
+          <a:solidFill>
+            <a:srgbClr val="014067"/>
+          </a:solidFill>
         </p:spPr>
-      </p:pic>
+        <p:txBody>
+          <a:bodyPr wrap="square" rtlCol="0">
+            <a:spAutoFit/>
+          </a:bodyPr>
+          <a:lstStyle/>
+          <a:p>
+            <a:pPr>
+              <a:buClr>
+                <a:schemeClr val="accent2"/>
+              </a:buClr>
+            </a:pPr>
+            <a:r>
+              <a:rPr lang="en-US" dirty="0">
+                <a:solidFill>
+                  <a:schemeClr val="bg1"/>
+                </a:solidFill>
+              </a:rPr>
+              <a:t>The </a:t>
+            </a:r>
+            <a:r>
+              <a:rPr lang="en-US" dirty="0" err="1">
+                <a:solidFill>
+                  <a:schemeClr val="bg1"/>
+                </a:solidFill>
+              </a:rPr>
+              <a:t>ElasticNet</a:t>
+            </a:r>
+            <a:r>
+              <a:rPr lang="en-US" dirty="0">
+                <a:solidFill>
+                  <a:schemeClr val="bg1"/>
+                </a:solidFill>
+              </a:rPr>
+              <a:t> Regression (w/ Transformed Target) model was selected has the best model for this project due as it performance on testing data which increases confidence in predictions made on future data. This model also allows for great interpretability by identifying the most influential variables</a:t>
+            </a:r>
+          </a:p>
+        </p:txBody>
+      </p:sp>
+      <p:graphicFrame>
+        <p:nvGraphicFramePr>
+          <p:cNvPr id="6" name="Table 5">
+            <a:extLst>
+              <a:ext uri="{FF2B5EF4-FFF2-40B4-BE49-F238E27FC236}">
+                <a16:creationId xmlns:a16="http://schemas.microsoft.com/office/drawing/2014/main" id="{D8236D26-F0E7-F84F-B469-E87461022F57}"/>
+              </a:ext>
+            </a:extLst>
+          </p:cNvPr>
+          <p:cNvGraphicFramePr>
+            <a:graphicFrameLocks noGrp="1"/>
+          </p:cNvGraphicFramePr>
+          <p:nvPr>
+            <p:extLst>
+              <p:ext uri="{D42A27DB-BD31-4B8C-83A1-F6EECF244321}">
+                <p14:modId xmlns:p14="http://schemas.microsoft.com/office/powerpoint/2010/main" val="760812470"/>
+              </p:ext>
+            </p:extLst>
+          </p:nvPr>
+        </p:nvGraphicFramePr>
+        <p:xfrm>
+          <a:off x="1822183" y="2464599"/>
+          <a:ext cx="8214064" cy="2740915"/>
+        </p:xfrm>
+        <a:graphic>
+          <a:graphicData uri="http://schemas.openxmlformats.org/drawingml/2006/table">
+            <a:tbl>
+              <a:tblPr firstRow="1" firstCol="1" bandRow="1"/>
+              <a:tblGrid>
+                <a:gridCol w="2722108">
+                  <a:extLst>
+                    <a:ext uri="{9D8B030D-6E8A-4147-A177-3AD203B41FA5}">
+                      <a16:colId xmlns:a16="http://schemas.microsoft.com/office/drawing/2014/main" val="508496092"/>
+                    </a:ext>
+                  </a:extLst>
+                </a:gridCol>
+                <a:gridCol w="1372989">
+                  <a:extLst>
+                    <a:ext uri="{9D8B030D-6E8A-4147-A177-3AD203B41FA5}">
+                      <a16:colId xmlns:a16="http://schemas.microsoft.com/office/drawing/2014/main" val="1590560057"/>
+                    </a:ext>
+                  </a:extLst>
+                </a:gridCol>
+                <a:gridCol w="1372989">
+                  <a:extLst>
+                    <a:ext uri="{9D8B030D-6E8A-4147-A177-3AD203B41FA5}">
+                      <a16:colId xmlns:a16="http://schemas.microsoft.com/office/drawing/2014/main" val="2234909791"/>
+                    </a:ext>
+                  </a:extLst>
+                </a:gridCol>
+                <a:gridCol w="1372989">
+                  <a:extLst>
+                    <a:ext uri="{9D8B030D-6E8A-4147-A177-3AD203B41FA5}">
+                      <a16:colId xmlns:a16="http://schemas.microsoft.com/office/drawing/2014/main" val="2434924136"/>
+                    </a:ext>
+                  </a:extLst>
+                </a:gridCol>
+                <a:gridCol w="1372989">
+                  <a:extLst>
+                    <a:ext uri="{9D8B030D-6E8A-4147-A177-3AD203B41FA5}">
+                      <a16:colId xmlns:a16="http://schemas.microsoft.com/office/drawing/2014/main" val="804906744"/>
+                    </a:ext>
+                  </a:extLst>
+                </a:gridCol>
+              </a:tblGrid>
+              <a:tr h="249687">
+                <a:tc>
+                  <a:txBody>
+                    <a:bodyPr/>
+                    <a:lstStyle/>
+                    <a:p>
+                      <a:pPr marL="0" marR="0">
+                        <a:lnSpc>
+                          <a:spcPct val="115000"/>
+                        </a:lnSpc>
+                        <a:spcBef>
+                          <a:spcPts val="0"/>
+                        </a:spcBef>
+                        <a:spcAft>
+                          <a:spcPts val="0"/>
+                        </a:spcAft>
+                      </a:pPr>
+                      <a:r>
+                        <a:rPr lang="en-US" sz="1300" b="1" dirty="0">
+                          <a:solidFill>
+                            <a:srgbClr val="FFFFFF"/>
+                          </a:solidFill>
+                          <a:effectLst/>
+                          <a:latin typeface="Calibri" panose="020F0502020204030204" pitchFamily="34" charset="0"/>
+                          <a:ea typeface="Calibri" panose="020F0502020204030204" pitchFamily="34" charset="0"/>
+                          <a:cs typeface="Calibri" panose="020F0502020204030204" pitchFamily="34" charset="0"/>
+                        </a:rPr>
+                        <a:t> </a:t>
+                      </a:r>
+                      <a:endParaRPr lang="en-US" sz="1300" dirty="0">
+                        <a:effectLst/>
+                        <a:latin typeface="Arial" panose="020B0604020202020204" pitchFamily="34" charset="0"/>
+                        <a:ea typeface="Arial" panose="020B0604020202020204" pitchFamily="34" charset="0"/>
+                      </a:endParaRPr>
+                    </a:p>
+                  </a:txBody>
+                  <a:tcPr marL="79117" marR="79117" marT="0" marB="0">
+                    <a:lnL w="12700" cap="flat" cmpd="sng" algn="ctr">
+                      <a:solidFill>
+                        <a:srgbClr val="000000"/>
+                      </a:solidFill>
+                      <a:prstDash val="solid"/>
+                      <a:round/>
+                      <a:headEnd type="none" w="med" len="med"/>
+                      <a:tailEnd type="none" w="med" len="med"/>
+                    </a:lnL>
+                    <a:lnR w="12700" cap="flat" cmpd="sng" algn="ctr">
+                      <a:solidFill>
+                        <a:srgbClr val="000000"/>
+                      </a:solidFill>
+                      <a:prstDash val="solid"/>
+                      <a:round/>
+                      <a:headEnd type="none" w="med" len="med"/>
+                      <a:tailEnd type="none" w="med" len="med"/>
+                    </a:lnR>
+                    <a:lnT w="12700" cap="flat" cmpd="sng" algn="ctr">
+                      <a:solidFill>
+                        <a:srgbClr val="000000"/>
+                      </a:solidFill>
+                      <a:prstDash val="solid"/>
+                      <a:round/>
+                      <a:headEnd type="none" w="med" len="med"/>
+                      <a:tailEnd type="none" w="med" len="med"/>
+                    </a:lnT>
+                    <a:lnB w="12700" cap="flat" cmpd="sng" algn="ctr">
+                      <a:solidFill>
+                        <a:srgbClr val="000000"/>
+                      </a:solidFill>
+                      <a:prstDash val="solid"/>
+                      <a:round/>
+                      <a:headEnd type="none" w="med" len="med"/>
+                      <a:tailEnd type="none" w="med" len="med"/>
+                    </a:lnB>
+                    <a:solidFill>
+                      <a:schemeClr val="tx2"/>
+                    </a:solidFill>
+                  </a:tcPr>
+                </a:tc>
+                <a:tc gridSpan="2">
+                  <a:txBody>
+                    <a:bodyPr/>
+                    <a:lstStyle/>
+                    <a:p>
+                      <a:pPr marL="0" marR="0" algn="ctr">
+                        <a:lnSpc>
+                          <a:spcPct val="115000"/>
+                        </a:lnSpc>
+                        <a:spcBef>
+                          <a:spcPts val="0"/>
+                        </a:spcBef>
+                        <a:spcAft>
+                          <a:spcPts val="0"/>
+                        </a:spcAft>
+                      </a:pPr>
+                      <a:r>
+                        <a:rPr lang="en-US" sz="1300" b="1" dirty="0">
+                          <a:solidFill>
+                            <a:srgbClr val="FFFFFF"/>
+                          </a:solidFill>
+                          <a:effectLst/>
+                          <a:latin typeface="Calibri" panose="020F0502020204030204" pitchFamily="34" charset="0"/>
+                          <a:ea typeface="Calibri" panose="020F0502020204030204" pitchFamily="34" charset="0"/>
+                          <a:cs typeface="Calibri" panose="020F0502020204030204" pitchFamily="34" charset="0"/>
+                        </a:rPr>
+                        <a:t>Training Set</a:t>
+                      </a:r>
+                      <a:endParaRPr lang="en-US" sz="1300" dirty="0">
+                        <a:effectLst/>
+                        <a:latin typeface="Arial" panose="020B0604020202020204" pitchFamily="34" charset="0"/>
+                        <a:ea typeface="Arial" panose="020B0604020202020204" pitchFamily="34" charset="0"/>
+                      </a:endParaRPr>
+                    </a:p>
+                  </a:txBody>
+                  <a:tcPr marL="105490" marR="105490" marT="52745" marB="52745">
+                    <a:lnL w="12700" cap="flat" cmpd="sng" algn="ctr">
+                      <a:solidFill>
+                        <a:srgbClr val="000000"/>
+                      </a:solidFill>
+                      <a:prstDash val="solid"/>
+                      <a:round/>
+                      <a:headEnd type="none" w="med" len="med"/>
+                      <a:tailEnd type="none" w="med" len="med"/>
+                    </a:lnL>
+                    <a:lnR w="12700" cap="flat" cmpd="sng" algn="ctr">
+                      <a:solidFill>
+                        <a:srgbClr val="000000"/>
+                      </a:solidFill>
+                      <a:prstDash val="solid"/>
+                      <a:round/>
+                      <a:headEnd type="none" w="med" len="med"/>
+                      <a:tailEnd type="none" w="med" len="med"/>
+                    </a:lnR>
+                    <a:lnT w="12700" cap="flat" cmpd="sng" algn="ctr">
+                      <a:solidFill>
+                        <a:srgbClr val="000000"/>
+                      </a:solidFill>
+                      <a:prstDash val="solid"/>
+                      <a:round/>
+                      <a:headEnd type="none" w="med" len="med"/>
+                      <a:tailEnd type="none" w="med" len="med"/>
+                    </a:lnT>
+                    <a:lnB w="12700" cap="flat" cmpd="sng" algn="ctr">
+                      <a:solidFill>
+                        <a:srgbClr val="000000"/>
+                      </a:solidFill>
+                      <a:prstDash val="solid"/>
+                      <a:round/>
+                      <a:headEnd type="none" w="med" len="med"/>
+                      <a:tailEnd type="none" w="med" len="med"/>
+                    </a:lnB>
+                    <a:solidFill>
+                      <a:schemeClr val="tx2"/>
+                    </a:solidFill>
+                  </a:tcPr>
+                </a:tc>
+                <a:tc hMerge="1">
+                  <a:txBody>
+                    <a:bodyPr/>
+                    <a:lstStyle/>
+                    <a:p>
+                      <a:endParaRPr lang="en-US"/>
+                    </a:p>
+                  </a:txBody>
+                  <a:tcPr/>
+                </a:tc>
+                <a:tc gridSpan="2">
+                  <a:txBody>
+                    <a:bodyPr/>
+                    <a:lstStyle/>
+                    <a:p>
+                      <a:pPr marL="0" marR="0" algn="ctr">
+                        <a:lnSpc>
+                          <a:spcPct val="115000"/>
+                        </a:lnSpc>
+                        <a:spcBef>
+                          <a:spcPts val="0"/>
+                        </a:spcBef>
+                        <a:spcAft>
+                          <a:spcPts val="0"/>
+                        </a:spcAft>
+                      </a:pPr>
+                      <a:r>
+                        <a:rPr lang="en-US" sz="1300" b="1" dirty="0">
+                          <a:solidFill>
+                            <a:srgbClr val="FFFFFF"/>
+                          </a:solidFill>
+                          <a:effectLst/>
+                          <a:latin typeface="Calibri" panose="020F0502020204030204" pitchFamily="34" charset="0"/>
+                          <a:ea typeface="Calibri" panose="020F0502020204030204" pitchFamily="34" charset="0"/>
+                          <a:cs typeface="Calibri" panose="020F0502020204030204" pitchFamily="34" charset="0"/>
+                        </a:rPr>
+                        <a:t>Test Set</a:t>
+                      </a:r>
+                      <a:endParaRPr lang="en-US" sz="1300" dirty="0">
+                        <a:effectLst/>
+                        <a:latin typeface="Arial" panose="020B0604020202020204" pitchFamily="34" charset="0"/>
+                        <a:ea typeface="Arial" panose="020B0604020202020204" pitchFamily="34" charset="0"/>
+                      </a:endParaRPr>
+                    </a:p>
+                  </a:txBody>
+                  <a:tcPr marL="105490" marR="105490" marT="52745" marB="52745">
+                    <a:lnL w="12700" cap="flat" cmpd="sng" algn="ctr">
+                      <a:solidFill>
+                        <a:srgbClr val="000000"/>
+                      </a:solidFill>
+                      <a:prstDash val="solid"/>
+                      <a:round/>
+                      <a:headEnd type="none" w="med" len="med"/>
+                      <a:tailEnd type="none" w="med" len="med"/>
+                    </a:lnL>
+                    <a:lnR w="12700" cap="flat" cmpd="sng" algn="ctr">
+                      <a:solidFill>
+                        <a:srgbClr val="000000"/>
+                      </a:solidFill>
+                      <a:prstDash val="solid"/>
+                      <a:round/>
+                      <a:headEnd type="none" w="med" len="med"/>
+                      <a:tailEnd type="none" w="med" len="med"/>
+                    </a:lnR>
+                    <a:lnT w="12700" cap="flat" cmpd="sng" algn="ctr">
+                      <a:solidFill>
+                        <a:srgbClr val="000000"/>
+                      </a:solidFill>
+                      <a:prstDash val="solid"/>
+                      <a:round/>
+                      <a:headEnd type="none" w="med" len="med"/>
+                      <a:tailEnd type="none" w="med" len="med"/>
+                    </a:lnT>
+                    <a:lnB w="12700" cap="flat" cmpd="sng" algn="ctr">
+                      <a:solidFill>
+                        <a:srgbClr val="000000"/>
+                      </a:solidFill>
+                      <a:prstDash val="solid"/>
+                      <a:round/>
+                      <a:headEnd type="none" w="med" len="med"/>
+                      <a:tailEnd type="none" w="med" len="med"/>
+                    </a:lnB>
+                    <a:solidFill>
+                      <a:schemeClr val="tx2"/>
+                    </a:solidFill>
+                  </a:tcPr>
+                </a:tc>
+                <a:tc hMerge="1">
+                  <a:txBody>
+                    <a:bodyPr/>
+                    <a:lstStyle/>
+                    <a:p>
+                      <a:endParaRPr lang="en-US"/>
+                    </a:p>
+                  </a:txBody>
+                  <a:tcPr/>
+                </a:tc>
+                <a:extLst>
+                  <a:ext uri="{0D108BD9-81ED-4DB2-BD59-A6C34878D82A}">
+                    <a16:rowId xmlns:a16="http://schemas.microsoft.com/office/drawing/2014/main" val="373660368"/>
+                  </a:ext>
+                </a:extLst>
+              </a:tr>
+              <a:tr h="249687">
+                <a:tc>
+                  <a:txBody>
+                    <a:bodyPr/>
+                    <a:lstStyle/>
+                    <a:p>
+                      <a:pPr marL="0" marR="0">
+                        <a:lnSpc>
+                          <a:spcPct val="115000"/>
+                        </a:lnSpc>
+                        <a:spcBef>
+                          <a:spcPts val="0"/>
+                        </a:spcBef>
+                        <a:spcAft>
+                          <a:spcPts val="0"/>
+                        </a:spcAft>
+                      </a:pPr>
+                      <a:r>
+                        <a:rPr lang="en-US" sz="1300" b="1">
+                          <a:solidFill>
+                            <a:srgbClr val="FFFFFF"/>
+                          </a:solidFill>
+                          <a:effectLst/>
+                          <a:latin typeface="Calibri" panose="020F0502020204030204" pitchFamily="34" charset="0"/>
+                          <a:ea typeface="Calibri" panose="020F0502020204030204" pitchFamily="34" charset="0"/>
+                          <a:cs typeface="Calibri" panose="020F0502020204030204" pitchFamily="34" charset="0"/>
+                        </a:rPr>
+                        <a:t>Model</a:t>
+                      </a:r>
+                      <a:endParaRPr lang="en-US" sz="1300">
+                        <a:effectLst/>
+                        <a:latin typeface="Arial" panose="020B0604020202020204" pitchFamily="34" charset="0"/>
+                        <a:ea typeface="Arial" panose="020B0604020202020204" pitchFamily="34" charset="0"/>
+                      </a:endParaRPr>
+                    </a:p>
+                  </a:txBody>
+                  <a:tcPr marL="79117" marR="79117" marT="0" marB="0">
+                    <a:lnL w="12700" cap="flat" cmpd="sng" algn="ctr">
+                      <a:solidFill>
+                        <a:srgbClr val="000000"/>
+                      </a:solidFill>
+                      <a:prstDash val="solid"/>
+                      <a:round/>
+                      <a:headEnd type="none" w="med" len="med"/>
+                      <a:tailEnd type="none" w="med" len="med"/>
+                    </a:lnL>
+                    <a:lnR w="12700" cap="flat" cmpd="sng" algn="ctr">
+                      <a:solidFill>
+                        <a:srgbClr val="000000"/>
+                      </a:solidFill>
+                      <a:prstDash val="solid"/>
+                      <a:round/>
+                      <a:headEnd type="none" w="med" len="med"/>
+                      <a:tailEnd type="none" w="med" len="med"/>
+                    </a:lnR>
+                    <a:lnT w="12700" cap="flat" cmpd="sng" algn="ctr">
+                      <a:solidFill>
+                        <a:srgbClr val="000000"/>
+                      </a:solidFill>
+                      <a:prstDash val="solid"/>
+                      <a:round/>
+                      <a:headEnd type="none" w="med" len="med"/>
+                      <a:tailEnd type="none" w="med" len="med"/>
+                    </a:lnT>
+                    <a:lnB w="12700" cap="flat" cmpd="sng" algn="ctr">
+                      <a:solidFill>
+                        <a:srgbClr val="000000"/>
+                      </a:solidFill>
+                      <a:prstDash val="solid"/>
+                      <a:round/>
+                      <a:headEnd type="none" w="med" len="med"/>
+                      <a:tailEnd type="none" w="med" len="med"/>
+                    </a:lnB>
+                    <a:solidFill>
+                      <a:schemeClr val="tx2"/>
+                    </a:solidFill>
+                  </a:tcPr>
+                </a:tc>
+                <a:tc>
+                  <a:txBody>
+                    <a:bodyPr/>
+                    <a:lstStyle/>
+                    <a:p>
+                      <a:pPr marL="0" marR="0" algn="ctr">
+                        <a:lnSpc>
+                          <a:spcPct val="115000"/>
+                        </a:lnSpc>
+                        <a:spcBef>
+                          <a:spcPts val="0"/>
+                        </a:spcBef>
+                        <a:spcAft>
+                          <a:spcPts val="0"/>
+                        </a:spcAft>
+                      </a:pPr>
+                      <a:r>
+                        <a:rPr lang="en-US" sz="1300" b="1" dirty="0">
+                          <a:solidFill>
+                            <a:srgbClr val="FFFFFF"/>
+                          </a:solidFill>
+                          <a:effectLst/>
+                          <a:latin typeface="Calibri" panose="020F0502020204030204" pitchFamily="34" charset="0"/>
+                          <a:ea typeface="Calibri" panose="020F0502020204030204" pitchFamily="34" charset="0"/>
+                          <a:cs typeface="Calibri" panose="020F0502020204030204" pitchFamily="34" charset="0"/>
+                        </a:rPr>
+                        <a:t>R</a:t>
+                      </a:r>
+                      <a:r>
+                        <a:rPr lang="en-US" sz="1300" b="1" baseline="30000" dirty="0">
+                          <a:solidFill>
+                            <a:srgbClr val="FFFFFF"/>
+                          </a:solidFill>
+                          <a:effectLst/>
+                          <a:latin typeface="Calibri" panose="020F0502020204030204" pitchFamily="34" charset="0"/>
+                          <a:ea typeface="Calibri" panose="020F0502020204030204" pitchFamily="34" charset="0"/>
+                          <a:cs typeface="Calibri" panose="020F0502020204030204" pitchFamily="34" charset="0"/>
+                        </a:rPr>
+                        <a:t>2</a:t>
+                      </a:r>
+                      <a:endParaRPr lang="en-US" sz="1300" dirty="0">
+                        <a:effectLst/>
+                        <a:latin typeface="Arial" panose="020B0604020202020204" pitchFamily="34" charset="0"/>
+                        <a:ea typeface="Arial" panose="020B0604020202020204" pitchFamily="34" charset="0"/>
+                      </a:endParaRPr>
+                    </a:p>
+                  </a:txBody>
+                  <a:tcPr marL="79117" marR="79117" marT="0" marB="0">
+                    <a:lnL w="12700" cap="flat" cmpd="sng" algn="ctr">
+                      <a:solidFill>
+                        <a:srgbClr val="000000"/>
+                      </a:solidFill>
+                      <a:prstDash val="solid"/>
+                      <a:round/>
+                      <a:headEnd type="none" w="med" len="med"/>
+                      <a:tailEnd type="none" w="med" len="med"/>
+                    </a:lnL>
+                    <a:lnR w="12700" cap="flat" cmpd="sng" algn="ctr">
+                      <a:solidFill>
+                        <a:srgbClr val="000000"/>
+                      </a:solidFill>
+                      <a:prstDash val="solid"/>
+                      <a:round/>
+                      <a:headEnd type="none" w="med" len="med"/>
+                      <a:tailEnd type="none" w="med" len="med"/>
+                    </a:lnR>
+                    <a:lnT w="12700" cap="flat" cmpd="sng" algn="ctr">
+                      <a:solidFill>
+                        <a:srgbClr val="000000"/>
+                      </a:solidFill>
+                      <a:prstDash val="solid"/>
+                      <a:round/>
+                      <a:headEnd type="none" w="med" len="med"/>
+                      <a:tailEnd type="none" w="med" len="med"/>
+                    </a:lnT>
+                    <a:lnB w="12700" cap="flat" cmpd="sng" algn="ctr">
+                      <a:solidFill>
+                        <a:srgbClr val="000000"/>
+                      </a:solidFill>
+                      <a:prstDash val="solid"/>
+                      <a:round/>
+                      <a:headEnd type="none" w="med" len="med"/>
+                      <a:tailEnd type="none" w="med" len="med"/>
+                    </a:lnB>
+                    <a:solidFill>
+                      <a:schemeClr val="tx2"/>
+                    </a:solidFill>
+                  </a:tcPr>
+                </a:tc>
+                <a:tc>
+                  <a:txBody>
+                    <a:bodyPr/>
+                    <a:lstStyle/>
+                    <a:p>
+                      <a:pPr marL="0" marR="0" algn="ctr">
+                        <a:lnSpc>
+                          <a:spcPct val="115000"/>
+                        </a:lnSpc>
+                        <a:spcBef>
+                          <a:spcPts val="0"/>
+                        </a:spcBef>
+                        <a:spcAft>
+                          <a:spcPts val="0"/>
+                        </a:spcAft>
+                      </a:pPr>
+                      <a:r>
+                        <a:rPr lang="en-US" sz="1300" b="1" dirty="0">
+                          <a:solidFill>
+                            <a:srgbClr val="FFFFFF"/>
+                          </a:solidFill>
+                          <a:effectLst/>
+                          <a:latin typeface="Calibri" panose="020F0502020204030204" pitchFamily="34" charset="0"/>
+                          <a:ea typeface="Calibri" panose="020F0502020204030204" pitchFamily="34" charset="0"/>
+                          <a:cs typeface="Calibri" panose="020F0502020204030204" pitchFamily="34" charset="0"/>
+                        </a:rPr>
+                        <a:t>MAE (</a:t>
+                      </a:r>
+                      <a:r>
+                        <a:rPr lang="en-US" sz="1300" b="1" dirty="0" err="1">
+                          <a:solidFill>
+                            <a:srgbClr val="FFFFFF"/>
+                          </a:solidFill>
+                          <a:effectLst/>
+                          <a:latin typeface="Calibri" panose="020F0502020204030204" pitchFamily="34" charset="0"/>
+                          <a:ea typeface="Calibri" panose="020F0502020204030204" pitchFamily="34" charset="0"/>
+                          <a:cs typeface="Calibri" panose="020F0502020204030204" pitchFamily="34" charset="0"/>
+                        </a:rPr>
+                        <a:t>kBTU</a:t>
+                      </a:r>
+                      <a:r>
+                        <a:rPr lang="en-US" sz="1300" b="1" dirty="0">
+                          <a:solidFill>
+                            <a:srgbClr val="FFFFFF"/>
+                          </a:solidFill>
+                          <a:effectLst/>
+                          <a:latin typeface="Calibri" panose="020F0502020204030204" pitchFamily="34" charset="0"/>
+                          <a:ea typeface="Calibri" panose="020F0502020204030204" pitchFamily="34" charset="0"/>
+                          <a:cs typeface="Calibri" panose="020F0502020204030204" pitchFamily="34" charset="0"/>
+                        </a:rPr>
+                        <a:t>)</a:t>
+                      </a:r>
+                      <a:endParaRPr lang="en-US" sz="1300" dirty="0">
+                        <a:effectLst/>
+                        <a:latin typeface="Arial" panose="020B0604020202020204" pitchFamily="34" charset="0"/>
+                        <a:ea typeface="Arial" panose="020B0604020202020204" pitchFamily="34" charset="0"/>
+                      </a:endParaRPr>
+                    </a:p>
+                  </a:txBody>
+                  <a:tcPr marL="79117" marR="79117" marT="0" marB="0">
+                    <a:lnL w="12700" cap="flat" cmpd="sng" algn="ctr">
+                      <a:solidFill>
+                        <a:srgbClr val="000000"/>
+                      </a:solidFill>
+                      <a:prstDash val="solid"/>
+                      <a:round/>
+                      <a:headEnd type="none" w="med" len="med"/>
+                      <a:tailEnd type="none" w="med" len="med"/>
+                    </a:lnL>
+                    <a:lnR w="12700" cap="flat" cmpd="sng" algn="ctr">
+                      <a:solidFill>
+                        <a:srgbClr val="000000"/>
+                      </a:solidFill>
+                      <a:prstDash val="solid"/>
+                      <a:round/>
+                      <a:headEnd type="none" w="med" len="med"/>
+                      <a:tailEnd type="none" w="med" len="med"/>
+                    </a:lnR>
+                    <a:lnT w="12700" cap="flat" cmpd="sng" algn="ctr">
+                      <a:solidFill>
+                        <a:srgbClr val="000000"/>
+                      </a:solidFill>
+                      <a:prstDash val="solid"/>
+                      <a:round/>
+                      <a:headEnd type="none" w="med" len="med"/>
+                      <a:tailEnd type="none" w="med" len="med"/>
+                    </a:lnT>
+                    <a:lnB w="12700" cap="flat" cmpd="sng" algn="ctr">
+                      <a:solidFill>
+                        <a:srgbClr val="000000"/>
+                      </a:solidFill>
+                      <a:prstDash val="solid"/>
+                      <a:round/>
+                      <a:headEnd type="none" w="med" len="med"/>
+                      <a:tailEnd type="none" w="med" len="med"/>
+                    </a:lnB>
+                    <a:solidFill>
+                      <a:schemeClr val="tx2"/>
+                    </a:solidFill>
+                  </a:tcPr>
+                </a:tc>
+                <a:tc>
+                  <a:txBody>
+                    <a:bodyPr/>
+                    <a:lstStyle/>
+                    <a:p>
+                      <a:pPr marL="0" marR="0" algn="ctr">
+                        <a:lnSpc>
+                          <a:spcPct val="115000"/>
+                        </a:lnSpc>
+                        <a:spcBef>
+                          <a:spcPts val="0"/>
+                        </a:spcBef>
+                        <a:spcAft>
+                          <a:spcPts val="0"/>
+                        </a:spcAft>
+                      </a:pPr>
+                      <a:r>
+                        <a:rPr lang="en-US" sz="1300" b="1" dirty="0">
+                          <a:solidFill>
+                            <a:srgbClr val="FFFFFF"/>
+                          </a:solidFill>
+                          <a:effectLst/>
+                          <a:latin typeface="Calibri" panose="020F0502020204030204" pitchFamily="34" charset="0"/>
+                          <a:ea typeface="Calibri" panose="020F0502020204030204" pitchFamily="34" charset="0"/>
+                          <a:cs typeface="Calibri" panose="020F0502020204030204" pitchFamily="34" charset="0"/>
+                        </a:rPr>
+                        <a:t>R</a:t>
+                      </a:r>
+                      <a:r>
+                        <a:rPr lang="en-US" sz="1300" b="1" baseline="30000" dirty="0">
+                          <a:solidFill>
+                            <a:srgbClr val="FFFFFF"/>
+                          </a:solidFill>
+                          <a:effectLst/>
+                          <a:latin typeface="Calibri" panose="020F0502020204030204" pitchFamily="34" charset="0"/>
+                          <a:ea typeface="Calibri" panose="020F0502020204030204" pitchFamily="34" charset="0"/>
+                          <a:cs typeface="Calibri" panose="020F0502020204030204" pitchFamily="34" charset="0"/>
+                        </a:rPr>
+                        <a:t>2</a:t>
+                      </a:r>
+                      <a:endParaRPr lang="en-US" sz="1300" dirty="0">
+                        <a:effectLst/>
+                        <a:latin typeface="Arial" panose="020B0604020202020204" pitchFamily="34" charset="0"/>
+                        <a:ea typeface="Arial" panose="020B0604020202020204" pitchFamily="34" charset="0"/>
+                      </a:endParaRPr>
+                    </a:p>
+                  </a:txBody>
+                  <a:tcPr marL="79117" marR="79117" marT="0" marB="0">
+                    <a:lnL w="12700" cap="flat" cmpd="sng" algn="ctr">
+                      <a:solidFill>
+                        <a:srgbClr val="000000"/>
+                      </a:solidFill>
+                      <a:prstDash val="solid"/>
+                      <a:round/>
+                      <a:headEnd type="none" w="med" len="med"/>
+                      <a:tailEnd type="none" w="med" len="med"/>
+                    </a:lnL>
+                    <a:lnR w="12700" cap="flat" cmpd="sng" algn="ctr">
+                      <a:solidFill>
+                        <a:srgbClr val="000000"/>
+                      </a:solidFill>
+                      <a:prstDash val="solid"/>
+                      <a:round/>
+                      <a:headEnd type="none" w="med" len="med"/>
+                      <a:tailEnd type="none" w="med" len="med"/>
+                    </a:lnR>
+                    <a:lnT w="12700" cap="flat" cmpd="sng" algn="ctr">
+                      <a:solidFill>
+                        <a:srgbClr val="000000"/>
+                      </a:solidFill>
+                      <a:prstDash val="solid"/>
+                      <a:round/>
+                      <a:headEnd type="none" w="med" len="med"/>
+                      <a:tailEnd type="none" w="med" len="med"/>
+                    </a:lnT>
+                    <a:lnB w="12700" cap="flat" cmpd="sng" algn="ctr">
+                      <a:solidFill>
+                        <a:srgbClr val="000000"/>
+                      </a:solidFill>
+                      <a:prstDash val="solid"/>
+                      <a:round/>
+                      <a:headEnd type="none" w="med" len="med"/>
+                      <a:tailEnd type="none" w="med" len="med"/>
+                    </a:lnB>
+                    <a:solidFill>
+                      <a:schemeClr val="tx2"/>
+                    </a:solidFill>
+                  </a:tcPr>
+                </a:tc>
+                <a:tc>
+                  <a:txBody>
+                    <a:bodyPr/>
+                    <a:lstStyle/>
+                    <a:p>
+                      <a:pPr marL="0" marR="0" algn="ctr">
+                        <a:lnSpc>
+                          <a:spcPct val="115000"/>
+                        </a:lnSpc>
+                        <a:spcBef>
+                          <a:spcPts val="0"/>
+                        </a:spcBef>
+                        <a:spcAft>
+                          <a:spcPts val="0"/>
+                        </a:spcAft>
+                      </a:pPr>
+                      <a:r>
+                        <a:rPr lang="en-US" sz="1300" b="1" dirty="0">
+                          <a:solidFill>
+                            <a:srgbClr val="FFFFFF"/>
+                          </a:solidFill>
+                          <a:effectLst/>
+                          <a:latin typeface="Calibri" panose="020F0502020204030204" pitchFamily="34" charset="0"/>
+                          <a:ea typeface="Calibri" panose="020F0502020204030204" pitchFamily="34" charset="0"/>
+                          <a:cs typeface="Calibri" panose="020F0502020204030204" pitchFamily="34" charset="0"/>
+                        </a:rPr>
+                        <a:t>MAE (</a:t>
+                      </a:r>
+                      <a:r>
+                        <a:rPr lang="en-US" sz="1300" b="1" dirty="0" err="1">
+                          <a:solidFill>
+                            <a:srgbClr val="FFFFFF"/>
+                          </a:solidFill>
+                          <a:effectLst/>
+                          <a:latin typeface="Calibri" panose="020F0502020204030204" pitchFamily="34" charset="0"/>
+                          <a:ea typeface="Calibri" panose="020F0502020204030204" pitchFamily="34" charset="0"/>
+                          <a:cs typeface="Calibri" panose="020F0502020204030204" pitchFamily="34" charset="0"/>
+                        </a:rPr>
+                        <a:t>kBTU</a:t>
+                      </a:r>
+                      <a:r>
+                        <a:rPr lang="en-US" sz="1300" b="1" dirty="0">
+                          <a:solidFill>
+                            <a:srgbClr val="FFFFFF"/>
+                          </a:solidFill>
+                          <a:effectLst/>
+                          <a:latin typeface="Calibri" panose="020F0502020204030204" pitchFamily="34" charset="0"/>
+                          <a:ea typeface="Calibri" panose="020F0502020204030204" pitchFamily="34" charset="0"/>
+                          <a:cs typeface="Calibri" panose="020F0502020204030204" pitchFamily="34" charset="0"/>
+                        </a:rPr>
+                        <a:t>)</a:t>
+                      </a:r>
+                      <a:endParaRPr lang="en-US" sz="1300" dirty="0">
+                        <a:effectLst/>
+                        <a:latin typeface="Arial" panose="020B0604020202020204" pitchFamily="34" charset="0"/>
+                        <a:ea typeface="Arial" panose="020B0604020202020204" pitchFamily="34" charset="0"/>
+                      </a:endParaRPr>
+                    </a:p>
+                  </a:txBody>
+                  <a:tcPr marL="79117" marR="79117" marT="0" marB="0">
+                    <a:lnL w="12700" cap="flat" cmpd="sng" algn="ctr">
+                      <a:solidFill>
+                        <a:srgbClr val="000000"/>
+                      </a:solidFill>
+                      <a:prstDash val="solid"/>
+                      <a:round/>
+                      <a:headEnd type="none" w="med" len="med"/>
+                      <a:tailEnd type="none" w="med" len="med"/>
+                    </a:lnL>
+                    <a:lnR w="12700" cap="flat" cmpd="sng" algn="ctr">
+                      <a:solidFill>
+                        <a:srgbClr val="000000"/>
+                      </a:solidFill>
+                      <a:prstDash val="solid"/>
+                      <a:round/>
+                      <a:headEnd type="none" w="med" len="med"/>
+                      <a:tailEnd type="none" w="med" len="med"/>
+                    </a:lnR>
+                    <a:lnT w="12700" cap="flat" cmpd="sng" algn="ctr">
+                      <a:solidFill>
+                        <a:srgbClr val="000000"/>
+                      </a:solidFill>
+                      <a:prstDash val="solid"/>
+                      <a:round/>
+                      <a:headEnd type="none" w="med" len="med"/>
+                      <a:tailEnd type="none" w="med" len="med"/>
+                    </a:lnT>
+                    <a:lnB w="12700" cap="flat" cmpd="sng" algn="ctr">
+                      <a:solidFill>
+                        <a:srgbClr val="000000"/>
+                      </a:solidFill>
+                      <a:prstDash val="solid"/>
+                      <a:round/>
+                      <a:headEnd type="none" w="med" len="med"/>
+                      <a:tailEnd type="none" w="med" len="med"/>
+                    </a:lnB>
+                    <a:solidFill>
+                      <a:schemeClr val="tx2"/>
+                    </a:solidFill>
+                  </a:tcPr>
+                </a:tc>
+                <a:extLst>
+                  <a:ext uri="{0D108BD9-81ED-4DB2-BD59-A6C34878D82A}">
+                    <a16:rowId xmlns:a16="http://schemas.microsoft.com/office/drawing/2014/main" val="1671874685"/>
+                  </a:ext>
+                </a:extLst>
+              </a:tr>
+              <a:tr h="543142">
+                <a:tc>
+                  <a:txBody>
+                    <a:bodyPr/>
+                    <a:lstStyle/>
+                    <a:p>
+                      <a:pPr marL="0" marR="0">
+                        <a:lnSpc>
+                          <a:spcPct val="115000"/>
+                        </a:lnSpc>
+                        <a:spcBef>
+                          <a:spcPts val="0"/>
+                        </a:spcBef>
+                        <a:spcAft>
+                          <a:spcPts val="0"/>
+                        </a:spcAft>
+                      </a:pPr>
+                      <a:r>
+                        <a:rPr lang="en-US" sz="1300">
+                          <a:effectLst/>
+                          <a:latin typeface="Calibri" panose="020F0502020204030204" pitchFamily="34" charset="0"/>
+                          <a:ea typeface="Calibri" panose="020F0502020204030204" pitchFamily="34" charset="0"/>
+                          <a:cs typeface="Calibri" panose="020F0502020204030204" pitchFamily="34" charset="0"/>
+                        </a:rPr>
+                        <a:t>Ridge</a:t>
+                      </a:r>
+                      <a:endParaRPr lang="en-US" sz="1300">
+                        <a:effectLst/>
+                        <a:latin typeface="Arial" panose="020B0604020202020204" pitchFamily="34" charset="0"/>
+                        <a:ea typeface="Arial" panose="020B0604020202020204" pitchFamily="34" charset="0"/>
+                      </a:endParaRPr>
+                    </a:p>
+                  </a:txBody>
+                  <a:tcPr marL="79117" marR="79117" marT="0" marB="0" anchor="ctr">
+                    <a:lnL w="12700" cap="flat" cmpd="sng" algn="ctr">
+                      <a:solidFill>
+                        <a:srgbClr val="000000"/>
+                      </a:solidFill>
+                      <a:prstDash val="solid"/>
+                      <a:round/>
+                      <a:headEnd type="none" w="med" len="med"/>
+                      <a:tailEnd type="none" w="med" len="med"/>
+                    </a:lnL>
+                    <a:lnR w="12700" cap="flat" cmpd="sng" algn="ctr">
+                      <a:solidFill>
+                        <a:srgbClr val="000000"/>
+                      </a:solidFill>
+                      <a:prstDash val="solid"/>
+                      <a:round/>
+                      <a:headEnd type="none" w="med" len="med"/>
+                      <a:tailEnd type="none" w="med" len="med"/>
+                    </a:lnR>
+                    <a:lnT w="12700" cap="flat" cmpd="sng" algn="ctr">
+                      <a:solidFill>
+                        <a:srgbClr val="000000"/>
+                      </a:solidFill>
+                      <a:prstDash val="solid"/>
+                      <a:round/>
+                      <a:headEnd type="none" w="med" len="med"/>
+                      <a:tailEnd type="none" w="med" len="med"/>
+                    </a:lnT>
+                    <a:lnB w="12700" cap="flat" cmpd="sng" algn="ctr">
+                      <a:solidFill>
+                        <a:srgbClr val="000000"/>
+                      </a:solidFill>
+                      <a:prstDash val="solid"/>
+                      <a:round/>
+                      <a:headEnd type="none" w="med" len="med"/>
+                      <a:tailEnd type="none" w="med" len="med"/>
+                    </a:lnB>
+                  </a:tcPr>
+                </a:tc>
+                <a:tc>
+                  <a:txBody>
+                    <a:bodyPr/>
+                    <a:lstStyle/>
+                    <a:p>
+                      <a:pPr marL="0" marR="0" algn="ctr">
+                        <a:lnSpc>
+                          <a:spcPct val="115000"/>
+                        </a:lnSpc>
+                        <a:spcBef>
+                          <a:spcPts val="0"/>
+                        </a:spcBef>
+                        <a:spcAft>
+                          <a:spcPts val="0"/>
+                        </a:spcAft>
+                      </a:pPr>
+                      <a:r>
+                        <a:rPr lang="en-US" sz="1300" dirty="0">
+                          <a:effectLst/>
+                          <a:latin typeface="Calibri" panose="020F0502020204030204" pitchFamily="34" charset="0"/>
+                          <a:ea typeface="Calibri" panose="020F0502020204030204" pitchFamily="34" charset="0"/>
+                          <a:cs typeface="Calibri" panose="020F0502020204030204" pitchFamily="34" charset="0"/>
+                        </a:rPr>
+                        <a:t>80.3%</a:t>
+                      </a:r>
+                      <a:endParaRPr lang="en-US" sz="1300" dirty="0">
+                        <a:effectLst/>
+                        <a:latin typeface="Arial" panose="020B0604020202020204" pitchFamily="34" charset="0"/>
+                        <a:ea typeface="Arial" panose="020B0604020202020204" pitchFamily="34" charset="0"/>
+                      </a:endParaRPr>
+                    </a:p>
+                  </a:txBody>
+                  <a:tcPr marL="79117" marR="79117" marT="0" marB="0" anchor="ctr">
+                    <a:lnL w="12700" cap="flat" cmpd="sng" algn="ctr">
+                      <a:solidFill>
+                        <a:srgbClr val="000000"/>
+                      </a:solidFill>
+                      <a:prstDash val="solid"/>
+                      <a:round/>
+                      <a:headEnd type="none" w="med" len="med"/>
+                      <a:tailEnd type="none" w="med" len="med"/>
+                    </a:lnL>
+                    <a:lnR w="12700" cap="flat" cmpd="sng" algn="ctr">
+                      <a:solidFill>
+                        <a:srgbClr val="000000"/>
+                      </a:solidFill>
+                      <a:prstDash val="solid"/>
+                      <a:round/>
+                      <a:headEnd type="none" w="med" len="med"/>
+                      <a:tailEnd type="none" w="med" len="med"/>
+                    </a:lnR>
+                    <a:lnT w="12700" cap="flat" cmpd="sng" algn="ctr">
+                      <a:solidFill>
+                        <a:srgbClr val="000000"/>
+                      </a:solidFill>
+                      <a:prstDash val="solid"/>
+                      <a:round/>
+                      <a:headEnd type="none" w="med" len="med"/>
+                      <a:tailEnd type="none" w="med" len="med"/>
+                    </a:lnT>
+                    <a:lnB w="12700" cap="flat" cmpd="sng" algn="ctr">
+                      <a:solidFill>
+                        <a:srgbClr val="000000"/>
+                      </a:solidFill>
+                      <a:prstDash val="solid"/>
+                      <a:round/>
+                      <a:headEnd type="none" w="med" len="med"/>
+                      <a:tailEnd type="none" w="med" len="med"/>
+                    </a:lnB>
+                  </a:tcPr>
+                </a:tc>
+                <a:tc>
+                  <a:txBody>
+                    <a:bodyPr/>
+                    <a:lstStyle/>
+                    <a:p>
+                      <a:pPr marL="0" marR="0" algn="ctr">
+                        <a:lnSpc>
+                          <a:spcPct val="115000"/>
+                        </a:lnSpc>
+                        <a:spcBef>
+                          <a:spcPts val="0"/>
+                        </a:spcBef>
+                        <a:spcAft>
+                          <a:spcPts val="0"/>
+                        </a:spcAft>
+                      </a:pPr>
+                      <a:r>
+                        <a:rPr lang="en-US" sz="1300" dirty="0">
+                          <a:effectLst/>
+                          <a:latin typeface="Calibri" panose="020F0502020204030204" pitchFamily="34" charset="0"/>
+                          <a:ea typeface="Calibri" panose="020F0502020204030204" pitchFamily="34" charset="0"/>
+                          <a:cs typeface="Calibri" panose="020F0502020204030204" pitchFamily="34" charset="0"/>
+                        </a:rPr>
+                        <a:t>11,706</a:t>
+                      </a:r>
+                      <a:endParaRPr lang="en-US" sz="1300" dirty="0">
+                        <a:effectLst/>
+                        <a:latin typeface="Arial" panose="020B0604020202020204" pitchFamily="34" charset="0"/>
+                        <a:ea typeface="Arial" panose="020B0604020202020204" pitchFamily="34" charset="0"/>
+                      </a:endParaRPr>
+                    </a:p>
+                  </a:txBody>
+                  <a:tcPr marL="79117" marR="79117" marT="0" marB="0" anchor="ctr">
+                    <a:lnL w="12700" cap="flat" cmpd="sng" algn="ctr">
+                      <a:solidFill>
+                        <a:srgbClr val="000000"/>
+                      </a:solidFill>
+                      <a:prstDash val="solid"/>
+                      <a:round/>
+                      <a:headEnd type="none" w="med" len="med"/>
+                      <a:tailEnd type="none" w="med" len="med"/>
+                    </a:lnL>
+                    <a:lnR w="12700" cap="flat" cmpd="sng" algn="ctr">
+                      <a:solidFill>
+                        <a:srgbClr val="000000"/>
+                      </a:solidFill>
+                      <a:prstDash val="solid"/>
+                      <a:round/>
+                      <a:headEnd type="none" w="med" len="med"/>
+                      <a:tailEnd type="none" w="med" len="med"/>
+                    </a:lnR>
+                    <a:lnT w="12700" cap="flat" cmpd="sng" algn="ctr">
+                      <a:solidFill>
+                        <a:srgbClr val="000000"/>
+                      </a:solidFill>
+                      <a:prstDash val="solid"/>
+                      <a:round/>
+                      <a:headEnd type="none" w="med" len="med"/>
+                      <a:tailEnd type="none" w="med" len="med"/>
+                    </a:lnT>
+                    <a:lnB w="12700" cap="flat" cmpd="sng" algn="ctr">
+                      <a:solidFill>
+                        <a:srgbClr val="000000"/>
+                      </a:solidFill>
+                      <a:prstDash val="solid"/>
+                      <a:round/>
+                      <a:headEnd type="none" w="med" len="med"/>
+                      <a:tailEnd type="none" w="med" len="med"/>
+                    </a:lnB>
+                  </a:tcPr>
+                </a:tc>
+                <a:tc>
+                  <a:txBody>
+                    <a:bodyPr/>
+                    <a:lstStyle/>
+                    <a:p>
+                      <a:pPr marL="0" marR="0" algn="ctr">
+                        <a:lnSpc>
+                          <a:spcPct val="115000"/>
+                        </a:lnSpc>
+                        <a:spcBef>
+                          <a:spcPts val="0"/>
+                        </a:spcBef>
+                        <a:spcAft>
+                          <a:spcPts val="0"/>
+                        </a:spcAft>
+                      </a:pPr>
+                      <a:r>
+                        <a:rPr lang="en-US" sz="1300" dirty="0">
+                          <a:effectLst/>
+                          <a:latin typeface="Calibri" panose="020F0502020204030204" pitchFamily="34" charset="0"/>
+                          <a:ea typeface="Calibri" panose="020F0502020204030204" pitchFamily="34" charset="0"/>
+                          <a:cs typeface="Calibri" panose="020F0502020204030204" pitchFamily="34" charset="0"/>
+                        </a:rPr>
+                        <a:t>73.4%</a:t>
+                      </a:r>
+                      <a:endParaRPr lang="en-US" sz="1300" dirty="0">
+                        <a:effectLst/>
+                        <a:latin typeface="Arial" panose="020B0604020202020204" pitchFamily="34" charset="0"/>
+                        <a:ea typeface="Arial" panose="020B0604020202020204" pitchFamily="34" charset="0"/>
+                      </a:endParaRPr>
+                    </a:p>
+                  </a:txBody>
+                  <a:tcPr marL="79117" marR="79117" marT="0" marB="0" anchor="ctr">
+                    <a:lnL w="12700" cap="flat" cmpd="sng" algn="ctr">
+                      <a:solidFill>
+                        <a:srgbClr val="000000"/>
+                      </a:solidFill>
+                      <a:prstDash val="solid"/>
+                      <a:round/>
+                      <a:headEnd type="none" w="med" len="med"/>
+                      <a:tailEnd type="none" w="med" len="med"/>
+                    </a:lnL>
+                    <a:lnR w="12700" cap="flat" cmpd="sng" algn="ctr">
+                      <a:solidFill>
+                        <a:srgbClr val="000000"/>
+                      </a:solidFill>
+                      <a:prstDash val="solid"/>
+                      <a:round/>
+                      <a:headEnd type="none" w="med" len="med"/>
+                      <a:tailEnd type="none" w="med" len="med"/>
+                    </a:lnR>
+                    <a:lnT w="12700" cap="flat" cmpd="sng" algn="ctr">
+                      <a:solidFill>
+                        <a:srgbClr val="000000"/>
+                      </a:solidFill>
+                      <a:prstDash val="solid"/>
+                      <a:round/>
+                      <a:headEnd type="none" w="med" len="med"/>
+                      <a:tailEnd type="none" w="med" len="med"/>
+                    </a:lnT>
+                    <a:lnB w="12700" cap="flat" cmpd="sng" algn="ctr">
+                      <a:solidFill>
+                        <a:srgbClr val="000000"/>
+                      </a:solidFill>
+                      <a:prstDash val="solid"/>
+                      <a:round/>
+                      <a:headEnd type="none" w="med" len="med"/>
+                      <a:tailEnd type="none" w="med" len="med"/>
+                    </a:lnB>
+                  </a:tcPr>
+                </a:tc>
+                <a:tc>
+                  <a:txBody>
+                    <a:bodyPr/>
+                    <a:lstStyle/>
+                    <a:p>
+                      <a:pPr marL="0" marR="0" algn="ctr">
+                        <a:lnSpc>
+                          <a:spcPct val="115000"/>
+                        </a:lnSpc>
+                        <a:spcBef>
+                          <a:spcPts val="0"/>
+                        </a:spcBef>
+                        <a:spcAft>
+                          <a:spcPts val="0"/>
+                        </a:spcAft>
+                      </a:pPr>
+                      <a:r>
+                        <a:rPr lang="en-US" sz="1300" dirty="0">
+                          <a:effectLst/>
+                          <a:latin typeface="Calibri" panose="020F0502020204030204" pitchFamily="34" charset="0"/>
+                          <a:ea typeface="Calibri" panose="020F0502020204030204" pitchFamily="34" charset="0"/>
+                          <a:cs typeface="Calibri" panose="020F0502020204030204" pitchFamily="34" charset="0"/>
+                        </a:rPr>
+                        <a:t>13,360</a:t>
+                      </a:r>
+                      <a:endParaRPr lang="en-US" sz="1300" dirty="0">
+                        <a:effectLst/>
+                        <a:latin typeface="Arial" panose="020B0604020202020204" pitchFamily="34" charset="0"/>
+                        <a:ea typeface="Arial" panose="020B0604020202020204" pitchFamily="34" charset="0"/>
+                      </a:endParaRPr>
+                    </a:p>
+                  </a:txBody>
+                  <a:tcPr marL="79117" marR="79117" marT="0" marB="0" anchor="ctr">
+                    <a:lnL w="12700" cap="flat" cmpd="sng" algn="ctr">
+                      <a:solidFill>
+                        <a:srgbClr val="000000"/>
+                      </a:solidFill>
+                      <a:prstDash val="solid"/>
+                      <a:round/>
+                      <a:headEnd type="none" w="med" len="med"/>
+                      <a:tailEnd type="none" w="med" len="med"/>
+                    </a:lnL>
+                    <a:lnR w="12700" cap="flat" cmpd="sng" algn="ctr">
+                      <a:solidFill>
+                        <a:srgbClr val="000000"/>
+                      </a:solidFill>
+                      <a:prstDash val="solid"/>
+                      <a:round/>
+                      <a:headEnd type="none" w="med" len="med"/>
+                      <a:tailEnd type="none" w="med" len="med"/>
+                    </a:lnR>
+                    <a:lnT w="12700" cap="flat" cmpd="sng" algn="ctr">
+                      <a:solidFill>
+                        <a:srgbClr val="000000"/>
+                      </a:solidFill>
+                      <a:prstDash val="solid"/>
+                      <a:round/>
+                      <a:headEnd type="none" w="med" len="med"/>
+                      <a:tailEnd type="none" w="med" len="med"/>
+                    </a:lnT>
+                    <a:lnB w="12700" cap="flat" cmpd="sng" algn="ctr">
+                      <a:solidFill>
+                        <a:srgbClr val="000000"/>
+                      </a:solidFill>
+                      <a:prstDash val="solid"/>
+                      <a:round/>
+                      <a:headEnd type="none" w="med" len="med"/>
+                      <a:tailEnd type="none" w="med" len="med"/>
+                    </a:lnB>
+                  </a:tcPr>
+                </a:tc>
+                <a:extLst>
+                  <a:ext uri="{0D108BD9-81ED-4DB2-BD59-A6C34878D82A}">
+                    <a16:rowId xmlns:a16="http://schemas.microsoft.com/office/drawing/2014/main" val="1799820153"/>
+                  </a:ext>
+                </a:extLst>
+              </a:tr>
+              <a:tr h="543142">
+                <a:tc>
+                  <a:txBody>
+                    <a:bodyPr/>
+                    <a:lstStyle/>
+                    <a:p>
+                      <a:pPr marL="0" marR="0">
+                        <a:lnSpc>
+                          <a:spcPct val="115000"/>
+                        </a:lnSpc>
+                        <a:spcBef>
+                          <a:spcPts val="0"/>
+                        </a:spcBef>
+                        <a:spcAft>
+                          <a:spcPts val="0"/>
+                        </a:spcAft>
+                      </a:pPr>
+                      <a:r>
+                        <a:rPr lang="en-US" sz="1300">
+                          <a:effectLst/>
+                          <a:latin typeface="Calibri" panose="020F0502020204030204" pitchFamily="34" charset="0"/>
+                          <a:ea typeface="Calibri" panose="020F0502020204030204" pitchFamily="34" charset="0"/>
+                          <a:cs typeface="Calibri" panose="020F0502020204030204" pitchFamily="34" charset="0"/>
+                        </a:rPr>
+                        <a:t>Lasso</a:t>
+                      </a:r>
+                      <a:endParaRPr lang="en-US" sz="1300">
+                        <a:effectLst/>
+                        <a:latin typeface="Arial" panose="020B0604020202020204" pitchFamily="34" charset="0"/>
+                        <a:ea typeface="Arial" panose="020B0604020202020204" pitchFamily="34" charset="0"/>
+                      </a:endParaRPr>
+                    </a:p>
+                  </a:txBody>
+                  <a:tcPr marL="79117" marR="79117" marT="0" marB="0" anchor="ctr">
+                    <a:lnL w="12700" cap="flat" cmpd="sng" algn="ctr">
+                      <a:solidFill>
+                        <a:srgbClr val="000000"/>
+                      </a:solidFill>
+                      <a:prstDash val="solid"/>
+                      <a:round/>
+                      <a:headEnd type="none" w="med" len="med"/>
+                      <a:tailEnd type="none" w="med" len="med"/>
+                    </a:lnL>
+                    <a:lnR w="12700" cap="flat" cmpd="sng" algn="ctr">
+                      <a:solidFill>
+                        <a:srgbClr val="000000"/>
+                      </a:solidFill>
+                      <a:prstDash val="solid"/>
+                      <a:round/>
+                      <a:headEnd type="none" w="med" len="med"/>
+                      <a:tailEnd type="none" w="med" len="med"/>
+                    </a:lnR>
+                    <a:lnT w="12700" cap="flat" cmpd="sng" algn="ctr">
+                      <a:solidFill>
+                        <a:srgbClr val="000000"/>
+                      </a:solidFill>
+                      <a:prstDash val="solid"/>
+                      <a:round/>
+                      <a:headEnd type="none" w="med" len="med"/>
+                      <a:tailEnd type="none" w="med" len="med"/>
+                    </a:lnT>
+                    <a:lnB w="12700" cap="flat" cmpd="sng" algn="ctr">
+                      <a:solidFill>
+                        <a:srgbClr val="000000"/>
+                      </a:solidFill>
+                      <a:prstDash val="solid"/>
+                      <a:round/>
+                      <a:headEnd type="none" w="med" len="med"/>
+                      <a:tailEnd type="none" w="med" len="med"/>
+                    </a:lnB>
+                  </a:tcPr>
+                </a:tc>
+                <a:tc>
+                  <a:txBody>
+                    <a:bodyPr/>
+                    <a:lstStyle/>
+                    <a:p>
+                      <a:pPr marL="0" marR="0" algn="ctr">
+                        <a:lnSpc>
+                          <a:spcPct val="115000"/>
+                        </a:lnSpc>
+                        <a:spcBef>
+                          <a:spcPts val="0"/>
+                        </a:spcBef>
+                        <a:spcAft>
+                          <a:spcPts val="0"/>
+                        </a:spcAft>
+                      </a:pPr>
+                      <a:r>
+                        <a:rPr lang="en-US" sz="1300">
+                          <a:effectLst/>
+                          <a:latin typeface="Calibri" panose="020F0502020204030204" pitchFamily="34" charset="0"/>
+                          <a:ea typeface="Calibri" panose="020F0502020204030204" pitchFamily="34" charset="0"/>
+                          <a:cs typeface="Calibri" panose="020F0502020204030204" pitchFamily="34" charset="0"/>
+                        </a:rPr>
+                        <a:t>80.3%</a:t>
+                      </a:r>
+                      <a:endParaRPr lang="en-US" sz="1300">
+                        <a:effectLst/>
+                        <a:latin typeface="Arial" panose="020B0604020202020204" pitchFamily="34" charset="0"/>
+                        <a:ea typeface="Arial" panose="020B0604020202020204" pitchFamily="34" charset="0"/>
+                      </a:endParaRPr>
+                    </a:p>
+                  </a:txBody>
+                  <a:tcPr marL="79117" marR="79117" marT="0" marB="0" anchor="ctr">
+                    <a:lnL w="12700" cap="flat" cmpd="sng" algn="ctr">
+                      <a:solidFill>
+                        <a:srgbClr val="000000"/>
+                      </a:solidFill>
+                      <a:prstDash val="solid"/>
+                      <a:round/>
+                      <a:headEnd type="none" w="med" len="med"/>
+                      <a:tailEnd type="none" w="med" len="med"/>
+                    </a:lnL>
+                    <a:lnR w="12700" cap="flat" cmpd="sng" algn="ctr">
+                      <a:solidFill>
+                        <a:srgbClr val="000000"/>
+                      </a:solidFill>
+                      <a:prstDash val="solid"/>
+                      <a:round/>
+                      <a:headEnd type="none" w="med" len="med"/>
+                      <a:tailEnd type="none" w="med" len="med"/>
+                    </a:lnR>
+                    <a:lnT w="12700" cap="flat" cmpd="sng" algn="ctr">
+                      <a:solidFill>
+                        <a:srgbClr val="000000"/>
+                      </a:solidFill>
+                      <a:prstDash val="solid"/>
+                      <a:round/>
+                      <a:headEnd type="none" w="med" len="med"/>
+                      <a:tailEnd type="none" w="med" len="med"/>
+                    </a:lnT>
+                    <a:lnB w="12700" cap="flat" cmpd="sng" algn="ctr">
+                      <a:solidFill>
+                        <a:srgbClr val="000000"/>
+                      </a:solidFill>
+                      <a:prstDash val="solid"/>
+                      <a:round/>
+                      <a:headEnd type="none" w="med" len="med"/>
+                      <a:tailEnd type="none" w="med" len="med"/>
+                    </a:lnB>
+                  </a:tcPr>
+                </a:tc>
+                <a:tc>
+                  <a:txBody>
+                    <a:bodyPr/>
+                    <a:lstStyle/>
+                    <a:p>
+                      <a:pPr marL="0" marR="0" algn="ctr">
+                        <a:lnSpc>
+                          <a:spcPct val="115000"/>
+                        </a:lnSpc>
+                        <a:spcBef>
+                          <a:spcPts val="0"/>
+                        </a:spcBef>
+                        <a:spcAft>
+                          <a:spcPts val="0"/>
+                        </a:spcAft>
+                      </a:pPr>
+                      <a:r>
+                        <a:rPr lang="en-US" sz="1300">
+                          <a:effectLst/>
+                          <a:latin typeface="Calibri" panose="020F0502020204030204" pitchFamily="34" charset="0"/>
+                          <a:ea typeface="Calibri" panose="020F0502020204030204" pitchFamily="34" charset="0"/>
+                          <a:cs typeface="Calibri" panose="020F0502020204030204" pitchFamily="34" charset="0"/>
+                        </a:rPr>
+                        <a:t>11,733</a:t>
+                      </a:r>
+                      <a:endParaRPr lang="en-US" sz="1300">
+                        <a:effectLst/>
+                        <a:latin typeface="Arial" panose="020B0604020202020204" pitchFamily="34" charset="0"/>
+                        <a:ea typeface="Arial" panose="020B0604020202020204" pitchFamily="34" charset="0"/>
+                      </a:endParaRPr>
+                    </a:p>
+                  </a:txBody>
+                  <a:tcPr marL="79117" marR="79117" marT="0" marB="0" anchor="ctr">
+                    <a:lnL w="12700" cap="flat" cmpd="sng" algn="ctr">
+                      <a:solidFill>
+                        <a:srgbClr val="000000"/>
+                      </a:solidFill>
+                      <a:prstDash val="solid"/>
+                      <a:round/>
+                      <a:headEnd type="none" w="med" len="med"/>
+                      <a:tailEnd type="none" w="med" len="med"/>
+                    </a:lnL>
+                    <a:lnR w="12700" cap="flat" cmpd="sng" algn="ctr">
+                      <a:solidFill>
+                        <a:srgbClr val="000000"/>
+                      </a:solidFill>
+                      <a:prstDash val="solid"/>
+                      <a:round/>
+                      <a:headEnd type="none" w="med" len="med"/>
+                      <a:tailEnd type="none" w="med" len="med"/>
+                    </a:lnR>
+                    <a:lnT w="12700" cap="flat" cmpd="sng" algn="ctr">
+                      <a:solidFill>
+                        <a:srgbClr val="000000"/>
+                      </a:solidFill>
+                      <a:prstDash val="solid"/>
+                      <a:round/>
+                      <a:headEnd type="none" w="med" len="med"/>
+                      <a:tailEnd type="none" w="med" len="med"/>
+                    </a:lnT>
+                    <a:lnB w="12700" cap="flat" cmpd="sng" algn="ctr">
+                      <a:solidFill>
+                        <a:srgbClr val="000000"/>
+                      </a:solidFill>
+                      <a:prstDash val="solid"/>
+                      <a:round/>
+                      <a:headEnd type="none" w="med" len="med"/>
+                      <a:tailEnd type="none" w="med" len="med"/>
+                    </a:lnB>
+                  </a:tcPr>
+                </a:tc>
+                <a:tc>
+                  <a:txBody>
+                    <a:bodyPr/>
+                    <a:lstStyle/>
+                    <a:p>
+                      <a:pPr marL="0" marR="0" algn="ctr">
+                        <a:lnSpc>
+                          <a:spcPct val="115000"/>
+                        </a:lnSpc>
+                        <a:spcBef>
+                          <a:spcPts val="0"/>
+                        </a:spcBef>
+                        <a:spcAft>
+                          <a:spcPts val="0"/>
+                        </a:spcAft>
+                      </a:pPr>
+                      <a:r>
+                        <a:rPr lang="en-US" sz="1300" dirty="0">
+                          <a:effectLst/>
+                          <a:latin typeface="Calibri" panose="020F0502020204030204" pitchFamily="34" charset="0"/>
+                          <a:ea typeface="Calibri" panose="020F0502020204030204" pitchFamily="34" charset="0"/>
+                          <a:cs typeface="Calibri" panose="020F0502020204030204" pitchFamily="34" charset="0"/>
+                        </a:rPr>
+                        <a:t>73.4%</a:t>
+                      </a:r>
+                      <a:endParaRPr lang="en-US" sz="1300" dirty="0">
+                        <a:effectLst/>
+                        <a:latin typeface="Arial" panose="020B0604020202020204" pitchFamily="34" charset="0"/>
+                        <a:ea typeface="Arial" panose="020B0604020202020204" pitchFamily="34" charset="0"/>
+                      </a:endParaRPr>
+                    </a:p>
+                  </a:txBody>
+                  <a:tcPr marL="79117" marR="79117" marT="0" marB="0" anchor="ctr">
+                    <a:lnL w="12700" cap="flat" cmpd="sng" algn="ctr">
+                      <a:solidFill>
+                        <a:srgbClr val="000000"/>
+                      </a:solidFill>
+                      <a:prstDash val="solid"/>
+                      <a:round/>
+                      <a:headEnd type="none" w="med" len="med"/>
+                      <a:tailEnd type="none" w="med" len="med"/>
+                    </a:lnL>
+                    <a:lnR w="12700" cap="flat" cmpd="sng" algn="ctr">
+                      <a:solidFill>
+                        <a:srgbClr val="000000"/>
+                      </a:solidFill>
+                      <a:prstDash val="solid"/>
+                      <a:round/>
+                      <a:headEnd type="none" w="med" len="med"/>
+                      <a:tailEnd type="none" w="med" len="med"/>
+                    </a:lnR>
+                    <a:lnT w="12700" cap="flat" cmpd="sng" algn="ctr">
+                      <a:solidFill>
+                        <a:srgbClr val="000000"/>
+                      </a:solidFill>
+                      <a:prstDash val="solid"/>
+                      <a:round/>
+                      <a:headEnd type="none" w="med" len="med"/>
+                      <a:tailEnd type="none" w="med" len="med"/>
+                    </a:lnT>
+                    <a:lnB w="12700" cap="flat" cmpd="sng" algn="ctr">
+                      <a:solidFill>
+                        <a:srgbClr val="000000"/>
+                      </a:solidFill>
+                      <a:prstDash val="solid"/>
+                      <a:round/>
+                      <a:headEnd type="none" w="med" len="med"/>
+                      <a:tailEnd type="none" w="med" len="med"/>
+                    </a:lnB>
+                  </a:tcPr>
+                </a:tc>
+                <a:tc>
+                  <a:txBody>
+                    <a:bodyPr/>
+                    <a:lstStyle/>
+                    <a:p>
+                      <a:pPr marL="0" marR="0" algn="ctr">
+                        <a:lnSpc>
+                          <a:spcPct val="115000"/>
+                        </a:lnSpc>
+                        <a:spcBef>
+                          <a:spcPts val="0"/>
+                        </a:spcBef>
+                        <a:spcAft>
+                          <a:spcPts val="0"/>
+                        </a:spcAft>
+                      </a:pPr>
+                      <a:r>
+                        <a:rPr lang="en-US" sz="1300">
+                          <a:effectLst/>
+                          <a:latin typeface="Calibri" panose="020F0502020204030204" pitchFamily="34" charset="0"/>
+                          <a:ea typeface="Calibri" panose="020F0502020204030204" pitchFamily="34" charset="0"/>
+                          <a:cs typeface="Calibri" panose="020F0502020204030204" pitchFamily="34" charset="0"/>
+                        </a:rPr>
+                        <a:t>13,334</a:t>
+                      </a:r>
+                      <a:endParaRPr lang="en-US" sz="1300">
+                        <a:effectLst/>
+                        <a:latin typeface="Arial" panose="020B0604020202020204" pitchFamily="34" charset="0"/>
+                        <a:ea typeface="Arial" panose="020B0604020202020204" pitchFamily="34" charset="0"/>
+                      </a:endParaRPr>
+                    </a:p>
+                  </a:txBody>
+                  <a:tcPr marL="79117" marR="79117" marT="0" marB="0" anchor="ctr">
+                    <a:lnL w="12700" cap="flat" cmpd="sng" algn="ctr">
+                      <a:solidFill>
+                        <a:srgbClr val="000000"/>
+                      </a:solidFill>
+                      <a:prstDash val="solid"/>
+                      <a:round/>
+                      <a:headEnd type="none" w="med" len="med"/>
+                      <a:tailEnd type="none" w="med" len="med"/>
+                    </a:lnL>
+                    <a:lnR w="12700" cap="flat" cmpd="sng" algn="ctr">
+                      <a:solidFill>
+                        <a:srgbClr val="000000"/>
+                      </a:solidFill>
+                      <a:prstDash val="solid"/>
+                      <a:round/>
+                      <a:headEnd type="none" w="med" len="med"/>
+                      <a:tailEnd type="none" w="med" len="med"/>
+                    </a:lnR>
+                    <a:lnT w="12700" cap="flat" cmpd="sng" algn="ctr">
+                      <a:solidFill>
+                        <a:srgbClr val="000000"/>
+                      </a:solidFill>
+                      <a:prstDash val="solid"/>
+                      <a:round/>
+                      <a:headEnd type="none" w="med" len="med"/>
+                      <a:tailEnd type="none" w="med" len="med"/>
+                    </a:lnT>
+                    <a:lnB w="12700" cap="flat" cmpd="sng" algn="ctr">
+                      <a:solidFill>
+                        <a:srgbClr val="000000"/>
+                      </a:solidFill>
+                      <a:prstDash val="solid"/>
+                      <a:round/>
+                      <a:headEnd type="none" w="med" len="med"/>
+                      <a:tailEnd type="none" w="med" len="med"/>
+                    </a:lnB>
+                  </a:tcPr>
+                </a:tc>
+                <a:extLst>
+                  <a:ext uri="{0D108BD9-81ED-4DB2-BD59-A6C34878D82A}">
+                    <a16:rowId xmlns:a16="http://schemas.microsoft.com/office/drawing/2014/main" val="3832078751"/>
+                  </a:ext>
+                </a:extLst>
+              </a:tr>
+              <a:tr h="543142">
+                <a:tc>
+                  <a:txBody>
+                    <a:bodyPr/>
+                    <a:lstStyle/>
+                    <a:p>
+                      <a:pPr marL="0" marR="0">
+                        <a:lnSpc>
+                          <a:spcPct val="115000"/>
+                        </a:lnSpc>
+                        <a:spcBef>
+                          <a:spcPts val="0"/>
+                        </a:spcBef>
+                        <a:spcAft>
+                          <a:spcPts val="0"/>
+                        </a:spcAft>
+                      </a:pPr>
+                      <a:r>
+                        <a:rPr lang="en-US" sz="1300">
+                          <a:effectLst/>
+                          <a:latin typeface="Calibri" panose="020F0502020204030204" pitchFamily="34" charset="0"/>
+                          <a:ea typeface="Calibri" panose="020F0502020204030204" pitchFamily="34" charset="0"/>
+                          <a:cs typeface="Calibri" panose="020F0502020204030204" pitchFamily="34" charset="0"/>
+                        </a:rPr>
+                        <a:t>Elastic Net</a:t>
+                      </a:r>
+                      <a:endParaRPr lang="en-US" sz="1300">
+                        <a:effectLst/>
+                        <a:latin typeface="Arial" panose="020B0604020202020204" pitchFamily="34" charset="0"/>
+                        <a:ea typeface="Arial" panose="020B0604020202020204" pitchFamily="34" charset="0"/>
+                      </a:endParaRPr>
+                    </a:p>
+                  </a:txBody>
+                  <a:tcPr marL="79117" marR="79117" marT="0" marB="0" anchor="ctr">
+                    <a:lnL w="12700" cap="flat" cmpd="sng" algn="ctr">
+                      <a:solidFill>
+                        <a:srgbClr val="000000"/>
+                      </a:solidFill>
+                      <a:prstDash val="solid"/>
+                      <a:round/>
+                      <a:headEnd type="none" w="med" len="med"/>
+                      <a:tailEnd type="none" w="med" len="med"/>
+                    </a:lnL>
+                    <a:lnR w="12700" cap="flat" cmpd="sng" algn="ctr">
+                      <a:solidFill>
+                        <a:srgbClr val="000000"/>
+                      </a:solidFill>
+                      <a:prstDash val="solid"/>
+                      <a:round/>
+                      <a:headEnd type="none" w="med" len="med"/>
+                      <a:tailEnd type="none" w="med" len="med"/>
+                    </a:lnR>
+                    <a:lnT w="12700" cap="flat" cmpd="sng" algn="ctr">
+                      <a:solidFill>
+                        <a:srgbClr val="000000"/>
+                      </a:solidFill>
+                      <a:prstDash val="solid"/>
+                      <a:round/>
+                      <a:headEnd type="none" w="med" len="med"/>
+                      <a:tailEnd type="none" w="med" len="med"/>
+                    </a:lnT>
+                    <a:lnB w="12700" cap="flat" cmpd="sng" algn="ctr">
+                      <a:solidFill>
+                        <a:srgbClr val="000000"/>
+                      </a:solidFill>
+                      <a:prstDash val="solid"/>
+                      <a:round/>
+                      <a:headEnd type="none" w="med" len="med"/>
+                      <a:tailEnd type="none" w="med" len="med"/>
+                    </a:lnB>
+                  </a:tcPr>
+                </a:tc>
+                <a:tc>
+                  <a:txBody>
+                    <a:bodyPr/>
+                    <a:lstStyle/>
+                    <a:p>
+                      <a:pPr marL="0" marR="0" algn="ctr">
+                        <a:lnSpc>
+                          <a:spcPct val="115000"/>
+                        </a:lnSpc>
+                        <a:spcBef>
+                          <a:spcPts val="0"/>
+                        </a:spcBef>
+                        <a:spcAft>
+                          <a:spcPts val="0"/>
+                        </a:spcAft>
+                      </a:pPr>
+                      <a:r>
+                        <a:rPr lang="en-US" sz="1300" dirty="0">
+                          <a:effectLst/>
+                          <a:latin typeface="Calibri" panose="020F0502020204030204" pitchFamily="34" charset="0"/>
+                          <a:ea typeface="Calibri" panose="020F0502020204030204" pitchFamily="34" charset="0"/>
+                          <a:cs typeface="Calibri" panose="020F0502020204030204" pitchFamily="34" charset="0"/>
+                        </a:rPr>
+                        <a:t>79.4%</a:t>
+                      </a:r>
+                      <a:endParaRPr lang="en-US" sz="1300" dirty="0">
+                        <a:effectLst/>
+                        <a:latin typeface="Arial" panose="020B0604020202020204" pitchFamily="34" charset="0"/>
+                        <a:ea typeface="Arial" panose="020B0604020202020204" pitchFamily="34" charset="0"/>
+                      </a:endParaRPr>
+                    </a:p>
+                  </a:txBody>
+                  <a:tcPr marL="79117" marR="79117" marT="0" marB="0" anchor="ctr">
+                    <a:lnL w="12700" cap="flat" cmpd="sng" algn="ctr">
+                      <a:solidFill>
+                        <a:srgbClr val="000000"/>
+                      </a:solidFill>
+                      <a:prstDash val="solid"/>
+                      <a:round/>
+                      <a:headEnd type="none" w="med" len="med"/>
+                      <a:tailEnd type="none" w="med" len="med"/>
+                    </a:lnL>
+                    <a:lnR w="12700" cap="flat" cmpd="sng" algn="ctr">
+                      <a:solidFill>
+                        <a:srgbClr val="000000"/>
+                      </a:solidFill>
+                      <a:prstDash val="solid"/>
+                      <a:round/>
+                      <a:headEnd type="none" w="med" len="med"/>
+                      <a:tailEnd type="none" w="med" len="med"/>
+                    </a:lnR>
+                    <a:lnT w="12700" cap="flat" cmpd="sng" algn="ctr">
+                      <a:solidFill>
+                        <a:srgbClr val="000000"/>
+                      </a:solidFill>
+                      <a:prstDash val="solid"/>
+                      <a:round/>
+                      <a:headEnd type="none" w="med" len="med"/>
+                      <a:tailEnd type="none" w="med" len="med"/>
+                    </a:lnT>
+                    <a:lnB w="12700" cap="flat" cmpd="sng" algn="ctr">
+                      <a:solidFill>
+                        <a:srgbClr val="000000"/>
+                      </a:solidFill>
+                      <a:prstDash val="solid"/>
+                      <a:round/>
+                      <a:headEnd type="none" w="med" len="med"/>
+                      <a:tailEnd type="none" w="med" len="med"/>
+                    </a:lnB>
+                  </a:tcPr>
+                </a:tc>
+                <a:tc>
+                  <a:txBody>
+                    <a:bodyPr/>
+                    <a:lstStyle/>
+                    <a:p>
+                      <a:pPr marL="0" marR="0" algn="ctr">
+                        <a:lnSpc>
+                          <a:spcPct val="115000"/>
+                        </a:lnSpc>
+                        <a:spcBef>
+                          <a:spcPts val="0"/>
+                        </a:spcBef>
+                        <a:spcAft>
+                          <a:spcPts val="0"/>
+                        </a:spcAft>
+                      </a:pPr>
+                      <a:r>
+                        <a:rPr lang="en-US" sz="1300">
+                          <a:effectLst/>
+                          <a:latin typeface="Calibri" panose="020F0502020204030204" pitchFamily="34" charset="0"/>
+                          <a:ea typeface="Calibri" panose="020F0502020204030204" pitchFamily="34" charset="0"/>
+                          <a:cs typeface="Calibri" panose="020F0502020204030204" pitchFamily="34" charset="0"/>
+                        </a:rPr>
+                        <a:t>11,899</a:t>
+                      </a:r>
+                      <a:endParaRPr lang="en-US" sz="1300">
+                        <a:effectLst/>
+                        <a:latin typeface="Arial" panose="020B0604020202020204" pitchFamily="34" charset="0"/>
+                        <a:ea typeface="Arial" panose="020B0604020202020204" pitchFamily="34" charset="0"/>
+                      </a:endParaRPr>
+                    </a:p>
+                  </a:txBody>
+                  <a:tcPr marL="79117" marR="79117" marT="0" marB="0" anchor="ctr">
+                    <a:lnL w="12700" cap="flat" cmpd="sng" algn="ctr">
+                      <a:solidFill>
+                        <a:srgbClr val="000000"/>
+                      </a:solidFill>
+                      <a:prstDash val="solid"/>
+                      <a:round/>
+                      <a:headEnd type="none" w="med" len="med"/>
+                      <a:tailEnd type="none" w="med" len="med"/>
+                    </a:lnL>
+                    <a:lnR w="12700" cap="flat" cmpd="sng" algn="ctr">
+                      <a:solidFill>
+                        <a:srgbClr val="000000"/>
+                      </a:solidFill>
+                      <a:prstDash val="solid"/>
+                      <a:round/>
+                      <a:headEnd type="none" w="med" len="med"/>
+                      <a:tailEnd type="none" w="med" len="med"/>
+                    </a:lnR>
+                    <a:lnT w="12700" cap="flat" cmpd="sng" algn="ctr">
+                      <a:solidFill>
+                        <a:srgbClr val="000000"/>
+                      </a:solidFill>
+                      <a:prstDash val="solid"/>
+                      <a:round/>
+                      <a:headEnd type="none" w="med" len="med"/>
+                      <a:tailEnd type="none" w="med" len="med"/>
+                    </a:lnT>
+                    <a:lnB w="12700" cap="flat" cmpd="sng" algn="ctr">
+                      <a:solidFill>
+                        <a:srgbClr val="000000"/>
+                      </a:solidFill>
+                      <a:prstDash val="solid"/>
+                      <a:round/>
+                      <a:headEnd type="none" w="med" len="med"/>
+                      <a:tailEnd type="none" w="med" len="med"/>
+                    </a:lnB>
+                  </a:tcPr>
+                </a:tc>
+                <a:tc>
+                  <a:txBody>
+                    <a:bodyPr/>
+                    <a:lstStyle/>
+                    <a:p>
+                      <a:pPr marL="0" marR="0" algn="ctr">
+                        <a:lnSpc>
+                          <a:spcPct val="115000"/>
+                        </a:lnSpc>
+                        <a:spcBef>
+                          <a:spcPts val="0"/>
+                        </a:spcBef>
+                        <a:spcAft>
+                          <a:spcPts val="0"/>
+                        </a:spcAft>
+                      </a:pPr>
+                      <a:r>
+                        <a:rPr lang="en-US" sz="1300" dirty="0">
+                          <a:effectLst/>
+                          <a:latin typeface="Calibri" panose="020F0502020204030204" pitchFamily="34" charset="0"/>
+                          <a:ea typeface="Calibri" panose="020F0502020204030204" pitchFamily="34" charset="0"/>
+                          <a:cs typeface="Calibri" panose="020F0502020204030204" pitchFamily="34" charset="0"/>
+                        </a:rPr>
+                        <a:t>73.7%</a:t>
+                      </a:r>
+                      <a:endParaRPr lang="en-US" sz="1300" dirty="0">
+                        <a:effectLst/>
+                        <a:latin typeface="Arial" panose="020B0604020202020204" pitchFamily="34" charset="0"/>
+                        <a:ea typeface="Arial" panose="020B0604020202020204" pitchFamily="34" charset="0"/>
+                      </a:endParaRPr>
+                    </a:p>
+                  </a:txBody>
+                  <a:tcPr marL="79117" marR="79117" marT="0" marB="0" anchor="ctr">
+                    <a:lnL w="12700" cap="flat" cmpd="sng" algn="ctr">
+                      <a:solidFill>
+                        <a:srgbClr val="000000"/>
+                      </a:solidFill>
+                      <a:prstDash val="solid"/>
+                      <a:round/>
+                      <a:headEnd type="none" w="med" len="med"/>
+                      <a:tailEnd type="none" w="med" len="med"/>
+                    </a:lnL>
+                    <a:lnR w="12700" cap="flat" cmpd="sng" algn="ctr">
+                      <a:solidFill>
+                        <a:srgbClr val="000000"/>
+                      </a:solidFill>
+                      <a:prstDash val="solid"/>
+                      <a:round/>
+                      <a:headEnd type="none" w="med" len="med"/>
+                      <a:tailEnd type="none" w="med" len="med"/>
+                    </a:lnR>
+                    <a:lnT w="12700" cap="flat" cmpd="sng" algn="ctr">
+                      <a:solidFill>
+                        <a:srgbClr val="000000"/>
+                      </a:solidFill>
+                      <a:prstDash val="solid"/>
+                      <a:round/>
+                      <a:headEnd type="none" w="med" len="med"/>
+                      <a:tailEnd type="none" w="med" len="med"/>
+                    </a:lnT>
+                    <a:lnB w="12700" cap="flat" cmpd="sng" algn="ctr">
+                      <a:solidFill>
+                        <a:srgbClr val="000000"/>
+                      </a:solidFill>
+                      <a:prstDash val="solid"/>
+                      <a:round/>
+                      <a:headEnd type="none" w="med" len="med"/>
+                      <a:tailEnd type="none" w="med" len="med"/>
+                    </a:lnB>
+                  </a:tcPr>
+                </a:tc>
+                <a:tc>
+                  <a:txBody>
+                    <a:bodyPr/>
+                    <a:lstStyle/>
+                    <a:p>
+                      <a:pPr marL="0" marR="0" algn="ctr">
+                        <a:lnSpc>
+                          <a:spcPct val="115000"/>
+                        </a:lnSpc>
+                        <a:spcBef>
+                          <a:spcPts val="0"/>
+                        </a:spcBef>
+                        <a:spcAft>
+                          <a:spcPts val="0"/>
+                        </a:spcAft>
+                      </a:pPr>
+                      <a:r>
+                        <a:rPr lang="en-US" sz="1300" dirty="0">
+                          <a:effectLst/>
+                          <a:latin typeface="Calibri" panose="020F0502020204030204" pitchFamily="34" charset="0"/>
+                          <a:ea typeface="Calibri" panose="020F0502020204030204" pitchFamily="34" charset="0"/>
+                          <a:cs typeface="Calibri" panose="020F0502020204030204" pitchFamily="34" charset="0"/>
+                        </a:rPr>
+                        <a:t>13,134</a:t>
+                      </a:r>
+                      <a:endParaRPr lang="en-US" sz="1300" dirty="0">
+                        <a:effectLst/>
+                        <a:latin typeface="Arial" panose="020B0604020202020204" pitchFamily="34" charset="0"/>
+                        <a:ea typeface="Arial" panose="020B0604020202020204" pitchFamily="34" charset="0"/>
+                      </a:endParaRPr>
+                    </a:p>
+                  </a:txBody>
+                  <a:tcPr marL="79117" marR="79117" marT="0" marB="0" anchor="ctr">
+                    <a:lnL w="12700" cap="flat" cmpd="sng" algn="ctr">
+                      <a:solidFill>
+                        <a:srgbClr val="000000"/>
+                      </a:solidFill>
+                      <a:prstDash val="solid"/>
+                      <a:round/>
+                      <a:headEnd type="none" w="med" len="med"/>
+                      <a:tailEnd type="none" w="med" len="med"/>
+                    </a:lnL>
+                    <a:lnR w="12700" cap="flat" cmpd="sng" algn="ctr">
+                      <a:solidFill>
+                        <a:srgbClr val="000000"/>
+                      </a:solidFill>
+                      <a:prstDash val="solid"/>
+                      <a:round/>
+                      <a:headEnd type="none" w="med" len="med"/>
+                      <a:tailEnd type="none" w="med" len="med"/>
+                    </a:lnR>
+                    <a:lnT w="12700" cap="flat" cmpd="sng" algn="ctr">
+                      <a:solidFill>
+                        <a:srgbClr val="000000"/>
+                      </a:solidFill>
+                      <a:prstDash val="solid"/>
+                      <a:round/>
+                      <a:headEnd type="none" w="med" len="med"/>
+                      <a:tailEnd type="none" w="med" len="med"/>
+                    </a:lnT>
+                    <a:lnB w="12700" cap="flat" cmpd="sng" algn="ctr">
+                      <a:solidFill>
+                        <a:srgbClr val="000000"/>
+                      </a:solidFill>
+                      <a:prstDash val="solid"/>
+                      <a:round/>
+                      <a:headEnd type="none" w="med" len="med"/>
+                      <a:tailEnd type="none" w="med" len="med"/>
+                    </a:lnB>
+                  </a:tcPr>
+                </a:tc>
+                <a:extLst>
+                  <a:ext uri="{0D108BD9-81ED-4DB2-BD59-A6C34878D82A}">
+                    <a16:rowId xmlns:a16="http://schemas.microsoft.com/office/drawing/2014/main" val="142956087"/>
+                  </a:ext>
+                </a:extLst>
+              </a:tr>
+              <a:tr h="543142">
+                <a:tc>
+                  <a:txBody>
+                    <a:bodyPr/>
+                    <a:lstStyle/>
+                    <a:p>
+                      <a:pPr marL="0" marR="0">
+                        <a:lnSpc>
+                          <a:spcPct val="115000"/>
+                        </a:lnSpc>
+                        <a:spcBef>
+                          <a:spcPts val="0"/>
+                        </a:spcBef>
+                        <a:spcAft>
+                          <a:spcPts val="0"/>
+                        </a:spcAft>
+                      </a:pPr>
+                      <a:r>
+                        <a:rPr lang="en-US" sz="1300" dirty="0">
+                          <a:effectLst/>
+                          <a:latin typeface="Calibri" panose="020F0502020204030204" pitchFamily="34" charset="0"/>
+                          <a:ea typeface="Calibri" panose="020F0502020204030204" pitchFamily="34" charset="0"/>
+                          <a:cs typeface="Calibri" panose="020F0502020204030204" pitchFamily="34" charset="0"/>
+                        </a:rPr>
+                        <a:t>Elastic Net (w/ Transformed Target*)</a:t>
+                      </a:r>
+                      <a:endParaRPr lang="en-US" sz="1300" dirty="0">
+                        <a:effectLst/>
+                        <a:latin typeface="Arial" panose="020B0604020202020204" pitchFamily="34" charset="0"/>
+                        <a:ea typeface="Arial" panose="020B0604020202020204" pitchFamily="34" charset="0"/>
+                      </a:endParaRPr>
+                    </a:p>
+                  </a:txBody>
+                  <a:tcPr marL="79117" marR="79117" marT="0" marB="0" anchor="ctr">
+                    <a:lnL w="12700" cap="flat" cmpd="sng" algn="ctr">
+                      <a:solidFill>
+                        <a:srgbClr val="000000"/>
+                      </a:solidFill>
+                      <a:prstDash val="solid"/>
+                      <a:round/>
+                      <a:headEnd type="none" w="med" len="med"/>
+                      <a:tailEnd type="none" w="med" len="med"/>
+                    </a:lnL>
+                    <a:lnR w="12700" cap="flat" cmpd="sng" algn="ctr">
+                      <a:solidFill>
+                        <a:srgbClr val="000000"/>
+                      </a:solidFill>
+                      <a:prstDash val="solid"/>
+                      <a:round/>
+                      <a:headEnd type="none" w="med" len="med"/>
+                      <a:tailEnd type="none" w="med" len="med"/>
+                    </a:lnR>
+                    <a:lnT w="12700" cap="flat" cmpd="sng" algn="ctr">
+                      <a:solidFill>
+                        <a:srgbClr val="000000"/>
+                      </a:solidFill>
+                      <a:prstDash val="solid"/>
+                      <a:round/>
+                      <a:headEnd type="none" w="med" len="med"/>
+                      <a:tailEnd type="none" w="med" len="med"/>
+                    </a:lnT>
+                    <a:lnB w="12700" cap="flat" cmpd="sng" algn="ctr">
+                      <a:solidFill>
+                        <a:srgbClr val="000000"/>
+                      </a:solidFill>
+                      <a:prstDash val="solid"/>
+                      <a:round/>
+                      <a:headEnd type="none" w="med" len="med"/>
+                      <a:tailEnd type="none" w="med" len="med"/>
+                    </a:lnB>
+                    <a:solidFill>
+                      <a:schemeClr val="accent5">
+                        <a:lumMod val="60000"/>
+                        <a:lumOff val="40000"/>
+                      </a:schemeClr>
+                    </a:solidFill>
+                  </a:tcPr>
+                </a:tc>
+                <a:tc>
+                  <a:txBody>
+                    <a:bodyPr/>
+                    <a:lstStyle/>
+                    <a:p>
+                      <a:pPr marL="0" marR="0" algn="ctr">
+                        <a:lnSpc>
+                          <a:spcPct val="115000"/>
+                        </a:lnSpc>
+                        <a:spcBef>
+                          <a:spcPts val="0"/>
+                        </a:spcBef>
+                        <a:spcAft>
+                          <a:spcPts val="0"/>
+                        </a:spcAft>
+                      </a:pPr>
+                      <a:r>
+                        <a:rPr lang="en-US" sz="1300" dirty="0">
+                          <a:effectLst/>
+                          <a:latin typeface="Calibri" panose="020F0502020204030204" pitchFamily="34" charset="0"/>
+                          <a:ea typeface="Calibri" panose="020F0502020204030204" pitchFamily="34" charset="0"/>
+                          <a:cs typeface="Calibri" panose="020F0502020204030204" pitchFamily="34" charset="0"/>
+                        </a:rPr>
+                        <a:t>80.3%</a:t>
+                      </a:r>
+                      <a:endParaRPr lang="en-US" sz="1300" dirty="0">
+                        <a:effectLst/>
+                        <a:latin typeface="Arial" panose="020B0604020202020204" pitchFamily="34" charset="0"/>
+                        <a:ea typeface="Arial" panose="020B0604020202020204" pitchFamily="34" charset="0"/>
+                      </a:endParaRPr>
+                    </a:p>
+                  </a:txBody>
+                  <a:tcPr marL="79117" marR="79117" marT="0" marB="0" anchor="ctr">
+                    <a:lnL w="12700" cap="flat" cmpd="sng" algn="ctr">
+                      <a:solidFill>
+                        <a:srgbClr val="000000"/>
+                      </a:solidFill>
+                      <a:prstDash val="solid"/>
+                      <a:round/>
+                      <a:headEnd type="none" w="med" len="med"/>
+                      <a:tailEnd type="none" w="med" len="med"/>
+                    </a:lnL>
+                    <a:lnR w="12700" cap="flat" cmpd="sng" algn="ctr">
+                      <a:solidFill>
+                        <a:srgbClr val="000000"/>
+                      </a:solidFill>
+                      <a:prstDash val="solid"/>
+                      <a:round/>
+                      <a:headEnd type="none" w="med" len="med"/>
+                      <a:tailEnd type="none" w="med" len="med"/>
+                    </a:lnR>
+                    <a:lnT w="12700" cap="flat" cmpd="sng" algn="ctr">
+                      <a:solidFill>
+                        <a:srgbClr val="000000"/>
+                      </a:solidFill>
+                      <a:prstDash val="solid"/>
+                      <a:round/>
+                      <a:headEnd type="none" w="med" len="med"/>
+                      <a:tailEnd type="none" w="med" len="med"/>
+                    </a:lnT>
+                    <a:lnB w="12700" cap="flat" cmpd="sng" algn="ctr">
+                      <a:solidFill>
+                        <a:srgbClr val="000000"/>
+                      </a:solidFill>
+                      <a:prstDash val="solid"/>
+                      <a:round/>
+                      <a:headEnd type="none" w="med" len="med"/>
+                      <a:tailEnd type="none" w="med" len="med"/>
+                    </a:lnB>
+                    <a:solidFill>
+                      <a:schemeClr val="accent5">
+                        <a:lumMod val="60000"/>
+                        <a:lumOff val="40000"/>
+                      </a:schemeClr>
+                    </a:solidFill>
+                  </a:tcPr>
+                </a:tc>
+                <a:tc>
+                  <a:txBody>
+                    <a:bodyPr/>
+                    <a:lstStyle/>
+                    <a:p>
+                      <a:pPr marL="0" marR="0" algn="ctr">
+                        <a:lnSpc>
+                          <a:spcPct val="115000"/>
+                        </a:lnSpc>
+                        <a:spcBef>
+                          <a:spcPts val="0"/>
+                        </a:spcBef>
+                        <a:spcAft>
+                          <a:spcPts val="0"/>
+                        </a:spcAft>
+                      </a:pPr>
+                      <a:r>
+                        <a:rPr lang="en-US" sz="1300" dirty="0">
+                          <a:effectLst/>
+                          <a:latin typeface="Calibri" panose="020F0502020204030204" pitchFamily="34" charset="0"/>
+                          <a:ea typeface="Calibri" panose="020F0502020204030204" pitchFamily="34" charset="0"/>
+                          <a:cs typeface="Calibri" panose="020F0502020204030204" pitchFamily="34" charset="0"/>
+                        </a:rPr>
+                        <a:t>10,608</a:t>
+                      </a:r>
+                      <a:endParaRPr lang="en-US" sz="1300" dirty="0">
+                        <a:effectLst/>
+                        <a:latin typeface="Arial" panose="020B0604020202020204" pitchFamily="34" charset="0"/>
+                        <a:ea typeface="Arial" panose="020B0604020202020204" pitchFamily="34" charset="0"/>
+                      </a:endParaRPr>
+                    </a:p>
+                  </a:txBody>
+                  <a:tcPr marL="79117" marR="79117" marT="0" marB="0" anchor="ctr">
+                    <a:lnL w="12700" cap="flat" cmpd="sng" algn="ctr">
+                      <a:solidFill>
+                        <a:srgbClr val="000000"/>
+                      </a:solidFill>
+                      <a:prstDash val="solid"/>
+                      <a:round/>
+                      <a:headEnd type="none" w="med" len="med"/>
+                      <a:tailEnd type="none" w="med" len="med"/>
+                    </a:lnL>
+                    <a:lnR w="12700" cap="flat" cmpd="sng" algn="ctr">
+                      <a:solidFill>
+                        <a:srgbClr val="000000"/>
+                      </a:solidFill>
+                      <a:prstDash val="solid"/>
+                      <a:round/>
+                      <a:headEnd type="none" w="med" len="med"/>
+                      <a:tailEnd type="none" w="med" len="med"/>
+                    </a:lnR>
+                    <a:lnT w="12700" cap="flat" cmpd="sng" algn="ctr">
+                      <a:solidFill>
+                        <a:srgbClr val="000000"/>
+                      </a:solidFill>
+                      <a:prstDash val="solid"/>
+                      <a:round/>
+                      <a:headEnd type="none" w="med" len="med"/>
+                      <a:tailEnd type="none" w="med" len="med"/>
+                    </a:lnT>
+                    <a:lnB w="12700" cap="flat" cmpd="sng" algn="ctr">
+                      <a:solidFill>
+                        <a:srgbClr val="000000"/>
+                      </a:solidFill>
+                      <a:prstDash val="solid"/>
+                      <a:round/>
+                      <a:headEnd type="none" w="med" len="med"/>
+                      <a:tailEnd type="none" w="med" len="med"/>
+                    </a:lnB>
+                    <a:solidFill>
+                      <a:schemeClr val="accent5">
+                        <a:lumMod val="60000"/>
+                        <a:lumOff val="40000"/>
+                      </a:schemeClr>
+                    </a:solidFill>
+                  </a:tcPr>
+                </a:tc>
+                <a:tc>
+                  <a:txBody>
+                    <a:bodyPr/>
+                    <a:lstStyle/>
+                    <a:p>
+                      <a:pPr marL="0" marR="0" algn="ctr">
+                        <a:lnSpc>
+                          <a:spcPct val="115000"/>
+                        </a:lnSpc>
+                        <a:spcBef>
+                          <a:spcPts val="0"/>
+                        </a:spcBef>
+                        <a:spcAft>
+                          <a:spcPts val="0"/>
+                        </a:spcAft>
+                      </a:pPr>
+                      <a:r>
+                        <a:rPr lang="en-US" sz="1300" dirty="0">
+                          <a:effectLst/>
+                          <a:latin typeface="Calibri" panose="020F0502020204030204" pitchFamily="34" charset="0"/>
+                          <a:ea typeface="Calibri" panose="020F0502020204030204" pitchFamily="34" charset="0"/>
+                          <a:cs typeface="Calibri" panose="020F0502020204030204" pitchFamily="34" charset="0"/>
+                        </a:rPr>
+                        <a:t>75.4%</a:t>
+                      </a:r>
+                      <a:endParaRPr lang="en-US" sz="1300" dirty="0">
+                        <a:effectLst/>
+                        <a:latin typeface="Arial" panose="020B0604020202020204" pitchFamily="34" charset="0"/>
+                        <a:ea typeface="Arial" panose="020B0604020202020204" pitchFamily="34" charset="0"/>
+                      </a:endParaRPr>
+                    </a:p>
+                  </a:txBody>
+                  <a:tcPr marL="79117" marR="79117" marT="0" marB="0" anchor="ctr">
+                    <a:lnL w="12700" cap="flat" cmpd="sng" algn="ctr">
+                      <a:solidFill>
+                        <a:srgbClr val="000000"/>
+                      </a:solidFill>
+                      <a:prstDash val="solid"/>
+                      <a:round/>
+                      <a:headEnd type="none" w="med" len="med"/>
+                      <a:tailEnd type="none" w="med" len="med"/>
+                    </a:lnL>
+                    <a:lnR w="12700" cap="flat" cmpd="sng" algn="ctr">
+                      <a:solidFill>
+                        <a:srgbClr val="000000"/>
+                      </a:solidFill>
+                      <a:prstDash val="solid"/>
+                      <a:round/>
+                      <a:headEnd type="none" w="med" len="med"/>
+                      <a:tailEnd type="none" w="med" len="med"/>
+                    </a:lnR>
+                    <a:lnT w="12700" cap="flat" cmpd="sng" algn="ctr">
+                      <a:solidFill>
+                        <a:srgbClr val="000000"/>
+                      </a:solidFill>
+                      <a:prstDash val="solid"/>
+                      <a:round/>
+                      <a:headEnd type="none" w="med" len="med"/>
+                      <a:tailEnd type="none" w="med" len="med"/>
+                    </a:lnT>
+                    <a:lnB w="12700" cap="flat" cmpd="sng" algn="ctr">
+                      <a:solidFill>
+                        <a:srgbClr val="000000"/>
+                      </a:solidFill>
+                      <a:prstDash val="solid"/>
+                      <a:round/>
+                      <a:headEnd type="none" w="med" len="med"/>
+                      <a:tailEnd type="none" w="med" len="med"/>
+                    </a:lnB>
+                    <a:solidFill>
+                      <a:schemeClr val="accent5">
+                        <a:lumMod val="60000"/>
+                        <a:lumOff val="40000"/>
+                      </a:schemeClr>
+                    </a:solidFill>
+                  </a:tcPr>
+                </a:tc>
+                <a:tc>
+                  <a:txBody>
+                    <a:bodyPr/>
+                    <a:lstStyle/>
+                    <a:p>
+                      <a:pPr marL="0" marR="0" algn="ctr">
+                        <a:lnSpc>
+                          <a:spcPct val="115000"/>
+                        </a:lnSpc>
+                        <a:spcBef>
+                          <a:spcPts val="0"/>
+                        </a:spcBef>
+                        <a:spcAft>
+                          <a:spcPts val="0"/>
+                        </a:spcAft>
+                      </a:pPr>
+                      <a:r>
+                        <a:rPr lang="en-US" sz="1300" dirty="0">
+                          <a:effectLst/>
+                          <a:latin typeface="Calibri" panose="020F0502020204030204" pitchFamily="34" charset="0"/>
+                          <a:ea typeface="Calibri" panose="020F0502020204030204" pitchFamily="34" charset="0"/>
+                          <a:cs typeface="Calibri" panose="020F0502020204030204" pitchFamily="34" charset="0"/>
+                        </a:rPr>
+                        <a:t>11,291</a:t>
+                      </a:r>
+                      <a:endParaRPr lang="en-US" sz="1300" dirty="0">
+                        <a:effectLst/>
+                        <a:latin typeface="Arial" panose="020B0604020202020204" pitchFamily="34" charset="0"/>
+                        <a:ea typeface="Arial" panose="020B0604020202020204" pitchFamily="34" charset="0"/>
+                      </a:endParaRPr>
+                    </a:p>
+                  </a:txBody>
+                  <a:tcPr marL="79117" marR="79117" marT="0" marB="0" anchor="ctr">
+                    <a:lnL w="12700" cap="flat" cmpd="sng" algn="ctr">
+                      <a:solidFill>
+                        <a:srgbClr val="000000"/>
+                      </a:solidFill>
+                      <a:prstDash val="solid"/>
+                      <a:round/>
+                      <a:headEnd type="none" w="med" len="med"/>
+                      <a:tailEnd type="none" w="med" len="med"/>
+                    </a:lnL>
+                    <a:lnR w="12700" cap="flat" cmpd="sng" algn="ctr">
+                      <a:solidFill>
+                        <a:srgbClr val="000000"/>
+                      </a:solidFill>
+                      <a:prstDash val="solid"/>
+                      <a:round/>
+                      <a:headEnd type="none" w="med" len="med"/>
+                      <a:tailEnd type="none" w="med" len="med"/>
+                    </a:lnR>
+                    <a:lnT w="12700" cap="flat" cmpd="sng" algn="ctr">
+                      <a:solidFill>
+                        <a:srgbClr val="000000"/>
+                      </a:solidFill>
+                      <a:prstDash val="solid"/>
+                      <a:round/>
+                      <a:headEnd type="none" w="med" len="med"/>
+                      <a:tailEnd type="none" w="med" len="med"/>
+                    </a:lnT>
+                    <a:lnB w="12700" cap="flat" cmpd="sng" algn="ctr">
+                      <a:solidFill>
+                        <a:srgbClr val="000000"/>
+                      </a:solidFill>
+                      <a:prstDash val="solid"/>
+                      <a:round/>
+                      <a:headEnd type="none" w="med" len="med"/>
+                      <a:tailEnd type="none" w="med" len="med"/>
+                    </a:lnB>
+                    <a:solidFill>
+                      <a:schemeClr val="accent5">
+                        <a:lumMod val="60000"/>
+                        <a:lumOff val="40000"/>
+                      </a:schemeClr>
+                    </a:solidFill>
+                  </a:tcPr>
+                </a:tc>
+                <a:extLst>
+                  <a:ext uri="{0D108BD9-81ED-4DB2-BD59-A6C34878D82A}">
+                    <a16:rowId xmlns:a16="http://schemas.microsoft.com/office/drawing/2014/main" val="1264407490"/>
+                  </a:ext>
+                </a:extLst>
+              </a:tr>
+            </a:tbl>
+          </a:graphicData>
+        </a:graphic>
+      </p:graphicFrame>
+      <p:sp>
+        <p:nvSpPr>
+          <p:cNvPr id="11" name="TextBox 10">
+            <a:extLst>
+              <a:ext uri="{FF2B5EF4-FFF2-40B4-BE49-F238E27FC236}">
+                <a16:creationId xmlns:a16="http://schemas.microsoft.com/office/drawing/2014/main" id="{59976D2B-1DDF-1E43-B208-D1BC991F99A4}"/>
+              </a:ext>
+            </a:extLst>
+          </p:cNvPr>
+          <p:cNvSpPr txBox="1"/>
+          <p:nvPr/>
+        </p:nvSpPr>
+        <p:spPr>
+          <a:xfrm>
+            <a:off x="466867" y="6557902"/>
+            <a:ext cx="6414654" cy="276999"/>
+          </a:xfrm>
+          <a:prstGeom prst="rect">
+            <a:avLst/>
+          </a:prstGeom>
+          <a:noFill/>
+        </p:spPr>
+        <p:txBody>
+          <a:bodyPr wrap="square" rtlCol="0">
+            <a:spAutoFit/>
+          </a:bodyPr>
+          <a:lstStyle/>
+          <a:p>
+            <a:r>
+              <a:rPr lang="en-US" sz="1200" dirty="0"/>
+              <a:t>*Target variable was normalized to decrease influence of outliers</a:t>
+            </a:r>
+          </a:p>
+        </p:txBody>
+      </p:sp>
     </p:spTree>
     <p:extLst>
       <p:ext uri="{BB962C8B-B14F-4D97-AF65-F5344CB8AC3E}">
-        <p14:creationId xmlns:p14="http://schemas.microsoft.com/office/powerpoint/2010/main" val="475353016"/>
+        <p14:creationId xmlns:p14="http://schemas.microsoft.com/office/powerpoint/2010/main" val="3287444682"/>
       </p:ext>
     </p:extLst>
   </p:cSld>
@@ -13614,14 +15921,14 @@
           <a:p>
             <a:r>
               <a:rPr lang="en-US" dirty="0"/>
-              <a:t>Statistical </a:t>
+              <a:t>Results </a:t>
             </a:r>
             <a:r>
-              <a:rPr lang="en-US" b="0" dirty="0"/>
-              <a:t>Inference </a:t>
-            </a:r>
-            <a:r>
-              <a:rPr lang="en-US" sz="1800" b="0" dirty="0"/>
+              <a:rPr lang="en-US" sz="1800" b="0" dirty="0">
+                <a:solidFill>
+                  <a:srgbClr val="0F6FC6"/>
+                </a:solidFill>
+              </a:rPr>
               <a:t>(2 of 4)</a:t>
             </a:r>
             <a:endParaRPr lang="en-US" b="0" dirty="0"/>
@@ -13661,7 +15968,7 @@
             </a:pPr>
             <a:r>
               <a:rPr lang="en-US" sz="2000" dirty="0"/>
-              <a:t>To verify the significance of the of the sample correlation between total square feet and total energy consumption, a z-test was performed using a Fisher transformation with the following experiment design:</a:t>
+              <a:t>For each household type the model is able to give a reasonable estimate for the total energy consumption. This model can be useful and performs better a prediction based on the median or mean of energy consumption of all households, while accounting for many different factors</a:t>
             </a:r>
             <a:endParaRPr lang="en-US" sz="1600" dirty="0"/>
           </a:p>
@@ -13727,10 +16034,4672 @@
       </p:sp>
       <p:sp>
         <p:nvSpPr>
-          <p:cNvPr id="8" name="Text Placeholder 32">
+          <p:cNvPr id="7" name="TextBox 6">
             <a:extLst>
               <a:ext uri="{FF2B5EF4-FFF2-40B4-BE49-F238E27FC236}">
-                <a16:creationId xmlns:a16="http://schemas.microsoft.com/office/drawing/2014/main" id="{404745C0-19DF-4E49-BF27-B65F324C6B34}"/>
+                <a16:creationId xmlns:a16="http://schemas.microsoft.com/office/drawing/2014/main" id="{FCF77066-EB93-E743-A687-61F9281C51B1}"/>
+              </a:ext>
+            </a:extLst>
+          </p:cNvPr>
+          <p:cNvSpPr txBox="1"/>
+          <p:nvPr/>
+        </p:nvSpPr>
+        <p:spPr>
+          <a:xfrm>
+            <a:off x="466867" y="5467446"/>
+            <a:ext cx="11048858" cy="369332"/>
+          </a:xfrm>
+          <a:prstGeom prst="rect">
+            <a:avLst/>
+          </a:prstGeom>
+          <a:solidFill>
+            <a:srgbClr val="014067"/>
+          </a:solidFill>
+        </p:spPr>
+        <p:txBody>
+          <a:bodyPr wrap="square" rtlCol="0">
+            <a:spAutoFit/>
+          </a:bodyPr>
+          <a:lstStyle/>
+          <a:p>
+            <a:pPr>
+              <a:buClr>
+                <a:schemeClr val="accent2"/>
+              </a:buClr>
+            </a:pPr>
+            <a:r>
+              <a:rPr lang="en-US" dirty="0">
+                <a:solidFill>
+                  <a:schemeClr val="bg1"/>
+                </a:solidFill>
+              </a:rPr>
+              <a:t>The model performs best on Single Family Detached homes which makes up the 66% of the households in the US </a:t>
+            </a:r>
+          </a:p>
+        </p:txBody>
+      </p:sp>
+      <p:graphicFrame>
+        <p:nvGraphicFramePr>
+          <p:cNvPr id="5" name="Table 4">
+            <a:extLst>
+              <a:ext uri="{FF2B5EF4-FFF2-40B4-BE49-F238E27FC236}">
+                <a16:creationId xmlns:a16="http://schemas.microsoft.com/office/drawing/2014/main" id="{3323A5ED-4376-AD47-BBC1-409302AF0D11}"/>
+              </a:ext>
+            </a:extLst>
+          </p:cNvPr>
+          <p:cNvGraphicFramePr>
+            <a:graphicFrameLocks noGrp="1"/>
+          </p:cNvGraphicFramePr>
+          <p:nvPr>
+            <p:extLst>
+              <p:ext uri="{D42A27DB-BD31-4B8C-83A1-F6EECF244321}">
+                <p14:modId xmlns:p14="http://schemas.microsoft.com/office/powerpoint/2010/main" val="3145379927"/>
+              </p:ext>
+            </p:extLst>
+          </p:nvPr>
+        </p:nvGraphicFramePr>
+        <p:xfrm>
+          <a:off x="1470704" y="2769536"/>
+          <a:ext cx="9250592" cy="2253458"/>
+        </p:xfrm>
+        <a:graphic>
+          <a:graphicData uri="http://schemas.openxmlformats.org/drawingml/2006/table">
+            <a:tbl>
+              <a:tblPr firstRow="1" firstCol="1" bandRow="1"/>
+              <a:tblGrid>
+                <a:gridCol w="3412017">
+                  <a:extLst>
+                    <a:ext uri="{9D8B030D-6E8A-4147-A177-3AD203B41FA5}">
+                      <a16:colId xmlns:a16="http://schemas.microsoft.com/office/drawing/2014/main" val="4266414137"/>
+                    </a:ext>
+                  </a:extLst>
+                </a:gridCol>
+                <a:gridCol w="3168301">
+                  <a:extLst>
+                    <a:ext uri="{9D8B030D-6E8A-4147-A177-3AD203B41FA5}">
+                      <a16:colId xmlns:a16="http://schemas.microsoft.com/office/drawing/2014/main" val="1913479606"/>
+                    </a:ext>
+                  </a:extLst>
+                </a:gridCol>
+                <a:gridCol w="2670274">
+                  <a:extLst>
+                    <a:ext uri="{9D8B030D-6E8A-4147-A177-3AD203B41FA5}">
+                      <a16:colId xmlns:a16="http://schemas.microsoft.com/office/drawing/2014/main" val="3843282511"/>
+                    </a:ext>
+                  </a:extLst>
+                </a:gridCol>
+              </a:tblGrid>
+              <a:tr h="301042">
+                <a:tc gridSpan="3">
+                  <a:txBody>
+                    <a:bodyPr/>
+                    <a:lstStyle/>
+                    <a:p>
+                      <a:pPr marL="0" marR="0" algn="ctr">
+                        <a:lnSpc>
+                          <a:spcPct val="115000"/>
+                        </a:lnSpc>
+                        <a:spcBef>
+                          <a:spcPts val="0"/>
+                        </a:spcBef>
+                        <a:spcAft>
+                          <a:spcPts val="0"/>
+                        </a:spcAft>
+                      </a:pPr>
+                      <a:r>
+                        <a:rPr lang="en-US" sz="1800" b="1">
+                          <a:solidFill>
+                            <a:srgbClr val="FFFFFF"/>
+                          </a:solidFill>
+                          <a:effectLst/>
+                          <a:latin typeface="Calibri" panose="020F0502020204030204" pitchFamily="34" charset="0"/>
+                          <a:ea typeface="Calibri" panose="020F0502020204030204" pitchFamily="34" charset="0"/>
+                          <a:cs typeface="Calibri" panose="020F0502020204030204" pitchFamily="34" charset="0"/>
+                        </a:rPr>
+                        <a:t>ElasticNet Regression (Transformed Target) Results by Housing Type</a:t>
+                      </a:r>
+                      <a:endParaRPr lang="en-US" sz="1800">
+                        <a:effectLst/>
+                        <a:latin typeface="Arial" panose="020B0604020202020204" pitchFamily="34" charset="0"/>
+                        <a:ea typeface="Arial" panose="020B0604020202020204" pitchFamily="34" charset="0"/>
+                      </a:endParaRPr>
+                    </a:p>
+                  </a:txBody>
+                  <a:tcPr marL="152587" marR="152587" marT="76294" marB="76294">
+                    <a:lnL w="12700" cap="flat" cmpd="sng" algn="ctr">
+                      <a:solidFill>
+                        <a:srgbClr val="000000"/>
+                      </a:solidFill>
+                      <a:prstDash val="solid"/>
+                      <a:round/>
+                      <a:headEnd type="none" w="med" len="med"/>
+                      <a:tailEnd type="none" w="med" len="med"/>
+                    </a:lnL>
+                    <a:lnR w="12700" cap="flat" cmpd="sng" algn="ctr">
+                      <a:solidFill>
+                        <a:srgbClr val="000000"/>
+                      </a:solidFill>
+                      <a:prstDash val="solid"/>
+                      <a:round/>
+                      <a:headEnd type="none" w="med" len="med"/>
+                      <a:tailEnd type="none" w="med" len="med"/>
+                    </a:lnR>
+                    <a:lnT w="12700" cap="flat" cmpd="sng" algn="ctr">
+                      <a:solidFill>
+                        <a:srgbClr val="000000"/>
+                      </a:solidFill>
+                      <a:prstDash val="solid"/>
+                      <a:round/>
+                      <a:headEnd type="none" w="med" len="med"/>
+                      <a:tailEnd type="none" w="med" len="med"/>
+                    </a:lnT>
+                    <a:lnB w="12700" cap="flat" cmpd="sng" algn="ctr">
+                      <a:solidFill>
+                        <a:srgbClr val="000000"/>
+                      </a:solidFill>
+                      <a:prstDash val="solid"/>
+                      <a:round/>
+                      <a:headEnd type="none" w="med" len="med"/>
+                      <a:tailEnd type="none" w="med" len="med"/>
+                    </a:lnB>
+                    <a:solidFill>
+                      <a:schemeClr val="tx2"/>
+                    </a:solidFill>
+                  </a:tcPr>
+                </a:tc>
+                <a:tc hMerge="1">
+                  <a:txBody>
+                    <a:bodyPr/>
+                    <a:lstStyle/>
+                    <a:p>
+                      <a:endParaRPr lang="en-US"/>
+                    </a:p>
+                  </a:txBody>
+                  <a:tcPr/>
+                </a:tc>
+                <a:tc hMerge="1">
+                  <a:txBody>
+                    <a:bodyPr/>
+                    <a:lstStyle/>
+                    <a:p>
+                      <a:endParaRPr lang="en-US"/>
+                    </a:p>
+                  </a:txBody>
+                  <a:tcPr/>
+                </a:tc>
+                <a:extLst>
+                  <a:ext uri="{0D108BD9-81ED-4DB2-BD59-A6C34878D82A}">
+                    <a16:rowId xmlns:a16="http://schemas.microsoft.com/office/drawing/2014/main" val="3802616092"/>
+                  </a:ext>
+                </a:extLst>
+              </a:tr>
+              <a:tr h="301042">
+                <a:tc>
+                  <a:txBody>
+                    <a:bodyPr/>
+                    <a:lstStyle/>
+                    <a:p>
+                      <a:pPr marL="0" marR="0" algn="ctr">
+                        <a:lnSpc>
+                          <a:spcPct val="115000"/>
+                        </a:lnSpc>
+                        <a:spcBef>
+                          <a:spcPts val="0"/>
+                        </a:spcBef>
+                        <a:spcAft>
+                          <a:spcPts val="0"/>
+                        </a:spcAft>
+                      </a:pPr>
+                      <a:r>
+                        <a:rPr lang="en-US" sz="1800" b="1">
+                          <a:solidFill>
+                            <a:srgbClr val="FFFFFF"/>
+                          </a:solidFill>
+                          <a:effectLst/>
+                          <a:latin typeface="Calibri" panose="020F0502020204030204" pitchFamily="34" charset="0"/>
+                          <a:ea typeface="Calibri" panose="020F0502020204030204" pitchFamily="34" charset="0"/>
+                          <a:cs typeface="Calibri" panose="020F0502020204030204" pitchFamily="34" charset="0"/>
+                        </a:rPr>
+                        <a:t>Housing Type</a:t>
+                      </a:r>
+                      <a:endParaRPr lang="en-US" sz="1800">
+                        <a:effectLst/>
+                        <a:latin typeface="Arial" panose="020B0604020202020204" pitchFamily="34" charset="0"/>
+                        <a:ea typeface="Arial" panose="020B0604020202020204" pitchFamily="34" charset="0"/>
+                      </a:endParaRPr>
+                    </a:p>
+                  </a:txBody>
+                  <a:tcPr marL="114440" marR="114440" marT="0" marB="0">
+                    <a:lnL w="12700" cap="flat" cmpd="sng" algn="ctr">
+                      <a:solidFill>
+                        <a:srgbClr val="000000"/>
+                      </a:solidFill>
+                      <a:prstDash val="solid"/>
+                      <a:round/>
+                      <a:headEnd type="none" w="med" len="med"/>
+                      <a:tailEnd type="none" w="med" len="med"/>
+                    </a:lnL>
+                    <a:lnR w="12700" cap="flat" cmpd="sng" algn="ctr">
+                      <a:solidFill>
+                        <a:srgbClr val="000000"/>
+                      </a:solidFill>
+                      <a:prstDash val="solid"/>
+                      <a:round/>
+                      <a:headEnd type="none" w="med" len="med"/>
+                      <a:tailEnd type="none" w="med" len="med"/>
+                    </a:lnR>
+                    <a:lnT w="12700" cap="flat" cmpd="sng" algn="ctr">
+                      <a:solidFill>
+                        <a:srgbClr val="000000"/>
+                      </a:solidFill>
+                      <a:prstDash val="solid"/>
+                      <a:round/>
+                      <a:headEnd type="none" w="med" len="med"/>
+                      <a:tailEnd type="none" w="med" len="med"/>
+                    </a:lnT>
+                    <a:lnB w="12700" cap="flat" cmpd="sng" algn="ctr">
+                      <a:solidFill>
+                        <a:srgbClr val="000000"/>
+                      </a:solidFill>
+                      <a:prstDash val="solid"/>
+                      <a:round/>
+                      <a:headEnd type="none" w="med" len="med"/>
+                      <a:tailEnd type="none" w="med" len="med"/>
+                    </a:lnB>
+                    <a:solidFill>
+                      <a:schemeClr val="tx2"/>
+                    </a:solidFill>
+                  </a:tcPr>
+                </a:tc>
+                <a:tc>
+                  <a:txBody>
+                    <a:bodyPr/>
+                    <a:lstStyle/>
+                    <a:p>
+                      <a:pPr marL="0" marR="0" algn="ctr">
+                        <a:lnSpc>
+                          <a:spcPct val="115000"/>
+                        </a:lnSpc>
+                        <a:spcBef>
+                          <a:spcPts val="0"/>
+                        </a:spcBef>
+                        <a:spcAft>
+                          <a:spcPts val="0"/>
+                        </a:spcAft>
+                      </a:pPr>
+                      <a:r>
+                        <a:rPr lang="en-US" sz="1800" b="1">
+                          <a:solidFill>
+                            <a:srgbClr val="FFFFFF"/>
+                          </a:solidFill>
+                          <a:effectLst/>
+                          <a:latin typeface="Calibri" panose="020F0502020204030204" pitchFamily="34" charset="0"/>
+                          <a:ea typeface="Calibri" panose="020F0502020204030204" pitchFamily="34" charset="0"/>
+                          <a:cs typeface="Calibri" panose="020F0502020204030204" pitchFamily="34" charset="0"/>
+                        </a:rPr>
+                        <a:t>Median Consumption (kBTU)</a:t>
+                      </a:r>
+                      <a:endParaRPr lang="en-US" sz="1800">
+                        <a:effectLst/>
+                        <a:latin typeface="Arial" panose="020B0604020202020204" pitchFamily="34" charset="0"/>
+                        <a:ea typeface="Arial" panose="020B0604020202020204" pitchFamily="34" charset="0"/>
+                      </a:endParaRPr>
+                    </a:p>
+                  </a:txBody>
+                  <a:tcPr marL="114440" marR="114440" marT="0" marB="0">
+                    <a:lnL w="12700" cap="flat" cmpd="sng" algn="ctr">
+                      <a:solidFill>
+                        <a:srgbClr val="000000"/>
+                      </a:solidFill>
+                      <a:prstDash val="solid"/>
+                      <a:round/>
+                      <a:headEnd type="none" w="med" len="med"/>
+                      <a:tailEnd type="none" w="med" len="med"/>
+                    </a:lnL>
+                    <a:lnR w="12700" cap="flat" cmpd="sng" algn="ctr">
+                      <a:solidFill>
+                        <a:srgbClr val="000000"/>
+                      </a:solidFill>
+                      <a:prstDash val="solid"/>
+                      <a:round/>
+                      <a:headEnd type="none" w="med" len="med"/>
+                      <a:tailEnd type="none" w="med" len="med"/>
+                    </a:lnR>
+                    <a:lnT w="12700" cap="flat" cmpd="sng" algn="ctr">
+                      <a:solidFill>
+                        <a:srgbClr val="000000"/>
+                      </a:solidFill>
+                      <a:prstDash val="solid"/>
+                      <a:round/>
+                      <a:headEnd type="none" w="med" len="med"/>
+                      <a:tailEnd type="none" w="med" len="med"/>
+                    </a:lnT>
+                    <a:lnB w="12700" cap="flat" cmpd="sng" algn="ctr">
+                      <a:solidFill>
+                        <a:srgbClr val="000000"/>
+                      </a:solidFill>
+                      <a:prstDash val="solid"/>
+                      <a:round/>
+                      <a:headEnd type="none" w="med" len="med"/>
+                      <a:tailEnd type="none" w="med" len="med"/>
+                    </a:lnB>
+                    <a:solidFill>
+                      <a:schemeClr val="tx2"/>
+                    </a:solidFill>
+                  </a:tcPr>
+                </a:tc>
+                <a:tc>
+                  <a:txBody>
+                    <a:bodyPr/>
+                    <a:lstStyle/>
+                    <a:p>
+                      <a:pPr marL="0" marR="0" algn="ctr">
+                        <a:lnSpc>
+                          <a:spcPct val="115000"/>
+                        </a:lnSpc>
+                        <a:spcBef>
+                          <a:spcPts val="0"/>
+                        </a:spcBef>
+                        <a:spcAft>
+                          <a:spcPts val="0"/>
+                        </a:spcAft>
+                      </a:pPr>
+                      <a:r>
+                        <a:rPr lang="en-US" sz="1800" b="1" dirty="0">
+                          <a:solidFill>
+                            <a:srgbClr val="FFFFFF"/>
+                          </a:solidFill>
+                          <a:effectLst/>
+                          <a:latin typeface="Calibri" panose="020F0502020204030204" pitchFamily="34" charset="0"/>
+                          <a:ea typeface="Calibri" panose="020F0502020204030204" pitchFamily="34" charset="0"/>
+                          <a:cs typeface="Calibri" panose="020F0502020204030204" pitchFamily="34" charset="0"/>
+                        </a:rPr>
+                        <a:t>MAE (</a:t>
+                      </a:r>
+                      <a:r>
+                        <a:rPr lang="en-US" sz="1800" b="1" dirty="0" err="1">
+                          <a:solidFill>
+                            <a:srgbClr val="FFFFFF"/>
+                          </a:solidFill>
+                          <a:effectLst/>
+                          <a:latin typeface="Calibri" panose="020F0502020204030204" pitchFamily="34" charset="0"/>
+                          <a:ea typeface="Calibri" panose="020F0502020204030204" pitchFamily="34" charset="0"/>
+                          <a:cs typeface="Calibri" panose="020F0502020204030204" pitchFamily="34" charset="0"/>
+                        </a:rPr>
+                        <a:t>kBTU</a:t>
+                      </a:r>
+                      <a:r>
+                        <a:rPr lang="en-US" sz="1800" b="1" dirty="0">
+                          <a:solidFill>
+                            <a:srgbClr val="FFFFFF"/>
+                          </a:solidFill>
+                          <a:effectLst/>
+                          <a:latin typeface="Calibri" panose="020F0502020204030204" pitchFamily="34" charset="0"/>
+                          <a:ea typeface="Calibri" panose="020F0502020204030204" pitchFamily="34" charset="0"/>
+                          <a:cs typeface="Calibri" panose="020F0502020204030204" pitchFamily="34" charset="0"/>
+                        </a:rPr>
+                        <a:t>)</a:t>
+                      </a:r>
+                      <a:endParaRPr lang="en-US" sz="1800" dirty="0">
+                        <a:effectLst/>
+                        <a:latin typeface="Arial" panose="020B0604020202020204" pitchFamily="34" charset="0"/>
+                        <a:ea typeface="Arial" panose="020B0604020202020204" pitchFamily="34" charset="0"/>
+                      </a:endParaRPr>
+                    </a:p>
+                  </a:txBody>
+                  <a:tcPr marL="114440" marR="114440" marT="0" marB="0">
+                    <a:lnL w="12700" cap="flat" cmpd="sng" algn="ctr">
+                      <a:solidFill>
+                        <a:srgbClr val="000000"/>
+                      </a:solidFill>
+                      <a:prstDash val="solid"/>
+                      <a:round/>
+                      <a:headEnd type="none" w="med" len="med"/>
+                      <a:tailEnd type="none" w="med" len="med"/>
+                    </a:lnL>
+                    <a:lnR w="12700" cap="flat" cmpd="sng" algn="ctr">
+                      <a:solidFill>
+                        <a:srgbClr val="000000"/>
+                      </a:solidFill>
+                      <a:prstDash val="solid"/>
+                      <a:round/>
+                      <a:headEnd type="none" w="med" len="med"/>
+                      <a:tailEnd type="none" w="med" len="med"/>
+                    </a:lnR>
+                    <a:lnT w="12700" cap="flat" cmpd="sng" algn="ctr">
+                      <a:solidFill>
+                        <a:srgbClr val="000000"/>
+                      </a:solidFill>
+                      <a:prstDash val="solid"/>
+                      <a:round/>
+                      <a:headEnd type="none" w="med" len="med"/>
+                      <a:tailEnd type="none" w="med" len="med"/>
+                    </a:lnT>
+                    <a:lnB w="12700" cap="flat" cmpd="sng" algn="ctr">
+                      <a:solidFill>
+                        <a:srgbClr val="000000"/>
+                      </a:solidFill>
+                      <a:prstDash val="solid"/>
+                      <a:round/>
+                      <a:headEnd type="none" w="med" len="med"/>
+                      <a:tailEnd type="none" w="med" len="med"/>
+                    </a:lnB>
+                    <a:solidFill>
+                      <a:schemeClr val="tx2"/>
+                    </a:solidFill>
+                  </a:tcPr>
+                </a:tc>
+                <a:extLst>
+                  <a:ext uri="{0D108BD9-81ED-4DB2-BD59-A6C34878D82A}">
+                    <a16:rowId xmlns:a16="http://schemas.microsoft.com/office/drawing/2014/main" val="1471648779"/>
+                  </a:ext>
+                </a:extLst>
+              </a:tr>
+              <a:tr h="300936">
+                <a:tc>
+                  <a:txBody>
+                    <a:bodyPr/>
+                    <a:lstStyle/>
+                    <a:p>
+                      <a:pPr marL="0" marR="0" algn="ctr">
+                        <a:lnSpc>
+                          <a:spcPct val="115000"/>
+                        </a:lnSpc>
+                        <a:spcBef>
+                          <a:spcPts val="0"/>
+                        </a:spcBef>
+                        <a:spcAft>
+                          <a:spcPts val="0"/>
+                        </a:spcAft>
+                      </a:pPr>
+                      <a:r>
+                        <a:rPr lang="en-US" sz="1800">
+                          <a:effectLst/>
+                          <a:latin typeface="Calibri" panose="020F0502020204030204" pitchFamily="34" charset="0"/>
+                          <a:ea typeface="Calibri" panose="020F0502020204030204" pitchFamily="34" charset="0"/>
+                          <a:cs typeface="Calibri" panose="020F0502020204030204" pitchFamily="34" charset="0"/>
+                        </a:rPr>
+                        <a:t>Mobile Home</a:t>
+                      </a:r>
+                      <a:endParaRPr lang="en-US" sz="1800">
+                        <a:effectLst/>
+                        <a:latin typeface="Arial" panose="020B0604020202020204" pitchFamily="34" charset="0"/>
+                        <a:ea typeface="Arial" panose="020B0604020202020204" pitchFamily="34" charset="0"/>
+                      </a:endParaRPr>
+                    </a:p>
+                  </a:txBody>
+                  <a:tcPr marL="114440" marR="114440" marT="0" marB="0">
+                    <a:lnL w="12700" cap="flat" cmpd="sng" algn="ctr">
+                      <a:solidFill>
+                        <a:srgbClr val="000000"/>
+                      </a:solidFill>
+                      <a:prstDash val="solid"/>
+                      <a:round/>
+                      <a:headEnd type="none" w="med" len="med"/>
+                      <a:tailEnd type="none" w="med" len="med"/>
+                    </a:lnL>
+                    <a:lnR w="12700" cap="flat" cmpd="sng" algn="ctr">
+                      <a:solidFill>
+                        <a:srgbClr val="000000"/>
+                      </a:solidFill>
+                      <a:prstDash val="solid"/>
+                      <a:round/>
+                      <a:headEnd type="none" w="med" len="med"/>
+                      <a:tailEnd type="none" w="med" len="med"/>
+                    </a:lnR>
+                    <a:lnT w="12700" cap="flat" cmpd="sng" algn="ctr">
+                      <a:solidFill>
+                        <a:srgbClr val="000000"/>
+                      </a:solidFill>
+                      <a:prstDash val="solid"/>
+                      <a:round/>
+                      <a:headEnd type="none" w="med" len="med"/>
+                      <a:tailEnd type="none" w="med" len="med"/>
+                    </a:lnT>
+                    <a:lnB w="12700" cap="flat" cmpd="sng" algn="ctr">
+                      <a:solidFill>
+                        <a:srgbClr val="000000"/>
+                      </a:solidFill>
+                      <a:prstDash val="solid"/>
+                      <a:round/>
+                      <a:headEnd type="none" w="med" len="med"/>
+                      <a:tailEnd type="none" w="med" len="med"/>
+                    </a:lnB>
+                  </a:tcPr>
+                </a:tc>
+                <a:tc>
+                  <a:txBody>
+                    <a:bodyPr/>
+                    <a:lstStyle/>
+                    <a:p>
+                      <a:pPr marL="0" marR="0" algn="ctr">
+                        <a:lnSpc>
+                          <a:spcPct val="115000"/>
+                        </a:lnSpc>
+                        <a:spcBef>
+                          <a:spcPts val="0"/>
+                        </a:spcBef>
+                        <a:spcAft>
+                          <a:spcPts val="0"/>
+                        </a:spcAft>
+                      </a:pPr>
+                      <a:r>
+                        <a:rPr lang="en-US" sz="1800">
+                          <a:effectLst/>
+                          <a:latin typeface="Calibri" panose="020F0502020204030204" pitchFamily="34" charset="0"/>
+                          <a:ea typeface="Calibri" panose="020F0502020204030204" pitchFamily="34" charset="0"/>
+                          <a:cs typeface="Calibri" panose="020F0502020204030204" pitchFamily="34" charset="0"/>
+                        </a:rPr>
+                        <a:t>57,398</a:t>
+                      </a:r>
+                      <a:endParaRPr lang="en-US" sz="1800">
+                        <a:effectLst/>
+                        <a:latin typeface="Arial" panose="020B0604020202020204" pitchFamily="34" charset="0"/>
+                        <a:ea typeface="Arial" panose="020B0604020202020204" pitchFamily="34" charset="0"/>
+                      </a:endParaRPr>
+                    </a:p>
+                  </a:txBody>
+                  <a:tcPr marL="114440" marR="114440" marT="0" marB="0" anchor="ctr">
+                    <a:lnL w="12700" cap="flat" cmpd="sng" algn="ctr">
+                      <a:solidFill>
+                        <a:srgbClr val="000000"/>
+                      </a:solidFill>
+                      <a:prstDash val="solid"/>
+                      <a:round/>
+                      <a:headEnd type="none" w="med" len="med"/>
+                      <a:tailEnd type="none" w="med" len="med"/>
+                    </a:lnL>
+                    <a:lnR w="12700" cap="flat" cmpd="sng" algn="ctr">
+                      <a:solidFill>
+                        <a:srgbClr val="000000"/>
+                      </a:solidFill>
+                      <a:prstDash val="solid"/>
+                      <a:round/>
+                      <a:headEnd type="none" w="med" len="med"/>
+                      <a:tailEnd type="none" w="med" len="med"/>
+                    </a:lnR>
+                    <a:lnT w="12700" cap="flat" cmpd="sng" algn="ctr">
+                      <a:solidFill>
+                        <a:srgbClr val="000000"/>
+                      </a:solidFill>
+                      <a:prstDash val="solid"/>
+                      <a:round/>
+                      <a:headEnd type="none" w="med" len="med"/>
+                      <a:tailEnd type="none" w="med" len="med"/>
+                    </a:lnT>
+                    <a:lnB w="12700" cap="flat" cmpd="sng" algn="ctr">
+                      <a:solidFill>
+                        <a:srgbClr val="000000"/>
+                      </a:solidFill>
+                      <a:prstDash val="solid"/>
+                      <a:round/>
+                      <a:headEnd type="none" w="med" len="med"/>
+                      <a:tailEnd type="none" w="med" len="med"/>
+                    </a:lnB>
+                  </a:tcPr>
+                </a:tc>
+                <a:tc>
+                  <a:txBody>
+                    <a:bodyPr/>
+                    <a:lstStyle/>
+                    <a:p>
+                      <a:pPr marL="0" marR="0" algn="ctr">
+                        <a:lnSpc>
+                          <a:spcPct val="115000"/>
+                        </a:lnSpc>
+                        <a:spcBef>
+                          <a:spcPts val="0"/>
+                        </a:spcBef>
+                        <a:spcAft>
+                          <a:spcPts val="0"/>
+                        </a:spcAft>
+                      </a:pPr>
+                      <a:r>
+                        <a:rPr lang="en-US" sz="1800">
+                          <a:effectLst/>
+                          <a:latin typeface="Calibri" panose="020F0502020204030204" pitchFamily="34" charset="0"/>
+                          <a:ea typeface="Calibri" panose="020F0502020204030204" pitchFamily="34" charset="0"/>
+                          <a:cs typeface="Calibri" panose="020F0502020204030204" pitchFamily="34" charset="0"/>
+                        </a:rPr>
+                        <a:t>11,291</a:t>
+                      </a:r>
+                      <a:endParaRPr lang="en-US" sz="1800">
+                        <a:effectLst/>
+                        <a:latin typeface="Arial" panose="020B0604020202020204" pitchFamily="34" charset="0"/>
+                        <a:ea typeface="Arial" panose="020B0604020202020204" pitchFamily="34" charset="0"/>
+                      </a:endParaRPr>
+                    </a:p>
+                  </a:txBody>
+                  <a:tcPr marL="114440" marR="114440" marT="0" marB="0" anchor="ctr">
+                    <a:lnL w="12700" cap="flat" cmpd="sng" algn="ctr">
+                      <a:solidFill>
+                        <a:srgbClr val="000000"/>
+                      </a:solidFill>
+                      <a:prstDash val="solid"/>
+                      <a:round/>
+                      <a:headEnd type="none" w="med" len="med"/>
+                      <a:tailEnd type="none" w="med" len="med"/>
+                    </a:lnL>
+                    <a:lnR w="12700" cap="flat" cmpd="sng" algn="ctr">
+                      <a:solidFill>
+                        <a:srgbClr val="000000"/>
+                      </a:solidFill>
+                      <a:prstDash val="solid"/>
+                      <a:round/>
+                      <a:headEnd type="none" w="med" len="med"/>
+                      <a:tailEnd type="none" w="med" len="med"/>
+                    </a:lnR>
+                    <a:lnT w="12700" cap="flat" cmpd="sng" algn="ctr">
+                      <a:solidFill>
+                        <a:srgbClr val="000000"/>
+                      </a:solidFill>
+                      <a:prstDash val="solid"/>
+                      <a:round/>
+                      <a:headEnd type="none" w="med" len="med"/>
+                      <a:tailEnd type="none" w="med" len="med"/>
+                    </a:lnT>
+                    <a:lnB w="12700" cap="flat" cmpd="sng" algn="ctr">
+                      <a:solidFill>
+                        <a:srgbClr val="000000"/>
+                      </a:solidFill>
+                      <a:prstDash val="solid"/>
+                      <a:round/>
+                      <a:headEnd type="none" w="med" len="med"/>
+                      <a:tailEnd type="none" w="med" len="med"/>
+                    </a:lnB>
+                  </a:tcPr>
+                </a:tc>
+                <a:extLst>
+                  <a:ext uri="{0D108BD9-81ED-4DB2-BD59-A6C34878D82A}">
+                    <a16:rowId xmlns:a16="http://schemas.microsoft.com/office/drawing/2014/main" val="185660889"/>
+                  </a:ext>
+                </a:extLst>
+              </a:tr>
+              <a:tr h="300936">
+                <a:tc>
+                  <a:txBody>
+                    <a:bodyPr/>
+                    <a:lstStyle/>
+                    <a:p>
+                      <a:pPr marL="0" marR="0" algn="ctr">
+                        <a:lnSpc>
+                          <a:spcPct val="115000"/>
+                        </a:lnSpc>
+                        <a:spcBef>
+                          <a:spcPts val="0"/>
+                        </a:spcBef>
+                        <a:spcAft>
+                          <a:spcPts val="0"/>
+                        </a:spcAft>
+                      </a:pPr>
+                      <a:r>
+                        <a:rPr lang="en-US" sz="1800">
+                          <a:effectLst/>
+                          <a:latin typeface="Calibri" panose="020F0502020204030204" pitchFamily="34" charset="0"/>
+                          <a:ea typeface="Calibri" panose="020F0502020204030204" pitchFamily="34" charset="0"/>
+                          <a:cs typeface="Calibri" panose="020F0502020204030204" pitchFamily="34" charset="0"/>
+                        </a:rPr>
+                        <a:t>Single Family Detached </a:t>
+                      </a:r>
+                      <a:endParaRPr lang="en-US" sz="1800">
+                        <a:effectLst/>
+                        <a:latin typeface="Arial" panose="020B0604020202020204" pitchFamily="34" charset="0"/>
+                        <a:ea typeface="Arial" panose="020B0604020202020204" pitchFamily="34" charset="0"/>
+                      </a:endParaRPr>
+                    </a:p>
+                  </a:txBody>
+                  <a:tcPr marL="114440" marR="114440" marT="0" marB="0">
+                    <a:lnL w="12700" cap="flat" cmpd="sng" algn="ctr">
+                      <a:solidFill>
+                        <a:srgbClr val="000000"/>
+                      </a:solidFill>
+                      <a:prstDash val="solid"/>
+                      <a:round/>
+                      <a:headEnd type="none" w="med" len="med"/>
+                      <a:tailEnd type="none" w="med" len="med"/>
+                    </a:lnL>
+                    <a:lnR w="12700" cap="flat" cmpd="sng" algn="ctr">
+                      <a:solidFill>
+                        <a:srgbClr val="000000"/>
+                      </a:solidFill>
+                      <a:prstDash val="solid"/>
+                      <a:round/>
+                      <a:headEnd type="none" w="med" len="med"/>
+                      <a:tailEnd type="none" w="med" len="med"/>
+                    </a:lnR>
+                    <a:lnT w="12700" cap="flat" cmpd="sng" algn="ctr">
+                      <a:solidFill>
+                        <a:srgbClr val="000000"/>
+                      </a:solidFill>
+                      <a:prstDash val="solid"/>
+                      <a:round/>
+                      <a:headEnd type="none" w="med" len="med"/>
+                      <a:tailEnd type="none" w="med" len="med"/>
+                    </a:lnT>
+                    <a:lnB w="12700" cap="flat" cmpd="sng" algn="ctr">
+                      <a:solidFill>
+                        <a:srgbClr val="000000"/>
+                      </a:solidFill>
+                      <a:prstDash val="solid"/>
+                      <a:round/>
+                      <a:headEnd type="none" w="med" len="med"/>
+                      <a:tailEnd type="none" w="med" len="med"/>
+                    </a:lnB>
+                  </a:tcPr>
+                </a:tc>
+                <a:tc>
+                  <a:txBody>
+                    <a:bodyPr/>
+                    <a:lstStyle/>
+                    <a:p>
+                      <a:pPr marL="0" marR="0" algn="ctr">
+                        <a:lnSpc>
+                          <a:spcPct val="115000"/>
+                        </a:lnSpc>
+                        <a:spcBef>
+                          <a:spcPts val="0"/>
+                        </a:spcBef>
+                        <a:spcAft>
+                          <a:spcPts val="0"/>
+                        </a:spcAft>
+                      </a:pPr>
+                      <a:r>
+                        <a:rPr lang="en-US" sz="1800">
+                          <a:effectLst/>
+                          <a:latin typeface="Calibri" panose="020F0502020204030204" pitchFamily="34" charset="0"/>
+                          <a:ea typeface="Calibri" panose="020F0502020204030204" pitchFamily="34" charset="0"/>
+                          <a:cs typeface="Calibri" panose="020F0502020204030204" pitchFamily="34" charset="0"/>
+                        </a:rPr>
+                        <a:t>85,531</a:t>
+                      </a:r>
+                      <a:endParaRPr lang="en-US" sz="1800">
+                        <a:effectLst/>
+                        <a:latin typeface="Arial" panose="020B0604020202020204" pitchFamily="34" charset="0"/>
+                        <a:ea typeface="Arial" panose="020B0604020202020204" pitchFamily="34" charset="0"/>
+                      </a:endParaRPr>
+                    </a:p>
+                  </a:txBody>
+                  <a:tcPr marL="114440" marR="114440" marT="0" marB="0" anchor="ctr">
+                    <a:lnL w="12700" cap="flat" cmpd="sng" algn="ctr">
+                      <a:solidFill>
+                        <a:srgbClr val="000000"/>
+                      </a:solidFill>
+                      <a:prstDash val="solid"/>
+                      <a:round/>
+                      <a:headEnd type="none" w="med" len="med"/>
+                      <a:tailEnd type="none" w="med" len="med"/>
+                    </a:lnL>
+                    <a:lnR w="12700" cap="flat" cmpd="sng" algn="ctr">
+                      <a:solidFill>
+                        <a:srgbClr val="000000"/>
+                      </a:solidFill>
+                      <a:prstDash val="solid"/>
+                      <a:round/>
+                      <a:headEnd type="none" w="med" len="med"/>
+                      <a:tailEnd type="none" w="med" len="med"/>
+                    </a:lnR>
+                    <a:lnT w="12700" cap="flat" cmpd="sng" algn="ctr">
+                      <a:solidFill>
+                        <a:srgbClr val="000000"/>
+                      </a:solidFill>
+                      <a:prstDash val="solid"/>
+                      <a:round/>
+                      <a:headEnd type="none" w="med" len="med"/>
+                      <a:tailEnd type="none" w="med" len="med"/>
+                    </a:lnT>
+                    <a:lnB w="12700" cap="flat" cmpd="sng" algn="ctr">
+                      <a:solidFill>
+                        <a:srgbClr val="000000"/>
+                      </a:solidFill>
+                      <a:prstDash val="solid"/>
+                      <a:round/>
+                      <a:headEnd type="none" w="med" len="med"/>
+                      <a:tailEnd type="none" w="med" len="med"/>
+                    </a:lnB>
+                  </a:tcPr>
+                </a:tc>
+                <a:tc>
+                  <a:txBody>
+                    <a:bodyPr/>
+                    <a:lstStyle/>
+                    <a:p>
+                      <a:pPr marL="0" marR="0" algn="ctr">
+                        <a:lnSpc>
+                          <a:spcPct val="115000"/>
+                        </a:lnSpc>
+                        <a:spcBef>
+                          <a:spcPts val="0"/>
+                        </a:spcBef>
+                        <a:spcAft>
+                          <a:spcPts val="0"/>
+                        </a:spcAft>
+                      </a:pPr>
+                      <a:r>
+                        <a:rPr lang="en-US" sz="1800">
+                          <a:effectLst/>
+                          <a:latin typeface="Calibri" panose="020F0502020204030204" pitchFamily="34" charset="0"/>
+                          <a:ea typeface="Calibri" panose="020F0502020204030204" pitchFamily="34" charset="0"/>
+                          <a:cs typeface="Calibri" panose="020F0502020204030204" pitchFamily="34" charset="0"/>
+                        </a:rPr>
+                        <a:t>13,011</a:t>
+                      </a:r>
+                      <a:endParaRPr lang="en-US" sz="1800">
+                        <a:effectLst/>
+                        <a:latin typeface="Arial" panose="020B0604020202020204" pitchFamily="34" charset="0"/>
+                        <a:ea typeface="Arial" panose="020B0604020202020204" pitchFamily="34" charset="0"/>
+                      </a:endParaRPr>
+                    </a:p>
+                  </a:txBody>
+                  <a:tcPr marL="114440" marR="114440" marT="0" marB="0" anchor="ctr">
+                    <a:lnL w="12700" cap="flat" cmpd="sng" algn="ctr">
+                      <a:solidFill>
+                        <a:srgbClr val="000000"/>
+                      </a:solidFill>
+                      <a:prstDash val="solid"/>
+                      <a:round/>
+                      <a:headEnd type="none" w="med" len="med"/>
+                      <a:tailEnd type="none" w="med" len="med"/>
+                    </a:lnL>
+                    <a:lnR w="12700" cap="flat" cmpd="sng" algn="ctr">
+                      <a:solidFill>
+                        <a:srgbClr val="000000"/>
+                      </a:solidFill>
+                      <a:prstDash val="solid"/>
+                      <a:round/>
+                      <a:headEnd type="none" w="med" len="med"/>
+                      <a:tailEnd type="none" w="med" len="med"/>
+                    </a:lnR>
+                    <a:lnT w="12700" cap="flat" cmpd="sng" algn="ctr">
+                      <a:solidFill>
+                        <a:srgbClr val="000000"/>
+                      </a:solidFill>
+                      <a:prstDash val="solid"/>
+                      <a:round/>
+                      <a:headEnd type="none" w="med" len="med"/>
+                      <a:tailEnd type="none" w="med" len="med"/>
+                    </a:lnT>
+                    <a:lnB w="12700" cap="flat" cmpd="sng" algn="ctr">
+                      <a:solidFill>
+                        <a:srgbClr val="000000"/>
+                      </a:solidFill>
+                      <a:prstDash val="solid"/>
+                      <a:round/>
+                      <a:headEnd type="none" w="med" len="med"/>
+                      <a:tailEnd type="none" w="med" len="med"/>
+                    </a:lnB>
+                  </a:tcPr>
+                </a:tc>
+                <a:extLst>
+                  <a:ext uri="{0D108BD9-81ED-4DB2-BD59-A6C34878D82A}">
+                    <a16:rowId xmlns:a16="http://schemas.microsoft.com/office/drawing/2014/main" val="3589079880"/>
+                  </a:ext>
+                </a:extLst>
+              </a:tr>
+              <a:tr h="300936">
+                <a:tc>
+                  <a:txBody>
+                    <a:bodyPr/>
+                    <a:lstStyle/>
+                    <a:p>
+                      <a:pPr marL="0" marR="0" algn="ctr">
+                        <a:lnSpc>
+                          <a:spcPct val="115000"/>
+                        </a:lnSpc>
+                        <a:spcBef>
+                          <a:spcPts val="0"/>
+                        </a:spcBef>
+                        <a:spcAft>
+                          <a:spcPts val="0"/>
+                        </a:spcAft>
+                      </a:pPr>
+                      <a:r>
+                        <a:rPr lang="en-US" sz="1800">
+                          <a:effectLst/>
+                          <a:latin typeface="Calibri" panose="020F0502020204030204" pitchFamily="34" charset="0"/>
+                          <a:ea typeface="Calibri" panose="020F0502020204030204" pitchFamily="34" charset="0"/>
+                          <a:cs typeface="Calibri" panose="020F0502020204030204" pitchFamily="34" charset="0"/>
+                        </a:rPr>
+                        <a:t>Single Family Attached</a:t>
+                      </a:r>
+                      <a:endParaRPr lang="en-US" sz="1800">
+                        <a:effectLst/>
+                        <a:latin typeface="Arial" panose="020B0604020202020204" pitchFamily="34" charset="0"/>
+                        <a:ea typeface="Arial" panose="020B0604020202020204" pitchFamily="34" charset="0"/>
+                      </a:endParaRPr>
+                    </a:p>
+                  </a:txBody>
+                  <a:tcPr marL="114440" marR="114440" marT="0" marB="0">
+                    <a:lnL w="12700" cap="flat" cmpd="sng" algn="ctr">
+                      <a:solidFill>
+                        <a:srgbClr val="000000"/>
+                      </a:solidFill>
+                      <a:prstDash val="solid"/>
+                      <a:round/>
+                      <a:headEnd type="none" w="med" len="med"/>
+                      <a:tailEnd type="none" w="med" len="med"/>
+                    </a:lnL>
+                    <a:lnR w="12700" cap="flat" cmpd="sng" algn="ctr">
+                      <a:solidFill>
+                        <a:srgbClr val="000000"/>
+                      </a:solidFill>
+                      <a:prstDash val="solid"/>
+                      <a:round/>
+                      <a:headEnd type="none" w="med" len="med"/>
+                      <a:tailEnd type="none" w="med" len="med"/>
+                    </a:lnR>
+                    <a:lnT w="12700" cap="flat" cmpd="sng" algn="ctr">
+                      <a:solidFill>
+                        <a:srgbClr val="000000"/>
+                      </a:solidFill>
+                      <a:prstDash val="solid"/>
+                      <a:round/>
+                      <a:headEnd type="none" w="med" len="med"/>
+                      <a:tailEnd type="none" w="med" len="med"/>
+                    </a:lnT>
+                    <a:lnB w="12700" cap="flat" cmpd="sng" algn="ctr">
+                      <a:solidFill>
+                        <a:srgbClr val="000000"/>
+                      </a:solidFill>
+                      <a:prstDash val="solid"/>
+                      <a:round/>
+                      <a:headEnd type="none" w="med" len="med"/>
+                      <a:tailEnd type="none" w="med" len="med"/>
+                    </a:lnB>
+                  </a:tcPr>
+                </a:tc>
+                <a:tc>
+                  <a:txBody>
+                    <a:bodyPr/>
+                    <a:lstStyle/>
+                    <a:p>
+                      <a:pPr marL="0" marR="0" algn="ctr">
+                        <a:lnSpc>
+                          <a:spcPct val="115000"/>
+                        </a:lnSpc>
+                        <a:spcBef>
+                          <a:spcPts val="0"/>
+                        </a:spcBef>
+                        <a:spcAft>
+                          <a:spcPts val="0"/>
+                        </a:spcAft>
+                      </a:pPr>
+                      <a:r>
+                        <a:rPr lang="en-US" sz="1800">
+                          <a:effectLst/>
+                          <a:latin typeface="Calibri" panose="020F0502020204030204" pitchFamily="34" charset="0"/>
+                          <a:ea typeface="Calibri" panose="020F0502020204030204" pitchFamily="34" charset="0"/>
+                          <a:cs typeface="Calibri" panose="020F0502020204030204" pitchFamily="34" charset="0"/>
+                        </a:rPr>
+                        <a:t>55,208</a:t>
+                      </a:r>
+                      <a:endParaRPr lang="en-US" sz="1800">
+                        <a:effectLst/>
+                        <a:latin typeface="Arial" panose="020B0604020202020204" pitchFamily="34" charset="0"/>
+                        <a:ea typeface="Arial" panose="020B0604020202020204" pitchFamily="34" charset="0"/>
+                      </a:endParaRPr>
+                    </a:p>
+                  </a:txBody>
+                  <a:tcPr marL="114440" marR="114440" marT="0" marB="0" anchor="ctr">
+                    <a:lnL w="12700" cap="flat" cmpd="sng" algn="ctr">
+                      <a:solidFill>
+                        <a:srgbClr val="000000"/>
+                      </a:solidFill>
+                      <a:prstDash val="solid"/>
+                      <a:round/>
+                      <a:headEnd type="none" w="med" len="med"/>
+                      <a:tailEnd type="none" w="med" len="med"/>
+                    </a:lnL>
+                    <a:lnR w="12700" cap="flat" cmpd="sng" algn="ctr">
+                      <a:solidFill>
+                        <a:srgbClr val="000000"/>
+                      </a:solidFill>
+                      <a:prstDash val="solid"/>
+                      <a:round/>
+                      <a:headEnd type="none" w="med" len="med"/>
+                      <a:tailEnd type="none" w="med" len="med"/>
+                    </a:lnR>
+                    <a:lnT w="12700" cap="flat" cmpd="sng" algn="ctr">
+                      <a:solidFill>
+                        <a:srgbClr val="000000"/>
+                      </a:solidFill>
+                      <a:prstDash val="solid"/>
+                      <a:round/>
+                      <a:headEnd type="none" w="med" len="med"/>
+                      <a:tailEnd type="none" w="med" len="med"/>
+                    </a:lnT>
+                    <a:lnB w="12700" cap="flat" cmpd="sng" algn="ctr">
+                      <a:solidFill>
+                        <a:srgbClr val="000000"/>
+                      </a:solidFill>
+                      <a:prstDash val="solid"/>
+                      <a:round/>
+                      <a:headEnd type="none" w="med" len="med"/>
+                      <a:tailEnd type="none" w="med" len="med"/>
+                    </a:lnB>
+                  </a:tcPr>
+                </a:tc>
+                <a:tc>
+                  <a:txBody>
+                    <a:bodyPr/>
+                    <a:lstStyle/>
+                    <a:p>
+                      <a:pPr marL="0" marR="0" algn="ctr">
+                        <a:lnSpc>
+                          <a:spcPct val="115000"/>
+                        </a:lnSpc>
+                        <a:spcBef>
+                          <a:spcPts val="0"/>
+                        </a:spcBef>
+                        <a:spcAft>
+                          <a:spcPts val="0"/>
+                        </a:spcAft>
+                      </a:pPr>
+                      <a:r>
+                        <a:rPr lang="en-US" sz="1800">
+                          <a:effectLst/>
+                          <a:latin typeface="Calibri" panose="020F0502020204030204" pitchFamily="34" charset="0"/>
+                          <a:ea typeface="Calibri" panose="020F0502020204030204" pitchFamily="34" charset="0"/>
+                          <a:cs typeface="Calibri" panose="020F0502020204030204" pitchFamily="34" charset="0"/>
+                        </a:rPr>
+                        <a:t>10,315</a:t>
+                      </a:r>
+                      <a:endParaRPr lang="en-US" sz="1800">
+                        <a:effectLst/>
+                        <a:latin typeface="Arial" panose="020B0604020202020204" pitchFamily="34" charset="0"/>
+                        <a:ea typeface="Arial" panose="020B0604020202020204" pitchFamily="34" charset="0"/>
+                      </a:endParaRPr>
+                    </a:p>
+                  </a:txBody>
+                  <a:tcPr marL="114440" marR="114440" marT="0" marB="0" anchor="ctr">
+                    <a:lnL w="12700" cap="flat" cmpd="sng" algn="ctr">
+                      <a:solidFill>
+                        <a:srgbClr val="000000"/>
+                      </a:solidFill>
+                      <a:prstDash val="solid"/>
+                      <a:round/>
+                      <a:headEnd type="none" w="med" len="med"/>
+                      <a:tailEnd type="none" w="med" len="med"/>
+                    </a:lnL>
+                    <a:lnR w="12700" cap="flat" cmpd="sng" algn="ctr">
+                      <a:solidFill>
+                        <a:srgbClr val="000000"/>
+                      </a:solidFill>
+                      <a:prstDash val="solid"/>
+                      <a:round/>
+                      <a:headEnd type="none" w="med" len="med"/>
+                      <a:tailEnd type="none" w="med" len="med"/>
+                    </a:lnR>
+                    <a:lnT w="12700" cap="flat" cmpd="sng" algn="ctr">
+                      <a:solidFill>
+                        <a:srgbClr val="000000"/>
+                      </a:solidFill>
+                      <a:prstDash val="solid"/>
+                      <a:round/>
+                      <a:headEnd type="none" w="med" len="med"/>
+                      <a:tailEnd type="none" w="med" len="med"/>
+                    </a:lnT>
+                    <a:lnB w="12700" cap="flat" cmpd="sng" algn="ctr">
+                      <a:solidFill>
+                        <a:srgbClr val="000000"/>
+                      </a:solidFill>
+                      <a:prstDash val="solid"/>
+                      <a:round/>
+                      <a:headEnd type="none" w="med" len="med"/>
+                      <a:tailEnd type="none" w="med" len="med"/>
+                    </a:lnB>
+                  </a:tcPr>
+                </a:tc>
+                <a:extLst>
+                  <a:ext uri="{0D108BD9-81ED-4DB2-BD59-A6C34878D82A}">
+                    <a16:rowId xmlns:a16="http://schemas.microsoft.com/office/drawing/2014/main" val="3691502341"/>
+                  </a:ext>
+                </a:extLst>
+              </a:tr>
+              <a:tr h="300936">
+                <a:tc>
+                  <a:txBody>
+                    <a:bodyPr/>
+                    <a:lstStyle/>
+                    <a:p>
+                      <a:pPr marL="0" marR="0" algn="ctr">
+                        <a:lnSpc>
+                          <a:spcPct val="115000"/>
+                        </a:lnSpc>
+                        <a:spcBef>
+                          <a:spcPts val="0"/>
+                        </a:spcBef>
+                        <a:spcAft>
+                          <a:spcPts val="0"/>
+                        </a:spcAft>
+                      </a:pPr>
+                      <a:r>
+                        <a:rPr lang="en-US" sz="1800">
+                          <a:effectLst/>
+                          <a:latin typeface="Calibri" panose="020F0502020204030204" pitchFamily="34" charset="0"/>
+                          <a:ea typeface="Calibri" panose="020F0502020204030204" pitchFamily="34" charset="0"/>
+                          <a:cs typeface="Calibri" panose="020F0502020204030204" pitchFamily="34" charset="0"/>
+                        </a:rPr>
+                        <a:t>Apartment Building w/ 2-4 units</a:t>
+                      </a:r>
+                      <a:endParaRPr lang="en-US" sz="1800">
+                        <a:effectLst/>
+                        <a:latin typeface="Arial" panose="020B0604020202020204" pitchFamily="34" charset="0"/>
+                        <a:ea typeface="Arial" panose="020B0604020202020204" pitchFamily="34" charset="0"/>
+                      </a:endParaRPr>
+                    </a:p>
+                  </a:txBody>
+                  <a:tcPr marL="114440" marR="114440" marT="0" marB="0">
+                    <a:lnL w="12700" cap="flat" cmpd="sng" algn="ctr">
+                      <a:solidFill>
+                        <a:srgbClr val="000000"/>
+                      </a:solidFill>
+                      <a:prstDash val="solid"/>
+                      <a:round/>
+                      <a:headEnd type="none" w="med" len="med"/>
+                      <a:tailEnd type="none" w="med" len="med"/>
+                    </a:lnL>
+                    <a:lnR w="12700" cap="flat" cmpd="sng" algn="ctr">
+                      <a:solidFill>
+                        <a:srgbClr val="000000"/>
+                      </a:solidFill>
+                      <a:prstDash val="solid"/>
+                      <a:round/>
+                      <a:headEnd type="none" w="med" len="med"/>
+                      <a:tailEnd type="none" w="med" len="med"/>
+                    </a:lnR>
+                    <a:lnT w="12700" cap="flat" cmpd="sng" algn="ctr">
+                      <a:solidFill>
+                        <a:srgbClr val="000000"/>
+                      </a:solidFill>
+                      <a:prstDash val="solid"/>
+                      <a:round/>
+                      <a:headEnd type="none" w="med" len="med"/>
+                      <a:tailEnd type="none" w="med" len="med"/>
+                    </a:lnT>
+                    <a:lnB w="12700" cap="flat" cmpd="sng" algn="ctr">
+                      <a:solidFill>
+                        <a:srgbClr val="000000"/>
+                      </a:solidFill>
+                      <a:prstDash val="solid"/>
+                      <a:round/>
+                      <a:headEnd type="none" w="med" len="med"/>
+                      <a:tailEnd type="none" w="med" len="med"/>
+                    </a:lnB>
+                  </a:tcPr>
+                </a:tc>
+                <a:tc>
+                  <a:txBody>
+                    <a:bodyPr/>
+                    <a:lstStyle/>
+                    <a:p>
+                      <a:pPr marL="0" marR="0" algn="ctr">
+                        <a:lnSpc>
+                          <a:spcPct val="115000"/>
+                        </a:lnSpc>
+                        <a:spcBef>
+                          <a:spcPts val="0"/>
+                        </a:spcBef>
+                        <a:spcAft>
+                          <a:spcPts val="0"/>
+                        </a:spcAft>
+                      </a:pPr>
+                      <a:r>
+                        <a:rPr lang="en-US" sz="1800">
+                          <a:effectLst/>
+                          <a:latin typeface="Calibri" panose="020F0502020204030204" pitchFamily="34" charset="0"/>
+                          <a:ea typeface="Calibri" panose="020F0502020204030204" pitchFamily="34" charset="0"/>
+                          <a:cs typeface="Calibri" panose="020F0502020204030204" pitchFamily="34" charset="0"/>
+                        </a:rPr>
+                        <a:t>42,284</a:t>
+                      </a:r>
+                      <a:endParaRPr lang="en-US" sz="1800">
+                        <a:effectLst/>
+                        <a:latin typeface="Arial" panose="020B0604020202020204" pitchFamily="34" charset="0"/>
+                        <a:ea typeface="Arial" panose="020B0604020202020204" pitchFamily="34" charset="0"/>
+                      </a:endParaRPr>
+                    </a:p>
+                  </a:txBody>
+                  <a:tcPr marL="114440" marR="114440" marT="0" marB="0" anchor="ctr">
+                    <a:lnL w="12700" cap="flat" cmpd="sng" algn="ctr">
+                      <a:solidFill>
+                        <a:srgbClr val="000000"/>
+                      </a:solidFill>
+                      <a:prstDash val="solid"/>
+                      <a:round/>
+                      <a:headEnd type="none" w="med" len="med"/>
+                      <a:tailEnd type="none" w="med" len="med"/>
+                    </a:lnL>
+                    <a:lnR w="12700" cap="flat" cmpd="sng" algn="ctr">
+                      <a:solidFill>
+                        <a:srgbClr val="000000"/>
+                      </a:solidFill>
+                      <a:prstDash val="solid"/>
+                      <a:round/>
+                      <a:headEnd type="none" w="med" len="med"/>
+                      <a:tailEnd type="none" w="med" len="med"/>
+                    </a:lnR>
+                    <a:lnT w="12700" cap="flat" cmpd="sng" algn="ctr">
+                      <a:solidFill>
+                        <a:srgbClr val="000000"/>
+                      </a:solidFill>
+                      <a:prstDash val="solid"/>
+                      <a:round/>
+                      <a:headEnd type="none" w="med" len="med"/>
+                      <a:tailEnd type="none" w="med" len="med"/>
+                    </a:lnT>
+                    <a:lnB w="12700" cap="flat" cmpd="sng" algn="ctr">
+                      <a:solidFill>
+                        <a:srgbClr val="000000"/>
+                      </a:solidFill>
+                      <a:prstDash val="solid"/>
+                      <a:round/>
+                      <a:headEnd type="none" w="med" len="med"/>
+                      <a:tailEnd type="none" w="med" len="med"/>
+                    </a:lnB>
+                  </a:tcPr>
+                </a:tc>
+                <a:tc>
+                  <a:txBody>
+                    <a:bodyPr/>
+                    <a:lstStyle/>
+                    <a:p>
+                      <a:pPr marL="0" marR="0" algn="ctr">
+                        <a:lnSpc>
+                          <a:spcPct val="115000"/>
+                        </a:lnSpc>
+                        <a:spcBef>
+                          <a:spcPts val="0"/>
+                        </a:spcBef>
+                        <a:spcAft>
+                          <a:spcPts val="0"/>
+                        </a:spcAft>
+                      </a:pPr>
+                      <a:r>
+                        <a:rPr lang="en-US" sz="1800">
+                          <a:effectLst/>
+                          <a:latin typeface="Calibri" panose="020F0502020204030204" pitchFamily="34" charset="0"/>
+                          <a:ea typeface="Calibri" panose="020F0502020204030204" pitchFamily="34" charset="0"/>
+                          <a:cs typeface="Calibri" panose="020F0502020204030204" pitchFamily="34" charset="0"/>
+                        </a:rPr>
+                        <a:t>7,891</a:t>
+                      </a:r>
+                      <a:endParaRPr lang="en-US" sz="1800">
+                        <a:effectLst/>
+                        <a:latin typeface="Arial" panose="020B0604020202020204" pitchFamily="34" charset="0"/>
+                        <a:ea typeface="Arial" panose="020B0604020202020204" pitchFamily="34" charset="0"/>
+                      </a:endParaRPr>
+                    </a:p>
+                  </a:txBody>
+                  <a:tcPr marL="114440" marR="114440" marT="0" marB="0" anchor="ctr">
+                    <a:lnL w="12700" cap="flat" cmpd="sng" algn="ctr">
+                      <a:solidFill>
+                        <a:srgbClr val="000000"/>
+                      </a:solidFill>
+                      <a:prstDash val="solid"/>
+                      <a:round/>
+                      <a:headEnd type="none" w="med" len="med"/>
+                      <a:tailEnd type="none" w="med" len="med"/>
+                    </a:lnL>
+                    <a:lnR w="12700" cap="flat" cmpd="sng" algn="ctr">
+                      <a:solidFill>
+                        <a:srgbClr val="000000"/>
+                      </a:solidFill>
+                      <a:prstDash val="solid"/>
+                      <a:round/>
+                      <a:headEnd type="none" w="med" len="med"/>
+                      <a:tailEnd type="none" w="med" len="med"/>
+                    </a:lnR>
+                    <a:lnT w="12700" cap="flat" cmpd="sng" algn="ctr">
+                      <a:solidFill>
+                        <a:srgbClr val="000000"/>
+                      </a:solidFill>
+                      <a:prstDash val="solid"/>
+                      <a:round/>
+                      <a:headEnd type="none" w="med" len="med"/>
+                      <a:tailEnd type="none" w="med" len="med"/>
+                    </a:lnT>
+                    <a:lnB w="12700" cap="flat" cmpd="sng" algn="ctr">
+                      <a:solidFill>
+                        <a:srgbClr val="000000"/>
+                      </a:solidFill>
+                      <a:prstDash val="solid"/>
+                      <a:round/>
+                      <a:headEnd type="none" w="med" len="med"/>
+                      <a:tailEnd type="none" w="med" len="med"/>
+                    </a:lnB>
+                  </a:tcPr>
+                </a:tc>
+                <a:extLst>
+                  <a:ext uri="{0D108BD9-81ED-4DB2-BD59-A6C34878D82A}">
+                    <a16:rowId xmlns:a16="http://schemas.microsoft.com/office/drawing/2014/main" val="2104227613"/>
+                  </a:ext>
+                </a:extLst>
+              </a:tr>
+              <a:tr h="300936">
+                <a:tc>
+                  <a:txBody>
+                    <a:bodyPr/>
+                    <a:lstStyle/>
+                    <a:p>
+                      <a:pPr marL="0" marR="0" algn="ctr">
+                        <a:lnSpc>
+                          <a:spcPct val="115000"/>
+                        </a:lnSpc>
+                        <a:spcBef>
+                          <a:spcPts val="0"/>
+                        </a:spcBef>
+                        <a:spcAft>
+                          <a:spcPts val="0"/>
+                        </a:spcAft>
+                      </a:pPr>
+                      <a:r>
+                        <a:rPr lang="en-US" sz="1800">
+                          <a:effectLst/>
+                          <a:latin typeface="Calibri" panose="020F0502020204030204" pitchFamily="34" charset="0"/>
+                          <a:ea typeface="Calibri" panose="020F0502020204030204" pitchFamily="34" charset="0"/>
+                          <a:cs typeface="Calibri" panose="020F0502020204030204" pitchFamily="34" charset="0"/>
+                        </a:rPr>
+                        <a:t>Apartment Building w/ 5+ Units</a:t>
+                      </a:r>
+                      <a:endParaRPr lang="en-US" sz="1800">
+                        <a:effectLst/>
+                        <a:latin typeface="Arial" panose="020B0604020202020204" pitchFamily="34" charset="0"/>
+                        <a:ea typeface="Arial" panose="020B0604020202020204" pitchFamily="34" charset="0"/>
+                      </a:endParaRPr>
+                    </a:p>
+                  </a:txBody>
+                  <a:tcPr marL="114440" marR="114440" marT="0" marB="0">
+                    <a:lnL w="12700" cap="flat" cmpd="sng" algn="ctr">
+                      <a:solidFill>
+                        <a:srgbClr val="000000"/>
+                      </a:solidFill>
+                      <a:prstDash val="solid"/>
+                      <a:round/>
+                      <a:headEnd type="none" w="med" len="med"/>
+                      <a:tailEnd type="none" w="med" len="med"/>
+                    </a:lnL>
+                    <a:lnR w="12700" cap="flat" cmpd="sng" algn="ctr">
+                      <a:solidFill>
+                        <a:srgbClr val="000000"/>
+                      </a:solidFill>
+                      <a:prstDash val="solid"/>
+                      <a:round/>
+                      <a:headEnd type="none" w="med" len="med"/>
+                      <a:tailEnd type="none" w="med" len="med"/>
+                    </a:lnR>
+                    <a:lnT w="12700" cap="flat" cmpd="sng" algn="ctr">
+                      <a:solidFill>
+                        <a:srgbClr val="000000"/>
+                      </a:solidFill>
+                      <a:prstDash val="solid"/>
+                      <a:round/>
+                      <a:headEnd type="none" w="med" len="med"/>
+                      <a:tailEnd type="none" w="med" len="med"/>
+                    </a:lnT>
+                    <a:lnB w="12700" cap="flat" cmpd="sng" algn="ctr">
+                      <a:solidFill>
+                        <a:srgbClr val="000000"/>
+                      </a:solidFill>
+                      <a:prstDash val="solid"/>
+                      <a:round/>
+                      <a:headEnd type="none" w="med" len="med"/>
+                      <a:tailEnd type="none" w="med" len="med"/>
+                    </a:lnB>
+                  </a:tcPr>
+                </a:tc>
+                <a:tc>
+                  <a:txBody>
+                    <a:bodyPr/>
+                    <a:lstStyle/>
+                    <a:p>
+                      <a:pPr marL="0" marR="0" algn="ctr">
+                        <a:lnSpc>
+                          <a:spcPct val="115000"/>
+                        </a:lnSpc>
+                        <a:spcBef>
+                          <a:spcPts val="0"/>
+                        </a:spcBef>
+                        <a:spcAft>
+                          <a:spcPts val="0"/>
+                        </a:spcAft>
+                      </a:pPr>
+                      <a:r>
+                        <a:rPr lang="en-US" sz="1800">
+                          <a:effectLst/>
+                          <a:latin typeface="Calibri" panose="020F0502020204030204" pitchFamily="34" charset="0"/>
+                          <a:ea typeface="Calibri" panose="020F0502020204030204" pitchFamily="34" charset="0"/>
+                          <a:cs typeface="Calibri" panose="020F0502020204030204" pitchFamily="34" charset="0"/>
+                        </a:rPr>
+                        <a:t>30,291</a:t>
+                      </a:r>
+                      <a:endParaRPr lang="en-US" sz="1800">
+                        <a:effectLst/>
+                        <a:latin typeface="Arial" panose="020B0604020202020204" pitchFamily="34" charset="0"/>
+                        <a:ea typeface="Arial" panose="020B0604020202020204" pitchFamily="34" charset="0"/>
+                      </a:endParaRPr>
+                    </a:p>
+                  </a:txBody>
+                  <a:tcPr marL="114440" marR="114440" marT="0" marB="0" anchor="ctr">
+                    <a:lnL w="12700" cap="flat" cmpd="sng" algn="ctr">
+                      <a:solidFill>
+                        <a:srgbClr val="000000"/>
+                      </a:solidFill>
+                      <a:prstDash val="solid"/>
+                      <a:round/>
+                      <a:headEnd type="none" w="med" len="med"/>
+                      <a:tailEnd type="none" w="med" len="med"/>
+                    </a:lnL>
+                    <a:lnR w="12700" cap="flat" cmpd="sng" algn="ctr">
+                      <a:solidFill>
+                        <a:srgbClr val="000000"/>
+                      </a:solidFill>
+                      <a:prstDash val="solid"/>
+                      <a:round/>
+                      <a:headEnd type="none" w="med" len="med"/>
+                      <a:tailEnd type="none" w="med" len="med"/>
+                    </a:lnR>
+                    <a:lnT w="12700" cap="flat" cmpd="sng" algn="ctr">
+                      <a:solidFill>
+                        <a:srgbClr val="000000"/>
+                      </a:solidFill>
+                      <a:prstDash val="solid"/>
+                      <a:round/>
+                      <a:headEnd type="none" w="med" len="med"/>
+                      <a:tailEnd type="none" w="med" len="med"/>
+                    </a:lnT>
+                    <a:lnB w="12700" cap="flat" cmpd="sng" algn="ctr">
+                      <a:solidFill>
+                        <a:srgbClr val="000000"/>
+                      </a:solidFill>
+                      <a:prstDash val="solid"/>
+                      <a:round/>
+                      <a:headEnd type="none" w="med" len="med"/>
+                      <a:tailEnd type="none" w="med" len="med"/>
+                    </a:lnB>
+                  </a:tcPr>
+                </a:tc>
+                <a:tc>
+                  <a:txBody>
+                    <a:bodyPr/>
+                    <a:lstStyle/>
+                    <a:p>
+                      <a:pPr marL="0" marR="0" algn="ctr">
+                        <a:lnSpc>
+                          <a:spcPct val="115000"/>
+                        </a:lnSpc>
+                        <a:spcBef>
+                          <a:spcPts val="0"/>
+                        </a:spcBef>
+                        <a:spcAft>
+                          <a:spcPts val="0"/>
+                        </a:spcAft>
+                      </a:pPr>
+                      <a:r>
+                        <a:rPr lang="en-US" sz="1800" dirty="0">
+                          <a:effectLst/>
+                          <a:latin typeface="Calibri" panose="020F0502020204030204" pitchFamily="34" charset="0"/>
+                          <a:ea typeface="Calibri" panose="020F0502020204030204" pitchFamily="34" charset="0"/>
+                          <a:cs typeface="Calibri" panose="020F0502020204030204" pitchFamily="34" charset="0"/>
+                        </a:rPr>
+                        <a:t>5,973</a:t>
+                      </a:r>
+                      <a:endParaRPr lang="en-US" sz="1800" dirty="0">
+                        <a:effectLst/>
+                        <a:latin typeface="Arial" panose="020B0604020202020204" pitchFamily="34" charset="0"/>
+                        <a:ea typeface="Arial" panose="020B0604020202020204" pitchFamily="34" charset="0"/>
+                      </a:endParaRPr>
+                    </a:p>
+                  </a:txBody>
+                  <a:tcPr marL="114440" marR="114440" marT="0" marB="0" anchor="ctr">
+                    <a:lnL w="12700" cap="flat" cmpd="sng" algn="ctr">
+                      <a:solidFill>
+                        <a:srgbClr val="000000"/>
+                      </a:solidFill>
+                      <a:prstDash val="solid"/>
+                      <a:round/>
+                      <a:headEnd type="none" w="med" len="med"/>
+                      <a:tailEnd type="none" w="med" len="med"/>
+                    </a:lnL>
+                    <a:lnR w="12700" cap="flat" cmpd="sng" algn="ctr">
+                      <a:solidFill>
+                        <a:srgbClr val="000000"/>
+                      </a:solidFill>
+                      <a:prstDash val="solid"/>
+                      <a:round/>
+                      <a:headEnd type="none" w="med" len="med"/>
+                      <a:tailEnd type="none" w="med" len="med"/>
+                    </a:lnR>
+                    <a:lnT w="12700" cap="flat" cmpd="sng" algn="ctr">
+                      <a:solidFill>
+                        <a:srgbClr val="000000"/>
+                      </a:solidFill>
+                      <a:prstDash val="solid"/>
+                      <a:round/>
+                      <a:headEnd type="none" w="med" len="med"/>
+                      <a:tailEnd type="none" w="med" len="med"/>
+                    </a:lnT>
+                    <a:lnB w="12700" cap="flat" cmpd="sng" algn="ctr">
+                      <a:solidFill>
+                        <a:srgbClr val="000000"/>
+                      </a:solidFill>
+                      <a:prstDash val="solid"/>
+                      <a:round/>
+                      <a:headEnd type="none" w="med" len="med"/>
+                      <a:tailEnd type="none" w="med" len="med"/>
+                    </a:lnB>
+                  </a:tcPr>
+                </a:tc>
+                <a:extLst>
+                  <a:ext uri="{0D108BD9-81ED-4DB2-BD59-A6C34878D82A}">
+                    <a16:rowId xmlns:a16="http://schemas.microsoft.com/office/drawing/2014/main" val="2448461187"/>
+                  </a:ext>
+                </a:extLst>
+              </a:tr>
+            </a:tbl>
+          </a:graphicData>
+        </a:graphic>
+      </p:graphicFrame>
+    </p:spTree>
+    <p:extLst>
+      <p:ext uri="{BB962C8B-B14F-4D97-AF65-F5344CB8AC3E}">
+        <p14:creationId xmlns:p14="http://schemas.microsoft.com/office/powerpoint/2010/main" val="1643467136"/>
+      </p:ext>
+    </p:extLst>
+  </p:cSld>
+  <p:clrMapOvr>
+    <a:masterClrMapping/>
+  </p:clrMapOvr>
+</p:sld>
+</file>
+
+<file path=ppt/slides/slide14.xml><?xml version="1.0" encoding="utf-8"?>
+<p:sld xmlns:a="http://schemas.openxmlformats.org/drawingml/2006/main" xmlns:r="http://schemas.openxmlformats.org/officeDocument/2006/relationships" xmlns:p="http://schemas.openxmlformats.org/presentationml/2006/main">
+  <p:cSld>
+    <p:spTree>
+      <p:nvGrpSpPr>
+        <p:cNvPr id="1" name=""/>
+        <p:cNvGrpSpPr/>
+        <p:nvPr/>
+      </p:nvGrpSpPr>
+      <p:grpSpPr>
+        <a:xfrm>
+          <a:off x="0" y="0"/>
+          <a:ext cx="0" cy="0"/>
+          <a:chOff x="0" y="0"/>
+          <a:chExt cx="0" cy="0"/>
+        </a:xfrm>
+      </p:grpSpPr>
+      <p:sp>
+        <p:nvSpPr>
+          <p:cNvPr id="18" name="Title 13">
+            <a:extLst>
+              <a:ext uri="{FF2B5EF4-FFF2-40B4-BE49-F238E27FC236}">
+                <a16:creationId xmlns:a16="http://schemas.microsoft.com/office/drawing/2014/main" id="{92896B42-4638-40D0-8887-7AB8D1D86B3D}"/>
+              </a:ext>
+            </a:extLst>
+          </p:cNvPr>
+          <p:cNvSpPr>
+            <a:spLocks noGrp="1"/>
+          </p:cNvSpPr>
+          <p:nvPr>
+            <p:ph type="title"/>
+          </p:nvPr>
+        </p:nvSpPr>
+        <p:spPr>
+          <a:xfrm>
+            <a:off x="466867" y="161598"/>
+            <a:ext cx="8333222" cy="674699"/>
+          </a:xfrm>
+        </p:spPr>
+        <p:txBody>
+          <a:bodyPr/>
+          <a:lstStyle/>
+          <a:p>
+            <a:r>
+              <a:rPr lang="en-US" dirty="0"/>
+              <a:t>Results </a:t>
+            </a:r>
+            <a:r>
+              <a:rPr lang="en-US" sz="1800" b="0" dirty="0">
+                <a:solidFill>
+                  <a:srgbClr val="0F6FC6"/>
+                </a:solidFill>
+              </a:rPr>
+              <a:t>(3 of 4)</a:t>
+            </a:r>
+            <a:endParaRPr lang="en-US" b="0" dirty="0"/>
+          </a:p>
+        </p:txBody>
+      </p:sp>
+      <p:sp>
+        <p:nvSpPr>
+          <p:cNvPr id="33" name="Text Placeholder 32">
+            <a:extLst>
+              <a:ext uri="{FF2B5EF4-FFF2-40B4-BE49-F238E27FC236}">
+                <a16:creationId xmlns:a16="http://schemas.microsoft.com/office/drawing/2014/main" id="{7CFD0302-279C-8A48-9E27-AD5B08D6501E}"/>
+              </a:ext>
+            </a:extLst>
+          </p:cNvPr>
+          <p:cNvSpPr>
+            <a:spLocks noGrp="1"/>
+          </p:cNvSpPr>
+          <p:nvPr>
+            <p:ph type="body" sz="quarter" idx="19"/>
+          </p:nvPr>
+        </p:nvSpPr>
+        <p:spPr>
+          <a:xfrm>
+            <a:off x="466867" y="1395004"/>
+            <a:ext cx="8434246" cy="1462496"/>
+          </a:xfrm>
+        </p:spPr>
+        <p:txBody>
+          <a:bodyPr/>
+          <a:lstStyle/>
+          <a:p>
+            <a:pPr>
+              <a:buClr>
+                <a:schemeClr val="accent2"/>
+              </a:buClr>
+            </a:pPr>
+            <a:r>
+              <a:rPr lang="en-US" sz="2000" dirty="0"/>
+              <a:t>One of benefits of the type of model chosen is the ability to analyze the variables that are influence predictions to gain insight into what the most important factors are in addition to the ability to use these results to verify/improve the model in the future. The model found the </a:t>
+            </a:r>
+            <a:endParaRPr lang="en-US" sz="1600" dirty="0"/>
+          </a:p>
+        </p:txBody>
+      </p:sp>
+      <p:sp>
+        <p:nvSpPr>
+          <p:cNvPr id="3" name="Footer Placeholder 2">
+            <a:extLst>
+              <a:ext uri="{FF2B5EF4-FFF2-40B4-BE49-F238E27FC236}">
+                <a16:creationId xmlns:a16="http://schemas.microsoft.com/office/drawing/2014/main" id="{B04C11C9-3DF6-471E-87C0-4DCED41031D4}"/>
+              </a:ext>
+            </a:extLst>
+          </p:cNvPr>
+          <p:cNvSpPr>
+            <a:spLocks noGrp="1"/>
+          </p:cNvSpPr>
+          <p:nvPr>
+            <p:ph type="ftr" sz="quarter" idx="17"/>
+          </p:nvPr>
+        </p:nvSpPr>
+        <p:spPr>
+          <a:xfrm>
+            <a:off x="338530" y="6356350"/>
+            <a:ext cx="5757470" cy="365125"/>
+          </a:xfrm>
+        </p:spPr>
+        <p:txBody>
+          <a:bodyPr/>
+          <a:lstStyle/>
+          <a:p>
+            <a:r>
+              <a:rPr lang="en-US" dirty="0">
+                <a:solidFill>
+                  <a:schemeClr val="tx1"/>
+                </a:solidFill>
+              </a:rPr>
+              <a:t>*Fuel types other than natural gas, propane, fuel oil/kerosene, electricity, or wood</a:t>
+            </a:r>
+          </a:p>
+        </p:txBody>
+      </p:sp>
+      <p:sp>
+        <p:nvSpPr>
+          <p:cNvPr id="4" name="Slide Number Placeholder 3">
+            <a:extLst>
+              <a:ext uri="{FF2B5EF4-FFF2-40B4-BE49-F238E27FC236}">
+                <a16:creationId xmlns:a16="http://schemas.microsoft.com/office/drawing/2014/main" id="{B2228214-87DB-4B3A-BD81-9A709A69BAAC}"/>
+              </a:ext>
+            </a:extLst>
+          </p:cNvPr>
+          <p:cNvSpPr>
+            <a:spLocks noGrp="1"/>
+          </p:cNvSpPr>
+          <p:nvPr>
+            <p:ph type="sldNum" sz="quarter" idx="18"/>
+          </p:nvPr>
+        </p:nvSpPr>
+        <p:spPr/>
+        <p:txBody>
+          <a:bodyPr/>
+          <a:lstStyle/>
+          <a:p>
+            <a:fld id="{8699F50C-BE38-4BD0-BA84-9B090E1F2B9B}" type="slidenum">
+              <a:rPr lang="en-US" smtClean="0"/>
+              <a:pPr/>
+              <a:t>14</a:t>
+            </a:fld>
+            <a:endParaRPr lang="en-US" dirty="0"/>
+          </a:p>
+        </p:txBody>
+      </p:sp>
+      <p:graphicFrame>
+        <p:nvGraphicFramePr>
+          <p:cNvPr id="8" name="Table 7">
+            <a:extLst>
+              <a:ext uri="{FF2B5EF4-FFF2-40B4-BE49-F238E27FC236}">
+                <a16:creationId xmlns:a16="http://schemas.microsoft.com/office/drawing/2014/main" id="{517A4F5E-969C-F346-9EDD-AC4E9037331B}"/>
+              </a:ext>
+            </a:extLst>
+          </p:cNvPr>
+          <p:cNvGraphicFramePr>
+            <a:graphicFrameLocks noGrp="1"/>
+          </p:cNvGraphicFramePr>
+          <p:nvPr>
+            <p:extLst>
+              <p:ext uri="{D42A27DB-BD31-4B8C-83A1-F6EECF244321}">
+                <p14:modId xmlns:p14="http://schemas.microsoft.com/office/powerpoint/2010/main" val="4014634199"/>
+              </p:ext>
+            </p:extLst>
+          </p:nvPr>
+        </p:nvGraphicFramePr>
+        <p:xfrm>
+          <a:off x="3054422" y="2929095"/>
+          <a:ext cx="6083156" cy="3355659"/>
+        </p:xfrm>
+        <a:graphic>
+          <a:graphicData uri="http://schemas.openxmlformats.org/drawingml/2006/table">
+            <a:tbl>
+              <a:tblPr firstRow="1" firstCol="1" bandRow="1"/>
+              <a:tblGrid>
+                <a:gridCol w="817819">
+                  <a:extLst>
+                    <a:ext uri="{9D8B030D-6E8A-4147-A177-3AD203B41FA5}">
+                      <a16:colId xmlns:a16="http://schemas.microsoft.com/office/drawing/2014/main" val="3568695862"/>
+                    </a:ext>
+                  </a:extLst>
+                </a:gridCol>
+                <a:gridCol w="5265337">
+                  <a:extLst>
+                    <a:ext uri="{9D8B030D-6E8A-4147-A177-3AD203B41FA5}">
+                      <a16:colId xmlns:a16="http://schemas.microsoft.com/office/drawing/2014/main" val="1248148070"/>
+                    </a:ext>
+                  </a:extLst>
+                </a:gridCol>
+              </a:tblGrid>
+              <a:tr h="195359">
+                <a:tc gridSpan="2">
+                  <a:txBody>
+                    <a:bodyPr/>
+                    <a:lstStyle/>
+                    <a:p>
+                      <a:pPr marL="0" marR="0" algn="ctr">
+                        <a:lnSpc>
+                          <a:spcPct val="115000"/>
+                        </a:lnSpc>
+                        <a:spcBef>
+                          <a:spcPts val="0"/>
+                        </a:spcBef>
+                        <a:spcAft>
+                          <a:spcPts val="0"/>
+                        </a:spcAft>
+                      </a:pPr>
+                      <a:r>
+                        <a:rPr lang="en-US" sz="1400" b="1" dirty="0">
+                          <a:solidFill>
+                            <a:schemeClr val="bg1"/>
+                          </a:solidFill>
+                          <a:effectLst/>
+                          <a:latin typeface="+mn-lt"/>
+                          <a:ea typeface="Arial" panose="020B0604020202020204" pitchFamily="34" charset="0"/>
+                        </a:rPr>
+                        <a:t>Top 15 Most Influential Features</a:t>
+                      </a:r>
+                    </a:p>
+                  </a:txBody>
+                  <a:tcPr marL="68580" marR="68580" marT="0" marB="0">
+                    <a:lnL w="12700" cap="flat" cmpd="sng" algn="ctr">
+                      <a:solidFill>
+                        <a:srgbClr val="000000"/>
+                      </a:solidFill>
+                      <a:prstDash val="solid"/>
+                      <a:round/>
+                      <a:headEnd type="none" w="med" len="med"/>
+                      <a:tailEnd type="none" w="med" len="med"/>
+                    </a:lnL>
+                    <a:lnR w="12700" cap="flat" cmpd="sng" algn="ctr">
+                      <a:solidFill>
+                        <a:srgbClr val="000000"/>
+                      </a:solidFill>
+                      <a:prstDash val="solid"/>
+                      <a:round/>
+                      <a:headEnd type="none" w="med" len="med"/>
+                      <a:tailEnd type="none" w="med" len="med"/>
+                    </a:lnR>
+                    <a:lnT w="12700" cap="flat" cmpd="sng" algn="ctr">
+                      <a:solidFill>
+                        <a:srgbClr val="000000"/>
+                      </a:solidFill>
+                      <a:prstDash val="solid"/>
+                      <a:round/>
+                      <a:headEnd type="none" w="med" len="med"/>
+                      <a:tailEnd type="none" w="med" len="med"/>
+                    </a:lnT>
+                    <a:lnB w="12700" cap="flat" cmpd="sng" algn="ctr">
+                      <a:solidFill>
+                        <a:srgbClr val="000000"/>
+                      </a:solidFill>
+                      <a:prstDash val="solid"/>
+                      <a:round/>
+                      <a:headEnd type="none" w="med" len="med"/>
+                      <a:tailEnd type="none" w="med" len="med"/>
+                    </a:lnB>
+                    <a:solidFill>
+                      <a:schemeClr val="tx2"/>
+                    </a:solidFill>
+                  </a:tcPr>
+                </a:tc>
+                <a:tc hMerge="1">
+                  <a:txBody>
+                    <a:bodyPr/>
+                    <a:lstStyle/>
+                    <a:p>
+                      <a:pPr marL="0" marR="0" algn="ctr">
+                        <a:lnSpc>
+                          <a:spcPct val="115000"/>
+                        </a:lnSpc>
+                        <a:spcBef>
+                          <a:spcPts val="0"/>
+                        </a:spcBef>
+                        <a:spcAft>
+                          <a:spcPts val="0"/>
+                        </a:spcAft>
+                      </a:pPr>
+                      <a:endParaRPr lang="en-US" sz="1100" dirty="0">
+                        <a:effectLst/>
+                        <a:latin typeface="Arial" panose="020B0604020202020204" pitchFamily="34" charset="0"/>
+                        <a:ea typeface="Arial" panose="020B0604020202020204" pitchFamily="34" charset="0"/>
+                      </a:endParaRPr>
+                    </a:p>
+                  </a:txBody>
+                  <a:tcPr marL="68580" marR="68580" marT="0" marB="0">
+                    <a:lnL w="12700" cap="flat" cmpd="sng" algn="ctr">
+                      <a:solidFill>
+                        <a:srgbClr val="000000"/>
+                      </a:solidFill>
+                      <a:prstDash val="solid"/>
+                      <a:round/>
+                      <a:headEnd type="none" w="med" len="med"/>
+                      <a:tailEnd type="none" w="med" len="med"/>
+                    </a:lnL>
+                    <a:lnR w="12700" cap="flat" cmpd="sng" algn="ctr">
+                      <a:solidFill>
+                        <a:srgbClr val="000000"/>
+                      </a:solidFill>
+                      <a:prstDash val="solid"/>
+                      <a:round/>
+                      <a:headEnd type="none" w="med" len="med"/>
+                      <a:tailEnd type="none" w="med" len="med"/>
+                    </a:lnR>
+                    <a:lnT w="12700" cap="flat" cmpd="sng" algn="ctr">
+                      <a:solidFill>
+                        <a:srgbClr val="000000"/>
+                      </a:solidFill>
+                      <a:prstDash val="solid"/>
+                      <a:round/>
+                      <a:headEnd type="none" w="med" len="med"/>
+                      <a:tailEnd type="none" w="med" len="med"/>
+                    </a:lnT>
+                    <a:lnB w="12700" cap="flat" cmpd="sng" algn="ctr">
+                      <a:solidFill>
+                        <a:srgbClr val="000000"/>
+                      </a:solidFill>
+                      <a:prstDash val="solid"/>
+                      <a:round/>
+                      <a:headEnd type="none" w="med" len="med"/>
+                      <a:tailEnd type="none" w="med" len="med"/>
+                    </a:lnB>
+                    <a:solidFill>
+                      <a:schemeClr val="tx2"/>
+                    </a:solidFill>
+                  </a:tcPr>
+                </a:tc>
+                <a:extLst>
+                  <a:ext uri="{0D108BD9-81ED-4DB2-BD59-A6C34878D82A}">
+                    <a16:rowId xmlns:a16="http://schemas.microsoft.com/office/drawing/2014/main" val="1241745390"/>
+                  </a:ext>
+                </a:extLst>
+              </a:tr>
+              <a:tr h="195359">
+                <a:tc>
+                  <a:txBody>
+                    <a:bodyPr/>
+                    <a:lstStyle/>
+                    <a:p>
+                      <a:pPr marL="0" marR="0" algn="ctr">
+                        <a:lnSpc>
+                          <a:spcPct val="115000"/>
+                        </a:lnSpc>
+                        <a:spcBef>
+                          <a:spcPts val="0"/>
+                        </a:spcBef>
+                        <a:spcAft>
+                          <a:spcPts val="0"/>
+                        </a:spcAft>
+                      </a:pPr>
+                      <a:r>
+                        <a:rPr lang="en-US" sz="1100" b="1">
+                          <a:solidFill>
+                            <a:srgbClr val="FFFFFF"/>
+                          </a:solidFill>
+                          <a:effectLst/>
+                          <a:latin typeface="Calibri" panose="020F0502020204030204" pitchFamily="34" charset="0"/>
+                          <a:ea typeface="Calibri" panose="020F0502020204030204" pitchFamily="34" charset="0"/>
+                          <a:cs typeface="Calibri" panose="020F0502020204030204" pitchFamily="34" charset="0"/>
+                        </a:rPr>
+                        <a:t>Rank</a:t>
+                      </a:r>
+                      <a:endParaRPr lang="en-US" sz="1100">
+                        <a:effectLst/>
+                        <a:latin typeface="Arial" panose="020B0604020202020204" pitchFamily="34" charset="0"/>
+                        <a:ea typeface="Arial" panose="020B0604020202020204" pitchFamily="34" charset="0"/>
+                      </a:endParaRPr>
+                    </a:p>
+                  </a:txBody>
+                  <a:tcPr marL="68580" marR="68580" marT="0" marB="0">
+                    <a:lnL w="12700" cap="flat" cmpd="sng" algn="ctr">
+                      <a:solidFill>
+                        <a:srgbClr val="000000"/>
+                      </a:solidFill>
+                      <a:prstDash val="solid"/>
+                      <a:round/>
+                      <a:headEnd type="none" w="med" len="med"/>
+                      <a:tailEnd type="none" w="med" len="med"/>
+                    </a:lnL>
+                    <a:lnR w="12700" cap="flat" cmpd="sng" algn="ctr">
+                      <a:solidFill>
+                        <a:srgbClr val="000000"/>
+                      </a:solidFill>
+                      <a:prstDash val="solid"/>
+                      <a:round/>
+                      <a:headEnd type="none" w="med" len="med"/>
+                      <a:tailEnd type="none" w="med" len="med"/>
+                    </a:lnR>
+                    <a:lnT w="12700" cap="flat" cmpd="sng" algn="ctr">
+                      <a:solidFill>
+                        <a:srgbClr val="000000"/>
+                      </a:solidFill>
+                      <a:prstDash val="solid"/>
+                      <a:round/>
+                      <a:headEnd type="none" w="med" len="med"/>
+                      <a:tailEnd type="none" w="med" len="med"/>
+                    </a:lnT>
+                    <a:lnB w="12700" cap="flat" cmpd="sng" algn="ctr">
+                      <a:solidFill>
+                        <a:srgbClr val="000000"/>
+                      </a:solidFill>
+                      <a:prstDash val="solid"/>
+                      <a:round/>
+                      <a:headEnd type="none" w="med" len="med"/>
+                      <a:tailEnd type="none" w="med" len="med"/>
+                    </a:lnB>
+                    <a:solidFill>
+                      <a:schemeClr val="tx2"/>
+                    </a:solidFill>
+                  </a:tcPr>
+                </a:tc>
+                <a:tc>
+                  <a:txBody>
+                    <a:bodyPr/>
+                    <a:lstStyle/>
+                    <a:p>
+                      <a:pPr marL="0" marR="0" algn="ctr">
+                        <a:lnSpc>
+                          <a:spcPct val="115000"/>
+                        </a:lnSpc>
+                        <a:spcBef>
+                          <a:spcPts val="0"/>
+                        </a:spcBef>
+                        <a:spcAft>
+                          <a:spcPts val="0"/>
+                        </a:spcAft>
+                      </a:pPr>
+                      <a:r>
+                        <a:rPr lang="en-US" sz="1100" b="1" dirty="0">
+                          <a:solidFill>
+                            <a:srgbClr val="FFFFFF"/>
+                          </a:solidFill>
+                          <a:effectLst/>
+                          <a:latin typeface="Calibri" panose="020F0502020204030204" pitchFamily="34" charset="0"/>
+                          <a:ea typeface="Calibri" panose="020F0502020204030204" pitchFamily="34" charset="0"/>
+                          <a:cs typeface="Calibri" panose="020F0502020204030204" pitchFamily="34" charset="0"/>
+                        </a:rPr>
+                        <a:t>Feature Description</a:t>
+                      </a:r>
+                      <a:endParaRPr lang="en-US" sz="1100" dirty="0">
+                        <a:effectLst/>
+                        <a:latin typeface="Arial" panose="020B0604020202020204" pitchFamily="34" charset="0"/>
+                        <a:ea typeface="Arial" panose="020B0604020202020204" pitchFamily="34" charset="0"/>
+                      </a:endParaRPr>
+                    </a:p>
+                  </a:txBody>
+                  <a:tcPr marL="68580" marR="68580" marT="0" marB="0">
+                    <a:lnL w="12700" cap="flat" cmpd="sng" algn="ctr">
+                      <a:solidFill>
+                        <a:srgbClr val="000000"/>
+                      </a:solidFill>
+                      <a:prstDash val="solid"/>
+                      <a:round/>
+                      <a:headEnd type="none" w="med" len="med"/>
+                      <a:tailEnd type="none" w="med" len="med"/>
+                    </a:lnL>
+                    <a:lnR w="12700" cap="flat" cmpd="sng" algn="ctr">
+                      <a:solidFill>
+                        <a:srgbClr val="000000"/>
+                      </a:solidFill>
+                      <a:prstDash val="solid"/>
+                      <a:round/>
+                      <a:headEnd type="none" w="med" len="med"/>
+                      <a:tailEnd type="none" w="med" len="med"/>
+                    </a:lnR>
+                    <a:lnT w="12700" cap="flat" cmpd="sng" algn="ctr">
+                      <a:solidFill>
+                        <a:srgbClr val="000000"/>
+                      </a:solidFill>
+                      <a:prstDash val="solid"/>
+                      <a:round/>
+                      <a:headEnd type="none" w="med" len="med"/>
+                      <a:tailEnd type="none" w="med" len="med"/>
+                    </a:lnT>
+                    <a:lnB w="12700" cap="flat" cmpd="sng" algn="ctr">
+                      <a:solidFill>
+                        <a:srgbClr val="000000"/>
+                      </a:solidFill>
+                      <a:prstDash val="solid"/>
+                      <a:round/>
+                      <a:headEnd type="none" w="med" len="med"/>
+                      <a:tailEnd type="none" w="med" len="med"/>
+                    </a:lnB>
+                    <a:solidFill>
+                      <a:schemeClr val="tx2"/>
+                    </a:solidFill>
+                  </a:tcPr>
+                </a:tc>
+                <a:extLst>
+                  <a:ext uri="{0D108BD9-81ED-4DB2-BD59-A6C34878D82A}">
+                    <a16:rowId xmlns:a16="http://schemas.microsoft.com/office/drawing/2014/main" val="3831134464"/>
+                  </a:ext>
+                </a:extLst>
+              </a:tr>
+              <a:tr h="195290">
+                <a:tc>
+                  <a:txBody>
+                    <a:bodyPr/>
+                    <a:lstStyle/>
+                    <a:p>
+                      <a:pPr marL="0" marR="0" algn="ctr">
+                        <a:lnSpc>
+                          <a:spcPct val="115000"/>
+                        </a:lnSpc>
+                        <a:spcBef>
+                          <a:spcPts val="0"/>
+                        </a:spcBef>
+                        <a:spcAft>
+                          <a:spcPts val="0"/>
+                        </a:spcAft>
+                      </a:pPr>
+                      <a:r>
+                        <a:rPr lang="en-US" sz="1100">
+                          <a:effectLst/>
+                          <a:latin typeface="Calibri" panose="020F0502020204030204" pitchFamily="34" charset="0"/>
+                          <a:ea typeface="Calibri" panose="020F0502020204030204" pitchFamily="34" charset="0"/>
+                          <a:cs typeface="Calibri" panose="020F0502020204030204" pitchFamily="34" charset="0"/>
+                        </a:rPr>
+                        <a:t>1</a:t>
+                      </a:r>
+                      <a:endParaRPr lang="en-US" sz="1100">
+                        <a:effectLst/>
+                        <a:latin typeface="Arial" panose="020B0604020202020204" pitchFamily="34" charset="0"/>
+                        <a:ea typeface="Arial" panose="020B0604020202020204" pitchFamily="34" charset="0"/>
+                      </a:endParaRPr>
+                    </a:p>
+                  </a:txBody>
+                  <a:tcPr marL="68580" marR="68580" marT="0" marB="0">
+                    <a:lnL w="12700" cap="flat" cmpd="sng" algn="ctr">
+                      <a:solidFill>
+                        <a:srgbClr val="000000"/>
+                      </a:solidFill>
+                      <a:prstDash val="solid"/>
+                      <a:round/>
+                      <a:headEnd type="none" w="med" len="med"/>
+                      <a:tailEnd type="none" w="med" len="med"/>
+                    </a:lnL>
+                    <a:lnR w="12700" cap="flat" cmpd="sng" algn="ctr">
+                      <a:solidFill>
+                        <a:srgbClr val="000000"/>
+                      </a:solidFill>
+                      <a:prstDash val="solid"/>
+                      <a:round/>
+                      <a:headEnd type="none" w="med" len="med"/>
+                      <a:tailEnd type="none" w="med" len="med"/>
+                    </a:lnR>
+                    <a:lnT w="12700" cap="flat" cmpd="sng" algn="ctr">
+                      <a:solidFill>
+                        <a:srgbClr val="000000"/>
+                      </a:solidFill>
+                      <a:prstDash val="solid"/>
+                      <a:round/>
+                      <a:headEnd type="none" w="med" len="med"/>
+                      <a:tailEnd type="none" w="med" len="med"/>
+                    </a:lnT>
+                    <a:lnB w="12700" cap="flat" cmpd="sng" algn="ctr">
+                      <a:solidFill>
+                        <a:srgbClr val="000000"/>
+                      </a:solidFill>
+                      <a:prstDash val="solid"/>
+                      <a:round/>
+                      <a:headEnd type="none" w="med" len="med"/>
+                      <a:tailEnd type="none" w="med" len="med"/>
+                    </a:lnB>
+                  </a:tcPr>
+                </a:tc>
+                <a:tc>
+                  <a:txBody>
+                    <a:bodyPr/>
+                    <a:lstStyle/>
+                    <a:p>
+                      <a:pPr marL="0" marR="0" algn="ctr">
+                        <a:lnSpc>
+                          <a:spcPct val="115000"/>
+                        </a:lnSpc>
+                        <a:spcBef>
+                          <a:spcPts val="0"/>
+                        </a:spcBef>
+                        <a:spcAft>
+                          <a:spcPts val="0"/>
+                        </a:spcAft>
+                      </a:pPr>
+                      <a:r>
+                        <a:rPr lang="en-US" sz="1100">
+                          <a:effectLst/>
+                          <a:latin typeface="Calibri" panose="020F0502020204030204" pitchFamily="34" charset="0"/>
+                          <a:ea typeface="Calibri" panose="020F0502020204030204" pitchFamily="34" charset="0"/>
+                          <a:cs typeface="Calibri" panose="020F0502020204030204" pitchFamily="34" charset="0"/>
+                        </a:rPr>
+                        <a:t>Use of wood for space heating</a:t>
+                      </a:r>
+                      <a:endParaRPr lang="en-US" sz="1100">
+                        <a:effectLst/>
+                        <a:latin typeface="Arial" panose="020B0604020202020204" pitchFamily="34" charset="0"/>
+                        <a:ea typeface="Arial" panose="020B0604020202020204" pitchFamily="34" charset="0"/>
+                      </a:endParaRPr>
+                    </a:p>
+                  </a:txBody>
+                  <a:tcPr marL="68580" marR="68580" marT="0" marB="0">
+                    <a:lnL w="12700" cap="flat" cmpd="sng" algn="ctr">
+                      <a:solidFill>
+                        <a:srgbClr val="000000"/>
+                      </a:solidFill>
+                      <a:prstDash val="solid"/>
+                      <a:round/>
+                      <a:headEnd type="none" w="med" len="med"/>
+                      <a:tailEnd type="none" w="med" len="med"/>
+                    </a:lnL>
+                    <a:lnR w="12700" cap="flat" cmpd="sng" algn="ctr">
+                      <a:solidFill>
+                        <a:srgbClr val="000000"/>
+                      </a:solidFill>
+                      <a:prstDash val="solid"/>
+                      <a:round/>
+                      <a:headEnd type="none" w="med" len="med"/>
+                      <a:tailEnd type="none" w="med" len="med"/>
+                    </a:lnR>
+                    <a:lnT w="12700" cap="flat" cmpd="sng" algn="ctr">
+                      <a:solidFill>
+                        <a:srgbClr val="000000"/>
+                      </a:solidFill>
+                      <a:prstDash val="solid"/>
+                      <a:round/>
+                      <a:headEnd type="none" w="med" len="med"/>
+                      <a:tailEnd type="none" w="med" len="med"/>
+                    </a:lnT>
+                    <a:lnB w="12700" cap="flat" cmpd="sng" algn="ctr">
+                      <a:solidFill>
+                        <a:srgbClr val="000000"/>
+                      </a:solidFill>
+                      <a:prstDash val="solid"/>
+                      <a:round/>
+                      <a:headEnd type="none" w="med" len="med"/>
+                      <a:tailEnd type="none" w="med" len="med"/>
+                    </a:lnB>
+                  </a:tcPr>
+                </a:tc>
+                <a:extLst>
+                  <a:ext uri="{0D108BD9-81ED-4DB2-BD59-A6C34878D82A}">
+                    <a16:rowId xmlns:a16="http://schemas.microsoft.com/office/drawing/2014/main" val="3268336499"/>
+                  </a:ext>
+                </a:extLst>
+              </a:tr>
+              <a:tr h="195290">
+                <a:tc>
+                  <a:txBody>
+                    <a:bodyPr/>
+                    <a:lstStyle/>
+                    <a:p>
+                      <a:pPr marL="0" marR="0" algn="ctr">
+                        <a:lnSpc>
+                          <a:spcPct val="115000"/>
+                        </a:lnSpc>
+                        <a:spcBef>
+                          <a:spcPts val="0"/>
+                        </a:spcBef>
+                        <a:spcAft>
+                          <a:spcPts val="0"/>
+                        </a:spcAft>
+                      </a:pPr>
+                      <a:r>
+                        <a:rPr lang="en-US" sz="1100">
+                          <a:effectLst/>
+                          <a:latin typeface="Calibri" panose="020F0502020204030204" pitchFamily="34" charset="0"/>
+                          <a:ea typeface="Calibri" panose="020F0502020204030204" pitchFamily="34" charset="0"/>
+                          <a:cs typeface="Calibri" panose="020F0502020204030204" pitchFamily="34" charset="0"/>
+                        </a:rPr>
+                        <a:t>2</a:t>
+                      </a:r>
+                      <a:endParaRPr lang="en-US" sz="1100">
+                        <a:effectLst/>
+                        <a:latin typeface="Arial" panose="020B0604020202020204" pitchFamily="34" charset="0"/>
+                        <a:ea typeface="Arial" panose="020B0604020202020204" pitchFamily="34" charset="0"/>
+                      </a:endParaRPr>
+                    </a:p>
+                  </a:txBody>
+                  <a:tcPr marL="68580" marR="68580" marT="0" marB="0">
+                    <a:lnL w="12700" cap="flat" cmpd="sng" algn="ctr">
+                      <a:solidFill>
+                        <a:srgbClr val="000000"/>
+                      </a:solidFill>
+                      <a:prstDash val="solid"/>
+                      <a:round/>
+                      <a:headEnd type="none" w="med" len="med"/>
+                      <a:tailEnd type="none" w="med" len="med"/>
+                    </a:lnL>
+                    <a:lnR w="12700" cap="flat" cmpd="sng" algn="ctr">
+                      <a:solidFill>
+                        <a:srgbClr val="000000"/>
+                      </a:solidFill>
+                      <a:prstDash val="solid"/>
+                      <a:round/>
+                      <a:headEnd type="none" w="med" len="med"/>
+                      <a:tailEnd type="none" w="med" len="med"/>
+                    </a:lnR>
+                    <a:lnT w="12700" cap="flat" cmpd="sng" algn="ctr">
+                      <a:solidFill>
+                        <a:srgbClr val="000000"/>
+                      </a:solidFill>
+                      <a:prstDash val="solid"/>
+                      <a:round/>
+                      <a:headEnd type="none" w="med" len="med"/>
+                      <a:tailEnd type="none" w="med" len="med"/>
+                    </a:lnT>
+                    <a:lnB w="12700" cap="flat" cmpd="sng" algn="ctr">
+                      <a:solidFill>
+                        <a:srgbClr val="000000"/>
+                      </a:solidFill>
+                      <a:prstDash val="solid"/>
+                      <a:round/>
+                      <a:headEnd type="none" w="med" len="med"/>
+                      <a:tailEnd type="none" w="med" len="med"/>
+                    </a:lnB>
+                  </a:tcPr>
+                </a:tc>
+                <a:tc>
+                  <a:txBody>
+                    <a:bodyPr/>
+                    <a:lstStyle/>
+                    <a:p>
+                      <a:pPr marL="0" marR="0" algn="ctr">
+                        <a:lnSpc>
+                          <a:spcPct val="115000"/>
+                        </a:lnSpc>
+                        <a:spcBef>
+                          <a:spcPts val="0"/>
+                        </a:spcBef>
+                        <a:spcAft>
+                          <a:spcPts val="0"/>
+                        </a:spcAft>
+                      </a:pPr>
+                      <a:r>
+                        <a:rPr lang="en-US" sz="1100">
+                          <a:effectLst/>
+                          <a:latin typeface="Calibri" panose="020F0502020204030204" pitchFamily="34" charset="0"/>
+                          <a:ea typeface="Calibri" panose="020F0502020204030204" pitchFamily="34" charset="0"/>
+                          <a:cs typeface="Calibri" panose="020F0502020204030204" pitchFamily="34" charset="0"/>
+                        </a:rPr>
+                        <a:t>Use of other fuel type* for space heating</a:t>
+                      </a:r>
+                      <a:endParaRPr lang="en-US" sz="1100">
+                        <a:effectLst/>
+                        <a:latin typeface="Arial" panose="020B0604020202020204" pitchFamily="34" charset="0"/>
+                        <a:ea typeface="Arial" panose="020B0604020202020204" pitchFamily="34" charset="0"/>
+                      </a:endParaRPr>
+                    </a:p>
+                  </a:txBody>
+                  <a:tcPr marL="68580" marR="68580" marT="0" marB="0">
+                    <a:lnL w="12700" cap="flat" cmpd="sng" algn="ctr">
+                      <a:solidFill>
+                        <a:srgbClr val="000000"/>
+                      </a:solidFill>
+                      <a:prstDash val="solid"/>
+                      <a:round/>
+                      <a:headEnd type="none" w="med" len="med"/>
+                      <a:tailEnd type="none" w="med" len="med"/>
+                    </a:lnL>
+                    <a:lnR w="12700" cap="flat" cmpd="sng" algn="ctr">
+                      <a:solidFill>
+                        <a:srgbClr val="000000"/>
+                      </a:solidFill>
+                      <a:prstDash val="solid"/>
+                      <a:round/>
+                      <a:headEnd type="none" w="med" len="med"/>
+                      <a:tailEnd type="none" w="med" len="med"/>
+                    </a:lnR>
+                    <a:lnT w="12700" cap="flat" cmpd="sng" algn="ctr">
+                      <a:solidFill>
+                        <a:srgbClr val="000000"/>
+                      </a:solidFill>
+                      <a:prstDash val="solid"/>
+                      <a:round/>
+                      <a:headEnd type="none" w="med" len="med"/>
+                      <a:tailEnd type="none" w="med" len="med"/>
+                    </a:lnT>
+                    <a:lnB w="12700" cap="flat" cmpd="sng" algn="ctr">
+                      <a:solidFill>
+                        <a:srgbClr val="000000"/>
+                      </a:solidFill>
+                      <a:prstDash val="solid"/>
+                      <a:round/>
+                      <a:headEnd type="none" w="med" len="med"/>
+                      <a:tailEnd type="none" w="med" len="med"/>
+                    </a:lnB>
+                  </a:tcPr>
+                </a:tc>
+                <a:extLst>
+                  <a:ext uri="{0D108BD9-81ED-4DB2-BD59-A6C34878D82A}">
+                    <a16:rowId xmlns:a16="http://schemas.microsoft.com/office/drawing/2014/main" val="2364109090"/>
+                  </a:ext>
+                </a:extLst>
+              </a:tr>
+              <a:tr h="195290">
+                <a:tc>
+                  <a:txBody>
+                    <a:bodyPr/>
+                    <a:lstStyle/>
+                    <a:p>
+                      <a:pPr marL="0" marR="0" algn="ctr">
+                        <a:lnSpc>
+                          <a:spcPct val="115000"/>
+                        </a:lnSpc>
+                        <a:spcBef>
+                          <a:spcPts val="0"/>
+                        </a:spcBef>
+                        <a:spcAft>
+                          <a:spcPts val="0"/>
+                        </a:spcAft>
+                      </a:pPr>
+                      <a:r>
+                        <a:rPr lang="en-US" sz="1100">
+                          <a:effectLst/>
+                          <a:latin typeface="Calibri" panose="020F0502020204030204" pitchFamily="34" charset="0"/>
+                          <a:ea typeface="Calibri" panose="020F0502020204030204" pitchFamily="34" charset="0"/>
+                          <a:cs typeface="Calibri" panose="020F0502020204030204" pitchFamily="34" charset="0"/>
+                        </a:rPr>
+                        <a:t>3</a:t>
+                      </a:r>
+                      <a:endParaRPr lang="en-US" sz="1100">
+                        <a:effectLst/>
+                        <a:latin typeface="Arial" panose="020B0604020202020204" pitchFamily="34" charset="0"/>
+                        <a:ea typeface="Arial" panose="020B0604020202020204" pitchFamily="34" charset="0"/>
+                      </a:endParaRPr>
+                    </a:p>
+                  </a:txBody>
+                  <a:tcPr marL="68580" marR="68580" marT="0" marB="0">
+                    <a:lnL w="12700" cap="flat" cmpd="sng" algn="ctr">
+                      <a:solidFill>
+                        <a:srgbClr val="000000"/>
+                      </a:solidFill>
+                      <a:prstDash val="solid"/>
+                      <a:round/>
+                      <a:headEnd type="none" w="med" len="med"/>
+                      <a:tailEnd type="none" w="med" len="med"/>
+                    </a:lnL>
+                    <a:lnR w="12700" cap="flat" cmpd="sng" algn="ctr">
+                      <a:solidFill>
+                        <a:srgbClr val="000000"/>
+                      </a:solidFill>
+                      <a:prstDash val="solid"/>
+                      <a:round/>
+                      <a:headEnd type="none" w="med" len="med"/>
+                      <a:tailEnd type="none" w="med" len="med"/>
+                    </a:lnR>
+                    <a:lnT w="12700" cap="flat" cmpd="sng" algn="ctr">
+                      <a:solidFill>
+                        <a:srgbClr val="000000"/>
+                      </a:solidFill>
+                      <a:prstDash val="solid"/>
+                      <a:round/>
+                      <a:headEnd type="none" w="med" len="med"/>
+                      <a:tailEnd type="none" w="med" len="med"/>
+                    </a:lnT>
+                    <a:lnB w="12700" cap="flat" cmpd="sng" algn="ctr">
+                      <a:solidFill>
+                        <a:srgbClr val="000000"/>
+                      </a:solidFill>
+                      <a:prstDash val="solid"/>
+                      <a:round/>
+                      <a:headEnd type="none" w="med" len="med"/>
+                      <a:tailEnd type="none" w="med" len="med"/>
+                    </a:lnB>
+                  </a:tcPr>
+                </a:tc>
+                <a:tc>
+                  <a:txBody>
+                    <a:bodyPr/>
+                    <a:lstStyle/>
+                    <a:p>
+                      <a:pPr marL="0" marR="0" algn="ctr">
+                        <a:lnSpc>
+                          <a:spcPct val="115000"/>
+                        </a:lnSpc>
+                        <a:spcBef>
+                          <a:spcPts val="0"/>
+                        </a:spcBef>
+                        <a:spcAft>
+                          <a:spcPts val="0"/>
+                        </a:spcAft>
+                      </a:pPr>
+                      <a:r>
+                        <a:rPr lang="en-US" sz="1100">
+                          <a:effectLst/>
+                          <a:latin typeface="Calibri" panose="020F0502020204030204" pitchFamily="34" charset="0"/>
+                          <a:ea typeface="Calibri" panose="020F0502020204030204" pitchFamily="34" charset="0"/>
+                          <a:cs typeface="Calibri" panose="020F0502020204030204" pitchFamily="34" charset="0"/>
+                        </a:rPr>
+                        <a:t>Indicator for Apartment Building w/ 5+ Units</a:t>
+                      </a:r>
+                      <a:endParaRPr lang="en-US" sz="1100">
+                        <a:effectLst/>
+                        <a:latin typeface="Arial" panose="020B0604020202020204" pitchFamily="34" charset="0"/>
+                        <a:ea typeface="Arial" panose="020B0604020202020204" pitchFamily="34" charset="0"/>
+                      </a:endParaRPr>
+                    </a:p>
+                  </a:txBody>
+                  <a:tcPr marL="68580" marR="68580" marT="0" marB="0">
+                    <a:lnL w="12700" cap="flat" cmpd="sng" algn="ctr">
+                      <a:solidFill>
+                        <a:srgbClr val="000000"/>
+                      </a:solidFill>
+                      <a:prstDash val="solid"/>
+                      <a:round/>
+                      <a:headEnd type="none" w="med" len="med"/>
+                      <a:tailEnd type="none" w="med" len="med"/>
+                    </a:lnL>
+                    <a:lnR w="12700" cap="flat" cmpd="sng" algn="ctr">
+                      <a:solidFill>
+                        <a:srgbClr val="000000"/>
+                      </a:solidFill>
+                      <a:prstDash val="solid"/>
+                      <a:round/>
+                      <a:headEnd type="none" w="med" len="med"/>
+                      <a:tailEnd type="none" w="med" len="med"/>
+                    </a:lnR>
+                    <a:lnT w="12700" cap="flat" cmpd="sng" algn="ctr">
+                      <a:solidFill>
+                        <a:srgbClr val="000000"/>
+                      </a:solidFill>
+                      <a:prstDash val="solid"/>
+                      <a:round/>
+                      <a:headEnd type="none" w="med" len="med"/>
+                      <a:tailEnd type="none" w="med" len="med"/>
+                    </a:lnT>
+                    <a:lnB w="12700" cap="flat" cmpd="sng" algn="ctr">
+                      <a:solidFill>
+                        <a:srgbClr val="000000"/>
+                      </a:solidFill>
+                      <a:prstDash val="solid"/>
+                      <a:round/>
+                      <a:headEnd type="none" w="med" len="med"/>
+                      <a:tailEnd type="none" w="med" len="med"/>
+                    </a:lnB>
+                  </a:tcPr>
+                </a:tc>
+                <a:extLst>
+                  <a:ext uri="{0D108BD9-81ED-4DB2-BD59-A6C34878D82A}">
+                    <a16:rowId xmlns:a16="http://schemas.microsoft.com/office/drawing/2014/main" val="1283677641"/>
+                  </a:ext>
+                </a:extLst>
+              </a:tr>
+              <a:tr h="195290">
+                <a:tc>
+                  <a:txBody>
+                    <a:bodyPr/>
+                    <a:lstStyle/>
+                    <a:p>
+                      <a:pPr marL="0" marR="0" algn="ctr">
+                        <a:lnSpc>
+                          <a:spcPct val="115000"/>
+                        </a:lnSpc>
+                        <a:spcBef>
+                          <a:spcPts val="0"/>
+                        </a:spcBef>
+                        <a:spcAft>
+                          <a:spcPts val="0"/>
+                        </a:spcAft>
+                      </a:pPr>
+                      <a:r>
+                        <a:rPr lang="en-US" sz="1100">
+                          <a:effectLst/>
+                          <a:latin typeface="Calibri" panose="020F0502020204030204" pitchFamily="34" charset="0"/>
+                          <a:ea typeface="Calibri" panose="020F0502020204030204" pitchFamily="34" charset="0"/>
+                          <a:cs typeface="Calibri" panose="020F0502020204030204" pitchFamily="34" charset="0"/>
+                        </a:rPr>
+                        <a:t>4</a:t>
+                      </a:r>
+                      <a:endParaRPr lang="en-US" sz="1100">
+                        <a:effectLst/>
+                        <a:latin typeface="Arial" panose="020B0604020202020204" pitchFamily="34" charset="0"/>
+                        <a:ea typeface="Arial" panose="020B0604020202020204" pitchFamily="34" charset="0"/>
+                      </a:endParaRPr>
+                    </a:p>
+                  </a:txBody>
+                  <a:tcPr marL="68580" marR="68580" marT="0" marB="0">
+                    <a:lnL w="12700" cap="flat" cmpd="sng" algn="ctr">
+                      <a:solidFill>
+                        <a:srgbClr val="000000"/>
+                      </a:solidFill>
+                      <a:prstDash val="solid"/>
+                      <a:round/>
+                      <a:headEnd type="none" w="med" len="med"/>
+                      <a:tailEnd type="none" w="med" len="med"/>
+                    </a:lnL>
+                    <a:lnR w="12700" cap="flat" cmpd="sng" algn="ctr">
+                      <a:solidFill>
+                        <a:srgbClr val="000000"/>
+                      </a:solidFill>
+                      <a:prstDash val="solid"/>
+                      <a:round/>
+                      <a:headEnd type="none" w="med" len="med"/>
+                      <a:tailEnd type="none" w="med" len="med"/>
+                    </a:lnR>
+                    <a:lnT w="12700" cap="flat" cmpd="sng" algn="ctr">
+                      <a:solidFill>
+                        <a:srgbClr val="000000"/>
+                      </a:solidFill>
+                      <a:prstDash val="solid"/>
+                      <a:round/>
+                      <a:headEnd type="none" w="med" len="med"/>
+                      <a:tailEnd type="none" w="med" len="med"/>
+                    </a:lnT>
+                    <a:lnB w="12700" cap="flat" cmpd="sng" algn="ctr">
+                      <a:solidFill>
+                        <a:srgbClr val="000000"/>
+                      </a:solidFill>
+                      <a:prstDash val="solid"/>
+                      <a:round/>
+                      <a:headEnd type="none" w="med" len="med"/>
+                      <a:tailEnd type="none" w="med" len="med"/>
+                    </a:lnB>
+                  </a:tcPr>
+                </a:tc>
+                <a:tc>
+                  <a:txBody>
+                    <a:bodyPr/>
+                    <a:lstStyle/>
+                    <a:p>
+                      <a:pPr marL="0" marR="0" algn="ctr">
+                        <a:lnSpc>
+                          <a:spcPct val="115000"/>
+                        </a:lnSpc>
+                        <a:spcBef>
+                          <a:spcPts val="0"/>
+                        </a:spcBef>
+                        <a:spcAft>
+                          <a:spcPts val="0"/>
+                        </a:spcAft>
+                      </a:pPr>
+                      <a:r>
+                        <a:rPr lang="en-US" sz="1100">
+                          <a:effectLst/>
+                          <a:latin typeface="Calibri" panose="020F0502020204030204" pitchFamily="34" charset="0"/>
+                          <a:ea typeface="Calibri" panose="020F0502020204030204" pitchFamily="34" charset="0"/>
+                          <a:cs typeface="Calibri" panose="020F0502020204030204" pitchFamily="34" charset="0"/>
+                        </a:rPr>
+                        <a:t>Use of propane for space heating</a:t>
+                      </a:r>
+                      <a:endParaRPr lang="en-US" sz="1100">
+                        <a:effectLst/>
+                        <a:latin typeface="Arial" panose="020B0604020202020204" pitchFamily="34" charset="0"/>
+                        <a:ea typeface="Arial" panose="020B0604020202020204" pitchFamily="34" charset="0"/>
+                      </a:endParaRPr>
+                    </a:p>
+                  </a:txBody>
+                  <a:tcPr marL="68580" marR="68580" marT="0" marB="0">
+                    <a:lnL w="12700" cap="flat" cmpd="sng" algn="ctr">
+                      <a:solidFill>
+                        <a:srgbClr val="000000"/>
+                      </a:solidFill>
+                      <a:prstDash val="solid"/>
+                      <a:round/>
+                      <a:headEnd type="none" w="med" len="med"/>
+                      <a:tailEnd type="none" w="med" len="med"/>
+                    </a:lnL>
+                    <a:lnR w="12700" cap="flat" cmpd="sng" algn="ctr">
+                      <a:solidFill>
+                        <a:srgbClr val="000000"/>
+                      </a:solidFill>
+                      <a:prstDash val="solid"/>
+                      <a:round/>
+                      <a:headEnd type="none" w="med" len="med"/>
+                      <a:tailEnd type="none" w="med" len="med"/>
+                    </a:lnR>
+                    <a:lnT w="12700" cap="flat" cmpd="sng" algn="ctr">
+                      <a:solidFill>
+                        <a:srgbClr val="000000"/>
+                      </a:solidFill>
+                      <a:prstDash val="solid"/>
+                      <a:round/>
+                      <a:headEnd type="none" w="med" len="med"/>
+                      <a:tailEnd type="none" w="med" len="med"/>
+                    </a:lnT>
+                    <a:lnB w="12700" cap="flat" cmpd="sng" algn="ctr">
+                      <a:solidFill>
+                        <a:srgbClr val="000000"/>
+                      </a:solidFill>
+                      <a:prstDash val="solid"/>
+                      <a:round/>
+                      <a:headEnd type="none" w="med" len="med"/>
+                      <a:tailEnd type="none" w="med" len="med"/>
+                    </a:lnB>
+                  </a:tcPr>
+                </a:tc>
+                <a:extLst>
+                  <a:ext uri="{0D108BD9-81ED-4DB2-BD59-A6C34878D82A}">
+                    <a16:rowId xmlns:a16="http://schemas.microsoft.com/office/drawing/2014/main" val="2147282253"/>
+                  </a:ext>
+                </a:extLst>
+              </a:tr>
+              <a:tr h="195290">
+                <a:tc>
+                  <a:txBody>
+                    <a:bodyPr/>
+                    <a:lstStyle/>
+                    <a:p>
+                      <a:pPr marL="0" marR="0" algn="ctr">
+                        <a:lnSpc>
+                          <a:spcPct val="115000"/>
+                        </a:lnSpc>
+                        <a:spcBef>
+                          <a:spcPts val="0"/>
+                        </a:spcBef>
+                        <a:spcAft>
+                          <a:spcPts val="0"/>
+                        </a:spcAft>
+                      </a:pPr>
+                      <a:r>
+                        <a:rPr lang="en-US" sz="1100">
+                          <a:effectLst/>
+                          <a:latin typeface="Calibri" panose="020F0502020204030204" pitchFamily="34" charset="0"/>
+                          <a:ea typeface="Calibri" panose="020F0502020204030204" pitchFamily="34" charset="0"/>
+                          <a:cs typeface="Calibri" panose="020F0502020204030204" pitchFamily="34" charset="0"/>
+                        </a:rPr>
+                        <a:t>5</a:t>
+                      </a:r>
+                      <a:endParaRPr lang="en-US" sz="1100">
+                        <a:effectLst/>
+                        <a:latin typeface="Arial" panose="020B0604020202020204" pitchFamily="34" charset="0"/>
+                        <a:ea typeface="Arial" panose="020B0604020202020204" pitchFamily="34" charset="0"/>
+                      </a:endParaRPr>
+                    </a:p>
+                  </a:txBody>
+                  <a:tcPr marL="68580" marR="68580" marT="0" marB="0">
+                    <a:lnL w="12700" cap="flat" cmpd="sng" algn="ctr">
+                      <a:solidFill>
+                        <a:srgbClr val="000000"/>
+                      </a:solidFill>
+                      <a:prstDash val="solid"/>
+                      <a:round/>
+                      <a:headEnd type="none" w="med" len="med"/>
+                      <a:tailEnd type="none" w="med" len="med"/>
+                    </a:lnL>
+                    <a:lnR w="12700" cap="flat" cmpd="sng" algn="ctr">
+                      <a:solidFill>
+                        <a:srgbClr val="000000"/>
+                      </a:solidFill>
+                      <a:prstDash val="solid"/>
+                      <a:round/>
+                      <a:headEnd type="none" w="med" len="med"/>
+                      <a:tailEnd type="none" w="med" len="med"/>
+                    </a:lnR>
+                    <a:lnT w="12700" cap="flat" cmpd="sng" algn="ctr">
+                      <a:solidFill>
+                        <a:srgbClr val="000000"/>
+                      </a:solidFill>
+                      <a:prstDash val="solid"/>
+                      <a:round/>
+                      <a:headEnd type="none" w="med" len="med"/>
+                      <a:tailEnd type="none" w="med" len="med"/>
+                    </a:lnT>
+                    <a:lnB w="12700" cap="flat" cmpd="sng" algn="ctr">
+                      <a:solidFill>
+                        <a:srgbClr val="000000"/>
+                      </a:solidFill>
+                      <a:prstDash val="solid"/>
+                      <a:round/>
+                      <a:headEnd type="none" w="med" len="med"/>
+                      <a:tailEnd type="none" w="med" len="med"/>
+                    </a:lnB>
+                  </a:tcPr>
+                </a:tc>
+                <a:tc>
+                  <a:txBody>
+                    <a:bodyPr/>
+                    <a:lstStyle/>
+                    <a:p>
+                      <a:pPr marL="0" marR="0" algn="ctr">
+                        <a:lnSpc>
+                          <a:spcPct val="115000"/>
+                        </a:lnSpc>
+                        <a:spcBef>
+                          <a:spcPts val="0"/>
+                        </a:spcBef>
+                        <a:spcAft>
+                          <a:spcPts val="0"/>
+                        </a:spcAft>
+                      </a:pPr>
+                      <a:r>
+                        <a:rPr lang="en-US" sz="1100">
+                          <a:effectLst/>
+                          <a:latin typeface="Calibri" panose="020F0502020204030204" pitchFamily="34" charset="0"/>
+                          <a:ea typeface="Calibri" panose="020F0502020204030204" pitchFamily="34" charset="0"/>
+                          <a:cs typeface="Calibri" panose="020F0502020204030204" pitchFamily="34" charset="0"/>
+                        </a:rPr>
+                        <a:t>Categorical Indicator for studio apartment (Yes)</a:t>
+                      </a:r>
+                      <a:endParaRPr lang="en-US" sz="1100">
+                        <a:effectLst/>
+                        <a:latin typeface="Arial" panose="020B0604020202020204" pitchFamily="34" charset="0"/>
+                        <a:ea typeface="Arial" panose="020B0604020202020204" pitchFamily="34" charset="0"/>
+                      </a:endParaRPr>
+                    </a:p>
+                  </a:txBody>
+                  <a:tcPr marL="68580" marR="68580" marT="0" marB="0">
+                    <a:lnL w="12700" cap="flat" cmpd="sng" algn="ctr">
+                      <a:solidFill>
+                        <a:srgbClr val="000000"/>
+                      </a:solidFill>
+                      <a:prstDash val="solid"/>
+                      <a:round/>
+                      <a:headEnd type="none" w="med" len="med"/>
+                      <a:tailEnd type="none" w="med" len="med"/>
+                    </a:lnL>
+                    <a:lnR w="12700" cap="flat" cmpd="sng" algn="ctr">
+                      <a:solidFill>
+                        <a:srgbClr val="000000"/>
+                      </a:solidFill>
+                      <a:prstDash val="solid"/>
+                      <a:round/>
+                      <a:headEnd type="none" w="med" len="med"/>
+                      <a:tailEnd type="none" w="med" len="med"/>
+                    </a:lnR>
+                    <a:lnT w="12700" cap="flat" cmpd="sng" algn="ctr">
+                      <a:solidFill>
+                        <a:srgbClr val="000000"/>
+                      </a:solidFill>
+                      <a:prstDash val="solid"/>
+                      <a:round/>
+                      <a:headEnd type="none" w="med" len="med"/>
+                      <a:tailEnd type="none" w="med" len="med"/>
+                    </a:lnT>
+                    <a:lnB w="12700" cap="flat" cmpd="sng" algn="ctr">
+                      <a:solidFill>
+                        <a:srgbClr val="000000"/>
+                      </a:solidFill>
+                      <a:prstDash val="solid"/>
+                      <a:round/>
+                      <a:headEnd type="none" w="med" len="med"/>
+                      <a:tailEnd type="none" w="med" len="med"/>
+                    </a:lnB>
+                  </a:tcPr>
+                </a:tc>
+                <a:extLst>
+                  <a:ext uri="{0D108BD9-81ED-4DB2-BD59-A6C34878D82A}">
+                    <a16:rowId xmlns:a16="http://schemas.microsoft.com/office/drawing/2014/main" val="2365207954"/>
+                  </a:ext>
+                </a:extLst>
+              </a:tr>
+              <a:tr h="195290">
+                <a:tc>
+                  <a:txBody>
+                    <a:bodyPr/>
+                    <a:lstStyle/>
+                    <a:p>
+                      <a:pPr marL="0" marR="0" algn="ctr">
+                        <a:lnSpc>
+                          <a:spcPct val="115000"/>
+                        </a:lnSpc>
+                        <a:spcBef>
+                          <a:spcPts val="0"/>
+                        </a:spcBef>
+                        <a:spcAft>
+                          <a:spcPts val="0"/>
+                        </a:spcAft>
+                      </a:pPr>
+                      <a:r>
+                        <a:rPr lang="en-US" sz="1100">
+                          <a:effectLst/>
+                          <a:latin typeface="Calibri" panose="020F0502020204030204" pitchFamily="34" charset="0"/>
+                          <a:ea typeface="Calibri" panose="020F0502020204030204" pitchFamily="34" charset="0"/>
+                          <a:cs typeface="Calibri" panose="020F0502020204030204" pitchFamily="34" charset="0"/>
+                        </a:rPr>
+                        <a:t>6</a:t>
+                      </a:r>
+                      <a:endParaRPr lang="en-US" sz="1100">
+                        <a:effectLst/>
+                        <a:latin typeface="Arial" panose="020B0604020202020204" pitchFamily="34" charset="0"/>
+                        <a:ea typeface="Arial" panose="020B0604020202020204" pitchFamily="34" charset="0"/>
+                      </a:endParaRPr>
+                    </a:p>
+                  </a:txBody>
+                  <a:tcPr marL="68580" marR="68580" marT="0" marB="0">
+                    <a:lnL w="12700" cap="flat" cmpd="sng" algn="ctr">
+                      <a:solidFill>
+                        <a:srgbClr val="000000"/>
+                      </a:solidFill>
+                      <a:prstDash val="solid"/>
+                      <a:round/>
+                      <a:headEnd type="none" w="med" len="med"/>
+                      <a:tailEnd type="none" w="med" len="med"/>
+                    </a:lnL>
+                    <a:lnR w="12700" cap="flat" cmpd="sng" algn="ctr">
+                      <a:solidFill>
+                        <a:srgbClr val="000000"/>
+                      </a:solidFill>
+                      <a:prstDash val="solid"/>
+                      <a:round/>
+                      <a:headEnd type="none" w="med" len="med"/>
+                      <a:tailEnd type="none" w="med" len="med"/>
+                    </a:lnR>
+                    <a:lnT w="12700" cap="flat" cmpd="sng" algn="ctr">
+                      <a:solidFill>
+                        <a:srgbClr val="000000"/>
+                      </a:solidFill>
+                      <a:prstDash val="solid"/>
+                      <a:round/>
+                      <a:headEnd type="none" w="med" len="med"/>
+                      <a:tailEnd type="none" w="med" len="med"/>
+                    </a:lnT>
+                    <a:lnB w="12700" cap="flat" cmpd="sng" algn="ctr">
+                      <a:solidFill>
+                        <a:srgbClr val="000000"/>
+                      </a:solidFill>
+                      <a:prstDash val="solid"/>
+                      <a:round/>
+                      <a:headEnd type="none" w="med" len="med"/>
+                      <a:tailEnd type="none" w="med" len="med"/>
+                    </a:lnB>
+                  </a:tcPr>
+                </a:tc>
+                <a:tc>
+                  <a:txBody>
+                    <a:bodyPr/>
+                    <a:lstStyle/>
+                    <a:p>
+                      <a:pPr marL="0" marR="0" algn="ctr">
+                        <a:lnSpc>
+                          <a:spcPct val="115000"/>
+                        </a:lnSpc>
+                        <a:spcBef>
+                          <a:spcPts val="0"/>
+                        </a:spcBef>
+                        <a:spcAft>
+                          <a:spcPts val="0"/>
+                        </a:spcAft>
+                      </a:pPr>
+                      <a:r>
+                        <a:rPr lang="en-US" sz="1100">
+                          <a:effectLst/>
+                          <a:latin typeface="Calibri" panose="020F0502020204030204" pitchFamily="34" charset="0"/>
+                          <a:ea typeface="Calibri" panose="020F0502020204030204" pitchFamily="34" charset="0"/>
+                          <a:cs typeface="Calibri" panose="020F0502020204030204" pitchFamily="34" charset="0"/>
+                        </a:rPr>
+                        <a:t>Indicator for household built between 2010 -2015</a:t>
+                      </a:r>
+                      <a:endParaRPr lang="en-US" sz="1100">
+                        <a:effectLst/>
+                        <a:latin typeface="Arial" panose="020B0604020202020204" pitchFamily="34" charset="0"/>
+                        <a:ea typeface="Arial" panose="020B0604020202020204" pitchFamily="34" charset="0"/>
+                      </a:endParaRPr>
+                    </a:p>
+                  </a:txBody>
+                  <a:tcPr marL="68580" marR="68580" marT="0" marB="0">
+                    <a:lnL w="12700" cap="flat" cmpd="sng" algn="ctr">
+                      <a:solidFill>
+                        <a:srgbClr val="000000"/>
+                      </a:solidFill>
+                      <a:prstDash val="solid"/>
+                      <a:round/>
+                      <a:headEnd type="none" w="med" len="med"/>
+                      <a:tailEnd type="none" w="med" len="med"/>
+                    </a:lnL>
+                    <a:lnR w="12700" cap="flat" cmpd="sng" algn="ctr">
+                      <a:solidFill>
+                        <a:srgbClr val="000000"/>
+                      </a:solidFill>
+                      <a:prstDash val="solid"/>
+                      <a:round/>
+                      <a:headEnd type="none" w="med" len="med"/>
+                      <a:tailEnd type="none" w="med" len="med"/>
+                    </a:lnR>
+                    <a:lnT w="12700" cap="flat" cmpd="sng" algn="ctr">
+                      <a:solidFill>
+                        <a:srgbClr val="000000"/>
+                      </a:solidFill>
+                      <a:prstDash val="solid"/>
+                      <a:round/>
+                      <a:headEnd type="none" w="med" len="med"/>
+                      <a:tailEnd type="none" w="med" len="med"/>
+                    </a:lnT>
+                    <a:lnB w="12700" cap="flat" cmpd="sng" algn="ctr">
+                      <a:solidFill>
+                        <a:srgbClr val="000000"/>
+                      </a:solidFill>
+                      <a:prstDash val="solid"/>
+                      <a:round/>
+                      <a:headEnd type="none" w="med" len="med"/>
+                      <a:tailEnd type="none" w="med" len="med"/>
+                    </a:lnB>
+                  </a:tcPr>
+                </a:tc>
+                <a:extLst>
+                  <a:ext uri="{0D108BD9-81ED-4DB2-BD59-A6C34878D82A}">
+                    <a16:rowId xmlns:a16="http://schemas.microsoft.com/office/drawing/2014/main" val="2008247515"/>
+                  </a:ext>
+                </a:extLst>
+              </a:tr>
+              <a:tr h="195290">
+                <a:tc>
+                  <a:txBody>
+                    <a:bodyPr/>
+                    <a:lstStyle/>
+                    <a:p>
+                      <a:pPr marL="0" marR="0" algn="ctr">
+                        <a:lnSpc>
+                          <a:spcPct val="115000"/>
+                        </a:lnSpc>
+                        <a:spcBef>
+                          <a:spcPts val="0"/>
+                        </a:spcBef>
+                        <a:spcAft>
+                          <a:spcPts val="0"/>
+                        </a:spcAft>
+                      </a:pPr>
+                      <a:r>
+                        <a:rPr lang="en-US" sz="1100">
+                          <a:effectLst/>
+                          <a:latin typeface="Calibri" panose="020F0502020204030204" pitchFamily="34" charset="0"/>
+                          <a:ea typeface="Calibri" panose="020F0502020204030204" pitchFamily="34" charset="0"/>
+                          <a:cs typeface="Calibri" panose="020F0502020204030204" pitchFamily="34" charset="0"/>
+                        </a:rPr>
+                        <a:t>7</a:t>
+                      </a:r>
+                      <a:endParaRPr lang="en-US" sz="1100">
+                        <a:effectLst/>
+                        <a:latin typeface="Arial" panose="020B0604020202020204" pitchFamily="34" charset="0"/>
+                        <a:ea typeface="Arial" panose="020B0604020202020204" pitchFamily="34" charset="0"/>
+                      </a:endParaRPr>
+                    </a:p>
+                  </a:txBody>
+                  <a:tcPr marL="68580" marR="68580" marT="0" marB="0">
+                    <a:lnL w="12700" cap="flat" cmpd="sng" algn="ctr">
+                      <a:solidFill>
+                        <a:srgbClr val="000000"/>
+                      </a:solidFill>
+                      <a:prstDash val="solid"/>
+                      <a:round/>
+                      <a:headEnd type="none" w="med" len="med"/>
+                      <a:tailEnd type="none" w="med" len="med"/>
+                    </a:lnL>
+                    <a:lnR w="12700" cap="flat" cmpd="sng" algn="ctr">
+                      <a:solidFill>
+                        <a:srgbClr val="000000"/>
+                      </a:solidFill>
+                      <a:prstDash val="solid"/>
+                      <a:round/>
+                      <a:headEnd type="none" w="med" len="med"/>
+                      <a:tailEnd type="none" w="med" len="med"/>
+                    </a:lnR>
+                    <a:lnT w="12700" cap="flat" cmpd="sng" algn="ctr">
+                      <a:solidFill>
+                        <a:srgbClr val="000000"/>
+                      </a:solidFill>
+                      <a:prstDash val="solid"/>
+                      <a:round/>
+                      <a:headEnd type="none" w="med" len="med"/>
+                      <a:tailEnd type="none" w="med" len="med"/>
+                    </a:lnT>
+                    <a:lnB w="12700" cap="flat" cmpd="sng" algn="ctr">
+                      <a:solidFill>
+                        <a:srgbClr val="000000"/>
+                      </a:solidFill>
+                      <a:prstDash val="solid"/>
+                      <a:round/>
+                      <a:headEnd type="none" w="med" len="med"/>
+                      <a:tailEnd type="none" w="med" len="med"/>
+                    </a:lnB>
+                  </a:tcPr>
+                </a:tc>
+                <a:tc>
+                  <a:txBody>
+                    <a:bodyPr/>
+                    <a:lstStyle/>
+                    <a:p>
+                      <a:pPr marL="0" marR="0" algn="ctr">
+                        <a:lnSpc>
+                          <a:spcPct val="115000"/>
+                        </a:lnSpc>
+                        <a:spcBef>
+                          <a:spcPts val="0"/>
+                        </a:spcBef>
+                        <a:spcAft>
+                          <a:spcPts val="0"/>
+                        </a:spcAft>
+                      </a:pPr>
+                      <a:r>
+                        <a:rPr lang="en-US" sz="1100">
+                          <a:effectLst/>
+                          <a:latin typeface="Calibri" panose="020F0502020204030204" pitchFamily="34" charset="0"/>
+                          <a:ea typeface="Calibri" panose="020F0502020204030204" pitchFamily="34" charset="0"/>
+                          <a:cs typeface="Calibri" panose="020F0502020204030204" pitchFamily="34" charset="0"/>
+                        </a:rPr>
+                        <a:t>Indicator for electricity used for water heating</a:t>
+                      </a:r>
+                      <a:endParaRPr lang="en-US" sz="1100">
+                        <a:effectLst/>
+                        <a:latin typeface="Arial" panose="020B0604020202020204" pitchFamily="34" charset="0"/>
+                        <a:ea typeface="Arial" panose="020B0604020202020204" pitchFamily="34" charset="0"/>
+                      </a:endParaRPr>
+                    </a:p>
+                  </a:txBody>
+                  <a:tcPr marL="68580" marR="68580" marT="0" marB="0">
+                    <a:lnL w="12700" cap="flat" cmpd="sng" algn="ctr">
+                      <a:solidFill>
+                        <a:srgbClr val="000000"/>
+                      </a:solidFill>
+                      <a:prstDash val="solid"/>
+                      <a:round/>
+                      <a:headEnd type="none" w="med" len="med"/>
+                      <a:tailEnd type="none" w="med" len="med"/>
+                    </a:lnL>
+                    <a:lnR w="12700" cap="flat" cmpd="sng" algn="ctr">
+                      <a:solidFill>
+                        <a:srgbClr val="000000"/>
+                      </a:solidFill>
+                      <a:prstDash val="solid"/>
+                      <a:round/>
+                      <a:headEnd type="none" w="med" len="med"/>
+                      <a:tailEnd type="none" w="med" len="med"/>
+                    </a:lnR>
+                    <a:lnT w="12700" cap="flat" cmpd="sng" algn="ctr">
+                      <a:solidFill>
+                        <a:srgbClr val="000000"/>
+                      </a:solidFill>
+                      <a:prstDash val="solid"/>
+                      <a:round/>
+                      <a:headEnd type="none" w="med" len="med"/>
+                      <a:tailEnd type="none" w="med" len="med"/>
+                    </a:lnT>
+                    <a:lnB w="12700" cap="flat" cmpd="sng" algn="ctr">
+                      <a:solidFill>
+                        <a:srgbClr val="000000"/>
+                      </a:solidFill>
+                      <a:prstDash val="solid"/>
+                      <a:round/>
+                      <a:headEnd type="none" w="med" len="med"/>
+                      <a:tailEnd type="none" w="med" len="med"/>
+                    </a:lnB>
+                  </a:tcPr>
+                </a:tc>
+                <a:extLst>
+                  <a:ext uri="{0D108BD9-81ED-4DB2-BD59-A6C34878D82A}">
+                    <a16:rowId xmlns:a16="http://schemas.microsoft.com/office/drawing/2014/main" val="1501360550"/>
+                  </a:ext>
+                </a:extLst>
+              </a:tr>
+              <a:tr h="195290">
+                <a:tc>
+                  <a:txBody>
+                    <a:bodyPr/>
+                    <a:lstStyle/>
+                    <a:p>
+                      <a:pPr marL="0" marR="0" algn="ctr">
+                        <a:lnSpc>
+                          <a:spcPct val="115000"/>
+                        </a:lnSpc>
+                        <a:spcBef>
+                          <a:spcPts val="0"/>
+                        </a:spcBef>
+                        <a:spcAft>
+                          <a:spcPts val="0"/>
+                        </a:spcAft>
+                      </a:pPr>
+                      <a:r>
+                        <a:rPr lang="en-US" sz="1100">
+                          <a:effectLst/>
+                          <a:latin typeface="Calibri" panose="020F0502020204030204" pitchFamily="34" charset="0"/>
+                          <a:ea typeface="Calibri" panose="020F0502020204030204" pitchFamily="34" charset="0"/>
+                          <a:cs typeface="Calibri" panose="020F0502020204030204" pitchFamily="34" charset="0"/>
+                        </a:rPr>
+                        <a:t>8</a:t>
+                      </a:r>
+                      <a:endParaRPr lang="en-US" sz="1100">
+                        <a:effectLst/>
+                        <a:latin typeface="Arial" panose="020B0604020202020204" pitchFamily="34" charset="0"/>
+                        <a:ea typeface="Arial" panose="020B0604020202020204" pitchFamily="34" charset="0"/>
+                      </a:endParaRPr>
+                    </a:p>
+                  </a:txBody>
+                  <a:tcPr marL="68580" marR="68580" marT="0" marB="0">
+                    <a:lnL w="12700" cap="flat" cmpd="sng" algn="ctr">
+                      <a:solidFill>
+                        <a:srgbClr val="000000"/>
+                      </a:solidFill>
+                      <a:prstDash val="solid"/>
+                      <a:round/>
+                      <a:headEnd type="none" w="med" len="med"/>
+                      <a:tailEnd type="none" w="med" len="med"/>
+                    </a:lnL>
+                    <a:lnR w="12700" cap="flat" cmpd="sng" algn="ctr">
+                      <a:solidFill>
+                        <a:srgbClr val="000000"/>
+                      </a:solidFill>
+                      <a:prstDash val="solid"/>
+                      <a:round/>
+                      <a:headEnd type="none" w="med" len="med"/>
+                      <a:tailEnd type="none" w="med" len="med"/>
+                    </a:lnR>
+                    <a:lnT w="12700" cap="flat" cmpd="sng" algn="ctr">
+                      <a:solidFill>
+                        <a:srgbClr val="000000"/>
+                      </a:solidFill>
+                      <a:prstDash val="solid"/>
+                      <a:round/>
+                      <a:headEnd type="none" w="med" len="med"/>
+                      <a:tailEnd type="none" w="med" len="med"/>
+                    </a:lnT>
+                    <a:lnB w="12700" cap="flat" cmpd="sng" algn="ctr">
+                      <a:solidFill>
+                        <a:srgbClr val="000000"/>
+                      </a:solidFill>
+                      <a:prstDash val="solid"/>
+                      <a:round/>
+                      <a:headEnd type="none" w="med" len="med"/>
+                      <a:tailEnd type="none" w="med" len="med"/>
+                    </a:lnB>
+                  </a:tcPr>
+                </a:tc>
+                <a:tc>
+                  <a:txBody>
+                    <a:bodyPr/>
+                    <a:lstStyle/>
+                    <a:p>
+                      <a:pPr marL="0" marR="0" algn="ctr">
+                        <a:lnSpc>
+                          <a:spcPct val="115000"/>
+                        </a:lnSpc>
+                        <a:spcBef>
+                          <a:spcPts val="0"/>
+                        </a:spcBef>
+                        <a:spcAft>
+                          <a:spcPts val="0"/>
+                        </a:spcAft>
+                      </a:pPr>
+                      <a:r>
+                        <a:rPr lang="en-US" sz="1100">
+                          <a:effectLst/>
+                          <a:latin typeface="Calibri" panose="020F0502020204030204" pitchFamily="34" charset="0"/>
+                          <a:ea typeface="Calibri" panose="020F0502020204030204" pitchFamily="34" charset="0"/>
+                          <a:cs typeface="Calibri" panose="020F0502020204030204" pitchFamily="34" charset="0"/>
+                        </a:rPr>
+                        <a:t>Indicator for water heater in apartment</a:t>
+                      </a:r>
+                      <a:endParaRPr lang="en-US" sz="1100">
+                        <a:effectLst/>
+                        <a:latin typeface="Arial" panose="020B0604020202020204" pitchFamily="34" charset="0"/>
+                        <a:ea typeface="Arial" panose="020B0604020202020204" pitchFamily="34" charset="0"/>
+                      </a:endParaRPr>
+                    </a:p>
+                  </a:txBody>
+                  <a:tcPr marL="68580" marR="68580" marT="0" marB="0">
+                    <a:lnL w="12700" cap="flat" cmpd="sng" algn="ctr">
+                      <a:solidFill>
+                        <a:srgbClr val="000000"/>
+                      </a:solidFill>
+                      <a:prstDash val="solid"/>
+                      <a:round/>
+                      <a:headEnd type="none" w="med" len="med"/>
+                      <a:tailEnd type="none" w="med" len="med"/>
+                    </a:lnL>
+                    <a:lnR w="12700" cap="flat" cmpd="sng" algn="ctr">
+                      <a:solidFill>
+                        <a:srgbClr val="000000"/>
+                      </a:solidFill>
+                      <a:prstDash val="solid"/>
+                      <a:round/>
+                      <a:headEnd type="none" w="med" len="med"/>
+                      <a:tailEnd type="none" w="med" len="med"/>
+                    </a:lnR>
+                    <a:lnT w="12700" cap="flat" cmpd="sng" algn="ctr">
+                      <a:solidFill>
+                        <a:srgbClr val="000000"/>
+                      </a:solidFill>
+                      <a:prstDash val="solid"/>
+                      <a:round/>
+                      <a:headEnd type="none" w="med" len="med"/>
+                      <a:tailEnd type="none" w="med" len="med"/>
+                    </a:lnT>
+                    <a:lnB w="12700" cap="flat" cmpd="sng" algn="ctr">
+                      <a:solidFill>
+                        <a:srgbClr val="000000"/>
+                      </a:solidFill>
+                      <a:prstDash val="solid"/>
+                      <a:round/>
+                      <a:headEnd type="none" w="med" len="med"/>
+                      <a:tailEnd type="none" w="med" len="med"/>
+                    </a:lnB>
+                  </a:tcPr>
+                </a:tc>
+                <a:extLst>
+                  <a:ext uri="{0D108BD9-81ED-4DB2-BD59-A6C34878D82A}">
+                    <a16:rowId xmlns:a16="http://schemas.microsoft.com/office/drawing/2014/main" val="4258993969"/>
+                  </a:ext>
+                </a:extLst>
+              </a:tr>
+              <a:tr h="195290">
+                <a:tc>
+                  <a:txBody>
+                    <a:bodyPr/>
+                    <a:lstStyle/>
+                    <a:p>
+                      <a:pPr marL="0" marR="0" algn="ctr">
+                        <a:lnSpc>
+                          <a:spcPct val="115000"/>
+                        </a:lnSpc>
+                        <a:spcBef>
+                          <a:spcPts val="0"/>
+                        </a:spcBef>
+                        <a:spcAft>
+                          <a:spcPts val="0"/>
+                        </a:spcAft>
+                      </a:pPr>
+                      <a:r>
+                        <a:rPr lang="en-US" sz="1100">
+                          <a:effectLst/>
+                          <a:latin typeface="Calibri" panose="020F0502020204030204" pitchFamily="34" charset="0"/>
+                          <a:ea typeface="Calibri" panose="020F0502020204030204" pitchFamily="34" charset="0"/>
+                          <a:cs typeface="Calibri" panose="020F0502020204030204" pitchFamily="34" charset="0"/>
+                        </a:rPr>
+                        <a:t>9</a:t>
+                      </a:r>
+                      <a:endParaRPr lang="en-US" sz="1100">
+                        <a:effectLst/>
+                        <a:latin typeface="Arial" panose="020B0604020202020204" pitchFamily="34" charset="0"/>
+                        <a:ea typeface="Arial" panose="020B0604020202020204" pitchFamily="34" charset="0"/>
+                      </a:endParaRPr>
+                    </a:p>
+                  </a:txBody>
+                  <a:tcPr marL="68580" marR="68580" marT="0" marB="0">
+                    <a:lnL w="12700" cap="flat" cmpd="sng" algn="ctr">
+                      <a:solidFill>
+                        <a:srgbClr val="000000"/>
+                      </a:solidFill>
+                      <a:prstDash val="solid"/>
+                      <a:round/>
+                      <a:headEnd type="none" w="med" len="med"/>
+                      <a:tailEnd type="none" w="med" len="med"/>
+                    </a:lnL>
+                    <a:lnR w="12700" cap="flat" cmpd="sng" algn="ctr">
+                      <a:solidFill>
+                        <a:srgbClr val="000000"/>
+                      </a:solidFill>
+                      <a:prstDash val="solid"/>
+                      <a:round/>
+                      <a:headEnd type="none" w="med" len="med"/>
+                      <a:tailEnd type="none" w="med" len="med"/>
+                    </a:lnR>
+                    <a:lnT w="12700" cap="flat" cmpd="sng" algn="ctr">
+                      <a:solidFill>
+                        <a:srgbClr val="000000"/>
+                      </a:solidFill>
+                      <a:prstDash val="solid"/>
+                      <a:round/>
+                      <a:headEnd type="none" w="med" len="med"/>
+                      <a:tailEnd type="none" w="med" len="med"/>
+                    </a:lnT>
+                    <a:lnB w="12700" cap="flat" cmpd="sng" algn="ctr">
+                      <a:solidFill>
+                        <a:srgbClr val="000000"/>
+                      </a:solidFill>
+                      <a:prstDash val="solid"/>
+                      <a:round/>
+                      <a:headEnd type="none" w="med" len="med"/>
+                      <a:tailEnd type="none" w="med" len="med"/>
+                    </a:lnB>
+                  </a:tcPr>
+                </a:tc>
+                <a:tc>
+                  <a:txBody>
+                    <a:bodyPr/>
+                    <a:lstStyle/>
+                    <a:p>
+                      <a:pPr marL="0" marR="0" algn="ctr">
+                        <a:lnSpc>
+                          <a:spcPct val="115000"/>
+                        </a:lnSpc>
+                        <a:spcBef>
+                          <a:spcPts val="0"/>
+                        </a:spcBef>
+                        <a:spcAft>
+                          <a:spcPts val="0"/>
+                        </a:spcAft>
+                      </a:pPr>
+                      <a:r>
+                        <a:rPr lang="en-US" sz="1100">
+                          <a:effectLst/>
+                          <a:latin typeface="Calibri" panose="020F0502020204030204" pitchFamily="34" charset="0"/>
+                          <a:ea typeface="Calibri" panose="020F0502020204030204" pitchFamily="34" charset="0"/>
+                          <a:cs typeface="Calibri" panose="020F0502020204030204" pitchFamily="34" charset="0"/>
+                        </a:rPr>
+                        <a:t>Indicator for receiving assistance for energy bills</a:t>
+                      </a:r>
+                      <a:endParaRPr lang="en-US" sz="1100">
+                        <a:effectLst/>
+                        <a:latin typeface="Arial" panose="020B0604020202020204" pitchFamily="34" charset="0"/>
+                        <a:ea typeface="Arial" panose="020B0604020202020204" pitchFamily="34" charset="0"/>
+                      </a:endParaRPr>
+                    </a:p>
+                  </a:txBody>
+                  <a:tcPr marL="68580" marR="68580" marT="0" marB="0">
+                    <a:lnL w="12700" cap="flat" cmpd="sng" algn="ctr">
+                      <a:solidFill>
+                        <a:srgbClr val="000000"/>
+                      </a:solidFill>
+                      <a:prstDash val="solid"/>
+                      <a:round/>
+                      <a:headEnd type="none" w="med" len="med"/>
+                      <a:tailEnd type="none" w="med" len="med"/>
+                    </a:lnL>
+                    <a:lnR w="12700" cap="flat" cmpd="sng" algn="ctr">
+                      <a:solidFill>
+                        <a:srgbClr val="000000"/>
+                      </a:solidFill>
+                      <a:prstDash val="solid"/>
+                      <a:round/>
+                      <a:headEnd type="none" w="med" len="med"/>
+                      <a:tailEnd type="none" w="med" len="med"/>
+                    </a:lnR>
+                    <a:lnT w="12700" cap="flat" cmpd="sng" algn="ctr">
+                      <a:solidFill>
+                        <a:srgbClr val="000000"/>
+                      </a:solidFill>
+                      <a:prstDash val="solid"/>
+                      <a:round/>
+                      <a:headEnd type="none" w="med" len="med"/>
+                      <a:tailEnd type="none" w="med" len="med"/>
+                    </a:lnT>
+                    <a:lnB w="12700" cap="flat" cmpd="sng" algn="ctr">
+                      <a:solidFill>
+                        <a:srgbClr val="000000"/>
+                      </a:solidFill>
+                      <a:prstDash val="solid"/>
+                      <a:round/>
+                      <a:headEnd type="none" w="med" len="med"/>
+                      <a:tailEnd type="none" w="med" len="med"/>
+                    </a:lnB>
+                  </a:tcPr>
+                </a:tc>
+                <a:extLst>
+                  <a:ext uri="{0D108BD9-81ED-4DB2-BD59-A6C34878D82A}">
+                    <a16:rowId xmlns:a16="http://schemas.microsoft.com/office/drawing/2014/main" val="1227661532"/>
+                  </a:ext>
+                </a:extLst>
+              </a:tr>
+              <a:tr h="195290">
+                <a:tc>
+                  <a:txBody>
+                    <a:bodyPr/>
+                    <a:lstStyle/>
+                    <a:p>
+                      <a:pPr marL="0" marR="0" algn="ctr">
+                        <a:lnSpc>
+                          <a:spcPct val="115000"/>
+                        </a:lnSpc>
+                        <a:spcBef>
+                          <a:spcPts val="0"/>
+                        </a:spcBef>
+                        <a:spcAft>
+                          <a:spcPts val="0"/>
+                        </a:spcAft>
+                      </a:pPr>
+                      <a:r>
+                        <a:rPr lang="en-US" sz="1100">
+                          <a:effectLst/>
+                          <a:latin typeface="Calibri" panose="020F0502020204030204" pitchFamily="34" charset="0"/>
+                          <a:ea typeface="Calibri" panose="020F0502020204030204" pitchFamily="34" charset="0"/>
+                          <a:cs typeface="Calibri" panose="020F0502020204030204" pitchFamily="34" charset="0"/>
+                        </a:rPr>
+                        <a:t>10</a:t>
+                      </a:r>
+                      <a:endParaRPr lang="en-US" sz="1100">
+                        <a:effectLst/>
+                        <a:latin typeface="Arial" panose="020B0604020202020204" pitchFamily="34" charset="0"/>
+                        <a:ea typeface="Arial" panose="020B0604020202020204" pitchFamily="34" charset="0"/>
+                      </a:endParaRPr>
+                    </a:p>
+                  </a:txBody>
+                  <a:tcPr marL="68580" marR="68580" marT="0" marB="0">
+                    <a:lnL w="12700" cap="flat" cmpd="sng" algn="ctr">
+                      <a:solidFill>
+                        <a:srgbClr val="000000"/>
+                      </a:solidFill>
+                      <a:prstDash val="solid"/>
+                      <a:round/>
+                      <a:headEnd type="none" w="med" len="med"/>
+                      <a:tailEnd type="none" w="med" len="med"/>
+                    </a:lnL>
+                    <a:lnR w="12700" cap="flat" cmpd="sng" algn="ctr">
+                      <a:solidFill>
+                        <a:srgbClr val="000000"/>
+                      </a:solidFill>
+                      <a:prstDash val="solid"/>
+                      <a:round/>
+                      <a:headEnd type="none" w="med" len="med"/>
+                      <a:tailEnd type="none" w="med" len="med"/>
+                    </a:lnR>
+                    <a:lnT w="12700" cap="flat" cmpd="sng" algn="ctr">
+                      <a:solidFill>
+                        <a:srgbClr val="000000"/>
+                      </a:solidFill>
+                      <a:prstDash val="solid"/>
+                      <a:round/>
+                      <a:headEnd type="none" w="med" len="med"/>
+                      <a:tailEnd type="none" w="med" len="med"/>
+                    </a:lnT>
+                    <a:lnB w="12700" cap="flat" cmpd="sng" algn="ctr">
+                      <a:solidFill>
+                        <a:srgbClr val="000000"/>
+                      </a:solidFill>
+                      <a:prstDash val="solid"/>
+                      <a:round/>
+                      <a:headEnd type="none" w="med" len="med"/>
+                      <a:tailEnd type="none" w="med" len="med"/>
+                    </a:lnB>
+                  </a:tcPr>
+                </a:tc>
+                <a:tc>
+                  <a:txBody>
+                    <a:bodyPr/>
+                    <a:lstStyle/>
+                    <a:p>
+                      <a:pPr marL="0" marR="0" algn="ctr">
+                        <a:lnSpc>
+                          <a:spcPct val="115000"/>
+                        </a:lnSpc>
+                        <a:spcBef>
+                          <a:spcPts val="0"/>
+                        </a:spcBef>
+                        <a:spcAft>
+                          <a:spcPts val="0"/>
+                        </a:spcAft>
+                      </a:pPr>
+                      <a:r>
+                        <a:rPr lang="en-US" sz="1100" dirty="0">
+                          <a:effectLst/>
+                          <a:latin typeface="Calibri" panose="020F0502020204030204" pitchFamily="34" charset="0"/>
+                          <a:ea typeface="Calibri" panose="020F0502020204030204" pitchFamily="34" charset="0"/>
+                          <a:cs typeface="Calibri" panose="020F0502020204030204" pitchFamily="34" charset="0"/>
+                        </a:rPr>
+                        <a:t>Use of electricity for space heating</a:t>
+                      </a:r>
+                      <a:endParaRPr lang="en-US" sz="1100" dirty="0">
+                        <a:effectLst/>
+                        <a:latin typeface="Arial" panose="020B0604020202020204" pitchFamily="34" charset="0"/>
+                        <a:ea typeface="Arial" panose="020B0604020202020204" pitchFamily="34" charset="0"/>
+                      </a:endParaRPr>
+                    </a:p>
+                  </a:txBody>
+                  <a:tcPr marL="68580" marR="68580" marT="0" marB="0">
+                    <a:lnL w="12700" cap="flat" cmpd="sng" algn="ctr">
+                      <a:solidFill>
+                        <a:srgbClr val="000000"/>
+                      </a:solidFill>
+                      <a:prstDash val="solid"/>
+                      <a:round/>
+                      <a:headEnd type="none" w="med" len="med"/>
+                      <a:tailEnd type="none" w="med" len="med"/>
+                    </a:lnL>
+                    <a:lnR w="12700" cap="flat" cmpd="sng" algn="ctr">
+                      <a:solidFill>
+                        <a:srgbClr val="000000"/>
+                      </a:solidFill>
+                      <a:prstDash val="solid"/>
+                      <a:round/>
+                      <a:headEnd type="none" w="med" len="med"/>
+                      <a:tailEnd type="none" w="med" len="med"/>
+                    </a:lnR>
+                    <a:lnT w="12700" cap="flat" cmpd="sng" algn="ctr">
+                      <a:solidFill>
+                        <a:srgbClr val="000000"/>
+                      </a:solidFill>
+                      <a:prstDash val="solid"/>
+                      <a:round/>
+                      <a:headEnd type="none" w="med" len="med"/>
+                      <a:tailEnd type="none" w="med" len="med"/>
+                    </a:lnT>
+                    <a:lnB w="12700" cap="flat" cmpd="sng" algn="ctr">
+                      <a:solidFill>
+                        <a:srgbClr val="000000"/>
+                      </a:solidFill>
+                      <a:prstDash val="solid"/>
+                      <a:round/>
+                      <a:headEnd type="none" w="med" len="med"/>
+                      <a:tailEnd type="none" w="med" len="med"/>
+                    </a:lnB>
+                  </a:tcPr>
+                </a:tc>
+                <a:extLst>
+                  <a:ext uri="{0D108BD9-81ED-4DB2-BD59-A6C34878D82A}">
+                    <a16:rowId xmlns:a16="http://schemas.microsoft.com/office/drawing/2014/main" val="1251880512"/>
+                  </a:ext>
+                </a:extLst>
+              </a:tr>
+              <a:tr h="195290">
+                <a:tc>
+                  <a:txBody>
+                    <a:bodyPr/>
+                    <a:lstStyle/>
+                    <a:p>
+                      <a:pPr marL="0" marR="0" algn="ctr">
+                        <a:lnSpc>
+                          <a:spcPct val="115000"/>
+                        </a:lnSpc>
+                        <a:spcBef>
+                          <a:spcPts val="0"/>
+                        </a:spcBef>
+                        <a:spcAft>
+                          <a:spcPts val="0"/>
+                        </a:spcAft>
+                      </a:pPr>
+                      <a:r>
+                        <a:rPr lang="en-US" sz="1100">
+                          <a:effectLst/>
+                          <a:latin typeface="Calibri" panose="020F0502020204030204" pitchFamily="34" charset="0"/>
+                          <a:ea typeface="Calibri" panose="020F0502020204030204" pitchFamily="34" charset="0"/>
+                          <a:cs typeface="Calibri" panose="020F0502020204030204" pitchFamily="34" charset="0"/>
+                        </a:rPr>
+                        <a:t>11</a:t>
+                      </a:r>
+                      <a:endParaRPr lang="en-US" sz="1100">
+                        <a:effectLst/>
+                        <a:latin typeface="Arial" panose="020B0604020202020204" pitchFamily="34" charset="0"/>
+                        <a:ea typeface="Arial" panose="020B0604020202020204" pitchFamily="34" charset="0"/>
+                      </a:endParaRPr>
+                    </a:p>
+                  </a:txBody>
+                  <a:tcPr marL="68580" marR="68580" marT="0" marB="0">
+                    <a:lnL w="12700" cap="flat" cmpd="sng" algn="ctr">
+                      <a:solidFill>
+                        <a:srgbClr val="000000"/>
+                      </a:solidFill>
+                      <a:prstDash val="solid"/>
+                      <a:round/>
+                      <a:headEnd type="none" w="med" len="med"/>
+                      <a:tailEnd type="none" w="med" len="med"/>
+                    </a:lnL>
+                    <a:lnR w="12700" cap="flat" cmpd="sng" algn="ctr">
+                      <a:solidFill>
+                        <a:srgbClr val="000000"/>
+                      </a:solidFill>
+                      <a:prstDash val="solid"/>
+                      <a:round/>
+                      <a:headEnd type="none" w="med" len="med"/>
+                      <a:tailEnd type="none" w="med" len="med"/>
+                    </a:lnR>
+                    <a:lnT w="12700" cap="flat" cmpd="sng" algn="ctr">
+                      <a:solidFill>
+                        <a:srgbClr val="000000"/>
+                      </a:solidFill>
+                      <a:prstDash val="solid"/>
+                      <a:round/>
+                      <a:headEnd type="none" w="med" len="med"/>
+                      <a:tailEnd type="none" w="med" len="med"/>
+                    </a:lnT>
+                    <a:lnB w="12700" cap="flat" cmpd="sng" algn="ctr">
+                      <a:solidFill>
+                        <a:srgbClr val="000000"/>
+                      </a:solidFill>
+                      <a:prstDash val="solid"/>
+                      <a:round/>
+                      <a:headEnd type="none" w="med" len="med"/>
+                      <a:tailEnd type="none" w="med" len="med"/>
+                    </a:lnB>
+                  </a:tcPr>
+                </a:tc>
+                <a:tc>
+                  <a:txBody>
+                    <a:bodyPr/>
+                    <a:lstStyle/>
+                    <a:p>
+                      <a:pPr marL="0" marR="0" algn="ctr">
+                        <a:lnSpc>
+                          <a:spcPct val="115000"/>
+                        </a:lnSpc>
+                        <a:spcBef>
+                          <a:spcPts val="0"/>
+                        </a:spcBef>
+                        <a:spcAft>
+                          <a:spcPts val="0"/>
+                        </a:spcAft>
+                      </a:pPr>
+                      <a:r>
+                        <a:rPr lang="en-US" sz="1100">
+                          <a:effectLst/>
+                          <a:latin typeface="Calibri" panose="020F0502020204030204" pitchFamily="34" charset="0"/>
+                          <a:ea typeface="Calibri" panose="020F0502020204030204" pitchFamily="34" charset="0"/>
+                          <a:cs typeface="Calibri" panose="020F0502020204030204" pitchFamily="34" charset="0"/>
+                        </a:rPr>
+                        <a:t>Indicator for Energy Star refrigerator</a:t>
+                      </a:r>
+                      <a:endParaRPr lang="en-US" sz="1100">
+                        <a:effectLst/>
+                        <a:latin typeface="Arial" panose="020B0604020202020204" pitchFamily="34" charset="0"/>
+                        <a:ea typeface="Arial" panose="020B0604020202020204" pitchFamily="34" charset="0"/>
+                      </a:endParaRPr>
+                    </a:p>
+                  </a:txBody>
+                  <a:tcPr marL="68580" marR="68580" marT="0" marB="0">
+                    <a:lnL w="12700" cap="flat" cmpd="sng" algn="ctr">
+                      <a:solidFill>
+                        <a:srgbClr val="000000"/>
+                      </a:solidFill>
+                      <a:prstDash val="solid"/>
+                      <a:round/>
+                      <a:headEnd type="none" w="med" len="med"/>
+                      <a:tailEnd type="none" w="med" len="med"/>
+                    </a:lnL>
+                    <a:lnR w="12700" cap="flat" cmpd="sng" algn="ctr">
+                      <a:solidFill>
+                        <a:srgbClr val="000000"/>
+                      </a:solidFill>
+                      <a:prstDash val="solid"/>
+                      <a:round/>
+                      <a:headEnd type="none" w="med" len="med"/>
+                      <a:tailEnd type="none" w="med" len="med"/>
+                    </a:lnR>
+                    <a:lnT w="12700" cap="flat" cmpd="sng" algn="ctr">
+                      <a:solidFill>
+                        <a:srgbClr val="000000"/>
+                      </a:solidFill>
+                      <a:prstDash val="solid"/>
+                      <a:round/>
+                      <a:headEnd type="none" w="med" len="med"/>
+                      <a:tailEnd type="none" w="med" len="med"/>
+                    </a:lnT>
+                    <a:lnB w="12700" cap="flat" cmpd="sng" algn="ctr">
+                      <a:solidFill>
+                        <a:srgbClr val="000000"/>
+                      </a:solidFill>
+                      <a:prstDash val="solid"/>
+                      <a:round/>
+                      <a:headEnd type="none" w="med" len="med"/>
+                      <a:tailEnd type="none" w="med" len="med"/>
+                    </a:lnB>
+                  </a:tcPr>
+                </a:tc>
+                <a:extLst>
+                  <a:ext uri="{0D108BD9-81ED-4DB2-BD59-A6C34878D82A}">
+                    <a16:rowId xmlns:a16="http://schemas.microsoft.com/office/drawing/2014/main" val="1798760303"/>
+                  </a:ext>
+                </a:extLst>
+              </a:tr>
+              <a:tr h="195290">
+                <a:tc>
+                  <a:txBody>
+                    <a:bodyPr/>
+                    <a:lstStyle/>
+                    <a:p>
+                      <a:pPr marL="0" marR="0" algn="ctr">
+                        <a:lnSpc>
+                          <a:spcPct val="115000"/>
+                        </a:lnSpc>
+                        <a:spcBef>
+                          <a:spcPts val="0"/>
+                        </a:spcBef>
+                        <a:spcAft>
+                          <a:spcPts val="0"/>
+                        </a:spcAft>
+                      </a:pPr>
+                      <a:r>
+                        <a:rPr lang="en-US" sz="1100">
+                          <a:effectLst/>
+                          <a:latin typeface="Calibri" panose="020F0502020204030204" pitchFamily="34" charset="0"/>
+                          <a:ea typeface="Calibri" panose="020F0502020204030204" pitchFamily="34" charset="0"/>
+                          <a:cs typeface="Calibri" panose="020F0502020204030204" pitchFamily="34" charset="0"/>
+                        </a:rPr>
+                        <a:t>12</a:t>
+                      </a:r>
+                      <a:endParaRPr lang="en-US" sz="1100">
+                        <a:effectLst/>
+                        <a:latin typeface="Arial" panose="020B0604020202020204" pitchFamily="34" charset="0"/>
+                        <a:ea typeface="Arial" panose="020B0604020202020204" pitchFamily="34" charset="0"/>
+                      </a:endParaRPr>
+                    </a:p>
+                  </a:txBody>
+                  <a:tcPr marL="68580" marR="68580" marT="0" marB="0">
+                    <a:lnL w="12700" cap="flat" cmpd="sng" algn="ctr">
+                      <a:solidFill>
+                        <a:srgbClr val="000000"/>
+                      </a:solidFill>
+                      <a:prstDash val="solid"/>
+                      <a:round/>
+                      <a:headEnd type="none" w="med" len="med"/>
+                      <a:tailEnd type="none" w="med" len="med"/>
+                    </a:lnL>
+                    <a:lnR w="12700" cap="flat" cmpd="sng" algn="ctr">
+                      <a:solidFill>
+                        <a:srgbClr val="000000"/>
+                      </a:solidFill>
+                      <a:prstDash val="solid"/>
+                      <a:round/>
+                      <a:headEnd type="none" w="med" len="med"/>
+                      <a:tailEnd type="none" w="med" len="med"/>
+                    </a:lnR>
+                    <a:lnT w="12700" cap="flat" cmpd="sng" algn="ctr">
+                      <a:solidFill>
+                        <a:srgbClr val="000000"/>
+                      </a:solidFill>
+                      <a:prstDash val="solid"/>
+                      <a:round/>
+                      <a:headEnd type="none" w="med" len="med"/>
+                      <a:tailEnd type="none" w="med" len="med"/>
+                    </a:lnT>
+                    <a:lnB w="12700" cap="flat" cmpd="sng" algn="ctr">
+                      <a:solidFill>
+                        <a:srgbClr val="000000"/>
+                      </a:solidFill>
+                      <a:prstDash val="solid"/>
+                      <a:round/>
+                      <a:headEnd type="none" w="med" len="med"/>
+                      <a:tailEnd type="none" w="med" len="med"/>
+                    </a:lnB>
+                  </a:tcPr>
+                </a:tc>
+                <a:tc>
+                  <a:txBody>
+                    <a:bodyPr/>
+                    <a:lstStyle/>
+                    <a:p>
+                      <a:pPr marL="0" marR="0" algn="ctr">
+                        <a:lnSpc>
+                          <a:spcPct val="115000"/>
+                        </a:lnSpc>
+                        <a:spcBef>
+                          <a:spcPts val="0"/>
+                        </a:spcBef>
+                        <a:spcAft>
+                          <a:spcPts val="0"/>
+                        </a:spcAft>
+                      </a:pPr>
+                      <a:r>
+                        <a:rPr lang="en-US" sz="1100">
+                          <a:effectLst/>
+                          <a:latin typeface="Calibri" panose="020F0502020204030204" pitchFamily="34" charset="0"/>
+                          <a:ea typeface="Calibri" panose="020F0502020204030204" pitchFamily="34" charset="0"/>
+                          <a:cs typeface="Calibri" panose="020F0502020204030204" pitchFamily="34" charset="0"/>
+                        </a:rPr>
+                        <a:t>Indicator for swimming pool at household</a:t>
+                      </a:r>
+                      <a:endParaRPr lang="en-US" sz="1100">
+                        <a:effectLst/>
+                        <a:latin typeface="Arial" panose="020B0604020202020204" pitchFamily="34" charset="0"/>
+                        <a:ea typeface="Arial" panose="020B0604020202020204" pitchFamily="34" charset="0"/>
+                      </a:endParaRPr>
+                    </a:p>
+                  </a:txBody>
+                  <a:tcPr marL="68580" marR="68580" marT="0" marB="0">
+                    <a:lnL w="12700" cap="flat" cmpd="sng" algn="ctr">
+                      <a:solidFill>
+                        <a:srgbClr val="000000"/>
+                      </a:solidFill>
+                      <a:prstDash val="solid"/>
+                      <a:round/>
+                      <a:headEnd type="none" w="med" len="med"/>
+                      <a:tailEnd type="none" w="med" len="med"/>
+                    </a:lnL>
+                    <a:lnR w="12700" cap="flat" cmpd="sng" algn="ctr">
+                      <a:solidFill>
+                        <a:srgbClr val="000000"/>
+                      </a:solidFill>
+                      <a:prstDash val="solid"/>
+                      <a:round/>
+                      <a:headEnd type="none" w="med" len="med"/>
+                      <a:tailEnd type="none" w="med" len="med"/>
+                    </a:lnR>
+                    <a:lnT w="12700" cap="flat" cmpd="sng" algn="ctr">
+                      <a:solidFill>
+                        <a:srgbClr val="000000"/>
+                      </a:solidFill>
+                      <a:prstDash val="solid"/>
+                      <a:round/>
+                      <a:headEnd type="none" w="med" len="med"/>
+                      <a:tailEnd type="none" w="med" len="med"/>
+                    </a:lnT>
+                    <a:lnB w="12700" cap="flat" cmpd="sng" algn="ctr">
+                      <a:solidFill>
+                        <a:srgbClr val="000000"/>
+                      </a:solidFill>
+                      <a:prstDash val="solid"/>
+                      <a:round/>
+                      <a:headEnd type="none" w="med" len="med"/>
+                      <a:tailEnd type="none" w="med" len="med"/>
+                    </a:lnB>
+                  </a:tcPr>
+                </a:tc>
+                <a:extLst>
+                  <a:ext uri="{0D108BD9-81ED-4DB2-BD59-A6C34878D82A}">
+                    <a16:rowId xmlns:a16="http://schemas.microsoft.com/office/drawing/2014/main" val="1947070835"/>
+                  </a:ext>
+                </a:extLst>
+              </a:tr>
+              <a:tr h="195290">
+                <a:tc>
+                  <a:txBody>
+                    <a:bodyPr/>
+                    <a:lstStyle/>
+                    <a:p>
+                      <a:pPr marL="0" marR="0" algn="ctr">
+                        <a:lnSpc>
+                          <a:spcPct val="115000"/>
+                        </a:lnSpc>
+                        <a:spcBef>
+                          <a:spcPts val="0"/>
+                        </a:spcBef>
+                        <a:spcAft>
+                          <a:spcPts val="0"/>
+                        </a:spcAft>
+                      </a:pPr>
+                      <a:r>
+                        <a:rPr lang="en-US" sz="1100">
+                          <a:effectLst/>
+                          <a:latin typeface="Calibri" panose="020F0502020204030204" pitchFamily="34" charset="0"/>
+                          <a:ea typeface="Calibri" panose="020F0502020204030204" pitchFamily="34" charset="0"/>
+                          <a:cs typeface="Calibri" panose="020F0502020204030204" pitchFamily="34" charset="0"/>
+                        </a:rPr>
+                        <a:t>13</a:t>
+                      </a:r>
+                      <a:endParaRPr lang="en-US" sz="1100">
+                        <a:effectLst/>
+                        <a:latin typeface="Arial" panose="020B0604020202020204" pitchFamily="34" charset="0"/>
+                        <a:ea typeface="Arial" panose="020B0604020202020204" pitchFamily="34" charset="0"/>
+                      </a:endParaRPr>
+                    </a:p>
+                  </a:txBody>
+                  <a:tcPr marL="68580" marR="68580" marT="0" marB="0">
+                    <a:lnL w="12700" cap="flat" cmpd="sng" algn="ctr">
+                      <a:solidFill>
+                        <a:srgbClr val="000000"/>
+                      </a:solidFill>
+                      <a:prstDash val="solid"/>
+                      <a:round/>
+                      <a:headEnd type="none" w="med" len="med"/>
+                      <a:tailEnd type="none" w="med" len="med"/>
+                    </a:lnL>
+                    <a:lnR w="12700" cap="flat" cmpd="sng" algn="ctr">
+                      <a:solidFill>
+                        <a:srgbClr val="000000"/>
+                      </a:solidFill>
+                      <a:prstDash val="solid"/>
+                      <a:round/>
+                      <a:headEnd type="none" w="med" len="med"/>
+                      <a:tailEnd type="none" w="med" len="med"/>
+                    </a:lnR>
+                    <a:lnT w="12700" cap="flat" cmpd="sng" algn="ctr">
+                      <a:solidFill>
+                        <a:srgbClr val="000000"/>
+                      </a:solidFill>
+                      <a:prstDash val="solid"/>
+                      <a:round/>
+                      <a:headEnd type="none" w="med" len="med"/>
+                      <a:tailEnd type="none" w="med" len="med"/>
+                    </a:lnT>
+                    <a:lnB w="12700" cap="flat" cmpd="sng" algn="ctr">
+                      <a:solidFill>
+                        <a:srgbClr val="000000"/>
+                      </a:solidFill>
+                      <a:prstDash val="solid"/>
+                      <a:round/>
+                      <a:headEnd type="none" w="med" len="med"/>
+                      <a:tailEnd type="none" w="med" len="med"/>
+                    </a:lnB>
+                  </a:tcPr>
+                </a:tc>
+                <a:tc>
+                  <a:txBody>
+                    <a:bodyPr/>
+                    <a:lstStyle/>
+                    <a:p>
+                      <a:pPr marL="0" marR="0" algn="ctr">
+                        <a:lnSpc>
+                          <a:spcPct val="115000"/>
+                        </a:lnSpc>
+                        <a:spcBef>
+                          <a:spcPts val="0"/>
+                        </a:spcBef>
+                        <a:spcAft>
+                          <a:spcPts val="0"/>
+                        </a:spcAft>
+                      </a:pPr>
+                      <a:r>
+                        <a:rPr lang="en-US" sz="1100">
+                          <a:effectLst/>
+                          <a:latin typeface="Calibri" panose="020F0502020204030204" pitchFamily="34" charset="0"/>
+                          <a:ea typeface="Calibri" panose="020F0502020204030204" pitchFamily="34" charset="0"/>
+                          <a:cs typeface="Calibri" panose="020F0502020204030204" pitchFamily="34" charset="0"/>
+                        </a:rPr>
+                        <a:t>Categorical indicator for studio apartment (N)</a:t>
+                      </a:r>
+                      <a:endParaRPr lang="en-US" sz="1100">
+                        <a:effectLst/>
+                        <a:latin typeface="Arial" panose="020B0604020202020204" pitchFamily="34" charset="0"/>
+                        <a:ea typeface="Arial" panose="020B0604020202020204" pitchFamily="34" charset="0"/>
+                      </a:endParaRPr>
+                    </a:p>
+                  </a:txBody>
+                  <a:tcPr marL="68580" marR="68580" marT="0" marB="0">
+                    <a:lnL w="12700" cap="flat" cmpd="sng" algn="ctr">
+                      <a:solidFill>
+                        <a:srgbClr val="000000"/>
+                      </a:solidFill>
+                      <a:prstDash val="solid"/>
+                      <a:round/>
+                      <a:headEnd type="none" w="med" len="med"/>
+                      <a:tailEnd type="none" w="med" len="med"/>
+                    </a:lnL>
+                    <a:lnR w="12700" cap="flat" cmpd="sng" algn="ctr">
+                      <a:solidFill>
+                        <a:srgbClr val="000000"/>
+                      </a:solidFill>
+                      <a:prstDash val="solid"/>
+                      <a:round/>
+                      <a:headEnd type="none" w="med" len="med"/>
+                      <a:tailEnd type="none" w="med" len="med"/>
+                    </a:lnR>
+                    <a:lnT w="12700" cap="flat" cmpd="sng" algn="ctr">
+                      <a:solidFill>
+                        <a:srgbClr val="000000"/>
+                      </a:solidFill>
+                      <a:prstDash val="solid"/>
+                      <a:round/>
+                      <a:headEnd type="none" w="med" len="med"/>
+                      <a:tailEnd type="none" w="med" len="med"/>
+                    </a:lnT>
+                    <a:lnB w="12700" cap="flat" cmpd="sng" algn="ctr">
+                      <a:solidFill>
+                        <a:srgbClr val="000000"/>
+                      </a:solidFill>
+                      <a:prstDash val="solid"/>
+                      <a:round/>
+                      <a:headEnd type="none" w="med" len="med"/>
+                      <a:tailEnd type="none" w="med" len="med"/>
+                    </a:lnB>
+                  </a:tcPr>
+                </a:tc>
+                <a:extLst>
+                  <a:ext uri="{0D108BD9-81ED-4DB2-BD59-A6C34878D82A}">
+                    <a16:rowId xmlns:a16="http://schemas.microsoft.com/office/drawing/2014/main" val="327237175"/>
+                  </a:ext>
+                </a:extLst>
+              </a:tr>
+              <a:tr h="195290">
+                <a:tc>
+                  <a:txBody>
+                    <a:bodyPr/>
+                    <a:lstStyle/>
+                    <a:p>
+                      <a:pPr marL="0" marR="0" algn="ctr">
+                        <a:lnSpc>
+                          <a:spcPct val="115000"/>
+                        </a:lnSpc>
+                        <a:spcBef>
+                          <a:spcPts val="0"/>
+                        </a:spcBef>
+                        <a:spcAft>
+                          <a:spcPts val="0"/>
+                        </a:spcAft>
+                      </a:pPr>
+                      <a:r>
+                        <a:rPr lang="en-US" sz="1100">
+                          <a:effectLst/>
+                          <a:latin typeface="Calibri" panose="020F0502020204030204" pitchFamily="34" charset="0"/>
+                          <a:ea typeface="Calibri" panose="020F0502020204030204" pitchFamily="34" charset="0"/>
+                          <a:cs typeface="Calibri" panose="020F0502020204030204" pitchFamily="34" charset="0"/>
+                        </a:rPr>
+                        <a:t>14</a:t>
+                      </a:r>
+                      <a:endParaRPr lang="en-US" sz="1100">
+                        <a:effectLst/>
+                        <a:latin typeface="Arial" panose="020B0604020202020204" pitchFamily="34" charset="0"/>
+                        <a:ea typeface="Arial" panose="020B0604020202020204" pitchFamily="34" charset="0"/>
+                      </a:endParaRPr>
+                    </a:p>
+                  </a:txBody>
+                  <a:tcPr marL="68580" marR="68580" marT="0" marB="0">
+                    <a:lnL w="12700" cap="flat" cmpd="sng" algn="ctr">
+                      <a:solidFill>
+                        <a:srgbClr val="000000"/>
+                      </a:solidFill>
+                      <a:prstDash val="solid"/>
+                      <a:round/>
+                      <a:headEnd type="none" w="med" len="med"/>
+                      <a:tailEnd type="none" w="med" len="med"/>
+                    </a:lnL>
+                    <a:lnR w="12700" cap="flat" cmpd="sng" algn="ctr">
+                      <a:solidFill>
+                        <a:srgbClr val="000000"/>
+                      </a:solidFill>
+                      <a:prstDash val="solid"/>
+                      <a:round/>
+                      <a:headEnd type="none" w="med" len="med"/>
+                      <a:tailEnd type="none" w="med" len="med"/>
+                    </a:lnR>
+                    <a:lnT w="12700" cap="flat" cmpd="sng" algn="ctr">
+                      <a:solidFill>
+                        <a:srgbClr val="000000"/>
+                      </a:solidFill>
+                      <a:prstDash val="solid"/>
+                      <a:round/>
+                      <a:headEnd type="none" w="med" len="med"/>
+                      <a:tailEnd type="none" w="med" len="med"/>
+                    </a:lnT>
+                    <a:lnB w="12700" cap="flat" cmpd="sng" algn="ctr">
+                      <a:solidFill>
+                        <a:srgbClr val="000000"/>
+                      </a:solidFill>
+                      <a:prstDash val="solid"/>
+                      <a:round/>
+                      <a:headEnd type="none" w="med" len="med"/>
+                      <a:tailEnd type="none" w="med" len="med"/>
+                    </a:lnB>
+                  </a:tcPr>
+                </a:tc>
+                <a:tc>
+                  <a:txBody>
+                    <a:bodyPr/>
+                    <a:lstStyle/>
+                    <a:p>
+                      <a:pPr marL="0" marR="0" algn="ctr">
+                        <a:lnSpc>
+                          <a:spcPct val="115000"/>
+                        </a:lnSpc>
+                        <a:spcBef>
+                          <a:spcPts val="0"/>
+                        </a:spcBef>
+                        <a:spcAft>
+                          <a:spcPts val="0"/>
+                        </a:spcAft>
+                      </a:pPr>
+                      <a:r>
+                        <a:rPr lang="en-US" sz="1100">
+                          <a:effectLst/>
+                          <a:latin typeface="Calibri" panose="020F0502020204030204" pitchFamily="34" charset="0"/>
+                          <a:ea typeface="Calibri" panose="020F0502020204030204" pitchFamily="34" charset="0"/>
+                          <a:cs typeface="Calibri" panose="020F0502020204030204" pitchFamily="34" charset="0"/>
+                        </a:rPr>
+                        <a:t>Use of natural gas for water heating</a:t>
+                      </a:r>
+                      <a:endParaRPr lang="en-US" sz="1100">
+                        <a:effectLst/>
+                        <a:latin typeface="Arial" panose="020B0604020202020204" pitchFamily="34" charset="0"/>
+                        <a:ea typeface="Arial" panose="020B0604020202020204" pitchFamily="34" charset="0"/>
+                      </a:endParaRPr>
+                    </a:p>
+                  </a:txBody>
+                  <a:tcPr marL="68580" marR="68580" marT="0" marB="0">
+                    <a:lnL w="12700" cap="flat" cmpd="sng" algn="ctr">
+                      <a:solidFill>
+                        <a:srgbClr val="000000"/>
+                      </a:solidFill>
+                      <a:prstDash val="solid"/>
+                      <a:round/>
+                      <a:headEnd type="none" w="med" len="med"/>
+                      <a:tailEnd type="none" w="med" len="med"/>
+                    </a:lnL>
+                    <a:lnR w="12700" cap="flat" cmpd="sng" algn="ctr">
+                      <a:solidFill>
+                        <a:srgbClr val="000000"/>
+                      </a:solidFill>
+                      <a:prstDash val="solid"/>
+                      <a:round/>
+                      <a:headEnd type="none" w="med" len="med"/>
+                      <a:tailEnd type="none" w="med" len="med"/>
+                    </a:lnR>
+                    <a:lnT w="12700" cap="flat" cmpd="sng" algn="ctr">
+                      <a:solidFill>
+                        <a:srgbClr val="000000"/>
+                      </a:solidFill>
+                      <a:prstDash val="solid"/>
+                      <a:round/>
+                      <a:headEnd type="none" w="med" len="med"/>
+                      <a:tailEnd type="none" w="med" len="med"/>
+                    </a:lnT>
+                    <a:lnB w="12700" cap="flat" cmpd="sng" algn="ctr">
+                      <a:solidFill>
+                        <a:srgbClr val="000000"/>
+                      </a:solidFill>
+                      <a:prstDash val="solid"/>
+                      <a:round/>
+                      <a:headEnd type="none" w="med" len="med"/>
+                      <a:tailEnd type="none" w="med" len="med"/>
+                    </a:lnB>
+                  </a:tcPr>
+                </a:tc>
+                <a:extLst>
+                  <a:ext uri="{0D108BD9-81ED-4DB2-BD59-A6C34878D82A}">
+                    <a16:rowId xmlns:a16="http://schemas.microsoft.com/office/drawing/2014/main" val="2574125650"/>
+                  </a:ext>
+                </a:extLst>
+              </a:tr>
+              <a:tr h="195290">
+                <a:tc>
+                  <a:txBody>
+                    <a:bodyPr/>
+                    <a:lstStyle/>
+                    <a:p>
+                      <a:pPr marL="0" marR="0" algn="ctr">
+                        <a:lnSpc>
+                          <a:spcPct val="115000"/>
+                        </a:lnSpc>
+                        <a:spcBef>
+                          <a:spcPts val="0"/>
+                        </a:spcBef>
+                        <a:spcAft>
+                          <a:spcPts val="0"/>
+                        </a:spcAft>
+                      </a:pPr>
+                      <a:r>
+                        <a:rPr lang="en-US" sz="1100">
+                          <a:effectLst/>
+                          <a:latin typeface="Calibri" panose="020F0502020204030204" pitchFamily="34" charset="0"/>
+                          <a:ea typeface="Calibri" panose="020F0502020204030204" pitchFamily="34" charset="0"/>
+                          <a:cs typeface="Calibri" panose="020F0502020204030204" pitchFamily="34" charset="0"/>
+                        </a:rPr>
+                        <a:t>15</a:t>
+                      </a:r>
+                      <a:endParaRPr lang="en-US" sz="1100">
+                        <a:effectLst/>
+                        <a:latin typeface="Arial" panose="020B0604020202020204" pitchFamily="34" charset="0"/>
+                        <a:ea typeface="Arial" panose="020B0604020202020204" pitchFamily="34" charset="0"/>
+                      </a:endParaRPr>
+                    </a:p>
+                  </a:txBody>
+                  <a:tcPr marL="68580" marR="68580" marT="0" marB="0">
+                    <a:lnL w="12700" cap="flat" cmpd="sng" algn="ctr">
+                      <a:solidFill>
+                        <a:srgbClr val="000000"/>
+                      </a:solidFill>
+                      <a:prstDash val="solid"/>
+                      <a:round/>
+                      <a:headEnd type="none" w="med" len="med"/>
+                      <a:tailEnd type="none" w="med" len="med"/>
+                    </a:lnL>
+                    <a:lnR w="12700" cap="flat" cmpd="sng" algn="ctr">
+                      <a:solidFill>
+                        <a:srgbClr val="000000"/>
+                      </a:solidFill>
+                      <a:prstDash val="solid"/>
+                      <a:round/>
+                      <a:headEnd type="none" w="med" len="med"/>
+                      <a:tailEnd type="none" w="med" len="med"/>
+                    </a:lnR>
+                    <a:lnT w="12700" cap="flat" cmpd="sng" algn="ctr">
+                      <a:solidFill>
+                        <a:srgbClr val="000000"/>
+                      </a:solidFill>
+                      <a:prstDash val="solid"/>
+                      <a:round/>
+                      <a:headEnd type="none" w="med" len="med"/>
+                      <a:tailEnd type="none" w="med" len="med"/>
+                    </a:lnT>
+                    <a:lnB w="12700" cap="flat" cmpd="sng" algn="ctr">
+                      <a:solidFill>
+                        <a:srgbClr val="000000"/>
+                      </a:solidFill>
+                      <a:prstDash val="solid"/>
+                      <a:round/>
+                      <a:headEnd type="none" w="med" len="med"/>
+                      <a:tailEnd type="none" w="med" len="med"/>
+                    </a:lnB>
+                  </a:tcPr>
+                </a:tc>
+                <a:tc>
+                  <a:txBody>
+                    <a:bodyPr/>
+                    <a:lstStyle/>
+                    <a:p>
+                      <a:pPr marL="0" marR="0" algn="ctr">
+                        <a:lnSpc>
+                          <a:spcPct val="115000"/>
+                        </a:lnSpc>
+                        <a:spcBef>
+                          <a:spcPts val="0"/>
+                        </a:spcBef>
+                        <a:spcAft>
+                          <a:spcPts val="0"/>
+                        </a:spcAft>
+                      </a:pPr>
+                      <a:r>
+                        <a:rPr lang="en-US" sz="1100" dirty="0">
+                          <a:effectLst/>
+                          <a:latin typeface="Calibri" panose="020F0502020204030204" pitchFamily="34" charset="0"/>
+                          <a:ea typeface="Calibri" panose="020F0502020204030204" pitchFamily="34" charset="0"/>
+                          <a:cs typeface="Calibri" panose="020F0502020204030204" pitchFamily="34" charset="0"/>
+                        </a:rPr>
+                        <a:t>Use of built-in electricity units for main space heating</a:t>
+                      </a:r>
+                      <a:endParaRPr lang="en-US" sz="1100" dirty="0">
+                        <a:effectLst/>
+                        <a:latin typeface="Arial" panose="020B0604020202020204" pitchFamily="34" charset="0"/>
+                        <a:ea typeface="Arial" panose="020B0604020202020204" pitchFamily="34" charset="0"/>
+                      </a:endParaRPr>
+                    </a:p>
+                  </a:txBody>
+                  <a:tcPr marL="68580" marR="68580" marT="0" marB="0">
+                    <a:lnL w="12700" cap="flat" cmpd="sng" algn="ctr">
+                      <a:solidFill>
+                        <a:srgbClr val="000000"/>
+                      </a:solidFill>
+                      <a:prstDash val="solid"/>
+                      <a:round/>
+                      <a:headEnd type="none" w="med" len="med"/>
+                      <a:tailEnd type="none" w="med" len="med"/>
+                    </a:lnL>
+                    <a:lnR w="12700" cap="flat" cmpd="sng" algn="ctr">
+                      <a:solidFill>
+                        <a:srgbClr val="000000"/>
+                      </a:solidFill>
+                      <a:prstDash val="solid"/>
+                      <a:round/>
+                      <a:headEnd type="none" w="med" len="med"/>
+                      <a:tailEnd type="none" w="med" len="med"/>
+                    </a:lnR>
+                    <a:lnT w="12700" cap="flat" cmpd="sng" algn="ctr">
+                      <a:solidFill>
+                        <a:srgbClr val="000000"/>
+                      </a:solidFill>
+                      <a:prstDash val="solid"/>
+                      <a:round/>
+                      <a:headEnd type="none" w="med" len="med"/>
+                      <a:tailEnd type="none" w="med" len="med"/>
+                    </a:lnT>
+                    <a:lnB w="12700" cap="flat" cmpd="sng" algn="ctr">
+                      <a:solidFill>
+                        <a:srgbClr val="000000"/>
+                      </a:solidFill>
+                      <a:prstDash val="solid"/>
+                      <a:round/>
+                      <a:headEnd type="none" w="med" len="med"/>
+                      <a:tailEnd type="none" w="med" len="med"/>
+                    </a:lnB>
+                  </a:tcPr>
+                </a:tc>
+                <a:extLst>
+                  <a:ext uri="{0D108BD9-81ED-4DB2-BD59-A6C34878D82A}">
+                    <a16:rowId xmlns:a16="http://schemas.microsoft.com/office/drawing/2014/main" val="1520230863"/>
+                  </a:ext>
+                </a:extLst>
+              </a:tr>
+            </a:tbl>
+          </a:graphicData>
+        </a:graphic>
+      </p:graphicFrame>
+    </p:spTree>
+    <p:extLst>
+      <p:ext uri="{BB962C8B-B14F-4D97-AF65-F5344CB8AC3E}">
+        <p14:creationId xmlns:p14="http://schemas.microsoft.com/office/powerpoint/2010/main" val="2956361946"/>
+      </p:ext>
+    </p:extLst>
+  </p:cSld>
+  <p:clrMapOvr>
+    <a:masterClrMapping/>
+  </p:clrMapOvr>
+</p:sld>
+</file>
+
+<file path=ppt/slides/slide15.xml><?xml version="1.0" encoding="utf-8"?>
+<p:sld xmlns:a="http://schemas.openxmlformats.org/drawingml/2006/main" xmlns:r="http://schemas.openxmlformats.org/officeDocument/2006/relationships" xmlns:p="http://schemas.openxmlformats.org/presentationml/2006/main">
+  <p:cSld>
+    <p:spTree>
+      <p:nvGrpSpPr>
+        <p:cNvPr id="1" name=""/>
+        <p:cNvGrpSpPr/>
+        <p:nvPr/>
+      </p:nvGrpSpPr>
+      <p:grpSpPr>
+        <a:xfrm>
+          <a:off x="0" y="0"/>
+          <a:ext cx="0" cy="0"/>
+          <a:chOff x="0" y="0"/>
+          <a:chExt cx="0" cy="0"/>
+        </a:xfrm>
+      </p:grpSpPr>
+      <p:sp>
+        <p:nvSpPr>
+          <p:cNvPr id="10" name="Hexagon 9" descr="Solid dark colored hexagon in the middle of image accent">
+            <a:extLst>
+              <a:ext uri="{FF2B5EF4-FFF2-40B4-BE49-F238E27FC236}">
+                <a16:creationId xmlns:a16="http://schemas.microsoft.com/office/drawing/2014/main" id="{84367257-921F-4C31-9DD7-8B0616248FDF}"/>
+              </a:ext>
+            </a:extLst>
+          </p:cNvPr>
+          <p:cNvSpPr/>
+          <p:nvPr/>
+        </p:nvSpPr>
+        <p:spPr>
+          <a:xfrm rot="16200000">
+            <a:off x="2679702" y="2388914"/>
+            <a:ext cx="2412998" cy="2080172"/>
+          </a:xfrm>
+          <a:prstGeom prst="hexagon">
+            <a:avLst/>
+          </a:prstGeom>
+          <a:solidFill>
+            <a:schemeClr val="bg1"/>
+          </a:solidFill>
+          <a:ln>
+            <a:noFill/>
+          </a:ln>
+        </p:spPr>
+        <p:style>
+          <a:lnRef idx="2">
+            <a:schemeClr val="accent1">
+              <a:shade val="50000"/>
+            </a:schemeClr>
+          </a:lnRef>
+          <a:fillRef idx="1">
+            <a:schemeClr val="accent1"/>
+          </a:fillRef>
+          <a:effectRef idx="0">
+            <a:schemeClr val="accent1"/>
+          </a:effectRef>
+          <a:fontRef idx="minor">
+            <a:schemeClr val="lt1"/>
+          </a:fontRef>
+        </p:style>
+        <p:txBody>
+          <a:bodyPr rtlCol="0" anchor="ctr"/>
+          <a:lstStyle/>
+          <a:p>
+            <a:pPr algn="ctr"/>
+            <a:endParaRPr lang="en-US" dirty="0"/>
+          </a:p>
+        </p:txBody>
+      </p:sp>
+      <p:grpSp>
+        <p:nvGrpSpPr>
+          <p:cNvPr id="6" name="Group 5" descr="Company initials and name grouped block">
+            <a:extLst>
+              <a:ext uri="{FF2B5EF4-FFF2-40B4-BE49-F238E27FC236}">
+                <a16:creationId xmlns:a16="http://schemas.microsoft.com/office/drawing/2014/main" id="{91C1EA1C-1F3E-4109-905A-96F1DC0515BC}"/>
+              </a:ext>
+            </a:extLst>
+          </p:cNvPr>
+          <p:cNvGrpSpPr/>
+          <p:nvPr/>
+        </p:nvGrpSpPr>
+        <p:grpSpPr>
+          <a:xfrm>
+            <a:off x="2955850" y="2855631"/>
+            <a:ext cx="1881541" cy="1118752"/>
+            <a:chOff x="2955850" y="2902286"/>
+            <a:chExt cx="1881541" cy="1118752"/>
+          </a:xfrm>
+        </p:grpSpPr>
+        <p:sp>
+          <p:nvSpPr>
+            <p:cNvPr id="7" name="TextBox 6">
+              <a:extLst>
+                <a:ext uri="{FF2B5EF4-FFF2-40B4-BE49-F238E27FC236}">
+                  <a16:creationId xmlns:a16="http://schemas.microsoft.com/office/drawing/2014/main" id="{4835BE9C-E4C1-41B7-ACD8-7ABEC8DF5F24}"/>
+                </a:ext>
+              </a:extLst>
+            </p:cNvPr>
+            <p:cNvSpPr txBox="1"/>
+            <p:nvPr/>
+          </p:nvSpPr>
+          <p:spPr>
+            <a:xfrm>
+              <a:off x="3238428" y="2902286"/>
+              <a:ext cx="1295547" cy="1015663"/>
+            </a:xfrm>
+            <a:prstGeom prst="rect">
+              <a:avLst/>
+            </a:prstGeom>
+            <a:noFill/>
+          </p:spPr>
+          <p:txBody>
+            <a:bodyPr wrap="none" rtlCol="0">
+              <a:spAutoFit/>
+            </a:bodyPr>
+            <a:lstStyle/>
+            <a:p>
+              <a:r>
+                <a:rPr lang="en-US" sz="6000" b="1" dirty="0">
+                  <a:latin typeface="Arial Black" panose="020B0A04020102020204" pitchFamily="34" charset="0"/>
+                </a:rPr>
+                <a:t>FR</a:t>
+              </a:r>
+            </a:p>
+          </p:txBody>
+        </p:sp>
+        <p:sp>
+          <p:nvSpPr>
+            <p:cNvPr id="9" name="TextBox 8">
+              <a:extLst>
+                <a:ext uri="{FF2B5EF4-FFF2-40B4-BE49-F238E27FC236}">
+                  <a16:creationId xmlns:a16="http://schemas.microsoft.com/office/drawing/2014/main" id="{64052DBB-CC72-4F59-92CE-00AB25EFF3F6}"/>
+                </a:ext>
+              </a:extLst>
+            </p:cNvPr>
+            <p:cNvSpPr txBox="1"/>
+            <p:nvPr/>
+          </p:nvSpPr>
+          <p:spPr>
+            <a:xfrm>
+              <a:off x="2955850" y="3713261"/>
+              <a:ext cx="1881541" cy="307777"/>
+            </a:xfrm>
+            <a:prstGeom prst="rect">
+              <a:avLst/>
+            </a:prstGeom>
+            <a:noFill/>
+          </p:spPr>
+          <p:txBody>
+            <a:bodyPr wrap="none" rtlCol="0">
+              <a:spAutoFit/>
+            </a:bodyPr>
+            <a:lstStyle/>
+            <a:p>
+              <a:r>
+                <a:rPr lang="en-US" sz="1400" dirty="0">
+                  <a:cs typeface="Calibri Light" panose="020F0302020204030204" pitchFamily="34" charset="0"/>
+                </a:rPr>
+                <a:t>FABRIKAM RESIDENCES</a:t>
+              </a:r>
+            </a:p>
+          </p:txBody>
+        </p:sp>
+      </p:grpSp>
+      <p:sp>
+        <p:nvSpPr>
+          <p:cNvPr id="4" name="Title 3">
+            <a:extLst>
+              <a:ext uri="{FF2B5EF4-FFF2-40B4-BE49-F238E27FC236}">
+                <a16:creationId xmlns:a16="http://schemas.microsoft.com/office/drawing/2014/main" id="{291CA16A-993E-43BA-BDDC-9E427CF951B2}"/>
+              </a:ext>
+            </a:extLst>
+          </p:cNvPr>
+          <p:cNvSpPr>
+            <a:spLocks noGrp="1"/>
+          </p:cNvSpPr>
+          <p:nvPr>
+            <p:ph type="title"/>
+          </p:nvPr>
+        </p:nvSpPr>
+        <p:spPr/>
+        <p:txBody>
+          <a:bodyPr/>
+          <a:lstStyle/>
+          <a:p>
+            <a:r>
+              <a:rPr lang="en-US" dirty="0"/>
+              <a:t>Conclusion</a:t>
+            </a:r>
+            <a:endParaRPr lang="en-US" b="0" dirty="0">
+              <a:latin typeface="Calibri Light" panose="020F0302020204030204" pitchFamily="34" charset="0"/>
+            </a:endParaRPr>
+          </a:p>
+        </p:txBody>
+      </p:sp>
+      <p:pic>
+        <p:nvPicPr>
+          <p:cNvPr id="14" name="Picture Placeholder 13">
+            <a:extLst>
+              <a:ext uri="{FF2B5EF4-FFF2-40B4-BE49-F238E27FC236}">
+                <a16:creationId xmlns:a16="http://schemas.microsoft.com/office/drawing/2014/main" id="{648444B5-4BF4-944B-A57F-FD67E27203C1}"/>
+              </a:ext>
+            </a:extLst>
+          </p:cNvPr>
+          <p:cNvPicPr>
+            <a:picLocks noGrp="1" noChangeAspect="1"/>
+          </p:cNvPicPr>
+          <p:nvPr>
+            <p:ph type="pic" sz="quarter" idx="13"/>
+          </p:nvPr>
+        </p:nvPicPr>
+        <p:blipFill>
+          <a:blip r:embed="rId2"/>
+          <a:srcRect l="17668" r="17668"/>
+          <a:stretch>
+            <a:fillRect/>
+          </a:stretch>
+        </p:blipFill>
+        <p:spPr/>
+      </p:pic>
+    </p:spTree>
+    <p:extLst>
+      <p:ext uri="{BB962C8B-B14F-4D97-AF65-F5344CB8AC3E}">
+        <p14:creationId xmlns:p14="http://schemas.microsoft.com/office/powerpoint/2010/main" val="2089639072"/>
+      </p:ext>
+    </p:extLst>
+  </p:cSld>
+  <p:clrMapOvr>
+    <a:masterClrMapping/>
+  </p:clrMapOvr>
+</p:sld>
+</file>
+
+<file path=ppt/slides/slide16.xml><?xml version="1.0" encoding="utf-8"?>
+<p:sld xmlns:a="http://schemas.openxmlformats.org/drawingml/2006/main" xmlns:r="http://schemas.openxmlformats.org/officeDocument/2006/relationships" xmlns:p="http://schemas.openxmlformats.org/presentationml/2006/main">
+  <p:cSld>
+    <p:spTree>
+      <p:nvGrpSpPr>
+        <p:cNvPr id="1" name=""/>
+        <p:cNvGrpSpPr/>
+        <p:nvPr/>
+      </p:nvGrpSpPr>
+      <p:grpSpPr>
+        <a:xfrm>
+          <a:off x="0" y="0"/>
+          <a:ext cx="0" cy="0"/>
+          <a:chOff x="0" y="0"/>
+          <a:chExt cx="0" cy="0"/>
+        </a:xfrm>
+      </p:grpSpPr>
+      <p:sp>
+        <p:nvSpPr>
+          <p:cNvPr id="4" name="Title 3">
+            <a:extLst>
+              <a:ext uri="{FF2B5EF4-FFF2-40B4-BE49-F238E27FC236}">
+                <a16:creationId xmlns:a16="http://schemas.microsoft.com/office/drawing/2014/main" id="{E98DCA46-603B-4178-8707-30E192CE6B8D}"/>
+              </a:ext>
+            </a:extLst>
+          </p:cNvPr>
+          <p:cNvSpPr>
+            <a:spLocks noGrp="1"/>
+          </p:cNvSpPr>
+          <p:nvPr>
+            <p:ph type="title"/>
+          </p:nvPr>
+        </p:nvSpPr>
+        <p:spPr>
+          <a:xfrm>
+            <a:off x="518678" y="101651"/>
+            <a:ext cx="8333222" cy="809222"/>
+          </a:xfrm>
+        </p:spPr>
+        <p:txBody>
+          <a:bodyPr/>
+          <a:lstStyle/>
+          <a:p>
+            <a:r>
+              <a:rPr lang="en-US" dirty="0"/>
+              <a:t>Conclusions</a:t>
+            </a:r>
+          </a:p>
+        </p:txBody>
+      </p:sp>
+      <p:sp>
+        <p:nvSpPr>
+          <p:cNvPr id="2" name="Slide Number Placeholder 1">
+            <a:extLst>
+              <a:ext uri="{FF2B5EF4-FFF2-40B4-BE49-F238E27FC236}">
+                <a16:creationId xmlns:a16="http://schemas.microsoft.com/office/drawing/2014/main" id="{CD4BD05F-6F41-4DC6-98B4-D58BCFF6D692}"/>
+              </a:ext>
+            </a:extLst>
+          </p:cNvPr>
+          <p:cNvSpPr>
+            <a:spLocks noGrp="1"/>
+          </p:cNvSpPr>
+          <p:nvPr>
+            <p:ph type="sldNum" sz="quarter" idx="11"/>
+          </p:nvPr>
+        </p:nvSpPr>
+        <p:spPr>
+          <a:xfrm>
+            <a:off x="11146971" y="6356350"/>
+            <a:ext cx="740227" cy="365125"/>
+          </a:xfrm>
+        </p:spPr>
+        <p:txBody>
+          <a:bodyPr/>
+          <a:lstStyle/>
+          <a:p>
+            <a:fld id="{8699F50C-BE38-4BD0-BA84-9B090E1F2B9B}" type="slidenum">
+              <a:rPr lang="en-US" smtClean="0"/>
+              <a:t>16</a:t>
+            </a:fld>
+            <a:endParaRPr lang="en-US" dirty="0"/>
+          </a:p>
+        </p:txBody>
+      </p:sp>
+      <p:sp>
+        <p:nvSpPr>
+          <p:cNvPr id="6" name="Text Placeholder 32">
+            <a:extLst>
+              <a:ext uri="{FF2B5EF4-FFF2-40B4-BE49-F238E27FC236}">
+                <a16:creationId xmlns:a16="http://schemas.microsoft.com/office/drawing/2014/main" id="{958B27D2-EFCE-AE44-9799-52D3058B86D0}"/>
               </a:ext>
             </a:extLst>
           </p:cNvPr>
@@ -13741,8 +20710,8 @@
         </p:nvSpPr>
         <p:spPr>
           <a:xfrm>
-            <a:off x="466867" y="2655490"/>
-            <a:ext cx="10005871" cy="1679657"/>
+            <a:off x="372374" y="2050472"/>
+            <a:ext cx="9871764" cy="4448702"/>
           </a:xfrm>
           <a:prstGeom prst="rect">
             <a:avLst/>
@@ -13751,7 +20720,7 @@
         <p:txBody>
           <a:bodyPr/>
           <a:lstStyle>
-            <a:lvl1pPr marL="0" indent="0" algn="l" defTabSz="914400" rtl="0" eaLnBrk="1" latinLnBrk="0" hangingPunct="1">
+            <a:lvl1pPr marL="228600" indent="-228600" algn="l" defTabSz="914400" rtl="0" eaLnBrk="1" latinLnBrk="0" hangingPunct="1">
               <a:lnSpc>
                 <a:spcPct val="90000"/>
               </a:lnSpc>
@@ -13762,8 +20731,8 @@
                 <a:srgbClr val="2E7A40"/>
               </a:buClr>
               <a:buFont typeface="Arial" panose="020B0604020202020204" pitchFamily="34" charset="0"/>
-              <a:buNone/>
-              <a:defRPr lang="en-US" sz="2400" kern="1200">
+              <a:buChar char="•"/>
+              <a:defRPr lang="en-US" sz="2400" kern="1200" dirty="0">
                 <a:solidFill>
                   <a:schemeClr val="tx1"/>
                 </a:solidFill>
@@ -13772,7 +20741,7 @@
                 <a:cs typeface="+mn-cs"/>
               </a:defRPr>
             </a:lvl1pPr>
-            <a:lvl2pPr marL="457200" indent="0" algn="l" defTabSz="914400" rtl="0" eaLnBrk="1" latinLnBrk="0" hangingPunct="1">
+            <a:lvl2pPr marL="685800" indent="-228600" algn="l" defTabSz="914400" rtl="0" eaLnBrk="1" latinLnBrk="0" hangingPunct="1">
               <a:lnSpc>
                 <a:spcPct val="90000"/>
               </a:lnSpc>
@@ -13783,17 +20752,17 @@
                 <a:srgbClr val="2E7A40"/>
               </a:buClr>
               <a:buFont typeface="Arial" panose="020B0604020202020204" pitchFamily="34" charset="0"/>
-              <a:buNone/>
-              <a:defRPr lang="en-US" sz="2400" kern="1200">
+              <a:buChar char="•"/>
+              <a:defRPr lang="en-US" sz="2000" kern="1200" dirty="0">
                 <a:solidFill>
-                  <a:schemeClr val="bg1"/>
+                  <a:schemeClr val="tx1"/>
                 </a:solidFill>
                 <a:latin typeface="+mn-lt"/>
                 <a:ea typeface="+mn-ea"/>
                 <a:cs typeface="+mn-cs"/>
               </a:defRPr>
             </a:lvl2pPr>
-            <a:lvl3pPr marL="914400" indent="0" algn="l" defTabSz="914400" rtl="0" eaLnBrk="1" latinLnBrk="0" hangingPunct="1">
+            <a:lvl3pPr marL="1143000" indent="-228600" algn="l" defTabSz="914400" rtl="0" eaLnBrk="1" latinLnBrk="0" hangingPunct="1">
               <a:lnSpc>
                 <a:spcPct val="90000"/>
               </a:lnSpc>
@@ -13804,17 +20773,17 @@
                 <a:srgbClr val="2E7A40"/>
               </a:buClr>
               <a:buFont typeface="Arial" panose="020B0604020202020204" pitchFamily="34" charset="0"/>
-              <a:buNone/>
-              <a:defRPr lang="en-US" sz="2400" kern="1200">
+              <a:buChar char="•"/>
+              <a:defRPr lang="en-US" sz="1800" kern="1200" dirty="0">
                 <a:solidFill>
-                  <a:schemeClr val="bg1"/>
+                  <a:schemeClr val="tx1"/>
                 </a:solidFill>
                 <a:latin typeface="+mn-lt"/>
                 <a:ea typeface="+mn-ea"/>
                 <a:cs typeface="+mn-cs"/>
               </a:defRPr>
             </a:lvl3pPr>
-            <a:lvl4pPr marL="1371600" indent="0" algn="l" defTabSz="914400" rtl="0" eaLnBrk="1" latinLnBrk="0" hangingPunct="1">
+            <a:lvl4pPr marL="1600200" indent="-228600" algn="l" defTabSz="914400" rtl="0" eaLnBrk="1" latinLnBrk="0" hangingPunct="1">
               <a:lnSpc>
                 <a:spcPct val="90000"/>
               </a:lnSpc>
@@ -13825,17 +20794,17 @@
                 <a:srgbClr val="2E7A40"/>
               </a:buClr>
               <a:buFont typeface="Arial" panose="020B0604020202020204" pitchFamily="34" charset="0"/>
-              <a:buNone/>
-              <a:defRPr lang="en-US" sz="2400" kern="1200">
+              <a:buChar char="•"/>
+              <a:defRPr lang="en-US" sz="1600" kern="1200" dirty="0">
                 <a:solidFill>
-                  <a:schemeClr val="bg1"/>
+                  <a:schemeClr val="tx1"/>
                 </a:solidFill>
                 <a:latin typeface="+mn-lt"/>
                 <a:ea typeface="+mn-ea"/>
                 <a:cs typeface="+mn-cs"/>
               </a:defRPr>
             </a:lvl4pPr>
-            <a:lvl5pPr marL="1828800" indent="0" algn="l" defTabSz="914400" rtl="0" eaLnBrk="1" latinLnBrk="0" hangingPunct="1">
+            <a:lvl5pPr marL="2057400" indent="-228600" algn="l" defTabSz="914400" rtl="0" eaLnBrk="1" latinLnBrk="0" hangingPunct="1">
               <a:lnSpc>
                 <a:spcPct val="90000"/>
               </a:lnSpc>
@@ -13846,10 +20815,10 @@
                 <a:srgbClr val="2E7A40"/>
               </a:buClr>
               <a:buFont typeface="Arial" panose="020B0604020202020204" pitchFamily="34" charset="0"/>
-              <a:buNone/>
-              <a:defRPr lang="en-IN" sz="2400" kern="1200">
+              <a:buChar char="•"/>
+              <a:defRPr lang="en-IN" sz="1600" kern="1200" dirty="0">
                 <a:solidFill>
-                  <a:schemeClr val="bg1"/>
+                  <a:schemeClr val="tx1"/>
                 </a:solidFill>
                 <a:latin typeface="+mn-lt"/>
                 <a:ea typeface="+mn-ea"/>
@@ -13930,534 +20899,120 @@
             </a:lvl9pPr>
           </a:lstStyle>
           <a:p>
-            <a:pPr marL="285750" indent="-285750">
-              <a:buClr>
-                <a:schemeClr val="accent2"/>
-              </a:buClr>
-              <a:buFont typeface="Arial" panose="020B0604020202020204" pitchFamily="34" charset="0"/>
-              <a:buChar char="•"/>
-            </a:pPr>
-            <a:r>
-              <a:rPr lang="en-US" sz="1800" dirty="0"/>
-              <a:t>The null hypothesis is that the true correlation between total square feet and total energy consumption is zero.</a:t>
-            </a:r>
-          </a:p>
-          <a:p>
-            <a:pPr marL="285750" indent="-285750">
-              <a:buClr>
-                <a:schemeClr val="accent2"/>
-              </a:buClr>
-              <a:buFont typeface="Arial" panose="020B0604020202020204" pitchFamily="34" charset="0"/>
-              <a:buChar char="•"/>
-            </a:pPr>
-            <a:r>
-              <a:rPr lang="en-US" sz="1800" dirty="0"/>
-              <a:t>The alternative hypothesis is that the the the true correlation between total square feet and total energy consumption does not equal zero</a:t>
-            </a:r>
-          </a:p>
-          <a:p>
-            <a:pPr marL="285750" indent="-285750">
-              <a:buClr>
-                <a:schemeClr val="accent2"/>
-              </a:buClr>
-              <a:buFont typeface="Arial" panose="020B0604020202020204" pitchFamily="34" charset="0"/>
-              <a:buChar char="•"/>
-            </a:pPr>
-            <a:r>
-              <a:rPr lang="en-US" sz="1800" dirty="0"/>
-              <a:t>The significance level is set at 0.05</a:t>
-            </a:r>
-          </a:p>
-          <a:p>
-            <a:pPr marL="285750" indent="-285750">
-              <a:buClr>
-                <a:schemeClr val="accent2"/>
-              </a:buClr>
-              <a:buFont typeface="Arial" panose="020B0604020202020204" pitchFamily="34" charset="0"/>
-              <a:buChar char="•"/>
-            </a:pPr>
-            <a:endParaRPr lang="en-US" sz="1800" dirty="0"/>
-          </a:p>
-        </p:txBody>
-      </p:sp>
-      <p:sp>
-        <p:nvSpPr>
-          <p:cNvPr id="7" name="TextBox 6">
-            <a:extLst>
-              <a:ext uri="{FF2B5EF4-FFF2-40B4-BE49-F238E27FC236}">
-                <a16:creationId xmlns:a16="http://schemas.microsoft.com/office/drawing/2014/main" id="{FCF77066-EB93-E743-A687-61F9281C51B1}"/>
-              </a:ext>
-            </a:extLst>
-          </p:cNvPr>
-          <p:cNvSpPr txBox="1"/>
-          <p:nvPr/>
-        </p:nvSpPr>
-        <p:spPr>
-          <a:xfrm>
-            <a:off x="466867" y="4878703"/>
-            <a:ext cx="11048858" cy="1200329"/>
-          </a:xfrm>
-          <a:prstGeom prst="rect">
-            <a:avLst/>
-          </a:prstGeom>
-          <a:solidFill>
-            <a:srgbClr val="014067"/>
-          </a:solidFill>
-        </p:spPr>
-        <p:txBody>
-          <a:bodyPr wrap="square" rtlCol="0">
-            <a:spAutoFit/>
-          </a:bodyPr>
-          <a:lstStyle/>
-          <a:p>
-            <a:pPr marL="285750" indent="-285750">
-              <a:buClr>
-                <a:schemeClr val="accent2"/>
-              </a:buClr>
-              <a:buFont typeface="Arial" panose="020B0604020202020204" pitchFamily="34" charset="0"/>
-              <a:buChar char="•"/>
-            </a:pPr>
-            <a:r>
-              <a:rPr lang="en-US" dirty="0">
-                <a:solidFill>
-                  <a:schemeClr val="bg1"/>
-                </a:solidFill>
-              </a:rPr>
-              <a:t>The result of the experiment yielded a p-value of near 0, thus we reject the null in favor of the alternative hypothesis. This suggests that there is positive correlation between total square feet of a household and total energy consumption among all households. </a:t>
-            </a:r>
-          </a:p>
-          <a:p>
-            <a:pPr marL="285750" indent="-285750">
-              <a:buClr>
-                <a:schemeClr val="accent2"/>
-              </a:buClr>
-              <a:buFont typeface="Arial" panose="020B0604020202020204" pitchFamily="34" charset="0"/>
-              <a:buChar char="•"/>
-            </a:pPr>
-            <a:r>
-              <a:rPr lang="en-US" dirty="0">
-                <a:solidFill>
-                  <a:schemeClr val="bg1"/>
-                </a:solidFill>
-              </a:rPr>
-              <a:t>A 95% confidence interval for the true correlation is yields a range of [0.62 - 0.65]</a:t>
-            </a:r>
-            <a:endParaRPr lang="en-US" sz="1400" dirty="0">
-              <a:solidFill>
-                <a:schemeClr val="bg1"/>
-              </a:solidFill>
-            </a:endParaRPr>
-          </a:p>
-        </p:txBody>
-      </p:sp>
-    </p:spTree>
-    <p:extLst>
-      <p:ext uri="{BB962C8B-B14F-4D97-AF65-F5344CB8AC3E}">
-        <p14:creationId xmlns:p14="http://schemas.microsoft.com/office/powerpoint/2010/main" val="4206228407"/>
-      </p:ext>
-    </p:extLst>
-  </p:cSld>
-  <p:clrMapOvr>
-    <a:masterClrMapping/>
-  </p:clrMapOvr>
-</p:sld>
-</file>
-
-<file path=ppt/slides/slide14.xml><?xml version="1.0" encoding="utf-8"?>
-<p:sld xmlns:a="http://schemas.openxmlformats.org/drawingml/2006/main" xmlns:r="http://schemas.openxmlformats.org/officeDocument/2006/relationships" xmlns:p="http://schemas.openxmlformats.org/presentationml/2006/main">
-  <p:cSld>
-    <p:spTree>
-      <p:nvGrpSpPr>
-        <p:cNvPr id="1" name=""/>
-        <p:cNvGrpSpPr/>
-        <p:nvPr/>
-      </p:nvGrpSpPr>
-      <p:grpSpPr>
-        <a:xfrm>
-          <a:off x="0" y="0"/>
-          <a:ext cx="0" cy="0"/>
-          <a:chOff x="0" y="0"/>
-          <a:chExt cx="0" cy="0"/>
-        </a:xfrm>
-      </p:grpSpPr>
-      <p:sp>
-        <p:nvSpPr>
-          <p:cNvPr id="18" name="Title 13">
-            <a:extLst>
-              <a:ext uri="{FF2B5EF4-FFF2-40B4-BE49-F238E27FC236}">
-                <a16:creationId xmlns:a16="http://schemas.microsoft.com/office/drawing/2014/main" id="{92896B42-4638-40D0-8887-7AB8D1D86B3D}"/>
-              </a:ext>
-            </a:extLst>
-          </p:cNvPr>
-          <p:cNvSpPr>
-            <a:spLocks noGrp="1"/>
-          </p:cNvSpPr>
-          <p:nvPr>
-            <p:ph type="title"/>
-          </p:nvPr>
-        </p:nvSpPr>
-        <p:spPr>
-          <a:xfrm>
-            <a:off x="466867" y="161598"/>
-            <a:ext cx="8333222" cy="674699"/>
-          </a:xfrm>
-        </p:spPr>
-        <p:txBody>
-          <a:bodyPr/>
-          <a:lstStyle/>
-          <a:p>
-            <a:r>
-              <a:rPr lang="en-US" dirty="0"/>
-              <a:t>Statistical </a:t>
-            </a:r>
-            <a:r>
-              <a:rPr lang="en-US" b="0" dirty="0"/>
-              <a:t>Inference </a:t>
-            </a:r>
-            <a:r>
-              <a:rPr lang="en-US" sz="1800" b="0" dirty="0"/>
-              <a:t>(3 of 4)</a:t>
-            </a:r>
-          </a:p>
-        </p:txBody>
-      </p:sp>
-      <p:sp>
-        <p:nvSpPr>
-          <p:cNvPr id="33" name="Text Placeholder 32">
-            <a:extLst>
-              <a:ext uri="{FF2B5EF4-FFF2-40B4-BE49-F238E27FC236}">
-                <a16:creationId xmlns:a16="http://schemas.microsoft.com/office/drawing/2014/main" id="{7CFD0302-279C-8A48-9E27-AD5B08D6501E}"/>
-              </a:ext>
-            </a:extLst>
-          </p:cNvPr>
-          <p:cNvSpPr>
-            <a:spLocks noGrp="1"/>
-          </p:cNvSpPr>
-          <p:nvPr>
-            <p:ph type="body" sz="quarter" idx="19"/>
-          </p:nvPr>
-        </p:nvSpPr>
-        <p:spPr>
-          <a:xfrm>
-            <a:off x="466867" y="1199485"/>
-            <a:ext cx="8934308" cy="1743739"/>
-          </a:xfrm>
-        </p:spPr>
-        <p:txBody>
-          <a:bodyPr/>
-          <a:lstStyle/>
-          <a:p>
-            <a:pPr marL="285750" indent="-285750">
-              <a:buClr>
-                <a:schemeClr val="accent2"/>
-              </a:buClr>
-              <a:buFont typeface="Arial" panose="020B0604020202020204" pitchFamily="34" charset="0"/>
-              <a:buChar char="•"/>
-            </a:pPr>
-            <a:r>
-              <a:rPr lang="en-US" sz="1800" dirty="0"/>
-              <a:t>The below shows regressions plots for Single Family Detached households and Single Family Attached households to illustrate the difference the difference in correlation between of total square feet and total energy consumption across household types</a:t>
-            </a:r>
-          </a:p>
-          <a:p>
-            <a:pPr marL="285750" indent="-285750">
-              <a:buClr>
-                <a:schemeClr val="accent2"/>
-              </a:buClr>
-              <a:buFont typeface="Arial" panose="020B0604020202020204" pitchFamily="34" charset="0"/>
-              <a:buChar char="•"/>
-            </a:pPr>
-            <a:r>
-              <a:rPr lang="en-US" sz="1800" dirty="0"/>
-              <a:t>The correlation for both groups is weaker than the correlation for the entire sample. The correlation for Single Family Attached households is stronger than Single Family Attached homes.</a:t>
-            </a:r>
-          </a:p>
-        </p:txBody>
-      </p:sp>
-      <p:sp>
-        <p:nvSpPr>
-          <p:cNvPr id="3" name="Footer Placeholder 2">
-            <a:extLst>
-              <a:ext uri="{FF2B5EF4-FFF2-40B4-BE49-F238E27FC236}">
-                <a16:creationId xmlns:a16="http://schemas.microsoft.com/office/drawing/2014/main" id="{B04C11C9-3DF6-471E-87C0-4DCED41031D4}"/>
-              </a:ext>
-            </a:extLst>
-          </p:cNvPr>
-          <p:cNvSpPr>
-            <a:spLocks noGrp="1"/>
-          </p:cNvSpPr>
-          <p:nvPr>
-            <p:ph type="ftr" sz="quarter" idx="17"/>
-          </p:nvPr>
-        </p:nvSpPr>
-        <p:spPr/>
-        <p:txBody>
-          <a:bodyPr/>
-          <a:lstStyle/>
-          <a:p>
-            <a:r>
-              <a:rPr lang="en-US" dirty="0"/>
-              <a:t>Add a footer</a:t>
-            </a:r>
-          </a:p>
-        </p:txBody>
-      </p:sp>
-      <p:sp>
-        <p:nvSpPr>
-          <p:cNvPr id="4" name="Slide Number Placeholder 3">
-            <a:extLst>
-              <a:ext uri="{FF2B5EF4-FFF2-40B4-BE49-F238E27FC236}">
-                <a16:creationId xmlns:a16="http://schemas.microsoft.com/office/drawing/2014/main" id="{B2228214-87DB-4B3A-BD81-9A709A69BAAC}"/>
-              </a:ext>
-            </a:extLst>
-          </p:cNvPr>
-          <p:cNvSpPr>
-            <a:spLocks noGrp="1"/>
-          </p:cNvSpPr>
-          <p:nvPr>
-            <p:ph type="sldNum" sz="quarter" idx="18"/>
-          </p:nvPr>
-        </p:nvSpPr>
-        <p:spPr/>
-        <p:txBody>
-          <a:bodyPr/>
-          <a:lstStyle/>
-          <a:p>
-            <a:fld id="{8699F50C-BE38-4BD0-BA84-9B090E1F2B9B}" type="slidenum">
-              <a:rPr lang="en-US" smtClean="0"/>
-              <a:pPr/>
-              <a:t>14</a:t>
-            </a:fld>
-            <a:endParaRPr lang="en-US" dirty="0"/>
-          </a:p>
-        </p:txBody>
-      </p:sp>
-      <p:pic>
-        <p:nvPicPr>
-          <p:cNvPr id="5" name="Picture 4" descr="A screenshot of a cell phone&#10;&#10;Description automatically generated">
-            <a:extLst>
-              <a:ext uri="{FF2B5EF4-FFF2-40B4-BE49-F238E27FC236}">
-                <a16:creationId xmlns:a16="http://schemas.microsoft.com/office/drawing/2014/main" id="{9FA193F7-75C8-9348-BE21-A543D23CB6C1}"/>
-              </a:ext>
-            </a:extLst>
-          </p:cNvPr>
-          <p:cNvPicPr>
-            <a:picLocks noChangeAspect="1"/>
-          </p:cNvPicPr>
-          <p:nvPr/>
-        </p:nvPicPr>
-        <p:blipFill>
-          <a:blip r:embed="rId2"/>
-          <a:stretch>
-            <a:fillRect/>
-          </a:stretch>
-        </p:blipFill>
-        <p:spPr>
-          <a:xfrm>
-            <a:off x="2438400" y="2881312"/>
-            <a:ext cx="7315200" cy="3657600"/>
-          </a:xfrm>
-          <a:prstGeom prst="rect">
-            <a:avLst/>
-          </a:prstGeom>
-        </p:spPr>
-      </p:pic>
-    </p:spTree>
-    <p:extLst>
-      <p:ext uri="{BB962C8B-B14F-4D97-AF65-F5344CB8AC3E}">
-        <p14:creationId xmlns:p14="http://schemas.microsoft.com/office/powerpoint/2010/main" val="1803238200"/>
-      </p:ext>
-    </p:extLst>
-  </p:cSld>
-  <p:clrMapOvr>
-    <a:masterClrMapping/>
-  </p:clrMapOvr>
-</p:sld>
-</file>
-
-<file path=ppt/slides/slide15.xml><?xml version="1.0" encoding="utf-8"?>
-<p:sld xmlns:a="http://schemas.openxmlformats.org/drawingml/2006/main" xmlns:r="http://schemas.openxmlformats.org/officeDocument/2006/relationships" xmlns:p="http://schemas.openxmlformats.org/presentationml/2006/main">
-  <p:cSld>
-    <p:spTree>
-      <p:nvGrpSpPr>
-        <p:cNvPr id="1" name=""/>
-        <p:cNvGrpSpPr/>
-        <p:nvPr/>
-      </p:nvGrpSpPr>
-      <p:grpSpPr>
-        <a:xfrm>
-          <a:off x="0" y="0"/>
-          <a:ext cx="0" cy="0"/>
-          <a:chOff x="0" y="0"/>
-          <a:chExt cx="0" cy="0"/>
-        </a:xfrm>
-      </p:grpSpPr>
-      <p:sp>
-        <p:nvSpPr>
-          <p:cNvPr id="18" name="Title 13">
-            <a:extLst>
-              <a:ext uri="{FF2B5EF4-FFF2-40B4-BE49-F238E27FC236}">
-                <a16:creationId xmlns:a16="http://schemas.microsoft.com/office/drawing/2014/main" id="{92896B42-4638-40D0-8887-7AB8D1D86B3D}"/>
-              </a:ext>
-            </a:extLst>
-          </p:cNvPr>
-          <p:cNvSpPr>
-            <a:spLocks noGrp="1"/>
-          </p:cNvSpPr>
-          <p:nvPr>
-            <p:ph type="title"/>
-          </p:nvPr>
-        </p:nvSpPr>
-        <p:spPr>
-          <a:xfrm>
-            <a:off x="466867" y="161598"/>
-            <a:ext cx="8333222" cy="674699"/>
-          </a:xfrm>
-        </p:spPr>
-        <p:txBody>
-          <a:bodyPr/>
-          <a:lstStyle/>
-          <a:p>
-            <a:r>
-              <a:rPr lang="en-US" dirty="0"/>
-              <a:t>Statistical </a:t>
-            </a:r>
-            <a:r>
-              <a:rPr lang="en-US" b="0" dirty="0"/>
-              <a:t>Inference </a:t>
-            </a:r>
-            <a:r>
-              <a:rPr lang="en-US" sz="1800" b="0" dirty="0"/>
-              <a:t>(4 of 4)</a:t>
-            </a:r>
-            <a:endParaRPr lang="en-US" b="0" dirty="0"/>
-          </a:p>
-        </p:txBody>
-      </p:sp>
-      <p:sp>
-        <p:nvSpPr>
-          <p:cNvPr id="33" name="Text Placeholder 32">
-            <a:extLst>
-              <a:ext uri="{FF2B5EF4-FFF2-40B4-BE49-F238E27FC236}">
-                <a16:creationId xmlns:a16="http://schemas.microsoft.com/office/drawing/2014/main" id="{7CFD0302-279C-8A48-9E27-AD5B08D6501E}"/>
-              </a:ext>
-            </a:extLst>
-          </p:cNvPr>
-          <p:cNvSpPr>
-            <a:spLocks noGrp="1"/>
-          </p:cNvSpPr>
-          <p:nvPr>
-            <p:ph type="body" sz="quarter" idx="19"/>
-          </p:nvPr>
-        </p:nvSpPr>
-        <p:spPr>
-          <a:xfrm>
-            <a:off x="466867" y="1395004"/>
-            <a:ext cx="8434246" cy="1462496"/>
-          </a:xfrm>
-        </p:spPr>
-        <p:txBody>
-          <a:bodyPr/>
-          <a:lstStyle/>
-          <a:p>
             <a:pPr>
               <a:buClr>
                 <a:schemeClr val="accent2"/>
               </a:buClr>
             </a:pPr>
             <a:r>
-              <a:rPr lang="en-US" sz="2000" dirty="0"/>
-              <a:t>To verify the significance of the of the sample correlation between total square feet and total energy consumption, a z-test was performed using a Fisher transformation with the following experiment design:</a:t>
+              <a:rPr lang="en-US" dirty="0"/>
+              <a:t>The model is useful for predicting total energy consumption for various types of households with accuracy that out performs less sophisticated methods</a:t>
             </a:r>
+          </a:p>
+          <a:p>
+            <a:pPr>
+              <a:buClr>
+                <a:schemeClr val="accent2"/>
+              </a:buClr>
+            </a:pPr>
+            <a:r>
+              <a:rPr lang="en-US" dirty="0"/>
+              <a:t>This model is not a finished product and can be further improved further to improve predictive power. </a:t>
+            </a:r>
+          </a:p>
+          <a:p>
+            <a:pPr>
+              <a:buClr>
+                <a:schemeClr val="accent2"/>
+              </a:buClr>
+            </a:pPr>
+            <a:r>
+              <a:rPr lang="en-US" dirty="0"/>
+              <a:t>Particular areas that may be explored in the future to improve upon the models discussed include: </a:t>
+            </a:r>
+          </a:p>
+          <a:p>
+            <a:pPr lvl="1">
+              <a:buClr>
+                <a:schemeClr val="accent2"/>
+              </a:buClr>
+            </a:pPr>
+            <a:r>
+              <a:rPr lang="en-US" dirty="0"/>
+              <a:t>More robust feature selection to eliminate noisy features</a:t>
+            </a:r>
+          </a:p>
+          <a:p>
+            <a:pPr lvl="1">
+              <a:buClr>
+                <a:schemeClr val="accent2"/>
+              </a:buClr>
+            </a:pPr>
+            <a:r>
+              <a:rPr lang="en-US" dirty="0"/>
+              <a:t>Tuning more parameters for ensemble models</a:t>
+            </a:r>
+          </a:p>
+          <a:p>
+            <a:pPr lvl="1">
+              <a:buClr>
+                <a:schemeClr val="accent2"/>
+              </a:buClr>
+            </a:pPr>
+            <a:r>
+              <a:rPr lang="en-US" dirty="0"/>
+              <a:t>Further investigation into the correlation between variables and their effects on the results</a:t>
+            </a:r>
+          </a:p>
+          <a:p>
+            <a:pPr lvl="1">
+              <a:buClr>
+                <a:schemeClr val="accent2"/>
+              </a:buClr>
+            </a:pPr>
+            <a:r>
+              <a:rPr lang="en-US" dirty="0"/>
+              <a:t>Incorporating more model classes that may perform better.</a:t>
+            </a:r>
+          </a:p>
+          <a:p>
+            <a:pPr>
+              <a:buClr>
+                <a:schemeClr val="accent2"/>
+              </a:buClr>
+            </a:pPr>
             <a:endParaRPr lang="en-US" sz="1600" dirty="0"/>
           </a:p>
         </p:txBody>
       </p:sp>
       <p:sp>
         <p:nvSpPr>
-          <p:cNvPr id="3" name="Footer Placeholder 2">
+          <p:cNvPr id="5" name="Rectangle 4">
             <a:extLst>
               <a:ext uri="{FF2B5EF4-FFF2-40B4-BE49-F238E27FC236}">
-                <a16:creationId xmlns:a16="http://schemas.microsoft.com/office/drawing/2014/main" id="{B04C11C9-3DF6-471E-87C0-4DCED41031D4}"/>
+                <a16:creationId xmlns:a16="http://schemas.microsoft.com/office/drawing/2014/main" id="{F6546F3C-C574-4D4F-98F4-7F9DFEF539B9}"/>
               </a:ext>
             </a:extLst>
           </p:cNvPr>
-          <p:cNvSpPr>
-            <a:spLocks noGrp="1"/>
-          </p:cNvSpPr>
-          <p:nvPr>
-            <p:ph type="ftr" sz="quarter" idx="17"/>
-          </p:nvPr>
-        </p:nvSpPr>
-        <p:spPr/>
-        <p:txBody>
-          <a:bodyPr/>
-          <a:lstStyle/>
-          <a:p>
-            <a:r>
-              <a:rPr lang="en-US" dirty="0"/>
-              <a:t>Add a footer</a:t>
-            </a:r>
-          </a:p>
-        </p:txBody>
-      </p:sp>
-      <p:sp>
-        <p:nvSpPr>
-          <p:cNvPr id="4" name="Slide Number Placeholder 3">
-            <a:extLst>
-              <a:ext uri="{FF2B5EF4-FFF2-40B4-BE49-F238E27FC236}">
-                <a16:creationId xmlns:a16="http://schemas.microsoft.com/office/drawing/2014/main" id="{B2228214-87DB-4B3A-BD81-9A709A69BAAC}"/>
-              </a:ext>
-            </a:extLst>
-          </p:cNvPr>
-          <p:cNvSpPr>
-            <a:spLocks noGrp="1"/>
-          </p:cNvSpPr>
-          <p:nvPr>
-            <p:ph type="sldNum" sz="quarter" idx="18"/>
-          </p:nvPr>
-        </p:nvSpPr>
-        <p:spPr/>
-        <p:txBody>
-          <a:bodyPr/>
-          <a:lstStyle/>
-          <a:p>
-            <a:fld id="{8699F50C-BE38-4BD0-BA84-9B090E1F2B9B}" type="slidenum">
-              <a:rPr lang="en-US" smtClean="0"/>
-              <a:pPr/>
-              <a:t>15</a:t>
-            </a:fld>
-            <a:endParaRPr lang="en-US" dirty="0"/>
-          </a:p>
-        </p:txBody>
-      </p:sp>
-      <p:sp>
-        <p:nvSpPr>
-          <p:cNvPr id="8" name="Text Placeholder 32">
-            <a:extLst>
-              <a:ext uri="{FF2B5EF4-FFF2-40B4-BE49-F238E27FC236}">
-                <a16:creationId xmlns:a16="http://schemas.microsoft.com/office/drawing/2014/main" id="{404745C0-19DF-4E49-BF27-B65F324C6B34}"/>
-              </a:ext>
-            </a:extLst>
-          </p:cNvPr>
-          <p:cNvSpPr txBox="1">
-            <a:spLocks/>
-          </p:cNvSpPr>
+          <p:cNvSpPr/>
           <p:nvPr/>
         </p:nvSpPr>
         <p:spPr>
           <a:xfrm>
-            <a:off x="466867" y="2655490"/>
-            <a:ext cx="10005871" cy="1679657"/>
+            <a:off x="518678" y="979667"/>
+            <a:ext cx="7751353" cy="369332"/>
           </a:xfrm>
           <a:prstGeom prst="rect">
             <a:avLst/>
           </a:prstGeom>
         </p:spPr>
         <p:txBody>
-          <a:bodyPr/>
-          <a:lstStyle>
-            <a:lvl1pPr marL="0" indent="0" algn="l" defTabSz="914400" rtl="0" eaLnBrk="1" latinLnBrk="0" hangingPunct="1">
+          <a:bodyPr wrap="none">
+            <a:spAutoFit/>
+          </a:bodyPr>
+          <a:lstStyle/>
+          <a:p>
+            <a:pPr lvl="0">
               <a:lnSpc>
                 <a:spcPct val="90000"/>
               </a:lnSpc>
@@ -14467,269 +21022,14 @@
               <a:buClr>
                 <a:srgbClr val="2E7A40"/>
               </a:buClr>
-              <a:buFont typeface="Arial" panose="020B0604020202020204" pitchFamily="34" charset="0"/>
-              <a:buNone/>
-              <a:defRPr lang="en-US" sz="2400" kern="1200">
-                <a:solidFill>
-                  <a:schemeClr val="tx1"/>
-                </a:solidFill>
-                <a:latin typeface="+mn-lt"/>
-                <a:ea typeface="+mn-ea"/>
-                <a:cs typeface="+mn-cs"/>
-              </a:defRPr>
-            </a:lvl1pPr>
-            <a:lvl2pPr marL="457200" indent="0" algn="l" defTabSz="914400" rtl="0" eaLnBrk="1" latinLnBrk="0" hangingPunct="1">
-              <a:lnSpc>
-                <a:spcPct val="90000"/>
-              </a:lnSpc>
-              <a:spcBef>
-                <a:spcPts val="500"/>
-              </a:spcBef>
-              <a:buClr>
-                <a:srgbClr val="2E7A40"/>
-              </a:buClr>
-              <a:buFont typeface="Arial" panose="020B0604020202020204" pitchFamily="34" charset="0"/>
-              <a:buNone/>
-              <a:defRPr lang="en-US" sz="2400" kern="1200">
-                <a:solidFill>
-                  <a:schemeClr val="bg1"/>
-                </a:solidFill>
-                <a:latin typeface="+mn-lt"/>
-                <a:ea typeface="+mn-ea"/>
-                <a:cs typeface="+mn-cs"/>
-              </a:defRPr>
-            </a:lvl2pPr>
-            <a:lvl3pPr marL="914400" indent="0" algn="l" defTabSz="914400" rtl="0" eaLnBrk="1" latinLnBrk="0" hangingPunct="1">
-              <a:lnSpc>
-                <a:spcPct val="90000"/>
-              </a:lnSpc>
-              <a:spcBef>
-                <a:spcPts val="500"/>
-              </a:spcBef>
-              <a:buClr>
-                <a:srgbClr val="2E7A40"/>
-              </a:buClr>
-              <a:buFont typeface="Arial" panose="020B0604020202020204" pitchFamily="34" charset="0"/>
-              <a:buNone/>
-              <a:defRPr lang="en-US" sz="2400" kern="1200">
-                <a:solidFill>
-                  <a:schemeClr val="bg1"/>
-                </a:solidFill>
-                <a:latin typeface="+mn-lt"/>
-                <a:ea typeface="+mn-ea"/>
-                <a:cs typeface="+mn-cs"/>
-              </a:defRPr>
-            </a:lvl3pPr>
-            <a:lvl4pPr marL="1371600" indent="0" algn="l" defTabSz="914400" rtl="0" eaLnBrk="1" latinLnBrk="0" hangingPunct="1">
-              <a:lnSpc>
-                <a:spcPct val="90000"/>
-              </a:lnSpc>
-              <a:spcBef>
-                <a:spcPts val="500"/>
-              </a:spcBef>
-              <a:buClr>
-                <a:srgbClr val="2E7A40"/>
-              </a:buClr>
-              <a:buFont typeface="Arial" panose="020B0604020202020204" pitchFamily="34" charset="0"/>
-              <a:buNone/>
-              <a:defRPr lang="en-US" sz="2400" kern="1200">
-                <a:solidFill>
-                  <a:schemeClr val="bg1"/>
-                </a:solidFill>
-                <a:latin typeface="+mn-lt"/>
-                <a:ea typeface="+mn-ea"/>
-                <a:cs typeface="+mn-cs"/>
-              </a:defRPr>
-            </a:lvl4pPr>
-            <a:lvl5pPr marL="1828800" indent="0" algn="l" defTabSz="914400" rtl="0" eaLnBrk="1" latinLnBrk="0" hangingPunct="1">
-              <a:lnSpc>
-                <a:spcPct val="90000"/>
-              </a:lnSpc>
-              <a:spcBef>
-                <a:spcPts val="500"/>
-              </a:spcBef>
-              <a:buClr>
-                <a:srgbClr val="2E7A40"/>
-              </a:buClr>
-              <a:buFont typeface="Arial" panose="020B0604020202020204" pitchFamily="34" charset="0"/>
-              <a:buNone/>
-              <a:defRPr lang="en-IN" sz="2400" kern="1200">
-                <a:solidFill>
-                  <a:schemeClr val="bg1"/>
-                </a:solidFill>
-                <a:latin typeface="+mn-lt"/>
-                <a:ea typeface="+mn-ea"/>
-                <a:cs typeface="+mn-cs"/>
-              </a:defRPr>
-            </a:lvl5pPr>
-            <a:lvl6pPr marL="2514600" indent="-228600" algn="l" defTabSz="914400" rtl="0" eaLnBrk="1" latinLnBrk="0" hangingPunct="1">
-              <a:lnSpc>
-                <a:spcPct val="90000"/>
-              </a:lnSpc>
-              <a:spcBef>
-                <a:spcPts val="500"/>
-              </a:spcBef>
-              <a:buFont typeface="Arial" panose="020B0604020202020204" pitchFamily="34" charset="0"/>
-              <a:buChar char="•"/>
-              <a:defRPr sz="1800" kern="1200">
-                <a:solidFill>
-                  <a:schemeClr val="tx1"/>
-                </a:solidFill>
-                <a:latin typeface="+mn-lt"/>
-                <a:ea typeface="+mn-ea"/>
-                <a:cs typeface="+mn-cs"/>
-              </a:defRPr>
-            </a:lvl6pPr>
-            <a:lvl7pPr marL="2971800" indent="-228600" algn="l" defTabSz="914400" rtl="0" eaLnBrk="1" latinLnBrk="0" hangingPunct="1">
-              <a:lnSpc>
-                <a:spcPct val="90000"/>
-              </a:lnSpc>
-              <a:spcBef>
-                <a:spcPts val="500"/>
-              </a:spcBef>
-              <a:buFont typeface="Arial" panose="020B0604020202020204" pitchFamily="34" charset="0"/>
-              <a:buChar char="•"/>
-              <a:defRPr sz="1800" kern="1200">
-                <a:solidFill>
-                  <a:schemeClr val="tx1"/>
-                </a:solidFill>
-                <a:latin typeface="+mn-lt"/>
-                <a:ea typeface="+mn-ea"/>
-                <a:cs typeface="+mn-cs"/>
-              </a:defRPr>
-            </a:lvl7pPr>
-            <a:lvl8pPr marL="3429000" indent="-228600" algn="l" defTabSz="914400" rtl="0" eaLnBrk="1" latinLnBrk="0" hangingPunct="1">
-              <a:lnSpc>
-                <a:spcPct val="90000"/>
-              </a:lnSpc>
-              <a:spcBef>
-                <a:spcPts val="500"/>
-              </a:spcBef>
-              <a:buFont typeface="Arial" panose="020B0604020202020204" pitchFamily="34" charset="0"/>
-              <a:buChar char="•"/>
-              <a:defRPr sz="1800" kern="1200">
-                <a:solidFill>
-                  <a:schemeClr val="tx1"/>
-                </a:solidFill>
-                <a:latin typeface="+mn-lt"/>
-                <a:ea typeface="+mn-ea"/>
-                <a:cs typeface="+mn-cs"/>
-              </a:defRPr>
-            </a:lvl8pPr>
-            <a:lvl9pPr marL="3886200" indent="-228600" algn="l" defTabSz="914400" rtl="0" eaLnBrk="1" latinLnBrk="0" hangingPunct="1">
-              <a:lnSpc>
-                <a:spcPct val="90000"/>
-              </a:lnSpc>
-              <a:spcBef>
-                <a:spcPts val="500"/>
-              </a:spcBef>
-              <a:buFont typeface="Arial" panose="020B0604020202020204" pitchFamily="34" charset="0"/>
-              <a:buChar char="•"/>
-              <a:defRPr sz="1800" kern="1200">
-                <a:solidFill>
-                  <a:schemeClr val="tx1"/>
-                </a:solidFill>
-                <a:latin typeface="+mn-lt"/>
-                <a:ea typeface="+mn-ea"/>
-                <a:cs typeface="+mn-cs"/>
-              </a:defRPr>
-            </a:lvl9pPr>
-          </a:lstStyle>
-          <a:p>
-            <a:pPr marL="285750" indent="-285750">
-              <a:buClr>
-                <a:schemeClr val="accent2"/>
-              </a:buClr>
-              <a:buFont typeface="Arial" panose="020B0604020202020204" pitchFamily="34" charset="0"/>
-              <a:buChar char="•"/>
             </a:pPr>
             <a:r>
-              <a:rPr lang="en-US" sz="1800" dirty="0"/>
-              <a:t>The null hypothesis is that the true correlation between total square feet and total energy among Single Family Detached households and Single Family Attached household consumption is equal.</a:t>
-            </a:r>
-          </a:p>
-          <a:p>
-            <a:pPr marL="285750" indent="-285750">
-              <a:buClr>
-                <a:schemeClr val="accent2"/>
-              </a:buClr>
-              <a:buFont typeface="Arial" panose="020B0604020202020204" pitchFamily="34" charset="0"/>
-              <a:buChar char="•"/>
-            </a:pPr>
-            <a:r>
-              <a:rPr lang="en-US" sz="1800" dirty="0"/>
-              <a:t>The alternative hypothesis is that the the the true correlation between total square feet and total among Single Family Detached households is greater then that of Single Family Attached households </a:t>
-            </a:r>
-          </a:p>
-          <a:p>
-            <a:pPr marL="285750" indent="-285750">
-              <a:buClr>
-                <a:schemeClr val="accent2"/>
-              </a:buClr>
-              <a:buFont typeface="Arial" panose="020B0604020202020204" pitchFamily="34" charset="0"/>
-              <a:buChar char="•"/>
-            </a:pPr>
-            <a:r>
-              <a:rPr lang="en-US" sz="1800" dirty="0"/>
-              <a:t>The significance level is set at 0.05</a:t>
-            </a:r>
-          </a:p>
-          <a:p>
-            <a:pPr marL="285750" indent="-285750">
-              <a:buClr>
-                <a:schemeClr val="accent2"/>
-              </a:buClr>
-              <a:buFont typeface="Arial" panose="020B0604020202020204" pitchFamily="34" charset="0"/>
-              <a:buChar char="•"/>
-            </a:pPr>
-            <a:endParaRPr lang="en-US" sz="1800" dirty="0"/>
-          </a:p>
-        </p:txBody>
-      </p:sp>
-      <p:sp>
-        <p:nvSpPr>
-          <p:cNvPr id="7" name="TextBox 6">
-            <a:extLst>
-              <a:ext uri="{FF2B5EF4-FFF2-40B4-BE49-F238E27FC236}">
-                <a16:creationId xmlns:a16="http://schemas.microsoft.com/office/drawing/2014/main" id="{FCF77066-EB93-E743-A687-61F9281C51B1}"/>
-              </a:ext>
-            </a:extLst>
-          </p:cNvPr>
-          <p:cNvSpPr txBox="1"/>
-          <p:nvPr/>
-        </p:nvSpPr>
-        <p:spPr>
-          <a:xfrm>
-            <a:off x="466867" y="4878703"/>
-            <a:ext cx="11048858" cy="923330"/>
-          </a:xfrm>
-          <a:prstGeom prst="rect">
-            <a:avLst/>
-          </a:prstGeom>
-          <a:solidFill>
-            <a:srgbClr val="014067"/>
-          </a:solidFill>
-        </p:spPr>
-        <p:txBody>
-          <a:bodyPr wrap="square" rtlCol="0">
-            <a:spAutoFit/>
-          </a:bodyPr>
-          <a:lstStyle/>
-          <a:p>
-            <a:pPr marL="285750" indent="-285750">
-              <a:buClr>
-                <a:schemeClr val="accent2"/>
-              </a:buClr>
-              <a:buFont typeface="Arial" panose="020B0604020202020204" pitchFamily="34" charset="0"/>
-              <a:buChar char="•"/>
-            </a:pPr>
-            <a:r>
-              <a:rPr lang="en-US" dirty="0">
+              <a:rPr lang="en-US" sz="2000" spc="300" dirty="0">
                 <a:solidFill>
-                  <a:schemeClr val="bg1"/>
+                  <a:srgbClr val="A5C249"/>
                 </a:solidFill>
               </a:rPr>
-              <a:t>The p-value of the above z-test was 0.027 which is less than the significance level, thus we reject the null hypothesis in favor of the alternative hypothesis. This suggests that the correlation for Single Family Detached homes is greater than that of Single Family Attached Homes. </a:t>
+              <a:t>HOUSEHOLD ENERGY CONSUMPTION PREDICTION TOOL</a:t>
             </a:r>
           </a:p>
         </p:txBody>
@@ -14737,7 +21037,7 @@
     </p:spTree>
     <p:extLst>
       <p:ext uri="{BB962C8B-B14F-4D97-AF65-F5344CB8AC3E}">
-        <p14:creationId xmlns:p14="http://schemas.microsoft.com/office/powerpoint/2010/main" val="3287444682"/>
+        <p14:creationId xmlns:p14="http://schemas.microsoft.com/office/powerpoint/2010/main" val="3404761855"/>
       </p:ext>
     </p:extLst>
   </p:cSld>
@@ -14891,7 +21191,7 @@
           <a:p>
             <a:fld id="{8699F50C-BE38-4BD0-BA84-9B090E1F2B9B}" type="slidenum">
               <a:rPr lang="en-US" smtClean="0"/>
-              <a:t>4</a:t>
+              <a:t>2</a:t>
             </a:fld>
             <a:endParaRPr lang="en-US" dirty="0"/>
           </a:p>
@@ -18318,23 +24618,6 @@
 </file>
 
 <file path=customXml/item1.xml><?xml version="1.0" encoding="utf-8"?>
-<p:properties xmlns:p="http://schemas.microsoft.com/office/2006/metadata/properties" xmlns:xsi="http://www.w3.org/2001/XMLSchema-instance" xmlns:pc="http://schemas.microsoft.com/office/infopath/2007/PartnerControls">
-  <documentManagement>
-    <MediaServiceKeyPoints xmlns="71af3243-3dd4-4a8d-8c0d-dd76da1f02a5" xsi:nil="true"/>
-  </documentManagement>
-</p:properties>
-</file>
-
-<file path=customXml/item2.xml><?xml version="1.0" encoding="utf-8"?>
-<?mso-contentType ?>
-<FormTemplates xmlns="http://schemas.microsoft.com/sharepoint/v3/contenttype/forms">
-  <Display>DocumentLibraryForm</Display>
-  <Edit>DocumentLibraryForm</Edit>
-  <New>DocumentLibraryForm</New>
-</FormTemplates>
-</file>
-
-<file path=customXml/item3.xml><?xml version="1.0" encoding="utf-8"?>
 <ct:contentTypeSchema xmlns:ct="http://schemas.microsoft.com/office/2006/metadata/contentType" xmlns:ma="http://schemas.microsoft.com/office/2006/metadata/properties/metaAttributes" ct:_="" ma:_="" ma:contentTypeName="Document" ma:contentTypeID="0x01010079F111ED35F8CC479449609E8A0923A6" ma:contentTypeVersion="11" ma:contentTypeDescription="Create a new document." ma:contentTypeScope="" ma:versionID="96291512c1ee715ab617f4c07df79fc1">
   <xsd:schema xmlns:xsd="http://www.w3.org/2001/XMLSchema" xmlns:xs="http://www.w3.org/2001/XMLSchema" xmlns:p="http://schemas.microsoft.com/office/2006/metadata/properties" xmlns:ns2="71af3243-3dd4-4a8d-8c0d-dd76da1f02a5" xmlns:ns3="16c05727-aa75-4e4a-9b5f-8a80a1165891" targetNamespace="http://schemas.microsoft.com/office/2006/metadata/properties" ma:root="true" ma:fieldsID="8256c27c40ca5c40ce1cf6c44f0205df" ns2:_="" ns3:_="">
     <xsd:import namespace="71af3243-3dd4-4a8d-8c0d-dd76da1f02a5"/>
@@ -18545,25 +24828,24 @@
 </ct:contentTypeSchema>
 </file>
 
-<file path=customXml/itemProps1.xml><?xml version="1.0" encoding="utf-8"?>
-<ds:datastoreItem xmlns:ds="http://schemas.openxmlformats.org/officeDocument/2006/customXml" ds:itemID="{C87F4215-C6BB-44A3-9A5E-9446E6835900}">
-  <ds:schemaRefs>
-    <ds:schemaRef ds:uri="http://schemas.microsoft.com/office/2006/metadata/properties"/>
-    <ds:schemaRef ds:uri="http://schemas.microsoft.com/office/infopath/2007/PartnerControls"/>
-    <ds:schemaRef ds:uri="71af3243-3dd4-4a8d-8c0d-dd76da1f02a5"/>
-  </ds:schemaRefs>
-</ds:datastoreItem>
+<file path=customXml/item2.xml><?xml version="1.0" encoding="utf-8"?>
+<?mso-contentType ?>
+<FormTemplates xmlns="http://schemas.microsoft.com/sharepoint/v3/contenttype/forms">
+  <Display>DocumentLibraryForm</Display>
+  <Edit>DocumentLibraryForm</Edit>
+  <New>DocumentLibraryForm</New>
+</FormTemplates>
 </file>
 
-<file path=customXml/itemProps2.xml><?xml version="1.0" encoding="utf-8"?>
-<ds:datastoreItem xmlns:ds="http://schemas.openxmlformats.org/officeDocument/2006/customXml" ds:itemID="{A80A5AF1-8C57-4290-936E-5FD27C957251}">
-  <ds:schemaRefs>
-    <ds:schemaRef ds:uri="http://schemas.microsoft.com/sharepoint/v3/contenttype/forms"/>
-  </ds:schemaRefs>
-</ds:datastoreItem>
+<file path=customXml/item3.xml><?xml version="1.0" encoding="utf-8"?>
+<p:properties xmlns:p="http://schemas.microsoft.com/office/2006/metadata/properties" xmlns:xsi="http://www.w3.org/2001/XMLSchema-instance" xmlns:pc="http://schemas.microsoft.com/office/infopath/2007/PartnerControls">
+  <documentManagement>
+    <MediaServiceKeyPoints xmlns="71af3243-3dd4-4a8d-8c0d-dd76da1f02a5" xsi:nil="true"/>
+  </documentManagement>
+</p:properties>
 </file>
 
-<file path=customXml/itemProps3.xml><?xml version="1.0" encoding="utf-8"?>
+<file path=customXml/itemProps1.xml><?xml version="1.0" encoding="utf-8"?>
 <ds:datastoreItem xmlns:ds="http://schemas.openxmlformats.org/officeDocument/2006/customXml" ds:itemID="{8F8919DE-9BD9-47A9-9F5D-16EBB9687974}">
   <ds:schemaRefs>
     <ds:schemaRef ds:uri="http://schemas.microsoft.com/office/2006/metadata/contentType"/>
@@ -18580,4 +24862,22 @@
     <ds:schemaRef ds:uri="http://schemas.microsoft.com/internal/obd"/>
   </ds:schemaRefs>
 </ds:datastoreItem>
+</file>
+
+<file path=customXml/itemProps2.xml><?xml version="1.0" encoding="utf-8"?>
+<ds:datastoreItem xmlns:ds="http://schemas.openxmlformats.org/officeDocument/2006/customXml" ds:itemID="{A80A5AF1-8C57-4290-936E-5FD27C957251}">
+  <ds:schemaRefs>
+    <ds:schemaRef ds:uri="http://schemas.microsoft.com/sharepoint/v3/contenttype/forms"/>
+  </ds:schemaRefs>
+</ds:datastoreItem>
+</file>
+
+<file path=customXml/itemProps3.xml><?xml version="1.0" encoding="utf-8"?>
+<ds:datastoreItem xmlns:ds="http://schemas.openxmlformats.org/officeDocument/2006/customXml" ds:itemID="{C87F4215-C6BB-44A3-9A5E-9446E6835900}">
+  <ds:schemaRefs>
+    <ds:schemaRef ds:uri="http://schemas.microsoft.com/office/2006/metadata/properties"/>
+    <ds:schemaRef ds:uri="http://schemas.microsoft.com/office/infopath/2007/PartnerControls"/>
+    <ds:schemaRef ds:uri="71af3243-3dd4-4a8d-8c0d-dd76da1f02a5"/>
+  </ds:schemaRefs>
+</ds:datastoreItem>
 </file>
--- a/Capstone1/Capstone1_Reports/Capstone1_Presentation.pptx
+++ b/Capstone1/Capstone1_Reports/Capstone1_Presentation.pptx
@@ -246,7 +246,7 @@
           <a:p>
             <a:fld id="{872BFC85-49E4-447A-A7E3-16153CB2FE2A}" type="datetimeFigureOut">
               <a:rPr lang="en-US" smtClean="0"/>
-              <a:t>6/25/19</a:t>
+              <a:t>7/2/19</a:t>
             </a:fld>
             <a:endParaRPr lang="en-US" dirty="0"/>
           </a:p>
@@ -423,7 +423,7 @@
           <a:p>
             <a:fld id="{1071B50E-4C60-4F9E-B773-52059170945B}" type="datetimeFigureOut">
               <a:rPr lang="en-US" noProof="0" smtClean="0"/>
-              <a:t>6/25/19</a:t>
+              <a:t>7/2/19</a:t>
             </a:fld>
             <a:endParaRPr lang="en-US" noProof="0" dirty="0"/>
           </a:p>
@@ -904,10 +904,9 @@
           </a:lstStyle>
           <a:p>
             <a:r>
-              <a:rPr lang="en-US" noProof="0"/>
+              <a:rPr lang="en-US" noProof="0" dirty="0"/>
               <a:t>Click icon to add picture</a:t>
             </a:r>
-            <a:endParaRPr lang="en-US" noProof="0" dirty="0"/>
           </a:p>
         </p:txBody>
       </p:sp>
@@ -5125,10 +5124,9 @@
           </a:lstStyle>
           <a:p>
             <a:r>
-              <a:rPr lang="en-US" noProof="0"/>
+              <a:rPr lang="en-US" noProof="0" dirty="0"/>
               <a:t>Click icon to add picture</a:t>
             </a:r>
-            <a:endParaRPr lang="en-US" noProof="0" dirty="0"/>
           </a:p>
         </p:txBody>
       </p:sp>
@@ -6614,10 +6612,9 @@
           </a:lstStyle>
           <a:p>
             <a:r>
-              <a:rPr lang="en-US" noProof="0"/>
+              <a:rPr lang="en-US" noProof="0" dirty="0"/>
               <a:t>Click icon to add picture</a:t>
             </a:r>
-            <a:endParaRPr lang="en-US" noProof="0" dirty="0"/>
           </a:p>
         </p:txBody>
       </p:sp>
@@ -7349,10 +7346,9 @@
           </a:lstStyle>
           <a:p>
             <a:r>
-              <a:rPr lang="en-US" noProof="0"/>
+              <a:rPr lang="en-US" noProof="0" dirty="0"/>
               <a:t>Click icon to add picture</a:t>
             </a:r>
-            <a:endParaRPr lang="en-US" noProof="0" dirty="0"/>
           </a:p>
         </p:txBody>
       </p:sp>
@@ -7597,10 +7593,9 @@
           </a:lstStyle>
           <a:p>
             <a:r>
-              <a:rPr lang="en-US" noProof="0"/>
+              <a:rPr lang="en-US" noProof="0" dirty="0"/>
               <a:t>Click icon to add picture</a:t>
             </a:r>
-            <a:endParaRPr lang="en-US" noProof="0" dirty="0"/>
           </a:p>
         </p:txBody>
       </p:sp>
@@ -9460,10 +9455,9 @@
           <a:p>
             <a:pPr lvl="0"/>
             <a:r>
-              <a:rPr lang="en-US" noProof="0"/>
+              <a:rPr lang="en-US" noProof="0" dirty="0"/>
               <a:t>Click icon to add chart</a:t>
             </a:r>
-            <a:endParaRPr lang="en-US" noProof="0" dirty="0"/>
           </a:p>
         </p:txBody>
       </p:sp>
@@ -9561,10 +9555,9 @@
           <a:p>
             <a:pPr lvl="0"/>
             <a:r>
-              <a:rPr lang="en-US" noProof="0"/>
+              <a:rPr lang="en-US" noProof="0" dirty="0"/>
               <a:t>Click icon to add table</a:t>
             </a:r>
-            <a:endParaRPr lang="en-US" noProof="0" dirty="0"/>
           </a:p>
         </p:txBody>
       </p:sp>
@@ -12087,10 +12080,9 @@
           </a:lstStyle>
           <a:p>
             <a:r>
-              <a:rPr lang="en-US" noProof="0"/>
+              <a:rPr lang="en-US" noProof="0" dirty="0"/>
               <a:t>Click icon to add picture</a:t>
             </a:r>
-            <a:endParaRPr lang="en-US" noProof="0" dirty="0"/>
           </a:p>
         </p:txBody>
       </p:sp>
@@ -13538,23 +13530,7 @@
                   <a:schemeClr val="bg1"/>
                 </a:solidFill>
               </a:rPr>
-              <a:t>The </a:t>
-            </a:r>
-            <a:r>
-              <a:rPr lang="en-US" dirty="0" err="1">
-                <a:solidFill>
-                  <a:schemeClr val="bg1"/>
-                </a:solidFill>
-              </a:rPr>
-              <a:t>ElasticNet</a:t>
-            </a:r>
-            <a:r>
-              <a:rPr lang="en-US" dirty="0">
-                <a:solidFill>
-                  <a:schemeClr val="bg1"/>
-                </a:solidFill>
-              </a:rPr>
-              <a:t> Regression (w/ Transformed Target) model was selected has the best model for this project due as it performance on testing data which increases confidence in predictions made on future data. This model also allows for great interpretability by identifying the most influential variables</a:t>
+              <a:t>The ElasticNet Regression (w/ Transformed Target) model was selected has the best model for this project due as it performance on testing data which increases confidence in predictions made on future data. This model also allows for great interpretability by identifying the most influential variables</a:t>
             </a:r>
           </a:p>
         </p:txBody>
@@ -13574,14 +13550,14 @@
           <p:nvPr>
             <p:extLst>
               <p:ext uri="{D42A27DB-BD31-4B8C-83A1-F6EECF244321}">
-                <p14:modId xmlns:p14="http://schemas.microsoft.com/office/powerpoint/2010/main" val="760812470"/>
+                <p14:modId xmlns:p14="http://schemas.microsoft.com/office/powerpoint/2010/main" val="3839501490"/>
               </p:ext>
             </p:extLst>
           </p:nvPr>
         </p:nvGraphicFramePr>
         <p:xfrm>
-          <a:off x="1822183" y="2464599"/>
-          <a:ext cx="8214064" cy="2740915"/>
+          <a:off x="1822183" y="2464600"/>
+          <a:ext cx="8214064" cy="2741530"/>
         </p:xfrm>
         <a:graphic>
           <a:graphicData uri="http://schemas.openxmlformats.org/drawingml/2006/table">
@@ -13624,7 +13600,7 @@
                   </a:extLst>
                 </a:gridCol>
               </a:tblGrid>
-              <a:tr h="249687">
+              <a:tr h="259285">
                 <a:tc>
                   <a:txBody>
                     <a:bodyPr/>
@@ -13882,7 +13858,7 @@
                   </a:ext>
                 </a:extLst>
               </a:tr>
-              <a:tr h="249687">
+              <a:tr h="203164">
                 <a:tc>
                   <a:txBody>
                     <a:bodyPr/>
@@ -13900,7 +13876,7 @@
                         </a:spcAft>
                       </a:pPr>
                       <a:r>
-                        <a:rPr lang="en-US" sz="1300" b="1">
+                        <a:rPr lang="en-US" sz="1300" b="1" dirty="0">
                           <a:solidFill>
                             <a:srgbClr val="FFFFFF"/>
                           </a:solidFill>
@@ -13911,7 +13887,7 @@
                         </a:rPr>
                         <a:t>Model</a:t>
                       </a:r>
-                      <a:endParaRPr lang="en-US" sz="1300">
+                      <a:endParaRPr lang="en-US" sz="1300" dirty="0">
                         <a:effectLst/>
                         <a:latin typeface="Arial" panose="020B0604020202020204" pitchFamily="34" charset="0"/>
                         <a:ea typeface="Arial" panose="020B0604020202020204" pitchFamily="34" charset="0"/>
@@ -14075,31 +14051,7 @@
                           <a:ea typeface="Calibri" panose="020F0502020204030204" pitchFamily="34" charset="0"/>
                           <a:cs typeface="Calibri" panose="020F0502020204030204" pitchFamily="34" charset="0"/>
                         </a:rPr>
-                        <a:t>MAE (</a:t>
-                      </a:r>
-                      <a:r>
-                        <a:rPr lang="en-US" sz="1300" b="1" dirty="0" err="1">
-                          <a:solidFill>
-                            <a:srgbClr val="FFFFFF"/>
-                          </a:solidFill>
-                          <a:effectLst/>
-                          <a:latin typeface="Calibri" panose="020F0502020204030204" pitchFamily="34" charset="0"/>
-                          <a:ea typeface="Calibri" panose="020F0502020204030204" pitchFamily="34" charset="0"/>
-                          <a:cs typeface="Calibri" panose="020F0502020204030204" pitchFamily="34" charset="0"/>
-                        </a:rPr>
-                        <a:t>kBTU</a:t>
-                      </a:r>
-                      <a:r>
-                        <a:rPr lang="en-US" sz="1300" b="1" dirty="0">
-                          <a:solidFill>
-                            <a:srgbClr val="FFFFFF"/>
-                          </a:solidFill>
-                          <a:effectLst/>
-                          <a:latin typeface="Calibri" panose="020F0502020204030204" pitchFamily="34" charset="0"/>
-                          <a:ea typeface="Calibri" panose="020F0502020204030204" pitchFamily="34" charset="0"/>
-                          <a:cs typeface="Calibri" panose="020F0502020204030204" pitchFamily="34" charset="0"/>
-                        </a:rPr>
-                        <a:t>)</a:t>
+                        <a:t>MAE (kBTU)</a:t>
                       </a:r>
                       <a:endParaRPr lang="en-US" sz="1300" dirty="0">
                         <a:effectLst/>
@@ -14265,31 +14217,7 @@
                           <a:ea typeface="Calibri" panose="020F0502020204030204" pitchFamily="34" charset="0"/>
                           <a:cs typeface="Calibri" panose="020F0502020204030204" pitchFamily="34" charset="0"/>
                         </a:rPr>
-                        <a:t>MAE (</a:t>
-                      </a:r>
-                      <a:r>
-                        <a:rPr lang="en-US" sz="1300" b="1" dirty="0" err="1">
-                          <a:solidFill>
-                            <a:srgbClr val="FFFFFF"/>
-                          </a:solidFill>
-                          <a:effectLst/>
-                          <a:latin typeface="Calibri" panose="020F0502020204030204" pitchFamily="34" charset="0"/>
-                          <a:ea typeface="Calibri" panose="020F0502020204030204" pitchFamily="34" charset="0"/>
-                          <a:cs typeface="Calibri" panose="020F0502020204030204" pitchFamily="34" charset="0"/>
-                        </a:rPr>
-                        <a:t>kBTU</a:t>
-                      </a:r>
-                      <a:r>
-                        <a:rPr lang="en-US" sz="1300" b="1" dirty="0">
-                          <a:solidFill>
-                            <a:srgbClr val="FFFFFF"/>
-                          </a:solidFill>
-                          <a:effectLst/>
-                          <a:latin typeface="Calibri" panose="020F0502020204030204" pitchFamily="34" charset="0"/>
-                          <a:ea typeface="Calibri" panose="020F0502020204030204" pitchFamily="34" charset="0"/>
-                          <a:cs typeface="Calibri" panose="020F0502020204030204" pitchFamily="34" charset="0"/>
-                        </a:rPr>
-                        <a:t>)</a:t>
+                        <a:t>MAE (kBTU)</a:t>
                       </a:r>
                       <a:endParaRPr lang="en-US" sz="1300" dirty="0">
                         <a:effectLst/>
@@ -14346,7 +14274,7 @@
                   </a:ext>
                 </a:extLst>
               </a:tr>
-              <a:tr h="543142">
+              <a:tr h="441940">
                 <a:tc>
                   <a:txBody>
                     <a:bodyPr/>
@@ -14364,7 +14292,339 @@
                         </a:spcAft>
                       </a:pPr>
                       <a:r>
-                        <a:rPr lang="en-US" sz="1300">
+                        <a:rPr lang="en-US" sz="1300" dirty="0">
+                          <a:effectLst/>
+                          <a:latin typeface="+mn-lt"/>
+                          <a:ea typeface="Arial" panose="020B0604020202020204" pitchFamily="34" charset="0"/>
+                        </a:rPr>
+                        <a:t>Baseline</a:t>
+                      </a:r>
+                    </a:p>
+                  </a:txBody>
+                  <a:tcPr marL="79117" marR="79117" marT="0" marB="0" anchor="ctr">
+                    <a:lnL w="12700" cap="flat" cmpd="sng" algn="ctr">
+                      <a:solidFill>
+                        <a:srgbClr val="000000"/>
+                      </a:solidFill>
+                      <a:prstDash val="solid"/>
+                      <a:round/>
+                      <a:headEnd type="none" w="med" len="med"/>
+                      <a:tailEnd type="none" w="med" len="med"/>
+                    </a:lnL>
+                    <a:lnR w="12700" cap="flat" cmpd="sng" algn="ctr">
+                      <a:solidFill>
+                        <a:srgbClr val="000000"/>
+                      </a:solidFill>
+                      <a:prstDash val="solid"/>
+                      <a:round/>
+                      <a:headEnd type="none" w="med" len="med"/>
+                      <a:tailEnd type="none" w="med" len="med"/>
+                    </a:lnR>
+                    <a:lnT w="12700" cap="flat" cmpd="sng" algn="ctr">
+                      <a:solidFill>
+                        <a:srgbClr val="000000"/>
+                      </a:solidFill>
+                      <a:prstDash val="solid"/>
+                      <a:round/>
+                      <a:headEnd type="none" w="med" len="med"/>
+                      <a:tailEnd type="none" w="med" len="med"/>
+                    </a:lnT>
+                    <a:lnB w="12700" cap="flat" cmpd="sng" algn="ctr">
+                      <a:solidFill>
+                        <a:srgbClr val="000000"/>
+                      </a:solidFill>
+                      <a:prstDash val="solid"/>
+                      <a:round/>
+                      <a:headEnd type="none" w="med" len="med"/>
+                      <a:tailEnd type="none" w="med" len="med"/>
+                    </a:lnB>
+                  </a:tcPr>
+                </a:tc>
+                <a:tc>
+                  <a:txBody>
+                    <a:bodyPr/>
+                    <a:lstStyle/>
+                    <a:p>
+                      <a:pPr marL="0" marR="0" algn="ctr">
+                        <a:lnSpc>
+                          <a:spcPct val="115000"/>
+                        </a:lnSpc>
+                        <a:spcBef>
+                          <a:spcPts val="0"/>
+                        </a:spcBef>
+                        <a:spcAft>
+                          <a:spcPts val="0"/>
+                        </a:spcAft>
+                      </a:pPr>
+                      <a:r>
+                        <a:rPr lang="en-US" sz="1300" dirty="0">
+                          <a:effectLst/>
+                          <a:latin typeface="+mn-lt"/>
+                          <a:ea typeface="Arial" panose="020B0604020202020204" pitchFamily="34" charset="0"/>
+                        </a:rPr>
+                        <a:t>-3.9%</a:t>
+                      </a:r>
+                    </a:p>
+                  </a:txBody>
+                  <a:tcPr marL="79117" marR="79117" marT="0" marB="0" anchor="ctr">
+                    <a:lnL w="12700" cap="flat" cmpd="sng" algn="ctr">
+                      <a:solidFill>
+                        <a:srgbClr val="000000"/>
+                      </a:solidFill>
+                      <a:prstDash val="solid"/>
+                      <a:round/>
+                      <a:headEnd type="none" w="med" len="med"/>
+                      <a:tailEnd type="none" w="med" len="med"/>
+                    </a:lnL>
+                    <a:lnR w="12700" cap="flat" cmpd="sng" algn="ctr">
+                      <a:solidFill>
+                        <a:srgbClr val="000000"/>
+                      </a:solidFill>
+                      <a:prstDash val="solid"/>
+                      <a:round/>
+                      <a:headEnd type="none" w="med" len="med"/>
+                      <a:tailEnd type="none" w="med" len="med"/>
+                    </a:lnR>
+                    <a:lnT w="12700" cap="flat" cmpd="sng" algn="ctr">
+                      <a:solidFill>
+                        <a:srgbClr val="000000"/>
+                      </a:solidFill>
+                      <a:prstDash val="solid"/>
+                      <a:round/>
+                      <a:headEnd type="none" w="med" len="med"/>
+                      <a:tailEnd type="none" w="med" len="med"/>
+                    </a:lnT>
+                    <a:lnB w="12700" cap="flat" cmpd="sng" algn="ctr">
+                      <a:solidFill>
+                        <a:srgbClr val="000000"/>
+                      </a:solidFill>
+                      <a:prstDash val="solid"/>
+                      <a:round/>
+                      <a:headEnd type="none" w="med" len="med"/>
+                      <a:tailEnd type="none" w="med" len="med"/>
+                    </a:lnB>
+                  </a:tcPr>
+                </a:tc>
+                <a:tc>
+                  <a:txBody>
+                    <a:bodyPr/>
+                    <a:lstStyle/>
+                    <a:p>
+                      <a:pPr marL="0" marR="0" algn="ctr">
+                        <a:lnSpc>
+                          <a:spcPct val="115000"/>
+                        </a:lnSpc>
+                        <a:spcBef>
+                          <a:spcPts val="0"/>
+                        </a:spcBef>
+                        <a:spcAft>
+                          <a:spcPts val="0"/>
+                        </a:spcAft>
+                      </a:pPr>
+                      <a:r>
+                        <a:rPr lang="en-US" sz="1300" dirty="0">
+                          <a:effectLst/>
+                          <a:latin typeface="+mn-lt"/>
+                          <a:ea typeface="Arial" panose="020B0604020202020204" pitchFamily="34" charset="0"/>
+                        </a:rPr>
+                        <a:t>29,626</a:t>
+                      </a:r>
+                    </a:p>
+                  </a:txBody>
+                  <a:tcPr marL="79117" marR="79117" marT="0" marB="0" anchor="ctr">
+                    <a:lnL w="12700" cap="flat" cmpd="sng" algn="ctr">
+                      <a:solidFill>
+                        <a:srgbClr val="000000"/>
+                      </a:solidFill>
+                      <a:prstDash val="solid"/>
+                      <a:round/>
+                      <a:headEnd type="none" w="med" len="med"/>
+                      <a:tailEnd type="none" w="med" len="med"/>
+                    </a:lnL>
+                    <a:lnR w="12700" cap="flat" cmpd="sng" algn="ctr">
+                      <a:solidFill>
+                        <a:srgbClr val="000000"/>
+                      </a:solidFill>
+                      <a:prstDash val="solid"/>
+                      <a:round/>
+                      <a:headEnd type="none" w="med" len="med"/>
+                      <a:tailEnd type="none" w="med" len="med"/>
+                    </a:lnR>
+                    <a:lnT w="12700" cap="flat" cmpd="sng" algn="ctr">
+                      <a:solidFill>
+                        <a:srgbClr val="000000"/>
+                      </a:solidFill>
+                      <a:prstDash val="solid"/>
+                      <a:round/>
+                      <a:headEnd type="none" w="med" len="med"/>
+                      <a:tailEnd type="none" w="med" len="med"/>
+                    </a:lnT>
+                    <a:lnB w="12700" cap="flat" cmpd="sng" algn="ctr">
+                      <a:solidFill>
+                        <a:srgbClr val="000000"/>
+                      </a:solidFill>
+                      <a:prstDash val="solid"/>
+                      <a:round/>
+                      <a:headEnd type="none" w="med" len="med"/>
+                      <a:tailEnd type="none" w="med" len="med"/>
+                    </a:lnB>
+                  </a:tcPr>
+                </a:tc>
+                <a:tc>
+                  <a:txBody>
+                    <a:bodyPr/>
+                    <a:lstStyle/>
+                    <a:p>
+                      <a:pPr marL="0" marR="0" algn="ctr">
+                        <a:lnSpc>
+                          <a:spcPct val="115000"/>
+                        </a:lnSpc>
+                        <a:spcBef>
+                          <a:spcPts val="0"/>
+                        </a:spcBef>
+                        <a:spcAft>
+                          <a:spcPts val="0"/>
+                        </a:spcAft>
+                      </a:pPr>
+                      <a:r>
+                        <a:rPr lang="en-US" sz="1300" dirty="0">
+                          <a:effectLst/>
+                          <a:latin typeface="+mn-lt"/>
+                          <a:ea typeface="Arial" panose="020B0604020202020204" pitchFamily="34" charset="0"/>
+                        </a:rPr>
+                        <a:t>-4.4%</a:t>
+                      </a:r>
+                    </a:p>
+                  </a:txBody>
+                  <a:tcPr marL="79117" marR="79117" marT="0" marB="0" anchor="ctr">
+                    <a:lnL w="12700" cap="flat" cmpd="sng" algn="ctr">
+                      <a:solidFill>
+                        <a:srgbClr val="000000"/>
+                      </a:solidFill>
+                      <a:prstDash val="solid"/>
+                      <a:round/>
+                      <a:headEnd type="none" w="med" len="med"/>
+                      <a:tailEnd type="none" w="med" len="med"/>
+                    </a:lnL>
+                    <a:lnR w="12700" cap="flat" cmpd="sng" algn="ctr">
+                      <a:solidFill>
+                        <a:srgbClr val="000000"/>
+                      </a:solidFill>
+                      <a:prstDash val="solid"/>
+                      <a:round/>
+                      <a:headEnd type="none" w="med" len="med"/>
+                      <a:tailEnd type="none" w="med" len="med"/>
+                    </a:lnR>
+                    <a:lnT w="12700" cap="flat" cmpd="sng" algn="ctr">
+                      <a:solidFill>
+                        <a:srgbClr val="000000"/>
+                      </a:solidFill>
+                      <a:prstDash val="solid"/>
+                      <a:round/>
+                      <a:headEnd type="none" w="med" len="med"/>
+                      <a:tailEnd type="none" w="med" len="med"/>
+                    </a:lnT>
+                    <a:lnB w="12700" cap="flat" cmpd="sng" algn="ctr">
+                      <a:solidFill>
+                        <a:srgbClr val="000000"/>
+                      </a:solidFill>
+                      <a:prstDash val="solid"/>
+                      <a:round/>
+                      <a:headEnd type="none" w="med" len="med"/>
+                      <a:tailEnd type="none" w="med" len="med"/>
+                    </a:lnB>
+                  </a:tcPr>
+                </a:tc>
+                <a:tc>
+                  <a:txBody>
+                    <a:bodyPr/>
+                    <a:lstStyle/>
+                    <a:p>
+                      <a:pPr marL="0" marR="0" algn="ctr">
+                        <a:lnSpc>
+                          <a:spcPct val="115000"/>
+                        </a:lnSpc>
+                        <a:spcBef>
+                          <a:spcPts val="0"/>
+                        </a:spcBef>
+                        <a:spcAft>
+                          <a:spcPts val="0"/>
+                        </a:spcAft>
+                      </a:pPr>
+                      <a:r>
+                        <a:rPr lang="en-US" sz="1300" dirty="0">
+                          <a:effectLst/>
+                          <a:latin typeface="+mn-lt"/>
+                          <a:ea typeface="Arial" panose="020B0604020202020204" pitchFamily="34" charset="0"/>
+                        </a:rPr>
+                        <a:t>29,050</a:t>
+                      </a:r>
+                    </a:p>
+                  </a:txBody>
+                  <a:tcPr marL="79117" marR="79117" marT="0" marB="0" anchor="ctr">
+                    <a:lnL w="12700" cap="flat" cmpd="sng" algn="ctr">
+                      <a:solidFill>
+                        <a:srgbClr val="000000"/>
+                      </a:solidFill>
+                      <a:prstDash val="solid"/>
+                      <a:round/>
+                      <a:headEnd type="none" w="med" len="med"/>
+                      <a:tailEnd type="none" w="med" len="med"/>
+                    </a:lnL>
+                    <a:lnR w="12700" cap="flat" cmpd="sng" algn="ctr">
+                      <a:solidFill>
+                        <a:srgbClr val="000000"/>
+                      </a:solidFill>
+                      <a:prstDash val="solid"/>
+                      <a:round/>
+                      <a:headEnd type="none" w="med" len="med"/>
+                      <a:tailEnd type="none" w="med" len="med"/>
+                    </a:lnR>
+                    <a:lnT w="12700" cap="flat" cmpd="sng" algn="ctr">
+                      <a:solidFill>
+                        <a:srgbClr val="000000"/>
+                      </a:solidFill>
+                      <a:prstDash val="solid"/>
+                      <a:round/>
+                      <a:headEnd type="none" w="med" len="med"/>
+                      <a:tailEnd type="none" w="med" len="med"/>
+                    </a:lnT>
+                    <a:lnB w="12700" cap="flat" cmpd="sng" algn="ctr">
+                      <a:solidFill>
+                        <a:srgbClr val="000000"/>
+                      </a:solidFill>
+                      <a:prstDash val="solid"/>
+                      <a:round/>
+                      <a:headEnd type="none" w="med" len="med"/>
+                      <a:tailEnd type="none" w="med" len="med"/>
+                    </a:lnB>
+                  </a:tcPr>
+                </a:tc>
+                <a:extLst>
+                  <a:ext uri="{0D108BD9-81ED-4DB2-BD59-A6C34878D82A}">
+                    <a16:rowId xmlns:a16="http://schemas.microsoft.com/office/drawing/2014/main" val="930670565"/>
+                  </a:ext>
+                </a:extLst>
+              </a:tr>
+              <a:tr h="441940">
+                <a:tc>
+                  <a:txBody>
+                    <a:bodyPr/>
+                    <a:lstStyle/>
+                    <a:p>
+                      <a:pPr marL="0" marR="0">
+                        <a:lnSpc>
+                          <a:spcPct val="115000"/>
+                        </a:lnSpc>
+                        <a:spcBef>
+                          <a:spcPts val="0"/>
+                        </a:spcBef>
+                        <a:spcAft>
+                          <a:spcPts val="0"/>
+                        </a:spcAft>
+                      </a:pPr>
+                      <a:r>
+                        <a:rPr lang="en-US" sz="1300" dirty="0">
                           <a:effectLst/>
                           <a:latin typeface="Calibri" panose="020F0502020204030204" pitchFamily="34" charset="0"/>
                           <a:ea typeface="Calibri" panose="020F0502020204030204" pitchFamily="34" charset="0"/>
@@ -14372,7 +14632,7 @@
                         </a:rPr>
                         <a:t>Ridge</a:t>
                       </a:r>
-                      <a:endParaRPr lang="en-US" sz="1300">
+                      <a:endParaRPr lang="en-US" sz="1300" dirty="0">
                         <a:effectLst/>
                         <a:latin typeface="Arial" panose="020B0604020202020204" pitchFamily="34" charset="0"/>
                         <a:ea typeface="Arial" panose="020B0604020202020204" pitchFamily="34" charset="0"/>
@@ -14708,7 +14968,7 @@
                   </a:ext>
                 </a:extLst>
               </a:tr>
-              <a:tr h="543142">
+              <a:tr h="441940">
                 <a:tc>
                   <a:txBody>
                     <a:bodyPr/>
@@ -14726,7 +14986,7 @@
                         </a:spcAft>
                       </a:pPr>
                       <a:r>
-                        <a:rPr lang="en-US" sz="1300">
+                        <a:rPr lang="en-US" sz="1300" dirty="0">
                           <a:effectLst/>
                           <a:latin typeface="Calibri" panose="020F0502020204030204" pitchFamily="34" charset="0"/>
                           <a:ea typeface="Calibri" panose="020F0502020204030204" pitchFamily="34" charset="0"/>
@@ -14734,7 +14994,7 @@
                         </a:rPr>
                         <a:t>Lasso</a:t>
                       </a:r>
-                      <a:endParaRPr lang="en-US" sz="1300">
+                      <a:endParaRPr lang="en-US" sz="1300" dirty="0">
                         <a:effectLst/>
                         <a:latin typeface="Arial" panose="020B0604020202020204" pitchFamily="34" charset="0"/>
                         <a:ea typeface="Arial" panose="020B0604020202020204" pitchFamily="34" charset="0"/>
@@ -14797,7 +15057,7 @@
                         </a:spcAft>
                       </a:pPr>
                       <a:r>
-                        <a:rPr lang="en-US" sz="1300">
+                        <a:rPr lang="en-US" sz="1300" dirty="0">
                           <a:effectLst/>
                           <a:latin typeface="Calibri" panose="020F0502020204030204" pitchFamily="34" charset="0"/>
                           <a:ea typeface="Calibri" panose="020F0502020204030204" pitchFamily="34" charset="0"/>
@@ -14805,7 +15065,7 @@
                         </a:rPr>
                         <a:t>80.3%</a:t>
                       </a:r>
-                      <a:endParaRPr lang="en-US" sz="1300">
+                      <a:endParaRPr lang="en-US" sz="1300" dirty="0">
                         <a:effectLst/>
                         <a:latin typeface="Arial" panose="020B0604020202020204" pitchFamily="34" charset="0"/>
                         <a:ea typeface="Arial" panose="020B0604020202020204" pitchFamily="34" charset="0"/>
@@ -14868,7 +15128,7 @@
                         </a:spcAft>
                       </a:pPr>
                       <a:r>
-                        <a:rPr lang="en-US" sz="1300">
+                        <a:rPr lang="en-US" sz="1300" dirty="0">
                           <a:effectLst/>
                           <a:latin typeface="Calibri" panose="020F0502020204030204" pitchFamily="34" charset="0"/>
                           <a:ea typeface="Calibri" panose="020F0502020204030204" pitchFamily="34" charset="0"/>
@@ -14876,7 +15136,7 @@
                         </a:rPr>
                         <a:t>11,733</a:t>
                       </a:r>
-                      <a:endParaRPr lang="en-US" sz="1300">
+                      <a:endParaRPr lang="en-US" sz="1300" dirty="0">
                         <a:effectLst/>
                         <a:latin typeface="Arial" panose="020B0604020202020204" pitchFamily="34" charset="0"/>
                         <a:ea typeface="Arial" panose="020B0604020202020204" pitchFamily="34" charset="0"/>
@@ -15010,7 +15270,7 @@
                         </a:spcAft>
                       </a:pPr>
                       <a:r>
-                        <a:rPr lang="en-US" sz="1300">
+                        <a:rPr lang="en-US" sz="1300" dirty="0">
                           <a:effectLst/>
                           <a:latin typeface="Calibri" panose="020F0502020204030204" pitchFamily="34" charset="0"/>
                           <a:ea typeface="Calibri" panose="020F0502020204030204" pitchFamily="34" charset="0"/>
@@ -15018,7 +15278,7 @@
                         </a:rPr>
                         <a:t>13,334</a:t>
                       </a:r>
-                      <a:endParaRPr lang="en-US" sz="1300">
+                      <a:endParaRPr lang="en-US" sz="1300" dirty="0">
                         <a:effectLst/>
                         <a:latin typeface="Arial" panose="020B0604020202020204" pitchFamily="34" charset="0"/>
                         <a:ea typeface="Arial" panose="020B0604020202020204" pitchFamily="34" charset="0"/>
@@ -15070,7 +15330,7 @@
                   </a:ext>
                 </a:extLst>
               </a:tr>
-              <a:tr h="543142">
+              <a:tr h="441940">
                 <a:tc>
                   <a:txBody>
                     <a:bodyPr/>
@@ -15088,7 +15348,7 @@
                         </a:spcAft>
                       </a:pPr>
                       <a:r>
-                        <a:rPr lang="en-US" sz="1300">
+                        <a:rPr lang="en-US" sz="1300" dirty="0">
                           <a:effectLst/>
                           <a:latin typeface="Calibri" panose="020F0502020204030204" pitchFamily="34" charset="0"/>
                           <a:ea typeface="Calibri" panose="020F0502020204030204" pitchFamily="34" charset="0"/>
@@ -15096,7 +15356,7 @@
                         </a:rPr>
                         <a:t>Elastic Net</a:t>
                       </a:r>
-                      <a:endParaRPr lang="en-US" sz="1300">
+                      <a:endParaRPr lang="en-US" sz="1300" dirty="0">
                         <a:effectLst/>
                         <a:latin typeface="Arial" panose="020B0604020202020204" pitchFamily="34" charset="0"/>
                         <a:ea typeface="Arial" panose="020B0604020202020204" pitchFamily="34" charset="0"/>
@@ -15230,7 +15490,7 @@
                         </a:spcAft>
                       </a:pPr>
                       <a:r>
-                        <a:rPr lang="en-US" sz="1300">
+                        <a:rPr lang="en-US" sz="1300" dirty="0">
                           <a:effectLst/>
                           <a:latin typeface="Calibri" panose="020F0502020204030204" pitchFamily="34" charset="0"/>
                           <a:ea typeface="Calibri" panose="020F0502020204030204" pitchFamily="34" charset="0"/>
@@ -15238,7 +15498,7 @@
                         </a:rPr>
                         <a:t>11,899</a:t>
                       </a:r>
-                      <a:endParaRPr lang="en-US" sz="1300">
+                      <a:endParaRPr lang="en-US" sz="1300" dirty="0">
                         <a:effectLst/>
                         <a:latin typeface="Arial" panose="020B0604020202020204" pitchFamily="34" charset="0"/>
                         <a:ea typeface="Arial" panose="020B0604020202020204" pitchFamily="34" charset="0"/>
@@ -15432,7 +15692,7 @@
                   </a:ext>
                 </a:extLst>
               </a:tr>
-              <a:tr h="543142">
+              <a:tr h="441940">
                 <a:tc>
                   <a:txBody>
                     <a:bodyPr/>
@@ -16147,7 +16407,7 @@
                         </a:spcAft>
                       </a:pPr>
                       <a:r>
-                        <a:rPr lang="en-US" sz="1800" b="1">
+                        <a:rPr lang="en-US" sz="1800" b="1" dirty="0">
                           <a:solidFill>
                             <a:srgbClr val="FFFFFF"/>
                           </a:solidFill>
@@ -16158,7 +16418,7 @@
                         </a:rPr>
                         <a:t>ElasticNet Regression (Transformed Target) Results by Housing Type</a:t>
                       </a:r>
-                      <a:endParaRPr lang="en-US" sz="1800">
+                      <a:endParaRPr lang="en-US" sz="1800" dirty="0">
                         <a:effectLst/>
                         <a:latin typeface="Arial" panose="020B0604020202020204" pitchFamily="34" charset="0"/>
                         <a:ea typeface="Arial" panose="020B0604020202020204" pitchFamily="34" charset="0"/>
@@ -16251,7 +16511,7 @@
                         </a:spcAft>
                       </a:pPr>
                       <a:r>
-                        <a:rPr lang="en-US" sz="1800" b="1">
+                        <a:rPr lang="en-US" sz="1800" b="1" dirty="0">
                           <a:solidFill>
                             <a:srgbClr val="FFFFFF"/>
                           </a:solidFill>
@@ -16262,84 +16522,7 @@
                         </a:rPr>
                         <a:t>Housing Type</a:t>
                       </a:r>
-                      <a:endParaRPr lang="en-US" sz="1800">
-                        <a:effectLst/>
-                        <a:latin typeface="Arial" panose="020B0604020202020204" pitchFamily="34" charset="0"/>
-                        <a:ea typeface="Arial" panose="020B0604020202020204" pitchFamily="34" charset="0"/>
-                      </a:endParaRPr>
-                    </a:p>
-                  </a:txBody>
-                  <a:tcPr marL="114440" marR="114440" marT="0" marB="0">
-                    <a:lnL w="12700" cap="flat" cmpd="sng" algn="ctr">
-                      <a:solidFill>
-                        <a:srgbClr val="000000"/>
-                      </a:solidFill>
-                      <a:prstDash val="solid"/>
-                      <a:round/>
-                      <a:headEnd type="none" w="med" len="med"/>
-                      <a:tailEnd type="none" w="med" len="med"/>
-                    </a:lnL>
-                    <a:lnR w="12700" cap="flat" cmpd="sng" algn="ctr">
-                      <a:solidFill>
-                        <a:srgbClr val="000000"/>
-                      </a:solidFill>
-                      <a:prstDash val="solid"/>
-                      <a:round/>
-                      <a:headEnd type="none" w="med" len="med"/>
-                      <a:tailEnd type="none" w="med" len="med"/>
-                    </a:lnR>
-                    <a:lnT w="12700" cap="flat" cmpd="sng" algn="ctr">
-                      <a:solidFill>
-                        <a:srgbClr val="000000"/>
-                      </a:solidFill>
-                      <a:prstDash val="solid"/>
-                      <a:round/>
-                      <a:headEnd type="none" w="med" len="med"/>
-                      <a:tailEnd type="none" w="med" len="med"/>
-                    </a:lnT>
-                    <a:lnB w="12700" cap="flat" cmpd="sng" algn="ctr">
-                      <a:solidFill>
-                        <a:srgbClr val="000000"/>
-                      </a:solidFill>
-                      <a:prstDash val="solid"/>
-                      <a:round/>
-                      <a:headEnd type="none" w="med" len="med"/>
-                      <a:tailEnd type="none" w="med" len="med"/>
-                    </a:lnB>
-                    <a:solidFill>
-                      <a:schemeClr val="tx2"/>
-                    </a:solidFill>
-                  </a:tcPr>
-                </a:tc>
-                <a:tc>
-                  <a:txBody>
-                    <a:bodyPr/>
-                    <a:lstStyle/>
-                    <a:p>
-                      <a:pPr marL="0" marR="0" algn="ctr">
-                        <a:lnSpc>
-                          <a:spcPct val="115000"/>
-                        </a:lnSpc>
-                        <a:spcBef>
-                          <a:spcPts val="0"/>
-                        </a:spcBef>
-                        <a:spcAft>
-                          <a:spcPts val="0"/>
-                        </a:spcAft>
-                      </a:pPr>
-                      <a:r>
-                        <a:rPr lang="en-US" sz="1800" b="1">
-                          <a:solidFill>
-                            <a:srgbClr val="FFFFFF"/>
-                          </a:solidFill>
-                          <a:effectLst/>
-                          <a:latin typeface="Calibri" panose="020F0502020204030204" pitchFamily="34" charset="0"/>
-                          <a:ea typeface="Calibri" panose="020F0502020204030204" pitchFamily="34" charset="0"/>
-                          <a:cs typeface="Calibri" panose="020F0502020204030204" pitchFamily="34" charset="0"/>
-                        </a:rPr>
-                        <a:t>Median Consumption (kBTU)</a:t>
-                      </a:r>
-                      <a:endParaRPr lang="en-US" sz="1800">
+                      <a:endParaRPr lang="en-US" sz="1800" dirty="0">
                         <a:effectLst/>
                         <a:latin typeface="Arial" panose="020B0604020202020204" pitchFamily="34" charset="0"/>
                         <a:ea typeface="Arial" panose="020B0604020202020204" pitchFamily="34" charset="0"/>
@@ -16414,20 +16597,73 @@
                           <a:ea typeface="Calibri" panose="020F0502020204030204" pitchFamily="34" charset="0"/>
                           <a:cs typeface="Calibri" panose="020F0502020204030204" pitchFamily="34" charset="0"/>
                         </a:rPr>
-                        <a:t>MAE (</a:t>
+                        <a:t>Median Consumption (kBTU)</a:t>
                       </a:r>
-                      <a:r>
-                        <a:rPr lang="en-US" sz="1800" b="1" dirty="0" err="1">
-                          <a:solidFill>
-                            <a:srgbClr val="FFFFFF"/>
-                          </a:solidFill>
-                          <a:effectLst/>
-                          <a:latin typeface="Calibri" panose="020F0502020204030204" pitchFamily="34" charset="0"/>
-                          <a:ea typeface="Calibri" panose="020F0502020204030204" pitchFamily="34" charset="0"/>
-                          <a:cs typeface="Calibri" panose="020F0502020204030204" pitchFamily="34" charset="0"/>
-                        </a:rPr>
-                        <a:t>kBTU</a:t>
-                      </a:r>
+                      <a:endParaRPr lang="en-US" sz="1800" dirty="0">
+                        <a:effectLst/>
+                        <a:latin typeface="Arial" panose="020B0604020202020204" pitchFamily="34" charset="0"/>
+                        <a:ea typeface="Arial" panose="020B0604020202020204" pitchFamily="34" charset="0"/>
+                      </a:endParaRPr>
+                    </a:p>
+                  </a:txBody>
+                  <a:tcPr marL="114440" marR="114440" marT="0" marB="0">
+                    <a:lnL w="12700" cap="flat" cmpd="sng" algn="ctr">
+                      <a:solidFill>
+                        <a:srgbClr val="000000"/>
+                      </a:solidFill>
+                      <a:prstDash val="solid"/>
+                      <a:round/>
+                      <a:headEnd type="none" w="med" len="med"/>
+                      <a:tailEnd type="none" w="med" len="med"/>
+                    </a:lnL>
+                    <a:lnR w="12700" cap="flat" cmpd="sng" algn="ctr">
+                      <a:solidFill>
+                        <a:srgbClr val="000000"/>
+                      </a:solidFill>
+                      <a:prstDash val="solid"/>
+                      <a:round/>
+                      <a:headEnd type="none" w="med" len="med"/>
+                      <a:tailEnd type="none" w="med" len="med"/>
+                    </a:lnR>
+                    <a:lnT w="12700" cap="flat" cmpd="sng" algn="ctr">
+                      <a:solidFill>
+                        <a:srgbClr val="000000"/>
+                      </a:solidFill>
+                      <a:prstDash val="solid"/>
+                      <a:round/>
+                      <a:headEnd type="none" w="med" len="med"/>
+                      <a:tailEnd type="none" w="med" len="med"/>
+                    </a:lnT>
+                    <a:lnB w="12700" cap="flat" cmpd="sng" algn="ctr">
+                      <a:solidFill>
+                        <a:srgbClr val="000000"/>
+                      </a:solidFill>
+                      <a:prstDash val="solid"/>
+                      <a:round/>
+                      <a:headEnd type="none" w="med" len="med"/>
+                      <a:tailEnd type="none" w="med" len="med"/>
+                    </a:lnB>
+                    <a:solidFill>
+                      <a:schemeClr val="tx2"/>
+                    </a:solidFill>
+                  </a:tcPr>
+                </a:tc>
+                <a:tc>
+                  <a:txBody>
+                    <a:bodyPr/>
+                    <a:lstStyle/>
+                    <a:p>
+                      <a:pPr marL="0" marR="0" algn="ctr">
+                        <a:lnSpc>
+                          <a:spcPct val="115000"/>
+                        </a:lnSpc>
+                        <a:spcBef>
+                          <a:spcPts val="0"/>
+                        </a:spcBef>
+                        <a:spcAft>
+                          <a:spcPts val="0"/>
+                        </a:spcAft>
+                      </a:pPr>
                       <a:r>
                         <a:rPr lang="en-US" sz="1800" b="1" dirty="0">
                           <a:solidFill>
@@ -16438,7 +16674,7 @@
                           <a:ea typeface="Calibri" panose="020F0502020204030204" pitchFamily="34" charset="0"/>
                           <a:cs typeface="Calibri" panose="020F0502020204030204" pitchFamily="34" charset="0"/>
                         </a:rPr>
-                        <a:t>)</a:t>
+                        <a:t>MAE (kBTU)</a:t>
                       </a:r>
                       <a:endParaRPr lang="en-US" sz="1800" dirty="0">
                         <a:effectLst/>
@@ -16513,7 +16749,7 @@
                         </a:spcAft>
                       </a:pPr>
                       <a:r>
-                        <a:rPr lang="en-US" sz="1800">
+                        <a:rPr lang="en-US" sz="1800" dirty="0">
                           <a:effectLst/>
                           <a:latin typeface="Calibri" panose="020F0502020204030204" pitchFamily="34" charset="0"/>
                           <a:ea typeface="Calibri" panose="020F0502020204030204" pitchFamily="34" charset="0"/>
@@ -16521,7 +16757,7 @@
                         </a:rPr>
                         <a:t>Mobile Home</a:t>
                       </a:r>
-                      <a:endParaRPr lang="en-US" sz="1800">
+                      <a:endParaRPr lang="en-US" sz="1800" dirty="0">
                         <a:effectLst/>
                         <a:latin typeface="Arial" panose="020B0604020202020204" pitchFamily="34" charset="0"/>
                         <a:ea typeface="Arial" panose="020B0604020202020204" pitchFamily="34" charset="0"/>
@@ -16584,7 +16820,7 @@
                         </a:spcAft>
                       </a:pPr>
                       <a:r>
-                        <a:rPr lang="en-US" sz="1800">
+                        <a:rPr lang="en-US" sz="1800" dirty="0">
                           <a:effectLst/>
                           <a:latin typeface="Calibri" panose="020F0502020204030204" pitchFamily="34" charset="0"/>
                           <a:ea typeface="Calibri" panose="020F0502020204030204" pitchFamily="34" charset="0"/>
@@ -16592,7 +16828,7 @@
                         </a:rPr>
                         <a:t>57,398</a:t>
                       </a:r>
-                      <a:endParaRPr lang="en-US" sz="1800">
+                      <a:endParaRPr lang="en-US" sz="1800" dirty="0">
                         <a:effectLst/>
                         <a:latin typeface="Arial" panose="020B0604020202020204" pitchFamily="34" charset="0"/>
                         <a:ea typeface="Arial" panose="020B0604020202020204" pitchFamily="34" charset="0"/>
@@ -16655,7 +16891,7 @@
                         </a:spcAft>
                       </a:pPr>
                       <a:r>
-                        <a:rPr lang="en-US" sz="1800">
+                        <a:rPr lang="en-US" sz="1800" dirty="0">
                           <a:effectLst/>
                           <a:latin typeface="Calibri" panose="020F0502020204030204" pitchFamily="34" charset="0"/>
                           <a:ea typeface="Calibri" panose="020F0502020204030204" pitchFamily="34" charset="0"/>
@@ -16663,7 +16899,7 @@
                         </a:rPr>
                         <a:t>11,291</a:t>
                       </a:r>
-                      <a:endParaRPr lang="en-US" sz="1800">
+                      <a:endParaRPr lang="en-US" sz="1800" dirty="0">
                         <a:effectLst/>
                         <a:latin typeface="Arial" panose="020B0604020202020204" pitchFamily="34" charset="0"/>
                         <a:ea typeface="Arial" panose="020B0604020202020204" pitchFamily="34" charset="0"/>
@@ -16733,7 +16969,7 @@
                         </a:spcAft>
                       </a:pPr>
                       <a:r>
-                        <a:rPr lang="en-US" sz="1800">
+                        <a:rPr lang="en-US" sz="1800" dirty="0">
                           <a:effectLst/>
                           <a:latin typeface="Calibri" panose="020F0502020204030204" pitchFamily="34" charset="0"/>
                           <a:ea typeface="Calibri" panose="020F0502020204030204" pitchFamily="34" charset="0"/>
@@ -16741,7 +16977,7 @@
                         </a:rPr>
                         <a:t>Single Family Detached </a:t>
                       </a:r>
-                      <a:endParaRPr lang="en-US" sz="1800">
+                      <a:endParaRPr lang="en-US" sz="1800" dirty="0">
                         <a:effectLst/>
                         <a:latin typeface="Arial" panose="020B0604020202020204" pitchFamily="34" charset="0"/>
                         <a:ea typeface="Arial" panose="020B0604020202020204" pitchFamily="34" charset="0"/>
@@ -16804,7 +17040,7 @@
                         </a:spcAft>
                       </a:pPr>
                       <a:r>
-                        <a:rPr lang="en-US" sz="1800">
+                        <a:rPr lang="en-US" sz="1800" dirty="0">
                           <a:effectLst/>
                           <a:latin typeface="Calibri" panose="020F0502020204030204" pitchFamily="34" charset="0"/>
                           <a:ea typeface="Calibri" panose="020F0502020204030204" pitchFamily="34" charset="0"/>
@@ -16812,7 +17048,7 @@
                         </a:rPr>
                         <a:t>85,531</a:t>
                       </a:r>
-                      <a:endParaRPr lang="en-US" sz="1800">
+                      <a:endParaRPr lang="en-US" sz="1800" dirty="0">
                         <a:effectLst/>
                         <a:latin typeface="Arial" panose="020B0604020202020204" pitchFamily="34" charset="0"/>
                         <a:ea typeface="Arial" panose="020B0604020202020204" pitchFamily="34" charset="0"/>
@@ -16875,7 +17111,7 @@
                         </a:spcAft>
                       </a:pPr>
                       <a:r>
-                        <a:rPr lang="en-US" sz="1800">
+                        <a:rPr lang="en-US" sz="1800" dirty="0">
                           <a:effectLst/>
                           <a:latin typeface="Calibri" panose="020F0502020204030204" pitchFamily="34" charset="0"/>
                           <a:ea typeface="Calibri" panose="020F0502020204030204" pitchFamily="34" charset="0"/>
@@ -16883,7 +17119,7 @@
                         </a:rPr>
                         <a:t>13,011</a:t>
                       </a:r>
-                      <a:endParaRPr lang="en-US" sz="1800">
+                      <a:endParaRPr lang="en-US" sz="1800" dirty="0">
                         <a:effectLst/>
                         <a:latin typeface="Arial" panose="020B0604020202020204" pitchFamily="34" charset="0"/>
                         <a:ea typeface="Arial" panose="020B0604020202020204" pitchFamily="34" charset="0"/>
@@ -16953,7 +17189,7 @@
                         </a:spcAft>
                       </a:pPr>
                       <a:r>
-                        <a:rPr lang="en-US" sz="1800">
+                        <a:rPr lang="en-US" sz="1800" dirty="0">
                           <a:effectLst/>
                           <a:latin typeface="Calibri" panose="020F0502020204030204" pitchFamily="34" charset="0"/>
                           <a:ea typeface="Calibri" panose="020F0502020204030204" pitchFamily="34" charset="0"/>
@@ -16961,7 +17197,7 @@
                         </a:rPr>
                         <a:t>Single Family Attached</a:t>
                       </a:r>
-                      <a:endParaRPr lang="en-US" sz="1800">
+                      <a:endParaRPr lang="en-US" sz="1800" dirty="0">
                         <a:effectLst/>
                         <a:latin typeface="Arial" panose="020B0604020202020204" pitchFamily="34" charset="0"/>
                         <a:ea typeface="Arial" panose="020B0604020202020204" pitchFamily="34" charset="0"/>
@@ -17024,7 +17260,7 @@
                         </a:spcAft>
                       </a:pPr>
                       <a:r>
-                        <a:rPr lang="en-US" sz="1800">
+                        <a:rPr lang="en-US" sz="1800" dirty="0">
                           <a:effectLst/>
                           <a:latin typeface="Calibri" panose="020F0502020204030204" pitchFamily="34" charset="0"/>
                           <a:ea typeface="Calibri" panose="020F0502020204030204" pitchFamily="34" charset="0"/>
@@ -17032,7 +17268,7 @@
                         </a:rPr>
                         <a:t>55,208</a:t>
                       </a:r>
-                      <a:endParaRPr lang="en-US" sz="1800">
+                      <a:endParaRPr lang="en-US" sz="1800" dirty="0">
                         <a:effectLst/>
                         <a:latin typeface="Arial" panose="020B0604020202020204" pitchFamily="34" charset="0"/>
                         <a:ea typeface="Arial" panose="020B0604020202020204" pitchFamily="34" charset="0"/>
@@ -17095,7 +17331,7 @@
                         </a:spcAft>
                       </a:pPr>
                       <a:r>
-                        <a:rPr lang="en-US" sz="1800">
+                        <a:rPr lang="en-US" sz="1800" dirty="0">
                           <a:effectLst/>
                           <a:latin typeface="Calibri" panose="020F0502020204030204" pitchFamily="34" charset="0"/>
                           <a:ea typeface="Calibri" panose="020F0502020204030204" pitchFamily="34" charset="0"/>
@@ -17103,7 +17339,7 @@
                         </a:rPr>
                         <a:t>10,315</a:t>
                       </a:r>
-                      <a:endParaRPr lang="en-US" sz="1800">
+                      <a:endParaRPr lang="en-US" sz="1800" dirty="0">
                         <a:effectLst/>
                         <a:latin typeface="Arial" panose="020B0604020202020204" pitchFamily="34" charset="0"/>
                         <a:ea typeface="Arial" panose="020B0604020202020204" pitchFamily="34" charset="0"/>
@@ -17173,7 +17409,7 @@
                         </a:spcAft>
                       </a:pPr>
                       <a:r>
-                        <a:rPr lang="en-US" sz="1800">
+                        <a:rPr lang="en-US" sz="1800" dirty="0">
                           <a:effectLst/>
                           <a:latin typeface="Calibri" panose="020F0502020204030204" pitchFamily="34" charset="0"/>
                           <a:ea typeface="Calibri" panose="020F0502020204030204" pitchFamily="34" charset="0"/>
@@ -17181,7 +17417,7 @@
                         </a:rPr>
                         <a:t>Apartment Building w/ 2-4 units</a:t>
                       </a:r>
-                      <a:endParaRPr lang="en-US" sz="1800">
+                      <a:endParaRPr lang="en-US" sz="1800" dirty="0">
                         <a:effectLst/>
                         <a:latin typeface="Arial" panose="020B0604020202020204" pitchFamily="34" charset="0"/>
                         <a:ea typeface="Arial" panose="020B0604020202020204" pitchFamily="34" charset="0"/>
@@ -17244,7 +17480,7 @@
                         </a:spcAft>
                       </a:pPr>
                       <a:r>
-                        <a:rPr lang="en-US" sz="1800">
+                        <a:rPr lang="en-US" sz="1800" dirty="0">
                           <a:effectLst/>
                           <a:latin typeface="Calibri" panose="020F0502020204030204" pitchFamily="34" charset="0"/>
                           <a:ea typeface="Calibri" panose="020F0502020204030204" pitchFamily="34" charset="0"/>
@@ -17252,7 +17488,7 @@
                         </a:rPr>
                         <a:t>42,284</a:t>
                       </a:r>
-                      <a:endParaRPr lang="en-US" sz="1800">
+                      <a:endParaRPr lang="en-US" sz="1800" dirty="0">
                         <a:effectLst/>
                         <a:latin typeface="Arial" panose="020B0604020202020204" pitchFamily="34" charset="0"/>
                         <a:ea typeface="Arial" panose="020B0604020202020204" pitchFamily="34" charset="0"/>
@@ -17315,7 +17551,7 @@
                         </a:spcAft>
                       </a:pPr>
                       <a:r>
-                        <a:rPr lang="en-US" sz="1800">
+                        <a:rPr lang="en-US" sz="1800" dirty="0">
                           <a:effectLst/>
                           <a:latin typeface="Calibri" panose="020F0502020204030204" pitchFamily="34" charset="0"/>
                           <a:ea typeface="Calibri" panose="020F0502020204030204" pitchFamily="34" charset="0"/>
@@ -17323,7 +17559,7 @@
                         </a:rPr>
                         <a:t>7,891</a:t>
                       </a:r>
-                      <a:endParaRPr lang="en-US" sz="1800">
+                      <a:endParaRPr lang="en-US" sz="1800" dirty="0">
                         <a:effectLst/>
                         <a:latin typeface="Arial" panose="020B0604020202020204" pitchFamily="34" charset="0"/>
                         <a:ea typeface="Arial" panose="020B0604020202020204" pitchFamily="34" charset="0"/>
@@ -17393,7 +17629,7 @@
                         </a:spcAft>
                       </a:pPr>
                       <a:r>
-                        <a:rPr lang="en-US" sz="1800">
+                        <a:rPr lang="en-US" sz="1800" dirty="0">
                           <a:effectLst/>
                           <a:latin typeface="Calibri" panose="020F0502020204030204" pitchFamily="34" charset="0"/>
                           <a:ea typeface="Calibri" panose="020F0502020204030204" pitchFamily="34" charset="0"/>
@@ -17401,7 +17637,7 @@
                         </a:rPr>
                         <a:t>Apartment Building w/ 5+ Units</a:t>
                       </a:r>
-                      <a:endParaRPr lang="en-US" sz="1800">
+                      <a:endParaRPr lang="en-US" sz="1800" dirty="0">
                         <a:effectLst/>
                         <a:latin typeface="Arial" panose="020B0604020202020204" pitchFamily="34" charset="0"/>
                         <a:ea typeface="Arial" panose="020B0604020202020204" pitchFamily="34" charset="0"/>
@@ -17464,7 +17700,7 @@
                         </a:spcAft>
                       </a:pPr>
                       <a:r>
-                        <a:rPr lang="en-US" sz="1800">
+                        <a:rPr lang="en-US" sz="1800" dirty="0">
                           <a:effectLst/>
                           <a:latin typeface="Calibri" panose="020F0502020204030204" pitchFamily="34" charset="0"/>
                           <a:ea typeface="Calibri" panose="020F0502020204030204" pitchFamily="34" charset="0"/>
@@ -17472,7 +17708,7 @@
                         </a:rPr>
                         <a:t>30,291</a:t>
                       </a:r>
-                      <a:endParaRPr lang="en-US" sz="1800">
+                      <a:endParaRPr lang="en-US" sz="1800" dirty="0">
                         <a:effectLst/>
                         <a:latin typeface="Arial" panose="020B0604020202020204" pitchFamily="34" charset="0"/>
                         <a:ea typeface="Arial" panose="020B0604020202020204" pitchFamily="34" charset="0"/>
@@ -17704,7 +17940,7 @@
             </a:pPr>
             <a:r>
               <a:rPr lang="en-US" sz="2000" dirty="0"/>
-              <a:t>One of benefits of the type of model chosen is the ability to analyze the variables that are influence predictions to gain insight into what the most important factors are in addition to the ability to use these results to verify/improve the model in the future. The model found the </a:t>
+              <a:t>One of benefits of the type of model chosen is the ability to analyze the variables that are influence predictions to gain insight into what the most important factors are in addition to the ability to use these results to verify/improve the model in the future. The model found the following features to be most important:</a:t>
             </a:r>
             <a:endParaRPr lang="en-US" sz="1600" dirty="0"/>
           </a:p>
@@ -17982,7 +18218,7 @@
                         </a:spcAft>
                       </a:pPr>
                       <a:r>
-                        <a:rPr lang="en-US" sz="1100" b="1">
+                        <a:rPr lang="en-US" sz="1100" b="1" dirty="0">
                           <a:solidFill>
                             <a:srgbClr val="FFFFFF"/>
                           </a:solidFill>
@@ -17993,7 +18229,7 @@
                         </a:rPr>
                         <a:t>Rank</a:t>
                       </a:r>
-                      <a:endParaRPr lang="en-US" sz="1100">
+                      <a:endParaRPr lang="en-US" sz="1100" dirty="0">
                         <a:effectLst/>
                         <a:latin typeface="Arial" panose="020B0604020202020204" pitchFamily="34" charset="0"/>
                         <a:ea typeface="Arial" panose="020B0604020202020204" pitchFamily="34" charset="0"/>
@@ -18143,7 +18379,7 @@
                         </a:spcAft>
                       </a:pPr>
                       <a:r>
-                        <a:rPr lang="en-US" sz="1100">
+                        <a:rPr lang="en-US" sz="1100" dirty="0">
                           <a:effectLst/>
                           <a:latin typeface="Calibri" panose="020F0502020204030204" pitchFamily="34" charset="0"/>
                           <a:ea typeface="Calibri" panose="020F0502020204030204" pitchFamily="34" charset="0"/>
@@ -18151,7 +18387,7 @@
                         </a:rPr>
                         <a:t>1</a:t>
                       </a:r>
-                      <a:endParaRPr lang="en-US" sz="1100">
+                      <a:endParaRPr lang="en-US" sz="1100" dirty="0">
                         <a:effectLst/>
                         <a:latin typeface="Arial" panose="020B0604020202020204" pitchFamily="34" charset="0"/>
                         <a:ea typeface="Arial" panose="020B0604020202020204" pitchFamily="34" charset="0"/>
@@ -18214,7 +18450,7 @@
                         </a:spcAft>
                       </a:pPr>
                       <a:r>
-                        <a:rPr lang="en-US" sz="1100">
+                        <a:rPr lang="en-US" sz="1100" dirty="0">
                           <a:effectLst/>
                           <a:latin typeface="Calibri" panose="020F0502020204030204" pitchFamily="34" charset="0"/>
                           <a:ea typeface="Calibri" panose="020F0502020204030204" pitchFamily="34" charset="0"/>
@@ -18222,7 +18458,7 @@
                         </a:rPr>
                         <a:t>Use of wood for space heating</a:t>
                       </a:r>
-                      <a:endParaRPr lang="en-US" sz="1100">
+                      <a:endParaRPr lang="en-US" sz="1100" dirty="0">
                         <a:effectLst/>
                         <a:latin typeface="Arial" panose="020B0604020202020204" pitchFamily="34" charset="0"/>
                         <a:ea typeface="Arial" panose="020B0604020202020204" pitchFamily="34" charset="0"/>
@@ -18292,7 +18528,7 @@
                         </a:spcAft>
                       </a:pPr>
                       <a:r>
-                        <a:rPr lang="en-US" sz="1100">
+                        <a:rPr lang="en-US" sz="1100" dirty="0">
                           <a:effectLst/>
                           <a:latin typeface="Calibri" panose="020F0502020204030204" pitchFamily="34" charset="0"/>
                           <a:ea typeface="Calibri" panose="020F0502020204030204" pitchFamily="34" charset="0"/>
@@ -18300,7 +18536,7 @@
                         </a:rPr>
                         <a:t>2</a:t>
                       </a:r>
-                      <a:endParaRPr lang="en-US" sz="1100">
+                      <a:endParaRPr lang="en-US" sz="1100" dirty="0">
                         <a:effectLst/>
                         <a:latin typeface="Arial" panose="020B0604020202020204" pitchFamily="34" charset="0"/>
                         <a:ea typeface="Arial" panose="020B0604020202020204" pitchFamily="34" charset="0"/>
@@ -18363,7 +18599,7 @@
                         </a:spcAft>
                       </a:pPr>
                       <a:r>
-                        <a:rPr lang="en-US" sz="1100">
+                        <a:rPr lang="en-US" sz="1100" dirty="0">
                           <a:effectLst/>
                           <a:latin typeface="Calibri" panose="020F0502020204030204" pitchFamily="34" charset="0"/>
                           <a:ea typeface="Calibri" panose="020F0502020204030204" pitchFamily="34" charset="0"/>
@@ -18371,7 +18607,7 @@
                         </a:rPr>
                         <a:t>Use of other fuel type* for space heating</a:t>
                       </a:r>
-                      <a:endParaRPr lang="en-US" sz="1100">
+                      <a:endParaRPr lang="en-US" sz="1100" dirty="0">
                         <a:effectLst/>
                         <a:latin typeface="Arial" panose="020B0604020202020204" pitchFamily="34" charset="0"/>
                         <a:ea typeface="Arial" panose="020B0604020202020204" pitchFamily="34" charset="0"/>
@@ -18441,7 +18677,7 @@
                         </a:spcAft>
                       </a:pPr>
                       <a:r>
-                        <a:rPr lang="en-US" sz="1100">
+                        <a:rPr lang="en-US" sz="1100" dirty="0">
                           <a:effectLst/>
                           <a:latin typeface="Calibri" panose="020F0502020204030204" pitchFamily="34" charset="0"/>
                           <a:ea typeface="Calibri" panose="020F0502020204030204" pitchFamily="34" charset="0"/>
@@ -18449,7 +18685,7 @@
                         </a:rPr>
                         <a:t>3</a:t>
                       </a:r>
-                      <a:endParaRPr lang="en-US" sz="1100">
+                      <a:endParaRPr lang="en-US" sz="1100" dirty="0">
                         <a:effectLst/>
                         <a:latin typeface="Arial" panose="020B0604020202020204" pitchFamily="34" charset="0"/>
                         <a:ea typeface="Arial" panose="020B0604020202020204" pitchFamily="34" charset="0"/>
@@ -18512,7 +18748,7 @@
                         </a:spcAft>
                       </a:pPr>
                       <a:r>
-                        <a:rPr lang="en-US" sz="1100">
+                        <a:rPr lang="en-US" sz="1100" dirty="0">
                           <a:effectLst/>
                           <a:latin typeface="Calibri" panose="020F0502020204030204" pitchFamily="34" charset="0"/>
                           <a:ea typeface="Calibri" panose="020F0502020204030204" pitchFamily="34" charset="0"/>
@@ -18520,7 +18756,7 @@
                         </a:rPr>
                         <a:t>Indicator for Apartment Building w/ 5+ Units</a:t>
                       </a:r>
-                      <a:endParaRPr lang="en-US" sz="1100">
+                      <a:endParaRPr lang="en-US" sz="1100" dirty="0">
                         <a:effectLst/>
                         <a:latin typeface="Arial" panose="020B0604020202020204" pitchFamily="34" charset="0"/>
                         <a:ea typeface="Arial" panose="020B0604020202020204" pitchFamily="34" charset="0"/>
@@ -18590,7 +18826,7 @@
                         </a:spcAft>
                       </a:pPr>
                       <a:r>
-                        <a:rPr lang="en-US" sz="1100">
+                        <a:rPr lang="en-US" sz="1100" dirty="0">
                           <a:effectLst/>
                           <a:latin typeface="Calibri" panose="020F0502020204030204" pitchFamily="34" charset="0"/>
                           <a:ea typeface="Calibri" panose="020F0502020204030204" pitchFamily="34" charset="0"/>
@@ -18598,7 +18834,7 @@
                         </a:rPr>
                         <a:t>4</a:t>
                       </a:r>
-                      <a:endParaRPr lang="en-US" sz="1100">
+                      <a:endParaRPr lang="en-US" sz="1100" dirty="0">
                         <a:effectLst/>
                         <a:latin typeface="Arial" panose="020B0604020202020204" pitchFamily="34" charset="0"/>
                         <a:ea typeface="Arial" panose="020B0604020202020204" pitchFamily="34" charset="0"/>
@@ -18661,7 +18897,7 @@
                         </a:spcAft>
                       </a:pPr>
                       <a:r>
-                        <a:rPr lang="en-US" sz="1100">
+                        <a:rPr lang="en-US" sz="1100" dirty="0">
                           <a:effectLst/>
                           <a:latin typeface="Calibri" panose="020F0502020204030204" pitchFamily="34" charset="0"/>
                           <a:ea typeface="Calibri" panose="020F0502020204030204" pitchFamily="34" charset="0"/>
@@ -18669,7 +18905,7 @@
                         </a:rPr>
                         <a:t>Use of propane for space heating</a:t>
                       </a:r>
-                      <a:endParaRPr lang="en-US" sz="1100">
+                      <a:endParaRPr lang="en-US" sz="1100" dirty="0">
                         <a:effectLst/>
                         <a:latin typeface="Arial" panose="020B0604020202020204" pitchFamily="34" charset="0"/>
                         <a:ea typeface="Arial" panose="020B0604020202020204" pitchFamily="34" charset="0"/>
@@ -18739,7 +18975,7 @@
                         </a:spcAft>
                       </a:pPr>
                       <a:r>
-                        <a:rPr lang="en-US" sz="1100">
+                        <a:rPr lang="en-US" sz="1100" dirty="0">
                           <a:effectLst/>
                           <a:latin typeface="Calibri" panose="020F0502020204030204" pitchFamily="34" charset="0"/>
                           <a:ea typeface="Calibri" panose="020F0502020204030204" pitchFamily="34" charset="0"/>
@@ -18747,7 +18983,7 @@
                         </a:rPr>
                         <a:t>5</a:t>
                       </a:r>
-                      <a:endParaRPr lang="en-US" sz="1100">
+                      <a:endParaRPr lang="en-US" sz="1100" dirty="0">
                         <a:effectLst/>
                         <a:latin typeface="Arial" panose="020B0604020202020204" pitchFamily="34" charset="0"/>
                         <a:ea typeface="Arial" panose="020B0604020202020204" pitchFamily="34" charset="0"/>
@@ -18810,7 +19046,7 @@
                         </a:spcAft>
                       </a:pPr>
                       <a:r>
-                        <a:rPr lang="en-US" sz="1100">
+                        <a:rPr lang="en-US" sz="1100" dirty="0">
                           <a:effectLst/>
                           <a:latin typeface="Calibri" panose="020F0502020204030204" pitchFamily="34" charset="0"/>
                           <a:ea typeface="Calibri" panose="020F0502020204030204" pitchFamily="34" charset="0"/>
@@ -18818,7 +19054,7 @@
                         </a:rPr>
                         <a:t>Categorical Indicator for studio apartment (Yes)</a:t>
                       </a:r>
-                      <a:endParaRPr lang="en-US" sz="1100">
+                      <a:endParaRPr lang="en-US" sz="1100" dirty="0">
                         <a:effectLst/>
                         <a:latin typeface="Arial" panose="020B0604020202020204" pitchFamily="34" charset="0"/>
                         <a:ea typeface="Arial" panose="020B0604020202020204" pitchFamily="34" charset="0"/>
@@ -18888,7 +19124,7 @@
                         </a:spcAft>
                       </a:pPr>
                       <a:r>
-                        <a:rPr lang="en-US" sz="1100">
+                        <a:rPr lang="en-US" sz="1100" dirty="0">
                           <a:effectLst/>
                           <a:latin typeface="Calibri" panose="020F0502020204030204" pitchFamily="34" charset="0"/>
                           <a:ea typeface="Calibri" panose="020F0502020204030204" pitchFamily="34" charset="0"/>
@@ -18896,7 +19132,7 @@
                         </a:rPr>
                         <a:t>6</a:t>
                       </a:r>
-                      <a:endParaRPr lang="en-US" sz="1100">
+                      <a:endParaRPr lang="en-US" sz="1100" dirty="0">
                         <a:effectLst/>
                         <a:latin typeface="Arial" panose="020B0604020202020204" pitchFamily="34" charset="0"/>
                         <a:ea typeface="Arial" panose="020B0604020202020204" pitchFamily="34" charset="0"/>
@@ -18959,7 +19195,7 @@
                         </a:spcAft>
                       </a:pPr>
                       <a:r>
-                        <a:rPr lang="en-US" sz="1100">
+                        <a:rPr lang="en-US" sz="1100" dirty="0">
                           <a:effectLst/>
                           <a:latin typeface="Calibri" panose="020F0502020204030204" pitchFamily="34" charset="0"/>
                           <a:ea typeface="Calibri" panose="020F0502020204030204" pitchFamily="34" charset="0"/>
@@ -18967,7 +19203,7 @@
                         </a:rPr>
                         <a:t>Indicator for household built between 2010 -2015</a:t>
                       </a:r>
-                      <a:endParaRPr lang="en-US" sz="1100">
+                      <a:endParaRPr lang="en-US" sz="1100" dirty="0">
                         <a:effectLst/>
                         <a:latin typeface="Arial" panose="020B0604020202020204" pitchFamily="34" charset="0"/>
                         <a:ea typeface="Arial" panose="020B0604020202020204" pitchFamily="34" charset="0"/>
@@ -19037,7 +19273,7 @@
                         </a:spcAft>
                       </a:pPr>
                       <a:r>
-                        <a:rPr lang="en-US" sz="1100">
+                        <a:rPr lang="en-US" sz="1100" dirty="0">
                           <a:effectLst/>
                           <a:latin typeface="Calibri" panose="020F0502020204030204" pitchFamily="34" charset="0"/>
                           <a:ea typeface="Calibri" panose="020F0502020204030204" pitchFamily="34" charset="0"/>
@@ -19045,7 +19281,7 @@
                         </a:rPr>
                         <a:t>7</a:t>
                       </a:r>
-                      <a:endParaRPr lang="en-US" sz="1100">
+                      <a:endParaRPr lang="en-US" sz="1100" dirty="0">
                         <a:effectLst/>
                         <a:latin typeface="Arial" panose="020B0604020202020204" pitchFamily="34" charset="0"/>
                         <a:ea typeface="Arial" panose="020B0604020202020204" pitchFamily="34" charset="0"/>
@@ -19108,7 +19344,7 @@
                         </a:spcAft>
                       </a:pPr>
                       <a:r>
-                        <a:rPr lang="en-US" sz="1100">
+                        <a:rPr lang="en-US" sz="1100" dirty="0">
                           <a:effectLst/>
                           <a:latin typeface="Calibri" panose="020F0502020204030204" pitchFamily="34" charset="0"/>
                           <a:ea typeface="Calibri" panose="020F0502020204030204" pitchFamily="34" charset="0"/>
@@ -19116,7 +19352,7 @@
                         </a:rPr>
                         <a:t>Indicator for electricity used for water heating</a:t>
                       </a:r>
-                      <a:endParaRPr lang="en-US" sz="1100">
+                      <a:endParaRPr lang="en-US" sz="1100" dirty="0">
                         <a:effectLst/>
                         <a:latin typeface="Arial" panose="020B0604020202020204" pitchFamily="34" charset="0"/>
                         <a:ea typeface="Arial" panose="020B0604020202020204" pitchFamily="34" charset="0"/>
@@ -19186,7 +19422,7 @@
                         </a:spcAft>
                       </a:pPr>
                       <a:r>
-                        <a:rPr lang="en-US" sz="1100">
+                        <a:rPr lang="en-US" sz="1100" dirty="0">
                           <a:effectLst/>
                           <a:latin typeface="Calibri" panose="020F0502020204030204" pitchFamily="34" charset="0"/>
                           <a:ea typeface="Calibri" panose="020F0502020204030204" pitchFamily="34" charset="0"/>
@@ -19194,7 +19430,7 @@
                         </a:rPr>
                         <a:t>8</a:t>
                       </a:r>
-                      <a:endParaRPr lang="en-US" sz="1100">
+                      <a:endParaRPr lang="en-US" sz="1100" dirty="0">
                         <a:effectLst/>
                         <a:latin typeface="Arial" panose="020B0604020202020204" pitchFamily="34" charset="0"/>
                         <a:ea typeface="Arial" panose="020B0604020202020204" pitchFamily="34" charset="0"/>
@@ -19257,7 +19493,7 @@
                         </a:spcAft>
                       </a:pPr>
                       <a:r>
-                        <a:rPr lang="en-US" sz="1100">
+                        <a:rPr lang="en-US" sz="1100" dirty="0">
                           <a:effectLst/>
                           <a:latin typeface="Calibri" panose="020F0502020204030204" pitchFamily="34" charset="0"/>
                           <a:ea typeface="Calibri" panose="020F0502020204030204" pitchFamily="34" charset="0"/>
@@ -19265,7 +19501,7 @@
                         </a:rPr>
                         <a:t>Indicator for water heater in apartment</a:t>
                       </a:r>
-                      <a:endParaRPr lang="en-US" sz="1100">
+                      <a:endParaRPr lang="en-US" sz="1100" dirty="0">
                         <a:effectLst/>
                         <a:latin typeface="Arial" panose="020B0604020202020204" pitchFamily="34" charset="0"/>
                         <a:ea typeface="Arial" panose="020B0604020202020204" pitchFamily="34" charset="0"/>
@@ -19335,7 +19571,7 @@
                         </a:spcAft>
                       </a:pPr>
                       <a:r>
-                        <a:rPr lang="en-US" sz="1100">
+                        <a:rPr lang="en-US" sz="1100" dirty="0">
                           <a:effectLst/>
                           <a:latin typeface="Calibri" panose="020F0502020204030204" pitchFamily="34" charset="0"/>
                           <a:ea typeface="Calibri" panose="020F0502020204030204" pitchFamily="34" charset="0"/>
@@ -19343,7 +19579,7 @@
                         </a:rPr>
                         <a:t>9</a:t>
                       </a:r>
-                      <a:endParaRPr lang="en-US" sz="1100">
+                      <a:endParaRPr lang="en-US" sz="1100" dirty="0">
                         <a:effectLst/>
                         <a:latin typeface="Arial" panose="020B0604020202020204" pitchFamily="34" charset="0"/>
                         <a:ea typeface="Arial" panose="020B0604020202020204" pitchFamily="34" charset="0"/>
@@ -19406,7 +19642,7 @@
                         </a:spcAft>
                       </a:pPr>
                       <a:r>
-                        <a:rPr lang="en-US" sz="1100">
+                        <a:rPr lang="en-US" sz="1100" dirty="0">
                           <a:effectLst/>
                           <a:latin typeface="Calibri" panose="020F0502020204030204" pitchFamily="34" charset="0"/>
                           <a:ea typeface="Calibri" panose="020F0502020204030204" pitchFamily="34" charset="0"/>
@@ -19414,7 +19650,7 @@
                         </a:rPr>
                         <a:t>Indicator for receiving assistance for energy bills</a:t>
                       </a:r>
-                      <a:endParaRPr lang="en-US" sz="1100">
+                      <a:endParaRPr lang="en-US" sz="1100" dirty="0">
                         <a:effectLst/>
                         <a:latin typeface="Arial" panose="020B0604020202020204" pitchFamily="34" charset="0"/>
                         <a:ea typeface="Arial" panose="020B0604020202020204" pitchFamily="34" charset="0"/>
@@ -19484,7 +19720,7 @@
                         </a:spcAft>
                       </a:pPr>
                       <a:r>
-                        <a:rPr lang="en-US" sz="1100">
+                        <a:rPr lang="en-US" sz="1100" dirty="0">
                           <a:effectLst/>
                           <a:latin typeface="Calibri" panose="020F0502020204030204" pitchFamily="34" charset="0"/>
                           <a:ea typeface="Calibri" panose="020F0502020204030204" pitchFamily="34" charset="0"/>
@@ -19492,7 +19728,7 @@
                         </a:rPr>
                         <a:t>10</a:t>
                       </a:r>
-                      <a:endParaRPr lang="en-US" sz="1100">
+                      <a:endParaRPr lang="en-US" sz="1100" dirty="0">
                         <a:effectLst/>
                         <a:latin typeface="Arial" panose="020B0604020202020204" pitchFamily="34" charset="0"/>
                         <a:ea typeface="Arial" panose="020B0604020202020204" pitchFamily="34" charset="0"/>
@@ -19633,7 +19869,7 @@
                         </a:spcAft>
                       </a:pPr>
                       <a:r>
-                        <a:rPr lang="en-US" sz="1100">
+                        <a:rPr lang="en-US" sz="1100" dirty="0">
                           <a:effectLst/>
                           <a:latin typeface="Calibri" panose="020F0502020204030204" pitchFamily="34" charset="0"/>
                           <a:ea typeface="Calibri" panose="020F0502020204030204" pitchFamily="34" charset="0"/>
@@ -19641,7 +19877,7 @@
                         </a:rPr>
                         <a:t>11</a:t>
                       </a:r>
-                      <a:endParaRPr lang="en-US" sz="1100">
+                      <a:endParaRPr lang="en-US" sz="1100" dirty="0">
                         <a:effectLst/>
                         <a:latin typeface="Arial" panose="020B0604020202020204" pitchFamily="34" charset="0"/>
                         <a:ea typeface="Arial" panose="020B0604020202020204" pitchFamily="34" charset="0"/>
@@ -19704,7 +19940,7 @@
                         </a:spcAft>
                       </a:pPr>
                       <a:r>
-                        <a:rPr lang="en-US" sz="1100">
+                        <a:rPr lang="en-US" sz="1100" dirty="0">
                           <a:effectLst/>
                           <a:latin typeface="Calibri" panose="020F0502020204030204" pitchFamily="34" charset="0"/>
                           <a:ea typeface="Calibri" panose="020F0502020204030204" pitchFamily="34" charset="0"/>
@@ -19712,7 +19948,7 @@
                         </a:rPr>
                         <a:t>Indicator for Energy Star refrigerator</a:t>
                       </a:r>
-                      <a:endParaRPr lang="en-US" sz="1100">
+                      <a:endParaRPr lang="en-US" sz="1100" dirty="0">
                         <a:effectLst/>
                         <a:latin typeface="Arial" panose="020B0604020202020204" pitchFamily="34" charset="0"/>
                         <a:ea typeface="Arial" panose="020B0604020202020204" pitchFamily="34" charset="0"/>
@@ -19782,7 +20018,7 @@
                         </a:spcAft>
                       </a:pPr>
                       <a:r>
-                        <a:rPr lang="en-US" sz="1100">
+                        <a:rPr lang="en-US" sz="1100" dirty="0">
                           <a:effectLst/>
                           <a:latin typeface="Calibri" panose="020F0502020204030204" pitchFamily="34" charset="0"/>
                           <a:ea typeface="Calibri" panose="020F0502020204030204" pitchFamily="34" charset="0"/>
@@ -19790,7 +20026,7 @@
                         </a:rPr>
                         <a:t>12</a:t>
                       </a:r>
-                      <a:endParaRPr lang="en-US" sz="1100">
+                      <a:endParaRPr lang="en-US" sz="1100" dirty="0">
                         <a:effectLst/>
                         <a:latin typeface="Arial" panose="020B0604020202020204" pitchFamily="34" charset="0"/>
                         <a:ea typeface="Arial" panose="020B0604020202020204" pitchFamily="34" charset="0"/>
@@ -19853,7 +20089,7 @@
                         </a:spcAft>
                       </a:pPr>
                       <a:r>
-                        <a:rPr lang="en-US" sz="1100">
+                        <a:rPr lang="en-US" sz="1100" dirty="0">
                           <a:effectLst/>
                           <a:latin typeface="Calibri" panose="020F0502020204030204" pitchFamily="34" charset="0"/>
                           <a:ea typeface="Calibri" panose="020F0502020204030204" pitchFamily="34" charset="0"/>
@@ -19861,7 +20097,7 @@
                         </a:rPr>
                         <a:t>Indicator for swimming pool at household</a:t>
                       </a:r>
-                      <a:endParaRPr lang="en-US" sz="1100">
+                      <a:endParaRPr lang="en-US" sz="1100" dirty="0">
                         <a:effectLst/>
                         <a:latin typeface="Arial" panose="020B0604020202020204" pitchFamily="34" charset="0"/>
                         <a:ea typeface="Arial" panose="020B0604020202020204" pitchFamily="34" charset="0"/>
@@ -19931,7 +20167,7 @@
                         </a:spcAft>
                       </a:pPr>
                       <a:r>
-                        <a:rPr lang="en-US" sz="1100">
+                        <a:rPr lang="en-US" sz="1100" dirty="0">
                           <a:effectLst/>
                           <a:latin typeface="Calibri" panose="020F0502020204030204" pitchFamily="34" charset="0"/>
                           <a:ea typeface="Calibri" panose="020F0502020204030204" pitchFamily="34" charset="0"/>
@@ -19939,7 +20175,7 @@
                         </a:rPr>
                         <a:t>13</a:t>
                       </a:r>
-                      <a:endParaRPr lang="en-US" sz="1100">
+                      <a:endParaRPr lang="en-US" sz="1100" dirty="0">
                         <a:effectLst/>
                         <a:latin typeface="Arial" panose="020B0604020202020204" pitchFamily="34" charset="0"/>
                         <a:ea typeface="Arial" panose="020B0604020202020204" pitchFamily="34" charset="0"/>
@@ -20002,7 +20238,7 @@
                         </a:spcAft>
                       </a:pPr>
                       <a:r>
-                        <a:rPr lang="en-US" sz="1100">
+                        <a:rPr lang="en-US" sz="1100" dirty="0">
                           <a:effectLst/>
                           <a:latin typeface="Calibri" panose="020F0502020204030204" pitchFamily="34" charset="0"/>
                           <a:ea typeface="Calibri" panose="020F0502020204030204" pitchFamily="34" charset="0"/>
@@ -20010,7 +20246,7 @@
                         </a:rPr>
                         <a:t>Categorical indicator for studio apartment (N)</a:t>
                       </a:r>
-                      <a:endParaRPr lang="en-US" sz="1100">
+                      <a:endParaRPr lang="en-US" sz="1100" dirty="0">
                         <a:effectLst/>
                         <a:latin typeface="Arial" panose="020B0604020202020204" pitchFamily="34" charset="0"/>
                         <a:ea typeface="Arial" panose="020B0604020202020204" pitchFamily="34" charset="0"/>
@@ -20080,7 +20316,7 @@
                         </a:spcAft>
                       </a:pPr>
                       <a:r>
-                        <a:rPr lang="en-US" sz="1100">
+                        <a:rPr lang="en-US" sz="1100" dirty="0">
                           <a:effectLst/>
                           <a:latin typeface="Calibri" panose="020F0502020204030204" pitchFamily="34" charset="0"/>
                           <a:ea typeface="Calibri" panose="020F0502020204030204" pitchFamily="34" charset="0"/>
@@ -20088,7 +20324,7 @@
                         </a:rPr>
                         <a:t>14</a:t>
                       </a:r>
-                      <a:endParaRPr lang="en-US" sz="1100">
+                      <a:endParaRPr lang="en-US" sz="1100" dirty="0">
                         <a:effectLst/>
                         <a:latin typeface="Arial" panose="020B0604020202020204" pitchFamily="34" charset="0"/>
                         <a:ea typeface="Arial" panose="020B0604020202020204" pitchFamily="34" charset="0"/>
@@ -20151,7 +20387,7 @@
                         </a:spcAft>
                       </a:pPr>
                       <a:r>
-                        <a:rPr lang="en-US" sz="1100">
+                        <a:rPr lang="en-US" sz="1100" dirty="0">
                           <a:effectLst/>
                           <a:latin typeface="Calibri" panose="020F0502020204030204" pitchFamily="34" charset="0"/>
                           <a:ea typeface="Calibri" panose="020F0502020204030204" pitchFamily="34" charset="0"/>
@@ -20159,7 +20395,7 @@
                         </a:rPr>
                         <a:t>Use of natural gas for water heating</a:t>
                       </a:r>
-                      <a:endParaRPr lang="en-US" sz="1100">
+                      <a:endParaRPr lang="en-US" sz="1100" dirty="0">
                         <a:effectLst/>
                         <a:latin typeface="Arial" panose="020B0604020202020204" pitchFamily="34" charset="0"/>
                         <a:ea typeface="Arial" panose="020B0604020202020204" pitchFamily="34" charset="0"/>
@@ -20229,7 +20465,7 @@
                         </a:spcAft>
                       </a:pPr>
                       <a:r>
-                        <a:rPr lang="en-US" sz="1100">
+                        <a:rPr lang="en-US" sz="1100" dirty="0">
                           <a:effectLst/>
                           <a:latin typeface="Calibri" panose="020F0502020204030204" pitchFamily="34" charset="0"/>
                           <a:ea typeface="Calibri" panose="020F0502020204030204" pitchFamily="34" charset="0"/>
@@ -20237,7 +20473,7 @@
                         </a:rPr>
                         <a:t>15</a:t>
                       </a:r>
-                      <a:endParaRPr lang="en-US" sz="1100">
+                      <a:endParaRPr lang="en-US" sz="1100" dirty="0">
                         <a:effectLst/>
                         <a:latin typeface="Arial" panose="020B0604020202020204" pitchFamily="34" charset="0"/>
                         <a:ea typeface="Arial" panose="020B0604020202020204" pitchFamily="34" charset="0"/>
@@ -20906,7 +21142,18 @@
             </a:pPr>
             <a:r>
               <a:rPr lang="en-US" dirty="0"/>
-              <a:t>The model is useful for predicting total energy consumption for various types of households with accuracy that out performs less sophisticated methods</a:t>
+              <a:t>The model is useful for predicting total energy consumption for various types of households and can serve as a tool for customers and integrated into existing websites/software applications of utility companies</a:t>
+            </a:r>
+          </a:p>
+          <a:p>
+            <a:pPr>
+              <a:buClr>
+                <a:schemeClr val="accent2"/>
+              </a:buClr>
+            </a:pPr>
+            <a:r>
+              <a:rPr lang="en-US" dirty="0"/>
+              <a:t>This model has much greater accuracy than less sophisticated methods such as using the mean or median to predict consumption, thus making it practically and statistically significant</a:t>
             </a:r>
           </a:p>
           <a:p>
@@ -20918,61 +21165,6 @@
             <a:r>
               <a:rPr lang="en-US" dirty="0"/>
               <a:t>This model is not a finished product and can be further improved further to improve predictive power. </a:t>
-            </a:r>
-          </a:p>
-          <a:p>
-            <a:pPr>
-              <a:buClr>
-                <a:schemeClr val="accent2"/>
-              </a:buClr>
-            </a:pPr>
-            <a:r>
-              <a:rPr lang="en-US" dirty="0"/>
-              <a:t>Particular areas that may be explored in the future to improve upon the models discussed include: </a:t>
-            </a:r>
-          </a:p>
-          <a:p>
-            <a:pPr lvl="1">
-              <a:buClr>
-                <a:schemeClr val="accent2"/>
-              </a:buClr>
-            </a:pPr>
-            <a:r>
-              <a:rPr lang="en-US" dirty="0"/>
-              <a:t>More robust feature selection to eliminate noisy features</a:t>
-            </a:r>
-          </a:p>
-          <a:p>
-            <a:pPr lvl="1">
-              <a:buClr>
-                <a:schemeClr val="accent2"/>
-              </a:buClr>
-            </a:pPr>
-            <a:r>
-              <a:rPr lang="en-US" dirty="0"/>
-              <a:t>Tuning more parameters for ensemble models</a:t>
-            </a:r>
-          </a:p>
-          <a:p>
-            <a:pPr lvl="1">
-              <a:buClr>
-                <a:schemeClr val="accent2"/>
-              </a:buClr>
-            </a:pPr>
-            <a:r>
-              <a:rPr lang="en-US" dirty="0"/>
-              <a:t>Further investigation into the correlation between variables and their effects on the results</a:t>
-            </a:r>
-          </a:p>
-          <a:p>
-            <a:pPr lvl="1">
-              <a:buClr>
-                <a:schemeClr val="accent2"/>
-              </a:buClr>
-            </a:pPr>
-            <a:r>
-              <a:rPr lang="en-US" dirty="0"/>
-              <a:t>Incorporating more model classes that may perform better.</a:t>
             </a:r>
           </a:p>
           <a:p>
@@ -21409,7 +21601,7 @@
             </a:pPr>
             <a:r>
               <a:rPr lang="en-US" sz="2000" dirty="0"/>
-              <a:t>The sociopolitical effects of climate change are shifting the focus of energy sector. Utility companies are facing pressure to be more efficient and environmentally sustainable</a:t>
+              <a:t>The sociopolitical effects of climate change are shifting the focus of the energy sector. Utility companies are facing pressure to be more efficient and environmentally sustainable</a:t>
             </a:r>
           </a:p>
           <a:p>
@@ -22809,7 +23001,7 @@
             </a:pPr>
             <a:r>
               <a:rPr lang="en-US" sz="1800" dirty="0"/>
-              <a:t>The dataset contains 217 columns that represent imputation flags for 222 columns variables (some imputation flag columns correspond to multiple variables). These values were considered missing entries </a:t>
+              <a:t>The dataset contains 217 columns that represent imputation flags for 222 columns variables (some imputation flag columns correspond to multiple variables). </a:t>
             </a:r>
           </a:p>
           <a:p>
@@ -23449,10 +23641,9 @@
           <a:lstStyle/>
           <a:p>
             <a:r>
-              <a:rPr lang="en-US"/>
+              <a:rPr lang="en-US" dirty="0"/>
               <a:t>Add a footer</a:t>
             </a:r>
-            <a:endParaRPr lang="en-US" dirty="0"/>
           </a:p>
         </p:txBody>
       </p:sp>
@@ -24618,6 +24809,23 @@
 </file>
 
 <file path=customXml/item1.xml><?xml version="1.0" encoding="utf-8"?>
+<p:properties xmlns:p="http://schemas.microsoft.com/office/2006/metadata/properties" xmlns:xsi="http://www.w3.org/2001/XMLSchema-instance" xmlns:pc="http://schemas.microsoft.com/office/infopath/2007/PartnerControls">
+  <documentManagement>
+    <MediaServiceKeyPoints xmlns="71af3243-3dd4-4a8d-8c0d-dd76da1f02a5" xsi:nil="true"/>
+  </documentManagement>
+</p:properties>
+</file>
+
+<file path=customXml/item2.xml><?xml version="1.0" encoding="utf-8"?>
+<?mso-contentType ?>
+<FormTemplates xmlns="http://schemas.microsoft.com/sharepoint/v3/contenttype/forms">
+  <Display>DocumentLibraryForm</Display>
+  <Edit>DocumentLibraryForm</Edit>
+  <New>DocumentLibraryForm</New>
+</FormTemplates>
+</file>
+
+<file path=customXml/item3.xml><?xml version="1.0" encoding="utf-8"?>
 <ct:contentTypeSchema xmlns:ct="http://schemas.microsoft.com/office/2006/metadata/contentType" xmlns:ma="http://schemas.microsoft.com/office/2006/metadata/properties/metaAttributes" ct:_="" ma:_="" ma:contentTypeName="Document" ma:contentTypeID="0x01010079F111ED35F8CC479449609E8A0923A6" ma:contentTypeVersion="11" ma:contentTypeDescription="Create a new document." ma:contentTypeScope="" ma:versionID="96291512c1ee715ab617f4c07df79fc1">
   <xsd:schema xmlns:xsd="http://www.w3.org/2001/XMLSchema" xmlns:xs="http://www.w3.org/2001/XMLSchema" xmlns:p="http://schemas.microsoft.com/office/2006/metadata/properties" xmlns:ns2="71af3243-3dd4-4a8d-8c0d-dd76da1f02a5" xmlns:ns3="16c05727-aa75-4e4a-9b5f-8a80a1165891" targetNamespace="http://schemas.microsoft.com/office/2006/metadata/properties" ma:root="true" ma:fieldsID="8256c27c40ca5c40ce1cf6c44f0205df" ns2:_="" ns3:_="">
     <xsd:import namespace="71af3243-3dd4-4a8d-8c0d-dd76da1f02a5"/>
@@ -24828,24 +25036,25 @@
 </ct:contentTypeSchema>
 </file>
 
-<file path=customXml/item2.xml><?xml version="1.0" encoding="utf-8"?>
-<?mso-contentType ?>
-<FormTemplates xmlns="http://schemas.microsoft.com/sharepoint/v3/contenttype/forms">
-  <Display>DocumentLibraryForm</Display>
-  <Edit>DocumentLibraryForm</Edit>
-  <New>DocumentLibraryForm</New>
-</FormTemplates>
+<file path=customXml/itemProps1.xml><?xml version="1.0" encoding="utf-8"?>
+<ds:datastoreItem xmlns:ds="http://schemas.openxmlformats.org/officeDocument/2006/customXml" ds:itemID="{C87F4215-C6BB-44A3-9A5E-9446E6835900}">
+  <ds:schemaRefs>
+    <ds:schemaRef ds:uri="http://schemas.microsoft.com/office/2006/metadata/properties"/>
+    <ds:schemaRef ds:uri="http://schemas.microsoft.com/office/infopath/2007/PartnerControls"/>
+    <ds:schemaRef ds:uri="71af3243-3dd4-4a8d-8c0d-dd76da1f02a5"/>
+  </ds:schemaRefs>
+</ds:datastoreItem>
 </file>
 
-<file path=customXml/item3.xml><?xml version="1.0" encoding="utf-8"?>
-<p:properties xmlns:p="http://schemas.microsoft.com/office/2006/metadata/properties" xmlns:xsi="http://www.w3.org/2001/XMLSchema-instance" xmlns:pc="http://schemas.microsoft.com/office/infopath/2007/PartnerControls">
-  <documentManagement>
-    <MediaServiceKeyPoints xmlns="71af3243-3dd4-4a8d-8c0d-dd76da1f02a5" xsi:nil="true"/>
-  </documentManagement>
-</p:properties>
+<file path=customXml/itemProps2.xml><?xml version="1.0" encoding="utf-8"?>
+<ds:datastoreItem xmlns:ds="http://schemas.openxmlformats.org/officeDocument/2006/customXml" ds:itemID="{A80A5AF1-8C57-4290-936E-5FD27C957251}">
+  <ds:schemaRefs>
+    <ds:schemaRef ds:uri="http://schemas.microsoft.com/sharepoint/v3/contenttype/forms"/>
+  </ds:schemaRefs>
+</ds:datastoreItem>
 </file>
 
-<file path=customXml/itemProps1.xml><?xml version="1.0" encoding="utf-8"?>
+<file path=customXml/itemProps3.xml><?xml version="1.0" encoding="utf-8"?>
 <ds:datastoreItem xmlns:ds="http://schemas.openxmlformats.org/officeDocument/2006/customXml" ds:itemID="{8F8919DE-9BD9-47A9-9F5D-16EBB9687974}">
   <ds:schemaRefs>
     <ds:schemaRef ds:uri="http://schemas.microsoft.com/office/2006/metadata/contentType"/>
@@ -24862,22 +25071,4 @@
     <ds:schemaRef ds:uri="http://schemas.microsoft.com/internal/obd"/>
   </ds:schemaRefs>
 </ds:datastoreItem>
-</file>
-
-<file path=customXml/itemProps2.xml><?xml version="1.0" encoding="utf-8"?>
-<ds:datastoreItem xmlns:ds="http://schemas.openxmlformats.org/officeDocument/2006/customXml" ds:itemID="{A80A5AF1-8C57-4290-936E-5FD27C957251}">
-  <ds:schemaRefs>
-    <ds:schemaRef ds:uri="http://schemas.microsoft.com/sharepoint/v3/contenttype/forms"/>
-  </ds:schemaRefs>
-</ds:datastoreItem>
-</file>
-
-<file path=customXml/itemProps3.xml><?xml version="1.0" encoding="utf-8"?>
-<ds:datastoreItem xmlns:ds="http://schemas.openxmlformats.org/officeDocument/2006/customXml" ds:itemID="{C87F4215-C6BB-44A3-9A5E-9446E6835900}">
-  <ds:schemaRefs>
-    <ds:schemaRef ds:uri="http://schemas.microsoft.com/office/2006/metadata/properties"/>
-    <ds:schemaRef ds:uri="http://schemas.microsoft.com/office/infopath/2007/PartnerControls"/>
-    <ds:schemaRef ds:uri="71af3243-3dd4-4a8d-8c0d-dd76da1f02a5"/>
-  </ds:schemaRefs>
-</ds:datastoreItem>
 </file>